--- a/powerpoints/reticulate.pptx
+++ b/powerpoints/reticulate.pptx
@@ -815,8 +815,8 @@
         </p:nvSpPr>
         <p:spPr>
           <a:xfrm>
-            <a:off x="0" y="158750"/>
-            <a:ext cx="13964218" cy="10477500"/>
+            <a:off x="-873125" y="158750"/>
+            <a:ext cx="15708068" cy="10477500"/>
           </a:xfrm>
           <a:prstGeom prst="rect">
             <a:avLst/>
@@ -1075,7 +1075,7 @@
         <p:spPr>
           <a:xfrm>
             <a:off x="1725786" y="840878"/>
-            <a:ext cx="10504786" cy="6357443"/>
+            <a:ext cx="10504786" cy="7006839"/>
           </a:xfrm>
           <a:prstGeom prst="rect">
             <a:avLst/>
@@ -1350,13 +1350,13 @@
           <p:cNvPr id="38" name="Image"/>
           <p:cNvSpPr/>
           <p:nvPr>
-            <p:ph type="pic" sz="half" idx="13"/>
+            <p:ph type="pic" idx="13"/>
           </p:nvPr>
         </p:nvSpPr>
         <p:spPr>
           <a:xfrm>
-            <a:off x="7216923" y="840878"/>
-            <a:ext cx="5729884" cy="8840392"/>
+            <a:off x="2919511" y="840878"/>
+            <a:ext cx="13274230" cy="8849488"/>
           </a:xfrm>
           <a:prstGeom prst="rect">
             <a:avLst/>
@@ -1752,13 +1752,13 @@
           <p:cNvPr id="65" name="Image"/>
           <p:cNvSpPr/>
           <p:nvPr>
-            <p:ph type="pic" sz="half" idx="13"/>
+            <p:ph type="pic" idx="13"/>
           </p:nvPr>
         </p:nvSpPr>
         <p:spPr>
           <a:xfrm>
-            <a:off x="7216923" y="2955478"/>
-            <a:ext cx="5729884" cy="6753077"/>
+            <a:off x="4870400" y="2955478"/>
+            <a:ext cx="10129615" cy="6753077"/>
           </a:xfrm>
           <a:prstGeom prst="rect">
             <a:avLst/>
@@ -2019,13 +2019,13 @@
           <p:cNvPr id="83" name="Image"/>
           <p:cNvSpPr/>
           <p:nvPr>
-            <p:ph type="pic" sz="half" idx="13"/>
+            <p:ph type="pic" idx="13"/>
           </p:nvPr>
         </p:nvSpPr>
         <p:spPr>
           <a:xfrm>
-            <a:off x="1023193" y="1113730"/>
-            <a:ext cx="5729884" cy="8567540"/>
+            <a:off x="-2551163" y="1113730"/>
+            <a:ext cx="12864953" cy="8576636"/>
           </a:xfrm>
           <a:prstGeom prst="rect">
             <a:avLst/>
@@ -2051,8 +2051,8 @@
         </p:nvSpPr>
         <p:spPr>
           <a:xfrm>
-            <a:off x="7216923" y="5629423"/>
-            <a:ext cx="5729884" cy="4051847"/>
+            <a:off x="7175996" y="5558791"/>
+            <a:ext cx="6507511" cy="4340601"/>
           </a:xfrm>
           <a:prstGeom prst="rect">
             <a:avLst/>
@@ -2078,8 +2078,8 @@
         </p:nvSpPr>
         <p:spPr>
           <a:xfrm>
-            <a:off x="7223603" y="1113730"/>
-            <a:ext cx="5729884" cy="4051847"/>
+            <a:off x="6985000" y="1111310"/>
+            <a:ext cx="6302872" cy="4201915"/>
           </a:xfrm>
           <a:prstGeom prst="rect">
             <a:avLst/>
@@ -2333,9 +2333,6 @@
         <a:buNone/>
         <a:tabLst/>
         <a:defRPr b="0" baseline="0" cap="none" i="0" spc="0" strike="noStrike" sz="4800" u="none">
-          <a:ln>
-            <a:noFill/>
-          </a:ln>
           <a:solidFill>
             <a:srgbClr val="585858"/>
           </a:solidFill>
@@ -2362,9 +2359,6 @@
         <a:buNone/>
         <a:tabLst/>
         <a:defRPr b="0" baseline="0" cap="none" i="0" spc="0" strike="noStrike" sz="4800" u="none">
-          <a:ln>
-            <a:noFill/>
-          </a:ln>
           <a:solidFill>
             <a:srgbClr val="585858"/>
           </a:solidFill>
@@ -2391,9 +2385,6 @@
         <a:buNone/>
         <a:tabLst/>
         <a:defRPr b="0" baseline="0" cap="none" i="0" spc="0" strike="noStrike" sz="4800" u="none">
-          <a:ln>
-            <a:noFill/>
-          </a:ln>
           <a:solidFill>
             <a:srgbClr val="585858"/>
           </a:solidFill>
@@ -2420,9 +2411,6 @@
         <a:buNone/>
         <a:tabLst/>
         <a:defRPr b="0" baseline="0" cap="none" i="0" spc="0" strike="noStrike" sz="4800" u="none">
-          <a:ln>
-            <a:noFill/>
-          </a:ln>
           <a:solidFill>
             <a:srgbClr val="585858"/>
           </a:solidFill>
@@ -2449,9 +2437,6 @@
         <a:buNone/>
         <a:tabLst/>
         <a:defRPr b="0" baseline="0" cap="none" i="0" spc="0" strike="noStrike" sz="4800" u="none">
-          <a:ln>
-            <a:noFill/>
-          </a:ln>
           <a:solidFill>
             <a:srgbClr val="585858"/>
           </a:solidFill>
@@ -2478,9 +2463,6 @@
         <a:buNone/>
         <a:tabLst/>
         <a:defRPr b="0" baseline="0" cap="none" i="0" spc="0" strike="noStrike" sz="4800" u="none">
-          <a:ln>
-            <a:noFill/>
-          </a:ln>
           <a:solidFill>
             <a:srgbClr val="585858"/>
           </a:solidFill>
@@ -2507,9 +2489,6 @@
         <a:buNone/>
         <a:tabLst/>
         <a:defRPr b="0" baseline="0" cap="none" i="0" spc="0" strike="noStrike" sz="4800" u="none">
-          <a:ln>
-            <a:noFill/>
-          </a:ln>
           <a:solidFill>
             <a:srgbClr val="585858"/>
           </a:solidFill>
@@ -2536,9 +2515,6 @@
         <a:buNone/>
         <a:tabLst/>
         <a:defRPr b="0" baseline="0" cap="none" i="0" spc="0" strike="noStrike" sz="4800" u="none">
-          <a:ln>
-            <a:noFill/>
-          </a:ln>
           <a:solidFill>
             <a:srgbClr val="585858"/>
           </a:solidFill>
@@ -2565,9 +2541,6 @@
         <a:buNone/>
         <a:tabLst/>
         <a:defRPr b="0" baseline="0" cap="none" i="0" spc="0" strike="noStrike" sz="4800" u="none">
-          <a:ln>
-            <a:noFill/>
-          </a:ln>
           <a:solidFill>
             <a:srgbClr val="585858"/>
           </a:solidFill>
@@ -2596,9 +2569,6 @@
         <a:buChar char="•"/>
         <a:tabLst/>
         <a:defRPr b="0" baseline="0" cap="none" i="0" spc="0" strike="noStrike" sz="1000" u="none">
-          <a:ln>
-            <a:noFill/>
-          </a:ln>
           <a:solidFill>
             <a:srgbClr val="000000"/>
           </a:solidFill>
@@ -2625,9 +2595,6 @@
         <a:buChar char="•"/>
         <a:tabLst/>
         <a:defRPr b="0" baseline="0" cap="none" i="0" spc="0" strike="noStrike" sz="1000" u="none">
-          <a:ln>
-            <a:noFill/>
-          </a:ln>
           <a:solidFill>
             <a:srgbClr val="000000"/>
           </a:solidFill>
@@ -2654,9 +2621,6 @@
         <a:buChar char="•"/>
         <a:tabLst/>
         <a:defRPr b="0" baseline="0" cap="none" i="0" spc="0" strike="noStrike" sz="1000" u="none">
-          <a:ln>
-            <a:noFill/>
-          </a:ln>
           <a:solidFill>
             <a:srgbClr val="000000"/>
           </a:solidFill>
@@ -2683,9 +2647,6 @@
         <a:buChar char="•"/>
         <a:tabLst/>
         <a:defRPr b="0" baseline="0" cap="none" i="0" spc="0" strike="noStrike" sz="1000" u="none">
-          <a:ln>
-            <a:noFill/>
-          </a:ln>
           <a:solidFill>
             <a:srgbClr val="000000"/>
           </a:solidFill>
@@ -2712,9 +2673,6 @@
         <a:buChar char="•"/>
         <a:tabLst/>
         <a:defRPr b="0" baseline="0" cap="none" i="0" spc="0" strike="noStrike" sz="1000" u="none">
-          <a:ln>
-            <a:noFill/>
-          </a:ln>
           <a:solidFill>
             <a:srgbClr val="000000"/>
           </a:solidFill>
@@ -2741,9 +2699,6 @@
         <a:buChar char="•"/>
         <a:tabLst/>
         <a:defRPr b="0" baseline="0" cap="none" i="0" spc="0" strike="noStrike" sz="1000" u="none">
-          <a:ln>
-            <a:noFill/>
-          </a:ln>
           <a:solidFill>
             <a:srgbClr val="000000"/>
           </a:solidFill>
@@ -2770,9 +2725,6 @@
         <a:buChar char="•"/>
         <a:tabLst/>
         <a:defRPr b="0" baseline="0" cap="none" i="0" spc="0" strike="noStrike" sz="1000" u="none">
-          <a:ln>
-            <a:noFill/>
-          </a:ln>
           <a:solidFill>
             <a:srgbClr val="000000"/>
           </a:solidFill>
@@ -2799,9 +2751,6 @@
         <a:buChar char="•"/>
         <a:tabLst/>
         <a:defRPr b="0" baseline="0" cap="none" i="0" spc="0" strike="noStrike" sz="1000" u="none">
-          <a:ln>
-            <a:noFill/>
-          </a:ln>
           <a:solidFill>
             <a:srgbClr val="000000"/>
           </a:solidFill>
@@ -2828,9 +2777,6 @@
         <a:buChar char="•"/>
         <a:tabLst/>
         <a:defRPr b="0" baseline="0" cap="none" i="0" spc="0" strike="noStrike" sz="1000" u="none">
-          <a:ln>
-            <a:noFill/>
-          </a:ln>
           <a:solidFill>
             <a:srgbClr val="000000"/>
           </a:solidFill>
@@ -2859,9 +2805,6 @@
         <a:buNone/>
         <a:tabLst/>
         <a:defRPr b="0" baseline="0" cap="none" i="0" spc="0" strike="noStrike" sz="1800" u="none">
-          <a:ln>
-            <a:noFill/>
-          </a:ln>
           <a:solidFill>
             <a:schemeClr val="tx1"/>
           </a:solidFill>
@@ -2888,9 +2831,6 @@
         <a:buNone/>
         <a:tabLst/>
         <a:defRPr b="0" baseline="0" cap="none" i="0" spc="0" strike="noStrike" sz="1800" u="none">
-          <a:ln>
-            <a:noFill/>
-          </a:ln>
           <a:solidFill>
             <a:schemeClr val="tx1"/>
           </a:solidFill>
@@ -2917,9 +2857,6 @@
         <a:buNone/>
         <a:tabLst/>
         <a:defRPr b="0" baseline="0" cap="none" i="0" spc="0" strike="noStrike" sz="1800" u="none">
-          <a:ln>
-            <a:noFill/>
-          </a:ln>
           <a:solidFill>
             <a:schemeClr val="tx1"/>
           </a:solidFill>
@@ -2946,9 +2883,6 @@
         <a:buNone/>
         <a:tabLst/>
         <a:defRPr b="0" baseline="0" cap="none" i="0" spc="0" strike="noStrike" sz="1800" u="none">
-          <a:ln>
-            <a:noFill/>
-          </a:ln>
           <a:solidFill>
             <a:schemeClr val="tx1"/>
           </a:solidFill>
@@ -2975,9 +2909,6 @@
         <a:buNone/>
         <a:tabLst/>
         <a:defRPr b="0" baseline="0" cap="none" i="0" spc="0" strike="noStrike" sz="1800" u="none">
-          <a:ln>
-            <a:noFill/>
-          </a:ln>
           <a:solidFill>
             <a:schemeClr val="tx1"/>
           </a:solidFill>
@@ -3004,9 +2935,6 @@
         <a:buNone/>
         <a:tabLst/>
         <a:defRPr b="0" baseline="0" cap="none" i="0" spc="0" strike="noStrike" sz="1800" u="none">
-          <a:ln>
-            <a:noFill/>
-          </a:ln>
           <a:solidFill>
             <a:schemeClr val="tx1"/>
           </a:solidFill>
@@ -3033,9 +2961,6 @@
         <a:buNone/>
         <a:tabLst/>
         <a:defRPr b="0" baseline="0" cap="none" i="0" spc="0" strike="noStrike" sz="1800" u="none">
-          <a:ln>
-            <a:noFill/>
-          </a:ln>
           <a:solidFill>
             <a:schemeClr val="tx1"/>
           </a:solidFill>
@@ -3062,9 +2987,6 @@
         <a:buNone/>
         <a:tabLst/>
         <a:defRPr b="0" baseline="0" cap="none" i="0" spc="0" strike="noStrike" sz="1800" u="none">
-          <a:ln>
-            <a:noFill/>
-          </a:ln>
           <a:solidFill>
             <a:schemeClr val="tx1"/>
           </a:solidFill>
@@ -3091,9 +3013,6 @@
         <a:buNone/>
         <a:tabLst/>
         <a:defRPr b="0" baseline="0" cap="none" i="0" spc="0" strike="noStrike" sz="1800" u="none">
-          <a:ln>
-            <a:noFill/>
-          </a:ln>
           <a:solidFill>
             <a:schemeClr val="tx1"/>
           </a:solidFill>
@@ -3145,7 +3064,7 @@
         <p:spPr>
           <a:xfrm>
             <a:off x="3319319" y="1533525"/>
-            <a:ext cx="3548647" cy="4572001"/>
+            <a:ext cx="3548647" cy="4572000"/>
           </a:xfrm>
           <a:prstGeom prst="rect">
             <a:avLst/>
@@ -3213,7 +3132,7 @@
         <p:spPr>
           <a:xfrm>
             <a:off x="7072642" y="1533525"/>
-            <a:ext cx="3570759" cy="4572001"/>
+            <a:ext cx="3570759" cy="4572000"/>
           </a:xfrm>
           <a:prstGeom prst="rect">
             <a:avLst/>
@@ -3620,38 +3539,9 @@
           </a:p>
         </p:txBody>
       </p:sp>
-      <p:pic>
-        <p:nvPicPr>
-          <p:cNvPr id="139" name="Image" descr="Image"/>
-          <p:cNvPicPr>
-            <a:picLocks noChangeAspect="1"/>
-          </p:cNvPicPr>
-          <p:nvPr/>
-        </p:nvPicPr>
-        <p:blipFill>
-          <a:blip r:embed="rId10">
-            <a:extLst/>
-          </a:blip>
-          <a:stretch>
-            <a:fillRect/>
-          </a:stretch>
-        </p:blipFill>
-        <p:spPr>
-          <a:xfrm>
-            <a:off x="11952068" y="136271"/>
-            <a:ext cx="2084548" cy="1455517"/>
-          </a:xfrm>
-          <a:prstGeom prst="rect">
-            <a:avLst/>
-          </a:prstGeom>
-          <a:ln w="12700">
-            <a:miter lim="400000"/>
-          </a:ln>
-        </p:spPr>
-      </p:pic>
       <p:sp>
         <p:nvSpPr>
-          <p:cNvPr id="140" name="Line"/>
+          <p:cNvPr id="139" name="Line"/>
           <p:cNvSpPr/>
           <p:nvPr/>
         </p:nvSpPr>
@@ -3692,14 +3582,14 @@
       </p:sp>
       <p:sp>
         <p:nvSpPr>
-          <p:cNvPr id="141" name="Python in R code"/>
+          <p:cNvPr id="140" name="Python in R"/>
           <p:cNvSpPr txBox="1"/>
           <p:nvPr/>
         </p:nvSpPr>
         <p:spPr>
           <a:xfrm>
             <a:off x="10710398" y="1523999"/>
-            <a:ext cx="2258696" cy="431801"/>
+            <a:ext cx="1551306" cy="431801"/>
           </a:xfrm>
           <a:prstGeom prst="rect">
             <a:avLst/>
@@ -3733,14 +3623,14 @@
               </a:defRPr>
             </a:pPr>
             <a:r>
-              <a:t>Python in R code</a:t>
+              <a:t>Python in R</a:t>
             </a:r>
           </a:p>
         </p:txBody>
       </p:sp>
       <p:sp>
         <p:nvSpPr>
-          <p:cNvPr id="142" name="Call Python from R in three ways:"/>
+          <p:cNvPr id="141" name="Call Python from R code in three ways:"/>
           <p:cNvSpPr txBox="1"/>
           <p:nvPr/>
         </p:nvSpPr>
@@ -3783,21 +3673,21 @@
           <a:p>
             <a:pPr/>
             <a:r>
-              <a:t>Call Python from R in three ways:</a:t>
+              <a:t>Call Python from R code in three ways:</a:t>
             </a:r>
           </a:p>
         </p:txBody>
       </p:sp>
       <p:sp>
         <p:nvSpPr>
-          <p:cNvPr id="143" name="Use import() to import any Python module. Access the attributes of a module with $.…"/>
+          <p:cNvPr id="142" name="Use import() to import any Python module. Access the attributes of a module with $.…"/>
           <p:cNvSpPr txBox="1"/>
           <p:nvPr/>
         </p:nvSpPr>
         <p:spPr>
           <a:xfrm>
-            <a:off x="10742928" y="2476155"/>
-            <a:ext cx="2745181" cy="3196984"/>
+            <a:off x="10742927" y="2476155"/>
+            <a:ext cx="2745182" cy="3196984"/>
           </a:xfrm>
           <a:prstGeom prst="rect">
             <a:avLst/>
@@ -3980,14 +3870,14 @@
       </p:sp>
       <p:sp>
         <p:nvSpPr>
-          <p:cNvPr id="144" name="IMPORT PYTHON MODULES"/>
+          <p:cNvPr id="143" name="IMPORT PYTHON MODULES"/>
           <p:cNvSpPr txBox="1"/>
           <p:nvPr/>
         </p:nvSpPr>
         <p:spPr>
           <a:xfrm>
-            <a:off x="10722338" y="2221166"/>
-            <a:ext cx="1856842" cy="215901"/>
+            <a:off x="10722337" y="2221166"/>
+            <a:ext cx="1856843" cy="215901"/>
           </a:xfrm>
           <a:prstGeom prst="rect">
             <a:avLst/>
@@ -4022,7 +3912,7 @@
       </p:sp>
       <p:sp>
         <p:nvSpPr>
-          <p:cNvPr id="145" name="SOURCE PYTHON FILES"/>
+          <p:cNvPr id="144" name="SOURCE PYTHON FILES"/>
           <p:cNvSpPr txBox="1"/>
           <p:nvPr/>
         </p:nvSpPr>
@@ -4064,7 +3954,7 @@
       </p:sp>
       <p:sp>
         <p:nvSpPr>
-          <p:cNvPr id="146" name="Use source_python() to source a Python script and make the Python functions and objects it creates available in the calling R environment.…"/>
+          <p:cNvPr id="145" name="Use source_python() to source a Python script and make the Python functions and objects it creates available in the calling R environment.…"/>
           <p:cNvSpPr txBox="1"/>
           <p:nvPr/>
         </p:nvSpPr>
@@ -4147,7 +4037,7 @@
       </p:sp>
       <p:sp>
         <p:nvSpPr>
-          <p:cNvPr id="147" name="RUN PYTHON CODE"/>
+          <p:cNvPr id="146" name="RUN PYTHON CODE"/>
           <p:cNvSpPr txBox="1"/>
           <p:nvPr/>
         </p:nvSpPr>
@@ -4189,7 +4079,7 @@
       </p:sp>
       <p:sp>
         <p:nvSpPr>
-          <p:cNvPr id="148" name="Execute Python code into the main Python module with py_run_file() or py_run_string().…"/>
+          <p:cNvPr id="147" name="Execute Python code into the main Python module with py_run_file() or py_run_string().…"/>
           <p:cNvSpPr txBox="1"/>
           <p:nvPr/>
         </p:nvSpPr>
@@ -4502,7 +4392,7 @@
       </p:sp>
       <p:sp>
         <p:nvSpPr>
-          <p:cNvPr id="149" name="The reticulate package lets you use Python and R together seamlessly in R code, in R Markdown documents, and in the RStudio IDE."/>
+          <p:cNvPr id="148" name="The reticulate package lets you use Python and R together seamlessly in R code, in R Markdown documents, and in the RStudio IDE."/>
           <p:cNvSpPr txBox="1"/>
           <p:nvPr/>
         </p:nvSpPr>
@@ -4562,14 +4452,14 @@
       </p:sp>
       <p:sp>
         <p:nvSpPr>
-          <p:cNvPr id="150" name="py_capture_output(expr, type = c(&quot;stdout&quot;, &quot;stderr&quot;)) Capture and return Python output. Also py_suppress_warnings. py_capture_output(&quot;x&quot;)…"/>
+          <p:cNvPr id="149" name="py_capture_output(expr, type = c(&quot;stdout&quot;, &quot;stderr&quot;)) Capture and return Python output. Also py_suppress_warnings. py_capture_output(&quot;x&quot;)…"/>
           <p:cNvSpPr txBox="1"/>
           <p:nvPr/>
         </p:nvSpPr>
         <p:spPr>
           <a:xfrm>
             <a:off x="7225560" y="6837791"/>
-            <a:ext cx="3191505" cy="4184786"/>
+            <a:ext cx="3191504" cy="4184786"/>
           </a:xfrm>
           <a:prstGeom prst="rect">
             <a:avLst/>
@@ -4862,7 +4752,7 @@
       </p:sp>
       <p:graphicFrame>
         <p:nvGraphicFramePr>
-          <p:cNvPr id="151" name="Table"/>
+          <p:cNvPr id="150" name="Table"/>
           <p:cNvGraphicFramePr/>
           <p:nvPr/>
         </p:nvGraphicFramePr>
@@ -5928,7 +5818,7 @@
       </p:graphicFrame>
       <p:sp>
         <p:nvSpPr>
-          <p:cNvPr id="152" name="Line"/>
+          <p:cNvPr id="151" name="Line"/>
           <p:cNvSpPr/>
           <p:nvPr/>
         </p:nvSpPr>
@@ -5969,7 +5859,7 @@
       </p:sp>
       <p:sp>
         <p:nvSpPr>
-          <p:cNvPr id="153" name="py_to_r(x) Convert a Python object to an R object. Also r_to_py.  py_to_r(x)…"/>
+          <p:cNvPr id="152" name="py_to_r(x) Convert a Python object to an R object. Also r_to_py.  py_to_r(x)…"/>
           <p:cNvSpPr txBox="1"/>
           <p:nvPr/>
         </p:nvSpPr>
@@ -6058,7 +5948,7 @@
       </p:sp>
       <p:sp>
         <p:nvSpPr>
-          <p:cNvPr id="154" name="Helpers"/>
+          <p:cNvPr id="153" name="Helpers"/>
           <p:cNvSpPr txBox="1"/>
           <p:nvPr/>
         </p:nvSpPr>
@@ -6106,7 +5996,7 @@
       </p:sp>
       <p:sp>
         <p:nvSpPr>
-          <p:cNvPr id="155" name="Object Conversion"/>
+          <p:cNvPr id="154" name="Object Conversion"/>
           <p:cNvSpPr txBox="1"/>
           <p:nvPr/>
         </p:nvSpPr>
@@ -6154,7 +6044,7 @@
       </p:sp>
       <p:sp>
         <p:nvSpPr>
-          <p:cNvPr id="156" name="dict(..., convert = FALSE) Create a Python dictionary object. Also py_dict to make a dictionary that uses Python objects as keys. dict(foo = &quot;bar&quot;, index = 42L)…"/>
+          <p:cNvPr id="155" name="dict(..., convert = FALSE) Create a Python dictionary object. Also py_dict to make a dictionary that uses Python objects as keys. dict(foo = &quot;bar&quot;, index = 42L)…"/>
           <p:cNvSpPr txBox="1"/>
           <p:nvPr/>
         </p:nvSpPr>
@@ -6393,7 +6283,7 @@
       </p:sp>
       <p:sp>
         <p:nvSpPr>
-          <p:cNvPr id="157" name="Reticulate provides automatic built-in conversion between Python and R for many Python types."/>
+          <p:cNvPr id="156" name="Reticulate provides automatic built-in conversion between Python and R for many Python types."/>
           <p:cNvSpPr txBox="1"/>
           <p:nvPr/>
         </p:nvSpPr>
@@ -6453,14 +6343,14 @@
       </p:sp>
       <p:sp>
         <p:nvSpPr>
-          <p:cNvPr id="158" name="Double Arrow"/>
+          <p:cNvPr id="157" name="Double Arrow"/>
           <p:cNvSpPr/>
           <p:nvPr/>
         </p:nvSpPr>
         <p:spPr>
           <a:xfrm>
             <a:off x="1757567" y="7270476"/>
-            <a:ext cx="392398" cy="168527"/>
+            <a:ext cx="392399" cy="168527"/>
           </a:xfrm>
           <a:prstGeom prst="leftRightArrow">
             <a:avLst>
@@ -6497,7 +6387,7 @@
       </p:sp>
       <p:sp>
         <p:nvSpPr>
-          <p:cNvPr id="159" name="Tip: To index Python objects begin at 0, use integers, e.g. 0L"/>
+          <p:cNvPr id="158" name="Tip: To index Python objects begin at 0, use integers, e.g. 0L"/>
           <p:cNvSpPr txBox="1"/>
           <p:nvPr/>
         </p:nvSpPr>
@@ -6551,7 +6441,7 @@
       </p:sp>
       <p:sp>
         <p:nvSpPr>
-          <p:cNvPr id="160" name="Or, if you like, you can convert manually with"/>
+          <p:cNvPr id="159" name="Or, if you like, you can convert manually with"/>
           <p:cNvSpPr txBox="1"/>
           <p:nvPr/>
         </p:nvSpPr>
@@ -6601,7 +6491,7 @@
       </p:sp>
       <p:sp>
         <p:nvSpPr>
-          <p:cNvPr id="161" name="(Optional) Build Python env to use.…"/>
+          <p:cNvPr id="160" name="(Optional) Build Python env to use.…"/>
           <p:cNvSpPr txBox="1"/>
           <p:nvPr/>
         </p:nvSpPr>
@@ -6898,14 +6788,14 @@
       </p:sp>
       <p:sp>
         <p:nvSpPr>
-          <p:cNvPr id="162" name="Line"/>
+          <p:cNvPr id="161" name="Line"/>
           <p:cNvSpPr/>
           <p:nvPr/>
         </p:nvSpPr>
         <p:spPr>
           <a:xfrm flipH="1">
-            <a:off x="2342487" y="2647556"/>
-            <a:ext cx="1347005" cy="526807"/>
+            <a:off x="2342486" y="2647556"/>
+            <a:ext cx="1347006" cy="526807"/>
           </a:xfrm>
           <a:prstGeom prst="line">
             <a:avLst/>
@@ -6942,7 +6832,7 @@
       </p:sp>
       <p:sp>
         <p:nvSpPr>
-          <p:cNvPr id="163" name="Line"/>
+          <p:cNvPr id="162" name="Line"/>
           <p:cNvSpPr/>
           <p:nvPr/>
         </p:nvSpPr>
@@ -6986,7 +6876,7 @@
       </p:sp>
       <p:sp>
         <p:nvSpPr>
-          <p:cNvPr id="164" name="Line"/>
+          <p:cNvPr id="163" name="Line"/>
           <p:cNvSpPr/>
           <p:nvPr/>
         </p:nvSpPr>
@@ -7030,7 +6920,7 @@
       </p:sp>
       <p:sp>
         <p:nvSpPr>
-          <p:cNvPr id="165" name="Oval"/>
+          <p:cNvPr id="164" name="Oval"/>
           <p:cNvSpPr/>
           <p:nvPr/>
         </p:nvSpPr>
@@ -7073,14 +6963,14 @@
       </p:sp>
       <p:sp>
         <p:nvSpPr>
-          <p:cNvPr id="166" name="Line"/>
+          <p:cNvPr id="165" name="Line"/>
           <p:cNvSpPr/>
           <p:nvPr/>
         </p:nvSpPr>
         <p:spPr>
           <a:xfrm flipH="1">
             <a:off x="2892283" y="4108435"/>
-            <a:ext cx="1664852" cy="197272"/>
+            <a:ext cx="1664852" cy="197271"/>
           </a:xfrm>
           <a:prstGeom prst="line">
             <a:avLst/>
@@ -7117,7 +7007,7 @@
       </p:sp>
       <p:sp>
         <p:nvSpPr>
-          <p:cNvPr id="167" name="Oval"/>
+          <p:cNvPr id="166" name="Oval"/>
           <p:cNvSpPr/>
           <p:nvPr/>
         </p:nvSpPr>
@@ -7160,7 +7050,7 @@
       </p:sp>
       <p:sp>
         <p:nvSpPr>
-          <p:cNvPr id="168" name="Line"/>
+          <p:cNvPr id="167" name="Line"/>
           <p:cNvSpPr/>
           <p:nvPr/>
         </p:nvSpPr>
@@ -7204,7 +7094,7 @@
       </p:sp>
       <p:sp>
         <p:nvSpPr>
-          <p:cNvPr id="169" name="Oval"/>
+          <p:cNvPr id="168" name="Oval"/>
           <p:cNvSpPr/>
           <p:nvPr/>
         </p:nvSpPr>
@@ -7247,7 +7137,7 @@
       </p:sp>
       <p:sp>
         <p:nvSpPr>
-          <p:cNvPr id="170" name="Line"/>
+          <p:cNvPr id="169" name="Line"/>
           <p:cNvSpPr/>
           <p:nvPr/>
         </p:nvSpPr>
@@ -7291,14 +7181,14 @@
       </p:sp>
       <p:sp>
         <p:nvSpPr>
-          <p:cNvPr id="171" name="Line"/>
+          <p:cNvPr id="170" name="Line"/>
           <p:cNvSpPr/>
           <p:nvPr/>
         </p:nvSpPr>
         <p:spPr>
           <a:xfrm flipH="1">
-            <a:off x="9487505" y="2568354"/>
-            <a:ext cx="1247053" cy="155057"/>
+            <a:off x="9487505" y="2568353"/>
+            <a:ext cx="1247052" cy="155058"/>
           </a:xfrm>
           <a:prstGeom prst="line">
             <a:avLst/>
@@ -7335,14 +7225,14 @@
       </p:sp>
       <p:sp>
         <p:nvSpPr>
-          <p:cNvPr id="172" name="Oval"/>
+          <p:cNvPr id="171" name="Oval"/>
           <p:cNvSpPr/>
           <p:nvPr/>
         </p:nvSpPr>
         <p:spPr>
           <a:xfrm>
-            <a:off x="8066020" y="2997020"/>
-            <a:ext cx="460862" cy="239316"/>
+            <a:off x="8066020" y="2997019"/>
+            <a:ext cx="460862" cy="239317"/>
           </a:xfrm>
           <a:prstGeom prst="ellipse">
             <a:avLst/>
@@ -7378,7 +7268,7 @@
       </p:sp>
       <p:sp>
         <p:nvSpPr>
-          <p:cNvPr id="173" name="Line"/>
+          <p:cNvPr id="172" name="Line"/>
           <p:cNvSpPr/>
           <p:nvPr/>
         </p:nvSpPr>
@@ -7422,7 +7312,7 @@
       </p:sp>
       <p:sp>
         <p:nvSpPr>
-          <p:cNvPr id="174" name="Line"/>
+          <p:cNvPr id="173" name="Line"/>
           <p:cNvSpPr/>
           <p:nvPr/>
         </p:nvSpPr>
@@ -7466,14 +7356,14 @@
       </p:sp>
       <p:sp>
         <p:nvSpPr>
-          <p:cNvPr id="175" name="Line"/>
+          <p:cNvPr id="174" name="Line"/>
           <p:cNvSpPr/>
           <p:nvPr/>
         </p:nvSpPr>
         <p:spPr>
           <a:xfrm flipH="1" flipV="1">
             <a:off x="8558969" y="4742540"/>
-            <a:ext cx="2156634" cy="2393714"/>
+            <a:ext cx="2156635" cy="2393714"/>
           </a:xfrm>
           <a:prstGeom prst="line">
             <a:avLst/>
@@ -7510,14 +7400,14 @@
       </p:sp>
       <p:sp>
         <p:nvSpPr>
-          <p:cNvPr id="176" name="Oval"/>
+          <p:cNvPr id="175" name="Oval"/>
           <p:cNvSpPr/>
           <p:nvPr/>
         </p:nvSpPr>
         <p:spPr>
           <a:xfrm>
-            <a:off x="7719186" y="4714100"/>
-            <a:ext cx="460862" cy="286112"/>
+            <a:off x="7719186" y="4714101"/>
+            <a:ext cx="460862" cy="286111"/>
           </a:xfrm>
           <a:prstGeom prst="ellipse">
             <a:avLst/>
@@ -7553,7 +7443,7 @@
       </p:sp>
       <p:sp>
         <p:nvSpPr>
-          <p:cNvPr id="177" name="Line"/>
+          <p:cNvPr id="176" name="Line"/>
           <p:cNvSpPr/>
           <p:nvPr/>
         </p:nvSpPr>
@@ -7597,12 +7487,12 @@
       </p:sp>
       <p:sp>
         <p:nvSpPr>
-          <p:cNvPr id="178" name="Line"/>
+          <p:cNvPr id="177" name="Line"/>
           <p:cNvSpPr/>
           <p:nvPr/>
         </p:nvSpPr>
         <p:spPr>
-          <a:xfrm flipV="1">
+          <a:xfrm flipH="1" flipV="1">
             <a:off x="3715615" y="2250513"/>
             <a:ext cx="1" cy="271507"/>
           </a:xfrm>
@@ -7641,14 +7531,14 @@
       </p:sp>
       <p:sp>
         <p:nvSpPr>
-          <p:cNvPr id="179" name="Oval"/>
+          <p:cNvPr id="178" name="Oval"/>
           <p:cNvSpPr/>
           <p:nvPr/>
         </p:nvSpPr>
         <p:spPr>
           <a:xfrm>
-            <a:off x="3704005" y="4748719"/>
-            <a:ext cx="287958" cy="216874"/>
+            <a:off x="3704004" y="4748719"/>
+            <a:ext cx="287959" cy="216875"/>
           </a:xfrm>
           <a:prstGeom prst="ellipse">
             <a:avLst/>
@@ -7684,7 +7574,7 @@
       </p:sp>
       <p:sp>
         <p:nvSpPr>
-          <p:cNvPr id="180" name="Line"/>
+          <p:cNvPr id="179" name="Line"/>
           <p:cNvSpPr/>
           <p:nvPr/>
         </p:nvSpPr>
@@ -7726,6 +7616,35 @@
           </a:p>
         </p:txBody>
       </p:sp>
+      <p:pic>
+        <p:nvPicPr>
+          <p:cNvPr id="180" name="reticulate.png" descr="reticulate.png"/>
+          <p:cNvPicPr>
+            <a:picLocks noChangeAspect="1"/>
+          </p:cNvPicPr>
+          <p:nvPr/>
+        </p:nvPicPr>
+        <p:blipFill>
+          <a:blip r:embed="rId10">
+            <a:extLst/>
+          </a:blip>
+          <a:stretch>
+            <a:fillRect/>
+          </a:stretch>
+        </p:blipFill>
+        <p:spPr>
+          <a:xfrm>
+            <a:off x="12287758" y="217925"/>
+            <a:ext cx="1358901" cy="1575216"/>
+          </a:xfrm>
+          <a:prstGeom prst="rect">
+            <a:avLst/>
+          </a:prstGeom>
+          <a:ln w="12700">
+            <a:miter lim="400000"/>
+          </a:ln>
+        </p:spPr>
+      </p:pic>
     </p:spTree>
   </p:cSld>
   <p:clrMapOvr>
@@ -9063,9 +8982,787 @@
           </a:p>
         </p:txBody>
       </p:sp>
+      <p:sp>
+        <p:nvSpPr>
+          <p:cNvPr id="202" name="Python in the IDE"/>
+          <p:cNvSpPr txBox="1"/>
+          <p:nvPr/>
+        </p:nvSpPr>
+        <p:spPr>
+          <a:xfrm>
+            <a:off x="316389" y="723899"/>
+            <a:ext cx="2317751" cy="431801"/>
+          </a:xfrm>
+          <a:prstGeom prst="rect">
+            <a:avLst/>
+          </a:prstGeom>
+          <a:ln w="12700">
+            <a:miter lim="400000"/>
+          </a:ln>
+          <a:extLst>
+            <a:ext uri="{C572A759-6A51-4108-AA02-DFA0A04FC94B}">
+              <ma14:wrappingTextBoxFlag xmlns:ma14="http://schemas.microsoft.com/office/mac/drawingml/2011/main" val="1"/>
+            </a:ext>
+          </a:extLst>
+        </p:spPr>
+        <p:txBody>
+          <a:bodyPr wrap="none" lIns="12700" tIns="12700" rIns="12700" bIns="12700" anchor="ctr">
+            <a:spAutoFit/>
+          </a:bodyPr>
+          <a:lstStyle/>
+          <a:p>
+            <a:pPr lvl="1" indent="0">
+              <a:lnSpc>
+                <a:spcPct val="80000"/>
+              </a:lnSpc>
+              <a:spcBef>
+                <a:spcPts val="0"/>
+              </a:spcBef>
+              <a:defRPr b="0" sz="2500">
+                <a:solidFill>
+                  <a:srgbClr val="654F25"/>
+                </a:solidFill>
+              </a:defRPr>
+            </a:pPr>
+            <a:r>
+              <a:t>Python in the IDE</a:t>
+            </a:r>
+          </a:p>
+        </p:txBody>
+      </p:sp>
+      <p:sp>
+        <p:nvSpPr>
+          <p:cNvPr id="203" name="Requires reticulate plus RStudio v1.2 or higher."/>
+          <p:cNvSpPr txBox="1"/>
+          <p:nvPr/>
+        </p:nvSpPr>
+        <p:spPr>
+          <a:xfrm>
+            <a:off x="2706170" y="927715"/>
+            <a:ext cx="3311341" cy="235572"/>
+          </a:xfrm>
+          <a:prstGeom prst="rect">
+            <a:avLst/>
+          </a:prstGeom>
+          <a:ln w="12700">
+            <a:miter lim="400000"/>
+          </a:ln>
+          <a:extLst>
+            <a:ext uri="{C572A759-6A51-4108-AA02-DFA0A04FC94B}">
+              <ma14:wrappingTextBoxFlag xmlns:ma14="http://schemas.microsoft.com/office/mac/drawingml/2011/main" val="1"/>
+            </a:ext>
+          </a:extLst>
+        </p:spPr>
+        <p:txBody>
+          <a:bodyPr lIns="0" tIns="0" rIns="0" bIns="0">
+            <a:normAutofit fontScale="100000" lnSpcReduction="0"/>
+          </a:bodyPr>
+          <a:lstStyle>
+            <a:lvl1pPr>
+              <a:lnSpc>
+                <a:spcPct val="80000"/>
+              </a:lnSpc>
+              <a:spcBef>
+                <a:spcPts val="1000"/>
+              </a:spcBef>
+              <a:defRPr b="0" sz="1100">
+                <a:solidFill>
+                  <a:srgbClr val="000000"/>
+                </a:solidFill>
+              </a:defRPr>
+            </a:lvl1pPr>
+          </a:lstStyle>
+          <a:p>
+            <a:pPr/>
+            <a:r>
+              <a:t>Requires reticulate plus RStudio v1.2 or higher.</a:t>
+            </a:r>
+          </a:p>
+        </p:txBody>
+      </p:sp>
+      <p:sp>
+        <p:nvSpPr>
+          <p:cNvPr id="204" name="matplotlib plots display in plots pane."/>
+          <p:cNvSpPr txBox="1"/>
+          <p:nvPr/>
+        </p:nvSpPr>
+        <p:spPr>
+          <a:xfrm>
+            <a:off x="6048999" y="1174839"/>
+            <a:ext cx="847877" cy="616477"/>
+          </a:xfrm>
+          <a:prstGeom prst="rect">
+            <a:avLst/>
+          </a:prstGeom>
+          <a:ln w="12700">
+            <a:miter lim="400000"/>
+          </a:ln>
+          <a:extLst>
+            <a:ext uri="{C572A759-6A51-4108-AA02-DFA0A04FC94B}">
+              <ma14:wrappingTextBoxFlag xmlns:ma14="http://schemas.microsoft.com/office/mac/drawingml/2011/main" val="1"/>
+            </a:ext>
+          </a:extLst>
+        </p:spPr>
+        <p:txBody>
+          <a:bodyPr lIns="0" tIns="0" rIns="0" bIns="0">
+            <a:normAutofit fontScale="100000" lnSpcReduction="0"/>
+          </a:bodyPr>
+          <a:lstStyle>
+            <a:lvl1pPr>
+              <a:lnSpc>
+                <a:spcPct val="80000"/>
+              </a:lnSpc>
+              <a:spcBef>
+                <a:spcPts val="1000"/>
+              </a:spcBef>
+              <a:defRPr b="0" sz="1100">
+                <a:solidFill>
+                  <a:srgbClr val="000000"/>
+                </a:solidFill>
+              </a:defRPr>
+            </a:lvl1pPr>
+          </a:lstStyle>
+          <a:p>
+            <a:pPr/>
+            <a:r>
+              <a:t>matplotlib plots display in plots pane.</a:t>
+            </a:r>
+          </a:p>
+        </p:txBody>
+      </p:sp>
+      <p:sp>
+        <p:nvSpPr>
+          <p:cNvPr id="205" name="Execute Python code line by line with Cmd +  Enter (Ctrl + Enter)"/>
+          <p:cNvSpPr txBox="1"/>
+          <p:nvPr/>
+        </p:nvSpPr>
+        <p:spPr>
+          <a:xfrm>
+            <a:off x="3772902" y="1163873"/>
+            <a:ext cx="1104512" cy="616477"/>
+          </a:xfrm>
+          <a:prstGeom prst="rect">
+            <a:avLst/>
+          </a:prstGeom>
+          <a:ln w="12700">
+            <a:miter lim="400000"/>
+          </a:ln>
+          <a:extLst>
+            <a:ext uri="{C572A759-6A51-4108-AA02-DFA0A04FC94B}">
+              <ma14:wrappingTextBoxFlag xmlns:ma14="http://schemas.microsoft.com/office/mac/drawingml/2011/main" val="1"/>
+            </a:ext>
+          </a:extLst>
+        </p:spPr>
+        <p:txBody>
+          <a:bodyPr lIns="0" tIns="0" rIns="0" bIns="0">
+            <a:normAutofit fontScale="100000" lnSpcReduction="0"/>
+          </a:bodyPr>
+          <a:lstStyle/>
+          <a:p>
+            <a:pPr>
+              <a:lnSpc>
+                <a:spcPct val="80000"/>
+              </a:lnSpc>
+              <a:spcBef>
+                <a:spcPts val="1000"/>
+              </a:spcBef>
+              <a:defRPr b="0" sz="1100">
+                <a:solidFill>
+                  <a:srgbClr val="000000"/>
+                </a:solidFill>
+              </a:defRPr>
+            </a:pPr>
+            <a:r>
+              <a:t>Execute Python code line by line with </a:t>
+            </a:r>
+            <a:r>
+              <a:rPr>
+                <a:latin typeface="Source Sans Pro Semibold"/>
+                <a:ea typeface="Source Sans Pro Semibold"/>
+                <a:cs typeface="Source Sans Pro Semibold"/>
+                <a:sym typeface="Source Sans Pro Semibold"/>
+              </a:rPr>
+              <a:t>Cmd +  Enter</a:t>
+            </a:r>
+            <a:r>
+              <a:t> (</a:t>
+            </a:r>
+            <a:r>
+              <a:rPr>
+                <a:latin typeface="Source Sans Pro Semibold"/>
+                <a:ea typeface="Source Sans Pro Semibold"/>
+                <a:cs typeface="Source Sans Pro Semibold"/>
+                <a:sym typeface="Source Sans Pro Semibold"/>
+              </a:rPr>
+              <a:t>Ctrl + Enter</a:t>
+            </a:r>
+            <a:r>
+              <a:t>)</a:t>
+            </a:r>
+          </a:p>
+        </p:txBody>
+      </p:sp>
+      <p:sp>
+        <p:nvSpPr>
+          <p:cNvPr id="206" name="Source Python scripts."/>
+          <p:cNvSpPr txBox="1"/>
+          <p:nvPr/>
+        </p:nvSpPr>
+        <p:spPr>
+          <a:xfrm>
+            <a:off x="3151066" y="1174839"/>
+            <a:ext cx="506588" cy="573091"/>
+          </a:xfrm>
+          <a:prstGeom prst="rect">
+            <a:avLst/>
+          </a:prstGeom>
+          <a:ln w="12700">
+            <a:miter lim="400000"/>
+          </a:ln>
+          <a:extLst>
+            <a:ext uri="{C572A759-6A51-4108-AA02-DFA0A04FC94B}">
+              <ma14:wrappingTextBoxFlag xmlns:ma14="http://schemas.microsoft.com/office/mac/drawingml/2011/main" val="1"/>
+            </a:ext>
+          </a:extLst>
+        </p:spPr>
+        <p:txBody>
+          <a:bodyPr lIns="0" tIns="0" rIns="0" bIns="0">
+            <a:normAutofit fontScale="100000" lnSpcReduction="0"/>
+          </a:bodyPr>
+          <a:lstStyle>
+            <a:lvl1pPr>
+              <a:lnSpc>
+                <a:spcPct val="80000"/>
+              </a:lnSpc>
+              <a:spcBef>
+                <a:spcPts val="1000"/>
+              </a:spcBef>
+              <a:defRPr b="0" sz="1100">
+                <a:solidFill>
+                  <a:srgbClr val="000000"/>
+                </a:solidFill>
+              </a:defRPr>
+            </a:lvl1pPr>
+          </a:lstStyle>
+          <a:p>
+            <a:pPr/>
+            <a:r>
+              <a:t>Source Python scripts.</a:t>
+            </a:r>
+          </a:p>
+        </p:txBody>
+      </p:sp>
+      <p:sp>
+        <p:nvSpPr>
+          <p:cNvPr id="207" name="Syntax highlighting for Python scripts and chunks"/>
+          <p:cNvSpPr txBox="1"/>
+          <p:nvPr/>
+        </p:nvSpPr>
+        <p:spPr>
+          <a:xfrm>
+            <a:off x="313325" y="1177399"/>
+            <a:ext cx="1016404" cy="614825"/>
+          </a:xfrm>
+          <a:prstGeom prst="rect">
+            <a:avLst/>
+          </a:prstGeom>
+          <a:ln w="12700">
+            <a:miter lim="400000"/>
+          </a:ln>
+          <a:extLst>
+            <a:ext uri="{C572A759-6A51-4108-AA02-DFA0A04FC94B}">
+              <ma14:wrappingTextBoxFlag xmlns:ma14="http://schemas.microsoft.com/office/mac/drawingml/2011/main" val="1"/>
+            </a:ext>
+          </a:extLst>
+        </p:spPr>
+        <p:txBody>
+          <a:bodyPr lIns="0" tIns="0" rIns="0" bIns="0">
+            <a:normAutofit fontScale="100000" lnSpcReduction="0"/>
+          </a:bodyPr>
+          <a:lstStyle>
+            <a:lvl1pPr>
+              <a:lnSpc>
+                <a:spcPct val="80000"/>
+              </a:lnSpc>
+              <a:spcBef>
+                <a:spcPts val="1000"/>
+              </a:spcBef>
+              <a:defRPr b="0" sz="1100">
+                <a:solidFill>
+                  <a:srgbClr val="000000"/>
+                </a:solidFill>
+              </a:defRPr>
+            </a:lvl1pPr>
+          </a:lstStyle>
+          <a:p>
+            <a:pPr/>
+            <a:r>
+              <a:t>Syntax highlighting for Python scripts and chunks</a:t>
+            </a:r>
+          </a:p>
+        </p:txBody>
+      </p:sp>
+      <p:sp>
+        <p:nvSpPr>
+          <p:cNvPr id="208" name="Press F1 over a Python symbol to display the help topic for that symbol."/>
+          <p:cNvSpPr txBox="1"/>
+          <p:nvPr/>
+        </p:nvSpPr>
+        <p:spPr>
+          <a:xfrm>
+            <a:off x="4999567" y="1174839"/>
+            <a:ext cx="990779" cy="860426"/>
+          </a:xfrm>
+          <a:prstGeom prst="rect">
+            <a:avLst/>
+          </a:prstGeom>
+          <a:ln w="12700">
+            <a:miter lim="400000"/>
+          </a:ln>
+          <a:extLst>
+            <a:ext uri="{C572A759-6A51-4108-AA02-DFA0A04FC94B}">
+              <ma14:wrappingTextBoxFlag xmlns:ma14="http://schemas.microsoft.com/office/mac/drawingml/2011/main" val="1"/>
+            </a:ext>
+          </a:extLst>
+        </p:spPr>
+        <p:txBody>
+          <a:bodyPr lIns="0" tIns="0" rIns="0" bIns="0">
+            <a:normAutofit fontScale="100000" lnSpcReduction="0"/>
+          </a:bodyPr>
+          <a:lstStyle/>
+          <a:p>
+            <a:pPr>
+              <a:lnSpc>
+                <a:spcPct val="80000"/>
+              </a:lnSpc>
+              <a:spcBef>
+                <a:spcPts val="1000"/>
+              </a:spcBef>
+              <a:defRPr b="0" sz="1100">
+                <a:solidFill>
+                  <a:srgbClr val="000000"/>
+                </a:solidFill>
+              </a:defRPr>
+            </a:pPr>
+            <a:r>
+              <a:t>Press </a:t>
+            </a:r>
+            <a:r>
+              <a:rPr>
+                <a:latin typeface="Source Sans Pro Semibold"/>
+                <a:ea typeface="Source Sans Pro Semibold"/>
+                <a:cs typeface="Source Sans Pro Semibold"/>
+                <a:sym typeface="Source Sans Pro Semibold"/>
+              </a:rPr>
+              <a:t>F1</a:t>
+            </a:r>
+            <a:r>
+              <a:t> over a Python symbol to display the help topic for that symbol.</a:t>
+            </a:r>
+          </a:p>
+        </p:txBody>
+      </p:sp>
+      <p:sp>
+        <p:nvSpPr>
+          <p:cNvPr id="209" name="Tab completion for Python functions and objects (and Python modules imported in R scripts)"/>
+          <p:cNvSpPr txBox="1"/>
+          <p:nvPr/>
+        </p:nvSpPr>
+        <p:spPr>
+          <a:xfrm>
+            <a:off x="1382076" y="1174839"/>
+            <a:ext cx="1564022" cy="616477"/>
+          </a:xfrm>
+          <a:prstGeom prst="rect">
+            <a:avLst/>
+          </a:prstGeom>
+          <a:ln w="12700">
+            <a:miter lim="400000"/>
+          </a:ln>
+          <a:extLst>
+            <a:ext uri="{C572A759-6A51-4108-AA02-DFA0A04FC94B}">
+              <ma14:wrappingTextBoxFlag xmlns:ma14="http://schemas.microsoft.com/office/mac/drawingml/2011/main" val="1"/>
+            </a:ext>
+          </a:extLst>
+        </p:spPr>
+        <p:txBody>
+          <a:bodyPr lIns="0" tIns="0" rIns="0" bIns="0">
+            <a:normAutofit fontScale="100000" lnSpcReduction="0"/>
+          </a:bodyPr>
+          <a:lstStyle>
+            <a:lvl1pPr>
+              <a:lnSpc>
+                <a:spcPct val="80000"/>
+              </a:lnSpc>
+              <a:spcBef>
+                <a:spcPts val="1000"/>
+              </a:spcBef>
+              <a:defRPr b="0" sz="1100">
+                <a:solidFill>
+                  <a:srgbClr val="000000"/>
+                </a:solidFill>
+              </a:defRPr>
+            </a:lvl1pPr>
+          </a:lstStyle>
+          <a:p>
+            <a:pPr/>
+            <a:r>
+              <a:t>Tab completion for Python functions and objects (and Python modules imported in R scripts)</a:t>
+            </a:r>
+          </a:p>
+        </p:txBody>
+      </p:sp>
+      <p:sp>
+        <p:nvSpPr>
+          <p:cNvPr id="210" name="Line"/>
+          <p:cNvSpPr/>
+          <p:nvPr/>
+        </p:nvSpPr>
+        <p:spPr>
+          <a:xfrm>
+            <a:off x="7115337" y="723900"/>
+            <a:ext cx="4239786" cy="0"/>
+          </a:xfrm>
+          <a:prstGeom prst="line">
+            <a:avLst/>
+          </a:prstGeom>
+          <a:ln w="6350">
+            <a:solidFill>
+              <a:srgbClr val="767C85"/>
+            </a:solidFill>
+            <a:miter lim="400000"/>
+          </a:ln>
+        </p:spPr>
+        <p:txBody>
+          <a:bodyPr lIns="54570" tIns="54570" rIns="54570" bIns="54570" anchor="ctr"/>
+          <a:lstStyle/>
+          <a:p>
+            <a:pPr>
+              <a:lnSpc>
+                <a:spcPct val="80000"/>
+              </a:lnSpc>
+              <a:spcBef>
+                <a:spcPts val="600"/>
+              </a:spcBef>
+              <a:defRPr b="0">
+                <a:solidFill>
+                  <a:srgbClr val="000000"/>
+                </a:solidFill>
+              </a:defRPr>
+            </a:pPr>
+          </a:p>
+        </p:txBody>
+      </p:sp>
+      <p:sp>
+        <p:nvSpPr>
+          <p:cNvPr id="211" name="Line"/>
+          <p:cNvSpPr/>
+          <p:nvPr/>
+        </p:nvSpPr>
+        <p:spPr>
+          <a:xfrm>
+            <a:off x="320653" y="6836788"/>
+            <a:ext cx="2670138" cy="1"/>
+          </a:xfrm>
+          <a:prstGeom prst="line">
+            <a:avLst/>
+          </a:prstGeom>
+          <a:ln w="6350">
+            <a:solidFill>
+              <a:srgbClr val="767C85"/>
+            </a:solidFill>
+            <a:miter lim="400000"/>
+          </a:ln>
+        </p:spPr>
+        <p:txBody>
+          <a:bodyPr lIns="54570" tIns="54570" rIns="54570" bIns="54570" anchor="ctr"/>
+          <a:lstStyle/>
+          <a:p>
+            <a:pPr>
+              <a:lnSpc>
+                <a:spcPct val="80000"/>
+              </a:lnSpc>
+              <a:spcBef>
+                <a:spcPts val="600"/>
+              </a:spcBef>
+              <a:defRPr b="0">
+                <a:solidFill>
+                  <a:srgbClr val="000000"/>
+                </a:solidFill>
+              </a:defRPr>
+            </a:pPr>
+          </a:p>
+        </p:txBody>
+      </p:sp>
+      <p:sp>
+        <p:nvSpPr>
+          <p:cNvPr id="212" name="Python REPL"/>
+          <p:cNvSpPr txBox="1"/>
+          <p:nvPr/>
+        </p:nvSpPr>
+        <p:spPr>
+          <a:xfrm>
+            <a:off x="317810" y="6824088"/>
+            <a:ext cx="1737361" cy="431801"/>
+          </a:xfrm>
+          <a:prstGeom prst="rect">
+            <a:avLst/>
+          </a:prstGeom>
+          <a:ln w="12700">
+            <a:miter lim="400000"/>
+          </a:ln>
+          <a:extLst>
+            <a:ext uri="{C572A759-6A51-4108-AA02-DFA0A04FC94B}">
+              <ma14:wrappingTextBoxFlag xmlns:ma14="http://schemas.microsoft.com/office/mac/drawingml/2011/main" val="1"/>
+            </a:ext>
+          </a:extLst>
+        </p:spPr>
+        <p:txBody>
+          <a:bodyPr wrap="none" lIns="12700" tIns="12700" rIns="12700" bIns="12700" anchor="ctr">
+            <a:spAutoFit/>
+          </a:bodyPr>
+          <a:lstStyle/>
+          <a:p>
+            <a:pPr lvl="1" indent="0">
+              <a:lnSpc>
+                <a:spcPct val="80000"/>
+              </a:lnSpc>
+              <a:spcBef>
+                <a:spcPts val="0"/>
+              </a:spcBef>
+              <a:defRPr b="0" sz="2500">
+                <a:solidFill>
+                  <a:srgbClr val="654F25"/>
+                </a:solidFill>
+              </a:defRPr>
+            </a:pPr>
+            <a:r>
+              <a:t>Python REPL</a:t>
+            </a:r>
+          </a:p>
+        </p:txBody>
+      </p:sp>
+      <p:sp>
+        <p:nvSpPr>
+          <p:cNvPr id="213" name="Install Packages"/>
+          <p:cNvSpPr txBox="1"/>
+          <p:nvPr/>
+        </p:nvSpPr>
+        <p:spPr>
+          <a:xfrm>
+            <a:off x="7207322" y="5256577"/>
+            <a:ext cx="2138999" cy="431801"/>
+          </a:xfrm>
+          <a:prstGeom prst="rect">
+            <a:avLst/>
+          </a:prstGeom>
+          <a:ln w="12700">
+            <a:miter lim="400000"/>
+          </a:ln>
+          <a:extLst>
+            <a:ext uri="{C572A759-6A51-4108-AA02-DFA0A04FC94B}">
+              <ma14:wrappingTextBoxFlag xmlns:ma14="http://schemas.microsoft.com/office/mac/drawingml/2011/main" val="1"/>
+            </a:ext>
+          </a:extLst>
+        </p:spPr>
+        <p:txBody>
+          <a:bodyPr wrap="none" lIns="12700" tIns="12700" rIns="12700" bIns="12700" anchor="ctr">
+            <a:spAutoFit/>
+          </a:bodyPr>
+          <a:lstStyle/>
+          <a:p>
+            <a:pPr lvl="1" indent="0">
+              <a:lnSpc>
+                <a:spcPct val="80000"/>
+              </a:lnSpc>
+              <a:spcBef>
+                <a:spcPts val="0"/>
+              </a:spcBef>
+              <a:defRPr b="0" sz="2500">
+                <a:solidFill>
+                  <a:srgbClr val="654F25"/>
+                </a:solidFill>
+              </a:defRPr>
+            </a:pPr>
+            <a:r>
+              <a:t>Install Packages</a:t>
+            </a:r>
+          </a:p>
+        </p:txBody>
+      </p:sp>
+      <p:sp>
+        <p:nvSpPr>
+          <p:cNvPr id="214" name="py_discover_config() Return all detected versions of Python. Use py_config to check which version has been loaded. py_config()…"/>
+          <p:cNvSpPr txBox="1"/>
+          <p:nvPr/>
+        </p:nvSpPr>
+        <p:spPr>
+          <a:xfrm>
+            <a:off x="7178505" y="2140720"/>
+            <a:ext cx="3247891" cy="1271794"/>
+          </a:xfrm>
+          <a:prstGeom prst="rect">
+            <a:avLst/>
+          </a:prstGeom>
+          <a:ln w="12700">
+            <a:miter lim="400000"/>
+          </a:ln>
+          <a:extLst>
+            <a:ext uri="{C572A759-6A51-4108-AA02-DFA0A04FC94B}">
+              <ma14:wrappingTextBoxFlag xmlns:ma14="http://schemas.microsoft.com/office/mac/drawingml/2011/main" val="1"/>
+            </a:ext>
+          </a:extLst>
+        </p:spPr>
+        <p:txBody>
+          <a:bodyPr lIns="0" tIns="0" rIns="0" bIns="0">
+            <a:normAutofit fontScale="100000" lnSpcReduction="0"/>
+          </a:bodyPr>
+          <a:lstStyle/>
+          <a:p>
+            <a:pPr marL="381000" indent="-127000">
+              <a:lnSpc>
+                <a:spcPct val="80000"/>
+              </a:lnSpc>
+              <a:spcBef>
+                <a:spcPts val="1000"/>
+              </a:spcBef>
+              <a:buSzPct val="100000"/>
+              <a:buChar char="•"/>
+              <a:defRPr b="0" sz="1100">
+                <a:solidFill>
+                  <a:srgbClr val="000000"/>
+                </a:solidFill>
+              </a:defRPr>
+            </a:pPr>
+            <a:r>
+              <a:rPr b="1"/>
+              <a:t>py_discover_config</a:t>
+            </a:r>
+            <a:r>
+              <a:t>() Return all detected versions of Python. Use </a:t>
+            </a:r>
+            <a:r>
+              <a:rPr b="1"/>
+              <a:t>py_config</a:t>
+            </a:r>
+            <a:r>
+              <a:t> to check which version has been loaded. </a:t>
+            </a:r>
+            <a:r>
+              <a:rPr i="1"/>
+              <a:t>py_config()</a:t>
+            </a:r>
+            <a:endParaRPr i="1"/>
+          </a:p>
+          <a:p>
+            <a:pPr marL="381000" indent="-127000">
+              <a:lnSpc>
+                <a:spcPct val="80000"/>
+              </a:lnSpc>
+              <a:spcBef>
+                <a:spcPts val="0"/>
+              </a:spcBef>
+              <a:buSzPct val="100000"/>
+              <a:buChar char="•"/>
+              <a:defRPr b="0" sz="1100">
+                <a:solidFill>
+                  <a:srgbClr val="000000"/>
+                </a:solidFill>
+              </a:defRPr>
+            </a:pPr>
+            <a:r>
+              <a:rPr b="1"/>
+              <a:t>py_available</a:t>
+            </a:r>
+            <a:r>
+              <a:t>(initialize = FALSE) Check if </a:t>
+            </a:r>
+          </a:p>
+          <a:p>
+            <a:pPr indent="254000">
+              <a:lnSpc>
+                <a:spcPct val="80000"/>
+              </a:lnSpc>
+              <a:spcBef>
+                <a:spcPts val="1000"/>
+              </a:spcBef>
+              <a:defRPr b="0" sz="1100">
+                <a:solidFill>
+                  <a:srgbClr val="000000"/>
+                </a:solidFill>
+              </a:defRPr>
+            </a:pPr>
+            <a:r>
+              <a:t>Python is available on your system. Also </a:t>
+            </a:r>
+            <a:r>
+              <a:rPr b="1"/>
+              <a:t>py_module_available</a:t>
+            </a:r>
+            <a:r>
+              <a:t>, </a:t>
+            </a:r>
+            <a:r>
+              <a:rPr b="1"/>
+              <a:t>py_numpy_module.</a:t>
+            </a:r>
+            <a:r>
+              <a:t> </a:t>
+            </a:r>
+            <a:r>
+              <a:rPr i="1"/>
+              <a:t>py_available()</a:t>
+            </a:r>
+          </a:p>
+        </p:txBody>
+      </p:sp>
+      <p:sp>
+        <p:nvSpPr>
+          <p:cNvPr id="215" name="Line"/>
+          <p:cNvSpPr/>
+          <p:nvPr/>
+        </p:nvSpPr>
+        <p:spPr>
+          <a:xfrm flipV="1">
+            <a:off x="5540380" y="1688817"/>
+            <a:ext cx="977308" cy="3193698"/>
+          </a:xfrm>
+          <a:prstGeom prst="line">
+            <a:avLst/>
+          </a:prstGeom>
+          <a:ln>
+            <a:solidFill>
+              <a:srgbClr val="000000"/>
+            </a:solidFill>
+            <a:custDash>
+              <a:ds d="100000" sp="200000"/>
+            </a:custDash>
+          </a:ln>
+        </p:spPr>
+        <p:txBody>
+          <a:bodyPr lIns="54570" tIns="54570" rIns="54570" bIns="54570" anchor="ctr"/>
+          <a:lstStyle/>
+          <a:p>
+            <a:pPr algn="ctr">
+              <a:spcBef>
+                <a:spcPts val="0"/>
+              </a:spcBef>
+              <a:defRPr b="0" sz="2600">
+                <a:solidFill>
+                  <a:srgbClr val="000000"/>
+                </a:solidFill>
+                <a:latin typeface="Helvetica Light"/>
+                <a:ea typeface="Helvetica Light"/>
+                <a:cs typeface="Helvetica Light"/>
+                <a:sym typeface="Helvetica Light"/>
+              </a:defRPr>
+            </a:pPr>
+          </a:p>
+        </p:txBody>
+      </p:sp>
       <p:pic>
         <p:nvPicPr>
-          <p:cNvPr id="202" name="Image" descr="Image"/>
+          <p:cNvPr id="216" name="Screen Shot 2019-04-24 at 3.07.57 PM.png" descr="Screen Shot 2019-04-24 at 3.07.57 PM.png"/>
           <p:cNvPicPr>
             <a:picLocks noChangeAspect="1"/>
           </p:cNvPicPr>
@@ -9081,8 +9778,8 @@
         </p:blipFill>
         <p:spPr>
           <a:xfrm>
-            <a:off x="11952068" y="136271"/>
-            <a:ext cx="2084548" cy="1455517"/>
+            <a:off x="2721593" y="3149581"/>
+            <a:ext cx="129671" cy="160971"/>
           </a:xfrm>
           <a:prstGeom prst="rect">
             <a:avLst/>
@@ -9092,787 +9789,9 @@
           </a:ln>
         </p:spPr>
       </p:pic>
-      <p:sp>
-        <p:nvSpPr>
-          <p:cNvPr id="203" name="Python in the IDE"/>
-          <p:cNvSpPr txBox="1"/>
-          <p:nvPr/>
-        </p:nvSpPr>
-        <p:spPr>
-          <a:xfrm>
-            <a:off x="316389" y="723899"/>
-            <a:ext cx="2317751" cy="431801"/>
-          </a:xfrm>
-          <a:prstGeom prst="rect">
-            <a:avLst/>
-          </a:prstGeom>
-          <a:ln w="12700">
-            <a:miter lim="400000"/>
-          </a:ln>
-          <a:extLst>
-            <a:ext uri="{C572A759-6A51-4108-AA02-DFA0A04FC94B}">
-              <ma14:wrappingTextBoxFlag xmlns:ma14="http://schemas.microsoft.com/office/mac/drawingml/2011/main" val="1"/>
-            </a:ext>
-          </a:extLst>
-        </p:spPr>
-        <p:txBody>
-          <a:bodyPr wrap="none" lIns="12700" tIns="12700" rIns="12700" bIns="12700" anchor="ctr">
-            <a:spAutoFit/>
-          </a:bodyPr>
-          <a:lstStyle/>
-          <a:p>
-            <a:pPr lvl="1" indent="0">
-              <a:lnSpc>
-                <a:spcPct val="80000"/>
-              </a:lnSpc>
-              <a:spcBef>
-                <a:spcPts val="0"/>
-              </a:spcBef>
-              <a:defRPr b="0" sz="2500">
-                <a:solidFill>
-                  <a:srgbClr val="654F25"/>
-                </a:solidFill>
-              </a:defRPr>
-            </a:pPr>
-            <a:r>
-              <a:t>Python in the IDE</a:t>
-            </a:r>
-          </a:p>
-        </p:txBody>
-      </p:sp>
-      <p:sp>
-        <p:nvSpPr>
-          <p:cNvPr id="204" name="Requires reticulate plus RStudio v1.2 or higher."/>
-          <p:cNvSpPr txBox="1"/>
-          <p:nvPr/>
-        </p:nvSpPr>
-        <p:spPr>
-          <a:xfrm>
-            <a:off x="2706170" y="927715"/>
-            <a:ext cx="3311341" cy="235572"/>
-          </a:xfrm>
-          <a:prstGeom prst="rect">
-            <a:avLst/>
-          </a:prstGeom>
-          <a:ln w="12700">
-            <a:miter lim="400000"/>
-          </a:ln>
-          <a:extLst>
-            <a:ext uri="{C572A759-6A51-4108-AA02-DFA0A04FC94B}">
-              <ma14:wrappingTextBoxFlag xmlns:ma14="http://schemas.microsoft.com/office/mac/drawingml/2011/main" val="1"/>
-            </a:ext>
-          </a:extLst>
-        </p:spPr>
-        <p:txBody>
-          <a:bodyPr lIns="0" tIns="0" rIns="0" bIns="0">
-            <a:normAutofit fontScale="100000" lnSpcReduction="0"/>
-          </a:bodyPr>
-          <a:lstStyle>
-            <a:lvl1pPr>
-              <a:lnSpc>
-                <a:spcPct val="80000"/>
-              </a:lnSpc>
-              <a:spcBef>
-                <a:spcPts val="1000"/>
-              </a:spcBef>
-              <a:defRPr b="0" sz="1100">
-                <a:solidFill>
-                  <a:srgbClr val="000000"/>
-                </a:solidFill>
-              </a:defRPr>
-            </a:lvl1pPr>
-          </a:lstStyle>
-          <a:p>
-            <a:pPr/>
-            <a:r>
-              <a:t>Requires reticulate plus RStudio v1.2 or higher.</a:t>
-            </a:r>
-          </a:p>
-        </p:txBody>
-      </p:sp>
-      <p:sp>
-        <p:nvSpPr>
-          <p:cNvPr id="205" name="matplotlib plots display in plots pane."/>
-          <p:cNvSpPr txBox="1"/>
-          <p:nvPr/>
-        </p:nvSpPr>
-        <p:spPr>
-          <a:xfrm>
-            <a:off x="6048999" y="1174839"/>
-            <a:ext cx="847877" cy="616477"/>
-          </a:xfrm>
-          <a:prstGeom prst="rect">
-            <a:avLst/>
-          </a:prstGeom>
-          <a:ln w="12700">
-            <a:miter lim="400000"/>
-          </a:ln>
-          <a:extLst>
-            <a:ext uri="{C572A759-6A51-4108-AA02-DFA0A04FC94B}">
-              <ma14:wrappingTextBoxFlag xmlns:ma14="http://schemas.microsoft.com/office/mac/drawingml/2011/main" val="1"/>
-            </a:ext>
-          </a:extLst>
-        </p:spPr>
-        <p:txBody>
-          <a:bodyPr lIns="0" tIns="0" rIns="0" bIns="0">
-            <a:normAutofit fontScale="100000" lnSpcReduction="0"/>
-          </a:bodyPr>
-          <a:lstStyle>
-            <a:lvl1pPr>
-              <a:lnSpc>
-                <a:spcPct val="80000"/>
-              </a:lnSpc>
-              <a:spcBef>
-                <a:spcPts val="1000"/>
-              </a:spcBef>
-              <a:defRPr b="0" sz="1100">
-                <a:solidFill>
-                  <a:srgbClr val="000000"/>
-                </a:solidFill>
-              </a:defRPr>
-            </a:lvl1pPr>
-          </a:lstStyle>
-          <a:p>
-            <a:pPr/>
-            <a:r>
-              <a:t>matplotlib plots display in plots pane.</a:t>
-            </a:r>
-          </a:p>
-        </p:txBody>
-      </p:sp>
-      <p:sp>
-        <p:nvSpPr>
-          <p:cNvPr id="206" name="Execute Python code line by line with Cmd +  Enter (Ctrl + Enter)"/>
-          <p:cNvSpPr txBox="1"/>
-          <p:nvPr/>
-        </p:nvSpPr>
-        <p:spPr>
-          <a:xfrm>
-            <a:off x="3772902" y="1163873"/>
-            <a:ext cx="1104512" cy="616477"/>
-          </a:xfrm>
-          <a:prstGeom prst="rect">
-            <a:avLst/>
-          </a:prstGeom>
-          <a:ln w="12700">
-            <a:miter lim="400000"/>
-          </a:ln>
-          <a:extLst>
-            <a:ext uri="{C572A759-6A51-4108-AA02-DFA0A04FC94B}">
-              <ma14:wrappingTextBoxFlag xmlns:ma14="http://schemas.microsoft.com/office/mac/drawingml/2011/main" val="1"/>
-            </a:ext>
-          </a:extLst>
-        </p:spPr>
-        <p:txBody>
-          <a:bodyPr lIns="0" tIns="0" rIns="0" bIns="0">
-            <a:normAutofit fontScale="100000" lnSpcReduction="0"/>
-          </a:bodyPr>
-          <a:lstStyle/>
-          <a:p>
-            <a:pPr>
-              <a:lnSpc>
-                <a:spcPct val="80000"/>
-              </a:lnSpc>
-              <a:spcBef>
-                <a:spcPts val="1000"/>
-              </a:spcBef>
-              <a:defRPr b="0" sz="1100">
-                <a:solidFill>
-                  <a:srgbClr val="000000"/>
-                </a:solidFill>
-              </a:defRPr>
-            </a:pPr>
-            <a:r>
-              <a:t>Execute Python code line by line with </a:t>
-            </a:r>
-            <a:r>
-              <a:rPr>
-                <a:latin typeface="Source Sans Pro Semibold"/>
-                <a:ea typeface="Source Sans Pro Semibold"/>
-                <a:cs typeface="Source Sans Pro Semibold"/>
-                <a:sym typeface="Source Sans Pro Semibold"/>
-              </a:rPr>
-              <a:t>Cmd +  Enter</a:t>
-            </a:r>
-            <a:r>
-              <a:t> (</a:t>
-            </a:r>
-            <a:r>
-              <a:rPr>
-                <a:latin typeface="Source Sans Pro Semibold"/>
-                <a:ea typeface="Source Sans Pro Semibold"/>
-                <a:cs typeface="Source Sans Pro Semibold"/>
-                <a:sym typeface="Source Sans Pro Semibold"/>
-              </a:rPr>
-              <a:t>Ctrl + Enter</a:t>
-            </a:r>
-            <a:r>
-              <a:t>)</a:t>
-            </a:r>
-          </a:p>
-        </p:txBody>
-      </p:sp>
-      <p:sp>
-        <p:nvSpPr>
-          <p:cNvPr id="207" name="Source Python scripts."/>
-          <p:cNvSpPr txBox="1"/>
-          <p:nvPr/>
-        </p:nvSpPr>
-        <p:spPr>
-          <a:xfrm>
-            <a:off x="3151066" y="1174839"/>
-            <a:ext cx="506588" cy="573091"/>
-          </a:xfrm>
-          <a:prstGeom prst="rect">
-            <a:avLst/>
-          </a:prstGeom>
-          <a:ln w="12700">
-            <a:miter lim="400000"/>
-          </a:ln>
-          <a:extLst>
-            <a:ext uri="{C572A759-6A51-4108-AA02-DFA0A04FC94B}">
-              <ma14:wrappingTextBoxFlag xmlns:ma14="http://schemas.microsoft.com/office/mac/drawingml/2011/main" val="1"/>
-            </a:ext>
-          </a:extLst>
-        </p:spPr>
-        <p:txBody>
-          <a:bodyPr lIns="0" tIns="0" rIns="0" bIns="0">
-            <a:normAutofit fontScale="100000" lnSpcReduction="0"/>
-          </a:bodyPr>
-          <a:lstStyle>
-            <a:lvl1pPr>
-              <a:lnSpc>
-                <a:spcPct val="80000"/>
-              </a:lnSpc>
-              <a:spcBef>
-                <a:spcPts val="1000"/>
-              </a:spcBef>
-              <a:defRPr b="0" sz="1100">
-                <a:solidFill>
-                  <a:srgbClr val="000000"/>
-                </a:solidFill>
-              </a:defRPr>
-            </a:lvl1pPr>
-          </a:lstStyle>
-          <a:p>
-            <a:pPr/>
-            <a:r>
-              <a:t>Source Python scripts.</a:t>
-            </a:r>
-          </a:p>
-        </p:txBody>
-      </p:sp>
-      <p:sp>
-        <p:nvSpPr>
-          <p:cNvPr id="208" name="Syntax highlighting for Python scripts and chunks"/>
-          <p:cNvSpPr txBox="1"/>
-          <p:nvPr/>
-        </p:nvSpPr>
-        <p:spPr>
-          <a:xfrm>
-            <a:off x="313325" y="1177399"/>
-            <a:ext cx="1016404" cy="614825"/>
-          </a:xfrm>
-          <a:prstGeom prst="rect">
-            <a:avLst/>
-          </a:prstGeom>
-          <a:ln w="12700">
-            <a:miter lim="400000"/>
-          </a:ln>
-          <a:extLst>
-            <a:ext uri="{C572A759-6A51-4108-AA02-DFA0A04FC94B}">
-              <ma14:wrappingTextBoxFlag xmlns:ma14="http://schemas.microsoft.com/office/mac/drawingml/2011/main" val="1"/>
-            </a:ext>
-          </a:extLst>
-        </p:spPr>
-        <p:txBody>
-          <a:bodyPr lIns="0" tIns="0" rIns="0" bIns="0">
-            <a:normAutofit fontScale="100000" lnSpcReduction="0"/>
-          </a:bodyPr>
-          <a:lstStyle>
-            <a:lvl1pPr>
-              <a:lnSpc>
-                <a:spcPct val="80000"/>
-              </a:lnSpc>
-              <a:spcBef>
-                <a:spcPts val="1000"/>
-              </a:spcBef>
-              <a:defRPr b="0" sz="1100">
-                <a:solidFill>
-                  <a:srgbClr val="000000"/>
-                </a:solidFill>
-              </a:defRPr>
-            </a:lvl1pPr>
-          </a:lstStyle>
-          <a:p>
-            <a:pPr/>
-            <a:r>
-              <a:t>Syntax highlighting for Python scripts and chunks</a:t>
-            </a:r>
-          </a:p>
-        </p:txBody>
-      </p:sp>
-      <p:sp>
-        <p:nvSpPr>
-          <p:cNvPr id="209" name="Press F1 over a Python symbol to display the help topic for that symbol."/>
-          <p:cNvSpPr txBox="1"/>
-          <p:nvPr/>
-        </p:nvSpPr>
-        <p:spPr>
-          <a:xfrm>
-            <a:off x="4999567" y="1174839"/>
-            <a:ext cx="990779" cy="860426"/>
-          </a:xfrm>
-          <a:prstGeom prst="rect">
-            <a:avLst/>
-          </a:prstGeom>
-          <a:ln w="12700">
-            <a:miter lim="400000"/>
-          </a:ln>
-          <a:extLst>
-            <a:ext uri="{C572A759-6A51-4108-AA02-DFA0A04FC94B}">
-              <ma14:wrappingTextBoxFlag xmlns:ma14="http://schemas.microsoft.com/office/mac/drawingml/2011/main" val="1"/>
-            </a:ext>
-          </a:extLst>
-        </p:spPr>
-        <p:txBody>
-          <a:bodyPr lIns="0" tIns="0" rIns="0" bIns="0">
-            <a:normAutofit fontScale="100000" lnSpcReduction="0"/>
-          </a:bodyPr>
-          <a:lstStyle/>
-          <a:p>
-            <a:pPr>
-              <a:lnSpc>
-                <a:spcPct val="80000"/>
-              </a:lnSpc>
-              <a:spcBef>
-                <a:spcPts val="1000"/>
-              </a:spcBef>
-              <a:defRPr b="0" sz="1100">
-                <a:solidFill>
-                  <a:srgbClr val="000000"/>
-                </a:solidFill>
-              </a:defRPr>
-            </a:pPr>
-            <a:r>
-              <a:t>Press </a:t>
-            </a:r>
-            <a:r>
-              <a:rPr>
-                <a:latin typeface="Source Sans Pro Semibold"/>
-                <a:ea typeface="Source Sans Pro Semibold"/>
-                <a:cs typeface="Source Sans Pro Semibold"/>
-                <a:sym typeface="Source Sans Pro Semibold"/>
-              </a:rPr>
-              <a:t>F1</a:t>
-            </a:r>
-            <a:r>
-              <a:t> over a Python symbol to display the help topic for that symbol.</a:t>
-            </a:r>
-          </a:p>
-        </p:txBody>
-      </p:sp>
-      <p:sp>
-        <p:nvSpPr>
-          <p:cNvPr id="210" name="Tab completion for Python functions and objects (and Python modules imported in R scripts)"/>
-          <p:cNvSpPr txBox="1"/>
-          <p:nvPr/>
-        </p:nvSpPr>
-        <p:spPr>
-          <a:xfrm>
-            <a:off x="1382076" y="1174839"/>
-            <a:ext cx="1564022" cy="616477"/>
-          </a:xfrm>
-          <a:prstGeom prst="rect">
-            <a:avLst/>
-          </a:prstGeom>
-          <a:ln w="12700">
-            <a:miter lim="400000"/>
-          </a:ln>
-          <a:extLst>
-            <a:ext uri="{C572A759-6A51-4108-AA02-DFA0A04FC94B}">
-              <ma14:wrappingTextBoxFlag xmlns:ma14="http://schemas.microsoft.com/office/mac/drawingml/2011/main" val="1"/>
-            </a:ext>
-          </a:extLst>
-        </p:spPr>
-        <p:txBody>
-          <a:bodyPr lIns="0" tIns="0" rIns="0" bIns="0">
-            <a:normAutofit fontScale="100000" lnSpcReduction="0"/>
-          </a:bodyPr>
-          <a:lstStyle>
-            <a:lvl1pPr>
-              <a:lnSpc>
-                <a:spcPct val="80000"/>
-              </a:lnSpc>
-              <a:spcBef>
-                <a:spcPts val="1000"/>
-              </a:spcBef>
-              <a:defRPr b="0" sz="1100">
-                <a:solidFill>
-                  <a:srgbClr val="000000"/>
-                </a:solidFill>
-              </a:defRPr>
-            </a:lvl1pPr>
-          </a:lstStyle>
-          <a:p>
-            <a:pPr/>
-            <a:r>
-              <a:t>Tab completion for Python functions and objects (and Python modules imported in R scripts)</a:t>
-            </a:r>
-          </a:p>
-        </p:txBody>
-      </p:sp>
-      <p:sp>
-        <p:nvSpPr>
-          <p:cNvPr id="211" name="Line"/>
-          <p:cNvSpPr/>
-          <p:nvPr/>
-        </p:nvSpPr>
-        <p:spPr>
-          <a:xfrm>
-            <a:off x="7115337" y="723900"/>
-            <a:ext cx="4239786" cy="0"/>
-          </a:xfrm>
-          <a:prstGeom prst="line">
-            <a:avLst/>
-          </a:prstGeom>
-          <a:ln w="6350">
-            <a:solidFill>
-              <a:srgbClr val="767C85"/>
-            </a:solidFill>
-            <a:miter lim="400000"/>
-          </a:ln>
-        </p:spPr>
-        <p:txBody>
-          <a:bodyPr lIns="54570" tIns="54570" rIns="54570" bIns="54570" anchor="ctr"/>
-          <a:lstStyle/>
-          <a:p>
-            <a:pPr>
-              <a:lnSpc>
-                <a:spcPct val="80000"/>
-              </a:lnSpc>
-              <a:spcBef>
-                <a:spcPts val="600"/>
-              </a:spcBef>
-              <a:defRPr b="0">
-                <a:solidFill>
-                  <a:srgbClr val="000000"/>
-                </a:solidFill>
-              </a:defRPr>
-            </a:pPr>
-          </a:p>
-        </p:txBody>
-      </p:sp>
-      <p:sp>
-        <p:nvSpPr>
-          <p:cNvPr id="212" name="Line"/>
-          <p:cNvSpPr/>
-          <p:nvPr/>
-        </p:nvSpPr>
-        <p:spPr>
-          <a:xfrm>
-            <a:off x="320653" y="6836788"/>
-            <a:ext cx="2670138" cy="1"/>
-          </a:xfrm>
-          <a:prstGeom prst="line">
-            <a:avLst/>
-          </a:prstGeom>
-          <a:ln w="6350">
-            <a:solidFill>
-              <a:srgbClr val="767C85"/>
-            </a:solidFill>
-            <a:miter lim="400000"/>
-          </a:ln>
-        </p:spPr>
-        <p:txBody>
-          <a:bodyPr lIns="54570" tIns="54570" rIns="54570" bIns="54570" anchor="ctr"/>
-          <a:lstStyle/>
-          <a:p>
-            <a:pPr>
-              <a:lnSpc>
-                <a:spcPct val="80000"/>
-              </a:lnSpc>
-              <a:spcBef>
-                <a:spcPts val="600"/>
-              </a:spcBef>
-              <a:defRPr b="0">
-                <a:solidFill>
-                  <a:srgbClr val="000000"/>
-                </a:solidFill>
-              </a:defRPr>
-            </a:pPr>
-          </a:p>
-        </p:txBody>
-      </p:sp>
-      <p:sp>
-        <p:nvSpPr>
-          <p:cNvPr id="213" name="Python REPL"/>
-          <p:cNvSpPr txBox="1"/>
-          <p:nvPr/>
-        </p:nvSpPr>
-        <p:spPr>
-          <a:xfrm>
-            <a:off x="317810" y="6824088"/>
-            <a:ext cx="1737361" cy="431801"/>
-          </a:xfrm>
-          <a:prstGeom prst="rect">
-            <a:avLst/>
-          </a:prstGeom>
-          <a:ln w="12700">
-            <a:miter lim="400000"/>
-          </a:ln>
-          <a:extLst>
-            <a:ext uri="{C572A759-6A51-4108-AA02-DFA0A04FC94B}">
-              <ma14:wrappingTextBoxFlag xmlns:ma14="http://schemas.microsoft.com/office/mac/drawingml/2011/main" val="1"/>
-            </a:ext>
-          </a:extLst>
-        </p:spPr>
-        <p:txBody>
-          <a:bodyPr wrap="none" lIns="12700" tIns="12700" rIns="12700" bIns="12700" anchor="ctr">
-            <a:spAutoFit/>
-          </a:bodyPr>
-          <a:lstStyle/>
-          <a:p>
-            <a:pPr lvl="1" indent="0">
-              <a:lnSpc>
-                <a:spcPct val="80000"/>
-              </a:lnSpc>
-              <a:spcBef>
-                <a:spcPts val="0"/>
-              </a:spcBef>
-              <a:defRPr b="0" sz="2500">
-                <a:solidFill>
-                  <a:srgbClr val="654F25"/>
-                </a:solidFill>
-              </a:defRPr>
-            </a:pPr>
-            <a:r>
-              <a:t>Python REPL</a:t>
-            </a:r>
-          </a:p>
-        </p:txBody>
-      </p:sp>
-      <p:sp>
-        <p:nvSpPr>
-          <p:cNvPr id="214" name="Install Packages"/>
-          <p:cNvSpPr txBox="1"/>
-          <p:nvPr/>
-        </p:nvSpPr>
-        <p:spPr>
-          <a:xfrm>
-            <a:off x="7207322" y="5256577"/>
-            <a:ext cx="2138999" cy="431801"/>
-          </a:xfrm>
-          <a:prstGeom prst="rect">
-            <a:avLst/>
-          </a:prstGeom>
-          <a:ln w="12700">
-            <a:miter lim="400000"/>
-          </a:ln>
-          <a:extLst>
-            <a:ext uri="{C572A759-6A51-4108-AA02-DFA0A04FC94B}">
-              <ma14:wrappingTextBoxFlag xmlns:ma14="http://schemas.microsoft.com/office/mac/drawingml/2011/main" val="1"/>
-            </a:ext>
-          </a:extLst>
-        </p:spPr>
-        <p:txBody>
-          <a:bodyPr wrap="none" lIns="12700" tIns="12700" rIns="12700" bIns="12700" anchor="ctr">
-            <a:spAutoFit/>
-          </a:bodyPr>
-          <a:lstStyle/>
-          <a:p>
-            <a:pPr lvl="1" indent="0">
-              <a:lnSpc>
-                <a:spcPct val="80000"/>
-              </a:lnSpc>
-              <a:spcBef>
-                <a:spcPts val="0"/>
-              </a:spcBef>
-              <a:defRPr b="0" sz="2500">
-                <a:solidFill>
-                  <a:srgbClr val="654F25"/>
-                </a:solidFill>
-              </a:defRPr>
-            </a:pPr>
-            <a:r>
-              <a:t>Install Packages</a:t>
-            </a:r>
-          </a:p>
-        </p:txBody>
-      </p:sp>
-      <p:sp>
-        <p:nvSpPr>
-          <p:cNvPr id="215" name="py_discover_config() Return all detected versions of Python. Use py_config to check which version has been loaded. py_config()…"/>
-          <p:cNvSpPr txBox="1"/>
-          <p:nvPr/>
-        </p:nvSpPr>
-        <p:spPr>
-          <a:xfrm>
-            <a:off x="7178505" y="2140720"/>
-            <a:ext cx="3247891" cy="1271794"/>
-          </a:xfrm>
-          <a:prstGeom prst="rect">
-            <a:avLst/>
-          </a:prstGeom>
-          <a:ln w="12700">
-            <a:miter lim="400000"/>
-          </a:ln>
-          <a:extLst>
-            <a:ext uri="{C572A759-6A51-4108-AA02-DFA0A04FC94B}">
-              <ma14:wrappingTextBoxFlag xmlns:ma14="http://schemas.microsoft.com/office/mac/drawingml/2011/main" val="1"/>
-            </a:ext>
-          </a:extLst>
-        </p:spPr>
-        <p:txBody>
-          <a:bodyPr lIns="0" tIns="0" rIns="0" bIns="0">
-            <a:normAutofit fontScale="100000" lnSpcReduction="0"/>
-          </a:bodyPr>
-          <a:lstStyle/>
-          <a:p>
-            <a:pPr marL="381000" indent="-127000">
-              <a:lnSpc>
-                <a:spcPct val="80000"/>
-              </a:lnSpc>
-              <a:spcBef>
-                <a:spcPts val="1000"/>
-              </a:spcBef>
-              <a:buSzPct val="100000"/>
-              <a:buChar char="•"/>
-              <a:defRPr b="0" sz="1100">
-                <a:solidFill>
-                  <a:srgbClr val="000000"/>
-                </a:solidFill>
-              </a:defRPr>
-            </a:pPr>
-            <a:r>
-              <a:rPr b="1"/>
-              <a:t>py_discover_config</a:t>
-            </a:r>
-            <a:r>
-              <a:t>() Return all detected versions of Python. Use </a:t>
-            </a:r>
-            <a:r>
-              <a:rPr b="1"/>
-              <a:t>py_config</a:t>
-            </a:r>
-            <a:r>
-              <a:t> to check which version has been loaded. </a:t>
-            </a:r>
-            <a:r>
-              <a:rPr i="1"/>
-              <a:t>py_config()</a:t>
-            </a:r>
-            <a:endParaRPr i="1"/>
-          </a:p>
-          <a:p>
-            <a:pPr marL="381000" indent="-127000">
-              <a:lnSpc>
-                <a:spcPct val="80000"/>
-              </a:lnSpc>
-              <a:spcBef>
-                <a:spcPts val="0"/>
-              </a:spcBef>
-              <a:buSzPct val="100000"/>
-              <a:buChar char="•"/>
-              <a:defRPr b="0" sz="1100">
-                <a:solidFill>
-                  <a:srgbClr val="000000"/>
-                </a:solidFill>
-              </a:defRPr>
-            </a:pPr>
-            <a:r>
-              <a:rPr b="1"/>
-              <a:t>py_available</a:t>
-            </a:r>
-            <a:r>
-              <a:t>(initialize = FALSE) Check if </a:t>
-            </a:r>
-          </a:p>
-          <a:p>
-            <a:pPr indent="254000">
-              <a:lnSpc>
-                <a:spcPct val="80000"/>
-              </a:lnSpc>
-              <a:spcBef>
-                <a:spcPts val="1000"/>
-              </a:spcBef>
-              <a:defRPr b="0" sz="1100">
-                <a:solidFill>
-                  <a:srgbClr val="000000"/>
-                </a:solidFill>
-              </a:defRPr>
-            </a:pPr>
-            <a:r>
-              <a:t>Python is available on your system. Also </a:t>
-            </a:r>
-            <a:r>
-              <a:rPr b="1"/>
-              <a:t>py_module_available</a:t>
-            </a:r>
-            <a:r>
-              <a:t>, </a:t>
-            </a:r>
-            <a:r>
-              <a:rPr b="1"/>
-              <a:t>py_numpy_module.</a:t>
-            </a:r>
-            <a:r>
-              <a:t> </a:t>
-            </a:r>
-            <a:r>
-              <a:rPr i="1"/>
-              <a:t>py_available()</a:t>
-            </a:r>
-          </a:p>
-        </p:txBody>
-      </p:sp>
-      <p:sp>
-        <p:nvSpPr>
-          <p:cNvPr id="216" name="Line"/>
-          <p:cNvSpPr/>
-          <p:nvPr/>
-        </p:nvSpPr>
-        <p:spPr>
-          <a:xfrm flipV="1">
-            <a:off x="5540380" y="1688817"/>
-            <a:ext cx="977309" cy="3193698"/>
-          </a:xfrm>
-          <a:prstGeom prst="line">
-            <a:avLst/>
-          </a:prstGeom>
-          <a:ln>
-            <a:solidFill>
-              <a:srgbClr val="000000"/>
-            </a:solidFill>
-            <a:custDash>
-              <a:ds d="100000" sp="200000"/>
-            </a:custDash>
-          </a:ln>
-        </p:spPr>
-        <p:txBody>
-          <a:bodyPr lIns="54570" tIns="54570" rIns="54570" bIns="54570" anchor="ctr"/>
-          <a:lstStyle/>
-          <a:p>
-            <a:pPr algn="ctr">
-              <a:spcBef>
-                <a:spcPts val="0"/>
-              </a:spcBef>
-              <a:defRPr b="0" sz="2600">
-                <a:solidFill>
-                  <a:srgbClr val="000000"/>
-                </a:solidFill>
-                <a:latin typeface="Helvetica Light"/>
-                <a:ea typeface="Helvetica Light"/>
-                <a:cs typeface="Helvetica Light"/>
-                <a:sym typeface="Helvetica Light"/>
-              </a:defRPr>
-            </a:pPr>
-          </a:p>
-        </p:txBody>
-      </p:sp>
       <p:pic>
         <p:nvPicPr>
-          <p:cNvPr id="217" name="Screen Shot 2019-04-24 at 3.07.57 PM.png" descr="Screen Shot 2019-04-24 at 3.07.57 PM.png"/>
+          <p:cNvPr id="217" name="Screen Shot 2019-04-24 at 3.06.42 PM.png" descr="Screen Shot 2019-04-24 at 3.06.42 PM.png"/>
           <p:cNvPicPr>
             <a:picLocks noChangeAspect="1"/>
           </p:cNvPicPr>
@@ -9882,14 +9801,15 @@
           <a:blip r:embed="rId10">
             <a:extLst/>
           </a:blip>
+          <a:srcRect l="473" t="1694" r="473" b="1694"/>
           <a:stretch>
             <a:fillRect/>
           </a:stretch>
         </p:blipFill>
         <p:spPr>
           <a:xfrm>
-            <a:off x="2721593" y="3149581"/>
-            <a:ext cx="129671" cy="160971"/>
+            <a:off x="2784441" y="3304951"/>
+            <a:ext cx="833557" cy="454668"/>
           </a:xfrm>
           <a:prstGeom prst="rect">
             <a:avLst/>
@@ -9899,9 +9819,405 @@
           </a:ln>
         </p:spPr>
       </p:pic>
+      <p:sp>
+        <p:nvSpPr>
+          <p:cNvPr id="218" name="Line"/>
+          <p:cNvSpPr/>
+          <p:nvPr/>
+        </p:nvSpPr>
+        <p:spPr>
+          <a:xfrm flipH="1" flipV="1">
+            <a:off x="752719" y="1815817"/>
+            <a:ext cx="556540" cy="719955"/>
+          </a:xfrm>
+          <a:prstGeom prst="line">
+            <a:avLst/>
+          </a:prstGeom>
+          <a:ln>
+            <a:solidFill>
+              <a:srgbClr val="000000"/>
+            </a:solidFill>
+            <a:custDash>
+              <a:ds d="100000" sp="200000"/>
+            </a:custDash>
+          </a:ln>
+        </p:spPr>
+        <p:txBody>
+          <a:bodyPr lIns="54570" tIns="54570" rIns="54570" bIns="54570" anchor="ctr"/>
+          <a:lstStyle/>
+          <a:p>
+            <a:pPr algn="ctr">
+              <a:spcBef>
+                <a:spcPts val="0"/>
+              </a:spcBef>
+              <a:defRPr b="0" sz="2600">
+                <a:solidFill>
+                  <a:srgbClr val="000000"/>
+                </a:solidFill>
+                <a:latin typeface="Helvetica Light"/>
+                <a:ea typeface="Helvetica Light"/>
+                <a:cs typeface="Helvetica Light"/>
+                <a:sym typeface="Helvetica Light"/>
+              </a:defRPr>
+            </a:pPr>
+          </a:p>
+        </p:txBody>
+      </p:sp>
+      <p:sp>
+        <p:nvSpPr>
+          <p:cNvPr id="219" name="Line"/>
+          <p:cNvSpPr/>
+          <p:nvPr/>
+        </p:nvSpPr>
+        <p:spPr>
+          <a:xfrm flipH="1" flipV="1">
+            <a:off x="2269104" y="1834556"/>
+            <a:ext cx="685209" cy="1467847"/>
+          </a:xfrm>
+          <a:prstGeom prst="line">
+            <a:avLst/>
+          </a:prstGeom>
+          <a:ln>
+            <a:solidFill>
+              <a:srgbClr val="000000"/>
+            </a:solidFill>
+            <a:custDash>
+              <a:ds d="100000" sp="200000"/>
+            </a:custDash>
+          </a:ln>
+        </p:spPr>
+        <p:txBody>
+          <a:bodyPr lIns="54570" tIns="54570" rIns="54570" bIns="54570" anchor="ctr"/>
+          <a:lstStyle/>
+          <a:p>
+            <a:pPr algn="ctr">
+              <a:spcBef>
+                <a:spcPts val="0"/>
+              </a:spcBef>
+              <a:defRPr b="0" sz="2600">
+                <a:solidFill>
+                  <a:srgbClr val="000000"/>
+                </a:solidFill>
+                <a:latin typeface="Helvetica Light"/>
+                <a:ea typeface="Helvetica Light"/>
+                <a:cs typeface="Helvetica Light"/>
+                <a:sym typeface="Helvetica Light"/>
+              </a:defRPr>
+            </a:pPr>
+          </a:p>
+        </p:txBody>
+      </p:sp>
+      <p:sp>
+        <p:nvSpPr>
+          <p:cNvPr id="220" name="Line"/>
+          <p:cNvSpPr/>
+          <p:nvPr/>
+        </p:nvSpPr>
+        <p:spPr>
+          <a:xfrm flipH="1" flipV="1">
+            <a:off x="3261817" y="1688817"/>
+            <a:ext cx="107287" cy="679037"/>
+          </a:xfrm>
+          <a:prstGeom prst="line">
+            <a:avLst/>
+          </a:prstGeom>
+          <a:ln>
+            <a:solidFill>
+              <a:srgbClr val="000000"/>
+            </a:solidFill>
+            <a:custDash>
+              <a:ds d="100000" sp="200000"/>
+            </a:custDash>
+          </a:ln>
+        </p:spPr>
+        <p:txBody>
+          <a:bodyPr lIns="54570" tIns="54570" rIns="54570" bIns="54570" anchor="ctr"/>
+          <a:lstStyle/>
+          <a:p>
+            <a:pPr algn="ctr">
+              <a:spcBef>
+                <a:spcPts val="0"/>
+              </a:spcBef>
+              <a:defRPr b="0" sz="2600">
+                <a:solidFill>
+                  <a:srgbClr val="000000"/>
+                </a:solidFill>
+                <a:latin typeface="Helvetica Light"/>
+                <a:ea typeface="Helvetica Light"/>
+                <a:cs typeface="Helvetica Light"/>
+                <a:sym typeface="Helvetica Light"/>
+              </a:defRPr>
+            </a:pPr>
+          </a:p>
+        </p:txBody>
+      </p:sp>
+      <p:sp>
+        <p:nvSpPr>
+          <p:cNvPr id="221" name="Line"/>
+          <p:cNvSpPr/>
+          <p:nvPr/>
+        </p:nvSpPr>
+        <p:spPr>
+          <a:xfrm flipV="1">
+            <a:off x="5144595" y="1909512"/>
+            <a:ext cx="118919" cy="846956"/>
+          </a:xfrm>
+          <a:prstGeom prst="line">
+            <a:avLst/>
+          </a:prstGeom>
+          <a:ln>
+            <a:solidFill>
+              <a:srgbClr val="000000"/>
+            </a:solidFill>
+            <a:custDash>
+              <a:ds d="100000" sp="200000"/>
+            </a:custDash>
+          </a:ln>
+        </p:spPr>
+        <p:txBody>
+          <a:bodyPr lIns="54570" tIns="54570" rIns="54570" bIns="54570" anchor="ctr"/>
+          <a:lstStyle/>
+          <a:p>
+            <a:pPr algn="ctr">
+              <a:spcBef>
+                <a:spcPts val="0"/>
+              </a:spcBef>
+              <a:defRPr b="0" sz="2600">
+                <a:solidFill>
+                  <a:srgbClr val="000000"/>
+                </a:solidFill>
+                <a:latin typeface="Helvetica Light"/>
+                <a:ea typeface="Helvetica Light"/>
+                <a:cs typeface="Helvetica Light"/>
+                <a:sym typeface="Helvetica Light"/>
+              </a:defRPr>
+            </a:pPr>
+          </a:p>
+        </p:txBody>
+      </p:sp>
+      <p:sp>
+        <p:nvSpPr>
+          <p:cNvPr id="222" name="A REPL (Read, Eval, Print Loop) is a command line where you can run Python code and view the results.…"/>
+          <p:cNvSpPr txBox="1"/>
+          <p:nvPr/>
+        </p:nvSpPr>
+        <p:spPr>
+          <a:xfrm>
+            <a:off x="316189" y="7262130"/>
+            <a:ext cx="2679066" cy="3286432"/>
+          </a:xfrm>
+          <a:prstGeom prst="rect">
+            <a:avLst/>
+          </a:prstGeom>
+          <a:ln w="12700">
+            <a:miter lim="400000"/>
+          </a:ln>
+          <a:extLst>
+            <a:ext uri="{C572A759-6A51-4108-AA02-DFA0A04FC94B}">
+              <ma14:wrappingTextBoxFlag xmlns:ma14="http://schemas.microsoft.com/office/mac/drawingml/2011/main" val="1"/>
+            </a:ext>
+          </a:extLst>
+        </p:spPr>
+        <p:txBody>
+          <a:bodyPr lIns="0" tIns="0" rIns="0" bIns="0">
+            <a:normAutofit fontScale="100000" lnSpcReduction="0"/>
+          </a:bodyPr>
+          <a:lstStyle/>
+          <a:p>
+            <a:pPr>
+              <a:lnSpc>
+                <a:spcPct val="80000"/>
+              </a:lnSpc>
+              <a:spcBef>
+                <a:spcPts val="1000"/>
+              </a:spcBef>
+              <a:defRPr b="0" sz="1100">
+                <a:solidFill>
+                  <a:srgbClr val="7A4300"/>
+                </a:solidFill>
+              </a:defRPr>
+            </a:pPr>
+            <a:r>
+              <a:t>A REPL (Read, Eval, Print Loop) is a command line where you can run Python code and view the results.</a:t>
+            </a:r>
+          </a:p>
+          <a:p>
+            <a:pPr marL="190500" indent="-190500">
+              <a:lnSpc>
+                <a:spcPct val="80000"/>
+              </a:lnSpc>
+              <a:spcBef>
+                <a:spcPts val="1000"/>
+              </a:spcBef>
+              <a:buSzPct val="100000"/>
+              <a:buAutoNum type="arabicPeriod" startAt="1"/>
+              <a:defRPr b="0" sz="1100">
+                <a:solidFill>
+                  <a:srgbClr val="7A4300"/>
+                </a:solidFill>
+              </a:defRPr>
+            </a:pPr>
+            <a:r>
+              <a:t>Open in the console with </a:t>
+            </a:r>
+            <a:r>
+              <a:rPr b="1"/>
+              <a:t>repl_python</a:t>
+            </a:r>
+            <a:r>
+              <a:t>(), or by running code in a Python script with </a:t>
+            </a:r>
+            <a:r>
+              <a:rPr b="1"/>
+              <a:t>Cmd + Enter</a:t>
+            </a:r>
+            <a:r>
+              <a:t> (</a:t>
+            </a:r>
+            <a:r>
+              <a:rPr b="1"/>
+              <a:t>Ctrl + Enter</a:t>
+            </a:r>
+            <a:r>
+              <a:t>) .</a:t>
+            </a:r>
+          </a:p>
+          <a:p>
+            <a:pPr marL="381000" indent="-127000">
+              <a:lnSpc>
+                <a:spcPct val="80000"/>
+              </a:lnSpc>
+              <a:spcBef>
+                <a:spcPts val="1000"/>
+              </a:spcBef>
+              <a:buSzPct val="100000"/>
+              <a:buChar char="•"/>
+              <a:defRPr b="0" sz="1100">
+                <a:solidFill>
+                  <a:srgbClr val="000000"/>
+                </a:solidFill>
+              </a:defRPr>
+            </a:pPr>
+            <a:r>
+              <a:rPr b="1"/>
+              <a:t>repl_python</a:t>
+            </a:r>
+            <a:r>
+              <a:t>(module = NULL, quiet = getOption("reticulate.repl.quiet", default = FALSE)) Launch a Python REPL. Run </a:t>
+            </a:r>
+            <a:r>
+              <a:rPr b="1"/>
+              <a:t>exit</a:t>
+            </a:r>
+            <a:r>
+              <a:t> to close. </a:t>
+            </a:r>
+            <a:r>
+              <a:rPr i="1"/>
+              <a:t>repl_python() </a:t>
+            </a:r>
+          </a:p>
+          <a:p>
+            <a:pPr marL="228600" indent="-228600">
+              <a:lnSpc>
+                <a:spcPct val="80000"/>
+              </a:lnSpc>
+              <a:spcBef>
+                <a:spcPts val="1000"/>
+              </a:spcBef>
+              <a:buSzPct val="100000"/>
+              <a:buAutoNum type="arabicPeriod" startAt="2"/>
+              <a:defRPr b="0" sz="1100">
+                <a:solidFill>
+                  <a:srgbClr val="7A4300"/>
+                </a:solidFill>
+              </a:defRPr>
+            </a:pPr>
+            <a:r>
+              <a:t>Type commands at </a:t>
+            </a:r>
+            <a:r>
+              <a:rPr>
+                <a:latin typeface="Source Sans Pro Semibold"/>
+                <a:ea typeface="Source Sans Pro Semibold"/>
+                <a:cs typeface="Source Sans Pro Semibold"/>
+                <a:sym typeface="Source Sans Pro Semibold"/>
+              </a:rPr>
+              <a:t>&gt;&gt;&gt;</a:t>
+            </a:r>
+            <a:r>
+              <a:t> prompt</a:t>
+            </a:r>
+          </a:p>
+          <a:p>
+            <a:pPr marL="228600" indent="-228600">
+              <a:lnSpc>
+                <a:spcPct val="80000"/>
+              </a:lnSpc>
+              <a:spcBef>
+                <a:spcPts val="1000"/>
+              </a:spcBef>
+              <a:buSzPct val="100000"/>
+              <a:buAutoNum type="arabicPeriod" startAt="2"/>
+              <a:defRPr b="0" sz="1100">
+                <a:solidFill>
+                  <a:srgbClr val="7A4300"/>
+                </a:solidFill>
+              </a:defRPr>
+            </a:pPr>
+            <a:r>
+              <a:t>Press </a:t>
+            </a:r>
+            <a:r>
+              <a:rPr>
+                <a:latin typeface="Source Sans Pro Semibold"/>
+                <a:ea typeface="Source Sans Pro Semibold"/>
+                <a:cs typeface="Source Sans Pro Semibold"/>
+                <a:sym typeface="Source Sans Pro Semibold"/>
+              </a:rPr>
+              <a:t>Enter</a:t>
+            </a:r>
+            <a:r>
+              <a:t> to run code</a:t>
+            </a:r>
+          </a:p>
+          <a:p>
+            <a:pPr marL="228600" indent="-228600">
+              <a:lnSpc>
+                <a:spcPct val="80000"/>
+              </a:lnSpc>
+              <a:spcBef>
+                <a:spcPts val="1000"/>
+              </a:spcBef>
+              <a:buSzPct val="100000"/>
+              <a:buAutoNum type="arabicPeriod" startAt="2"/>
+              <a:defRPr b="0" sz="1100">
+                <a:solidFill>
+                  <a:srgbClr val="7A4300"/>
+                </a:solidFill>
+              </a:defRPr>
+            </a:pPr>
+            <a:r>
+              <a:t>Type </a:t>
+            </a:r>
+            <a:r>
+              <a:rPr>
+                <a:latin typeface="Source Sans Pro Semibold"/>
+                <a:ea typeface="Source Sans Pro Semibold"/>
+                <a:cs typeface="Source Sans Pro Semibold"/>
+                <a:sym typeface="Source Sans Pro Semibold"/>
+              </a:rPr>
+              <a:t>exit </a:t>
+            </a:r>
+            <a:r>
+              <a:t>to close and return to R console</a:t>
+            </a:r>
+          </a:p>
+        </p:txBody>
+      </p:sp>
       <p:pic>
         <p:nvPicPr>
-          <p:cNvPr id="218" name="Screen Shot 2019-04-24 at 3.06.42 PM.png" descr="Screen Shot 2019-04-24 at 3.06.42 PM.png"/>
+          <p:cNvPr id="223" name="Screen Shot 2019-04-24 at 3.35.32 PM.png" descr="Screen Shot 2019-04-24 at 3.35.32 PM.png"/>
           <p:cNvPicPr>
             <a:picLocks noChangeAspect="1"/>
           </p:cNvPicPr>
@@ -9911,34 +10227,43 @@
           <a:blip r:embed="rId11">
             <a:extLst/>
           </a:blip>
-          <a:srcRect l="473" t="1694" r="473" b="1694"/>
           <a:stretch>
             <a:fillRect/>
           </a:stretch>
         </p:blipFill>
         <p:spPr>
           <a:xfrm>
-            <a:off x="2784441" y="3304951"/>
-            <a:ext cx="833557" cy="454668"/>
+            <a:off x="3145021" y="6830041"/>
+            <a:ext cx="3669274" cy="3359657"/>
           </a:xfrm>
           <a:prstGeom prst="rect">
             <a:avLst/>
           </a:prstGeom>
-          <a:ln w="12700">
+          <a:ln w="19050">
+            <a:solidFill>
+              <a:srgbClr val="000000"/>
+            </a:solidFill>
             <a:miter lim="400000"/>
           </a:ln>
+          <a:effectLst>
+            <a:outerShdw sx="100000" sy="100000" kx="0" ky="0" algn="b" rotWithShape="0" blurRad="76200" dist="63500" dir="5400000">
+              <a:srgbClr val="000000">
+                <a:alpha val="50000"/>
+              </a:srgbClr>
+            </a:outerShdw>
+          </a:effectLst>
         </p:spPr>
       </p:pic>
       <p:sp>
         <p:nvSpPr>
-          <p:cNvPr id="219" name="Line"/>
+          <p:cNvPr id="224" name="Line"/>
           <p:cNvSpPr/>
           <p:nvPr/>
         </p:nvSpPr>
         <p:spPr>
-          <a:xfrm flipH="1" flipV="1">
-            <a:off x="752720" y="1815817"/>
-            <a:ext cx="556539" cy="719955"/>
+          <a:xfrm flipV="1">
+            <a:off x="850756" y="5964965"/>
+            <a:ext cx="239669" cy="479450"/>
           </a:xfrm>
           <a:prstGeom prst="line">
             <a:avLst/>
@@ -9975,146 +10300,14 @@
       </p:sp>
       <p:sp>
         <p:nvSpPr>
-          <p:cNvPr id="220" name="Line"/>
-          <p:cNvSpPr/>
-          <p:nvPr/>
-        </p:nvSpPr>
-        <p:spPr>
-          <a:xfrm flipH="1" flipV="1">
-            <a:off x="2269104" y="1834556"/>
-            <a:ext cx="685209" cy="1467847"/>
-          </a:xfrm>
-          <a:prstGeom prst="line">
-            <a:avLst/>
-          </a:prstGeom>
-          <a:ln>
-            <a:solidFill>
-              <a:srgbClr val="000000"/>
-            </a:solidFill>
-            <a:custDash>
-              <a:ds d="100000" sp="200000"/>
-            </a:custDash>
-          </a:ln>
-        </p:spPr>
-        <p:txBody>
-          <a:bodyPr lIns="54570" tIns="54570" rIns="54570" bIns="54570" anchor="ctr"/>
-          <a:lstStyle/>
-          <a:p>
-            <a:pPr algn="ctr">
-              <a:spcBef>
-                <a:spcPts val="0"/>
-              </a:spcBef>
-              <a:defRPr b="0" sz="2600">
-                <a:solidFill>
-                  <a:srgbClr val="000000"/>
-                </a:solidFill>
-                <a:latin typeface="Helvetica Light"/>
-                <a:ea typeface="Helvetica Light"/>
-                <a:cs typeface="Helvetica Light"/>
-                <a:sym typeface="Helvetica Light"/>
-              </a:defRPr>
-            </a:pPr>
-          </a:p>
-        </p:txBody>
-      </p:sp>
-      <p:sp>
-        <p:nvSpPr>
-          <p:cNvPr id="221" name="Line"/>
-          <p:cNvSpPr/>
-          <p:nvPr/>
-        </p:nvSpPr>
-        <p:spPr>
-          <a:xfrm flipH="1" flipV="1">
-            <a:off x="3261816" y="1688817"/>
-            <a:ext cx="107287" cy="679037"/>
-          </a:xfrm>
-          <a:prstGeom prst="line">
-            <a:avLst/>
-          </a:prstGeom>
-          <a:ln>
-            <a:solidFill>
-              <a:srgbClr val="000000"/>
-            </a:solidFill>
-            <a:custDash>
-              <a:ds d="100000" sp="200000"/>
-            </a:custDash>
-          </a:ln>
-        </p:spPr>
-        <p:txBody>
-          <a:bodyPr lIns="54570" tIns="54570" rIns="54570" bIns="54570" anchor="ctr"/>
-          <a:lstStyle/>
-          <a:p>
-            <a:pPr algn="ctr">
-              <a:spcBef>
-                <a:spcPts val="0"/>
-              </a:spcBef>
-              <a:defRPr b="0" sz="2600">
-                <a:solidFill>
-                  <a:srgbClr val="000000"/>
-                </a:solidFill>
-                <a:latin typeface="Helvetica Light"/>
-                <a:ea typeface="Helvetica Light"/>
-                <a:cs typeface="Helvetica Light"/>
-                <a:sym typeface="Helvetica Light"/>
-              </a:defRPr>
-            </a:pPr>
-          </a:p>
-        </p:txBody>
-      </p:sp>
-      <p:sp>
-        <p:nvSpPr>
-          <p:cNvPr id="222" name="Line"/>
-          <p:cNvSpPr/>
-          <p:nvPr/>
-        </p:nvSpPr>
-        <p:spPr>
-          <a:xfrm flipV="1">
-            <a:off x="5144595" y="1909512"/>
-            <a:ext cx="118919" cy="846956"/>
-          </a:xfrm>
-          <a:prstGeom prst="line">
-            <a:avLst/>
-          </a:prstGeom>
-          <a:ln>
-            <a:solidFill>
-              <a:srgbClr val="000000"/>
-            </a:solidFill>
-            <a:custDash>
-              <a:ds d="100000" sp="200000"/>
-            </a:custDash>
-          </a:ln>
-        </p:spPr>
-        <p:txBody>
-          <a:bodyPr lIns="54570" tIns="54570" rIns="54570" bIns="54570" anchor="ctr"/>
-          <a:lstStyle/>
-          <a:p>
-            <a:pPr algn="ctr">
-              <a:spcBef>
-                <a:spcPts val="0"/>
-              </a:spcBef>
-              <a:defRPr b="0" sz="2600">
-                <a:solidFill>
-                  <a:srgbClr val="000000"/>
-                </a:solidFill>
-                <a:latin typeface="Helvetica Light"/>
-                <a:ea typeface="Helvetica Light"/>
-                <a:cs typeface="Helvetica Light"/>
-                <a:sym typeface="Helvetica Light"/>
-              </a:defRPr>
-            </a:pPr>
-          </a:p>
-        </p:txBody>
-      </p:sp>
-      <p:sp>
-        <p:nvSpPr>
-          <p:cNvPr id="223" name="A REPL (Read, Eval, Print Loop) is a command line where you can run Python code and view the results.…"/>
+          <p:cNvPr id="225" name="A Python REPL opens in the console when you run Python code with a keyboard shortcut. Type exit to close."/>
           <p:cNvSpPr txBox="1"/>
           <p:nvPr/>
         </p:nvSpPr>
         <p:spPr>
           <a:xfrm>
-            <a:off x="316189" y="7262130"/>
-            <a:ext cx="2679066" cy="3286433"/>
+            <a:off x="473457" y="6350346"/>
+            <a:ext cx="6318017" cy="454820"/>
           </a:xfrm>
           <a:prstGeom prst="rect">
             <a:avLst/>
@@ -10129,35 +10322,72 @@
           </a:extLst>
         </p:spPr>
         <p:txBody>
+          <a:bodyPr lIns="25400" tIns="25400" rIns="25400" bIns="25400" anchor="ctr">
+            <a:normAutofit fontScale="100000" lnSpcReduction="0"/>
+          </a:bodyPr>
+          <a:lstStyle/>
+          <a:p>
+            <a:pPr>
+              <a:lnSpc>
+                <a:spcPct val="80000"/>
+              </a:lnSpc>
+              <a:spcBef>
+                <a:spcPts val="1000"/>
+              </a:spcBef>
+              <a:defRPr b="0" sz="1100">
+                <a:solidFill>
+                  <a:srgbClr val="000000"/>
+                </a:solidFill>
+              </a:defRPr>
+            </a:pPr>
+            <a:r>
+              <a:t>A Python REPL opens in the console when you run Python code with a keyboard shortcut. Type </a:t>
+            </a:r>
+            <a:r>
+              <a:rPr b="1"/>
+              <a:t>exit</a:t>
+            </a:r>
+            <a:r>
+              <a:t> to close.</a:t>
+            </a:r>
+          </a:p>
+        </p:txBody>
+      </p:sp>
+      <p:sp>
+        <p:nvSpPr>
+          <p:cNvPr id="226" name="The instance referenced by the environment…"/>
+          <p:cNvSpPr txBox="1"/>
+          <p:nvPr/>
+        </p:nvSpPr>
+        <p:spPr>
+          <a:xfrm>
+            <a:off x="10570550" y="4625783"/>
+            <a:ext cx="2840113" cy="6335495"/>
+          </a:xfrm>
+          <a:prstGeom prst="rect">
+            <a:avLst/>
+          </a:prstGeom>
+          <a:ln w="12700">
+            <a:miter lim="400000"/>
+          </a:ln>
+          <a:extLst>
+            <a:ext uri="{C572A759-6A51-4108-AA02-DFA0A04FC94B}">
+              <ma14:wrappingTextBoxFlag xmlns:ma14="http://schemas.microsoft.com/office/mac/drawingml/2011/main" val="1"/>
+            </a:ext>
+          </a:extLst>
+        </p:spPr>
+        <p:txBody>
           <a:bodyPr lIns="0" tIns="0" rIns="0" bIns="0">
             <a:normAutofit fontScale="100000" lnSpcReduction="0"/>
           </a:bodyPr>
           <a:lstStyle/>
           <a:p>
-            <a:pPr>
-              <a:lnSpc>
-                <a:spcPct val="80000"/>
-              </a:lnSpc>
-              <a:spcBef>
-                <a:spcPts val="1000"/>
-              </a:spcBef>
-              <a:defRPr b="0" sz="1100">
-                <a:solidFill>
-                  <a:srgbClr val="7A4300"/>
-                </a:solidFill>
-              </a:defRPr>
-            </a:pPr>
-            <a:r>
-              <a:t>A REPL (Read, Eval, Print Loop) is a command line where you can run Python code and view the results.</a:t>
-            </a:r>
-          </a:p>
-          <a:p>
             <a:pPr marL="190500" indent="-190500">
               <a:lnSpc>
                 <a:spcPct val="80000"/>
               </a:lnSpc>
               <a:spcBef>
-                <a:spcPts val="1000"/>
+                <a:spcPts val="0"/>
               </a:spcBef>
               <a:buSzPct val="100000"/>
               <a:buAutoNum type="arabicPeriod" startAt="1"/>
@@ -10168,83 +10398,25 @@
               </a:defRPr>
             </a:pPr>
             <a:r>
-              <a:t>Open in the console with </a:t>
-            </a:r>
-            <a:r>
-              <a:rPr b="1"/>
-              <a:t>repl_python</a:t>
-            </a:r>
-            <a:r>
-              <a:t>(), or by running code in a Python script with </a:t>
-            </a:r>
-            <a:r>
-              <a:rPr b="1"/>
-              <a:t>Cmd + Enter</a:t>
-            </a:r>
-            <a:r>
-              <a:t> (</a:t>
-            </a:r>
-            <a:r>
-              <a:rPr b="1"/>
-              <a:t>Ctrl + Enter</a:t>
-            </a:r>
-            <a:r>
-              <a:t>) .</a:t>
-            </a:r>
-          </a:p>
-          <a:p>
-            <a:pPr marL="381000" indent="-127000">
-              <a:lnSpc>
-                <a:spcPct val="80000"/>
-              </a:lnSpc>
-              <a:spcBef>
-                <a:spcPts val="1000"/>
-              </a:spcBef>
-              <a:buSzPct val="100000"/>
-              <a:buChar char="•"/>
+              <a:t>The instance referenced by the environment </a:t>
+            </a:r>
+          </a:p>
+          <a:p>
+            <a:pPr>
+              <a:lnSpc>
+                <a:spcPct val="80000"/>
+              </a:lnSpc>
+              <a:spcBef>
+                <a:spcPts val="0"/>
+              </a:spcBef>
               <a:defRPr b="0" sz="1100">
                 <a:solidFill>
-                  <a:srgbClr val="000000"/>
-                </a:solidFill>
-              </a:defRPr>
-            </a:pPr>
-            <a:r>
-              <a:rPr b="1"/>
-              <a:t>repl_python</a:t>
-            </a:r>
-            <a:r>
-              <a:t>(module = NULL, quiet = getOption("reticulate.repl.quiet", default = FALSE)) Launch a Python REPL. Run </a:t>
-            </a:r>
-            <a:r>
-              <a:rPr b="1"/>
-              <a:t>exit</a:t>
-            </a:r>
-            <a:r>
-              <a:t> to close. </a:t>
-            </a:r>
-            <a:r>
-              <a:rPr i="1"/>
-              <a:t>repl_python() </a:t>
-            </a:r>
-          </a:p>
-          <a:p>
-            <a:pPr marL="228600" indent="-228600">
-              <a:lnSpc>
-                <a:spcPct val="80000"/>
-              </a:lnSpc>
-              <a:spcBef>
-                <a:spcPts val="1000"/>
-              </a:spcBef>
-              <a:buSzPct val="100000"/>
-              <a:buAutoNum type="arabicPeriod" startAt="2"/>
-              <a:defRPr b="0" sz="1100">
-                <a:solidFill>
                   <a:srgbClr val="7A4300"/>
                 </a:solidFill>
               </a:defRPr>
             </a:pPr>
             <a:r>
-              <a:t>Type commands at </a:t>
+              <a:t>variable </a:t>
             </a:r>
             <a:r>
               <a:rPr>
@@ -10253,19 +10425,118 @@
                 <a:cs typeface="Source Sans Pro Semibold"/>
                 <a:sym typeface="Source Sans Pro Semibold"/>
               </a:rPr>
-              <a:t>&gt;&gt;&gt;</a:t>
-            </a:r>
-            <a:r>
-              <a:t> prompt</a:t>
-            </a:r>
-          </a:p>
-          <a:p>
-            <a:pPr marL="228600" indent="-228600">
+              <a:t>RETICULATE_PYTHON </a:t>
+            </a:r>
+            <a:r>
+              <a:t>(if specified). </a:t>
+            </a:r>
+          </a:p>
+          <a:p>
+            <a:pPr>
               <a:lnSpc>
                 <a:spcPct val="80000"/>
               </a:lnSpc>
               <a:spcBef>
                 <a:spcPts val="1000"/>
+              </a:spcBef>
+              <a:defRPr b="0" sz="1100">
+                <a:solidFill>
+                  <a:srgbClr val="7A4300"/>
+                </a:solidFill>
+                <a:latin typeface="Source Sans Pro Semibold"/>
+                <a:ea typeface="Source Sans Pro Semibold"/>
+                <a:cs typeface="Source Sans Pro Semibold"/>
+                <a:sym typeface="Source Sans Pro Semibold"/>
+              </a:defRPr>
+            </a:pPr>
+            <a:r>
+              <a:t>Tip: set in .Renviron file.</a:t>
+            </a:r>
+          </a:p>
+          <a:p>
+            <a:pPr marL="381000" indent="-127000">
+              <a:lnSpc>
+                <a:spcPct val="80000"/>
+              </a:lnSpc>
+              <a:spcBef>
+                <a:spcPts val="0"/>
+              </a:spcBef>
+              <a:buSzPct val="100000"/>
+              <a:buChar char="•"/>
+              <a:defRPr b="0" sz="1100">
+                <a:solidFill>
+                  <a:srgbClr val="000000"/>
+                </a:solidFill>
+              </a:defRPr>
+            </a:pPr>
+            <a:r>
+              <a:rPr b="1"/>
+              <a:t>Sys.setenv</a:t>
+            </a:r>
+            <a:r>
+              <a:t>(RETICULATE_PYTHON = PATH) </a:t>
+            </a:r>
+          </a:p>
+          <a:p>
+            <a:pPr indent="254000">
+              <a:lnSpc>
+                <a:spcPct val="80000"/>
+              </a:lnSpc>
+              <a:spcBef>
+                <a:spcPts val="0"/>
+              </a:spcBef>
+              <a:defRPr b="0" sz="1100">
+                <a:solidFill>
+                  <a:srgbClr val="000000"/>
+                </a:solidFill>
+              </a:defRPr>
+            </a:pPr>
+            <a:r>
+              <a:t>Set default Python binary. Persists across sessions! Undo with </a:t>
+            </a:r>
+            <a:r>
+              <a:rPr b="1"/>
+              <a:t>Sys.unsetenv</a:t>
+            </a:r>
+            <a:r>
+              <a:t>.</a:t>
+            </a:r>
+            <a:r>
+              <a:rPr b="1"/>
+              <a:t> </a:t>
+            </a:r>
+            <a:r>
+              <a:rPr i="1"/>
+              <a:t>Sys.setenv(RETICULATE_PYTHON = </a:t>
+            </a:r>
+            <a:endParaRPr i="1"/>
+          </a:p>
+          <a:p>
+            <a:pPr indent="254000">
+              <a:lnSpc>
+                <a:spcPct val="80000"/>
+              </a:lnSpc>
+              <a:spcBef>
+                <a:spcPts val="1400"/>
+              </a:spcBef>
+              <a:defRPr b="0" sz="1100">
+                <a:solidFill>
+                  <a:srgbClr val="000000"/>
+                </a:solidFill>
+              </a:defRPr>
+            </a:pPr>
+            <a:r>
+              <a:rPr i="1"/>
+              <a:t>"/usr/local/bin/python")</a:t>
+            </a:r>
+          </a:p>
+          <a:p>
+            <a:pPr marL="190500" indent="-190500">
+              <a:lnSpc>
+                <a:spcPct val="80000"/>
+              </a:lnSpc>
+              <a:spcBef>
+                <a:spcPts val="0"/>
               </a:spcBef>
               <a:buSzPct val="100000"/>
               <a:buAutoNum type="arabicPeriod" startAt="2"/>
@@ -10276,7 +10547,7 @@
               </a:defRPr>
             </a:pPr>
             <a:r>
-              <a:t>Press </a:t>
+              <a:t>The instances referenced by </a:t>
             </a:r>
             <a:r>
               <a:rPr>
@@ -10285,30 +10556,10 @@
                 <a:cs typeface="Source Sans Pro Semibold"/>
                 <a:sym typeface="Source Sans Pro Semibold"/>
               </a:rPr>
-              <a:t>Enter</a:t>
-            </a:r>
-            <a:r>
-              <a:t> to run code</a:t>
-            </a:r>
-          </a:p>
-          <a:p>
-            <a:pPr marL="228600" indent="-228600">
-              <a:lnSpc>
-                <a:spcPct val="80000"/>
-              </a:lnSpc>
-              <a:spcBef>
-                <a:spcPts val="1000"/>
-              </a:spcBef>
-              <a:buSzPct val="100000"/>
-              <a:buAutoNum type="arabicPeriod" startAt="2"/>
-              <a:defRPr b="0" sz="1100">
-                <a:solidFill>
-                  <a:srgbClr val="7A4300"/>
-                </a:solidFill>
-              </a:defRPr>
-            </a:pPr>
-            <a:r>
-              <a:t>Type </a:t>
+              <a:t>use_ </a:t>
+            </a:r>
+            <a:r>
+              <a:t>functions</a:t>
             </a:r>
             <a:r>
               <a:rPr>
@@ -10317,17 +10568,386 @@
                 <a:cs typeface="Source Sans Pro Semibold"/>
                 <a:sym typeface="Source Sans Pro Semibold"/>
               </a:rPr>
-              <a:t>exit </a:t>
-            </a:r>
-            <a:r>
-              <a:t>to close and return to R console</a:t>
+              <a:t> </a:t>
+            </a:r>
+            <a:endParaRPr>
+              <a:latin typeface="Source Sans Pro Semibold"/>
+              <a:ea typeface="Source Sans Pro Semibold"/>
+              <a:cs typeface="Source Sans Pro Semibold"/>
+              <a:sym typeface="Source Sans Pro Semibold"/>
+            </a:endParaRPr>
+          </a:p>
+          <a:p>
+            <a:pPr>
+              <a:lnSpc>
+                <a:spcPct val="80000"/>
+              </a:lnSpc>
+              <a:spcBef>
+                <a:spcPts val="1400"/>
+              </a:spcBef>
+              <a:defRPr b="0" sz="1100">
+                <a:solidFill>
+                  <a:srgbClr val="7A4300"/>
+                </a:solidFill>
+              </a:defRPr>
+            </a:pPr>
+            <a:r>
+              <a:t>if called before import(). Will fail silently if called after import unless </a:t>
+            </a:r>
+            <a:r>
+              <a:rPr>
+                <a:latin typeface="Source Sans Pro Semibold"/>
+                <a:ea typeface="Source Sans Pro Semibold"/>
+                <a:cs typeface="Source Sans Pro Semibold"/>
+                <a:sym typeface="Source Sans Pro Semibold"/>
+              </a:rPr>
+              <a:t>required = TRUE</a:t>
+            </a:r>
+            <a:r>
+              <a:t>.</a:t>
+            </a:r>
+          </a:p>
+          <a:p>
+            <a:pPr marL="381000" indent="-127000">
+              <a:lnSpc>
+                <a:spcPct val="80000"/>
+              </a:lnSpc>
+              <a:spcBef>
+                <a:spcPts val="0"/>
+              </a:spcBef>
+              <a:buSzPct val="100000"/>
+              <a:buChar char="•"/>
+              <a:defRPr b="0" sz="1100">
+                <a:solidFill>
+                  <a:srgbClr val="000000"/>
+                </a:solidFill>
+              </a:defRPr>
+            </a:pPr>
+            <a:r>
+              <a:rPr b="1"/>
+              <a:t>use_python</a:t>
+            </a:r>
+            <a:r>
+              <a:t>(python, required = FALSE) </a:t>
+            </a:r>
+          </a:p>
+          <a:p>
+            <a:pPr indent="254000">
+              <a:lnSpc>
+                <a:spcPct val="80000"/>
+              </a:lnSpc>
+              <a:spcBef>
+                <a:spcPts val="0"/>
+              </a:spcBef>
+              <a:defRPr b="0" sz="1100">
+                <a:solidFill>
+                  <a:srgbClr val="000000"/>
+                </a:solidFill>
+              </a:defRPr>
+            </a:pPr>
+            <a:r>
+              <a:t>Suggest a Python binary to use by path. </a:t>
+            </a:r>
+          </a:p>
+          <a:p>
+            <a:pPr indent="254000">
+              <a:lnSpc>
+                <a:spcPct val="80000"/>
+              </a:lnSpc>
+              <a:spcBef>
+                <a:spcPts val="1000"/>
+              </a:spcBef>
+              <a:defRPr b="0" sz="1100">
+                <a:solidFill>
+                  <a:srgbClr val="000000"/>
+                </a:solidFill>
+              </a:defRPr>
+            </a:pPr>
+            <a:r>
+              <a:rPr i="1"/>
+              <a:t>use_python("/usr/local/bin/python")</a:t>
+            </a:r>
+            <a:endParaRPr i="1"/>
+          </a:p>
+          <a:p>
+            <a:pPr marL="381000" indent="-127000">
+              <a:lnSpc>
+                <a:spcPct val="80000"/>
+              </a:lnSpc>
+              <a:spcBef>
+                <a:spcPts val="0"/>
+              </a:spcBef>
+              <a:buSzPct val="100000"/>
+              <a:buChar char="•"/>
+              <a:defRPr b="0" sz="1100">
+                <a:solidFill>
+                  <a:srgbClr val="000000"/>
+                </a:solidFill>
+              </a:defRPr>
+            </a:pPr>
+            <a:r>
+              <a:rPr b="1"/>
+              <a:t>use_virtualenv</a:t>
+            </a:r>
+            <a:r>
+              <a:t>(virtualenv = NULL, required = FALSE) Suggest a Python </a:t>
+            </a:r>
+          </a:p>
+          <a:p>
+            <a:pPr indent="254000">
+              <a:lnSpc>
+                <a:spcPct val="80000"/>
+              </a:lnSpc>
+              <a:spcBef>
+                <a:spcPts val="1000"/>
+              </a:spcBef>
+              <a:defRPr b="0" sz="1100">
+                <a:solidFill>
+                  <a:srgbClr val="000000"/>
+                </a:solidFill>
+              </a:defRPr>
+            </a:pPr>
+            <a:r>
+              <a:t>virtualenv. </a:t>
+            </a:r>
+            <a:r>
+              <a:rPr i="1"/>
+              <a:t>use_virtualenv("~/myenv")</a:t>
+            </a:r>
+            <a:endParaRPr i="1"/>
+          </a:p>
+          <a:p>
+            <a:pPr marL="381000" indent="-127000">
+              <a:lnSpc>
+                <a:spcPct val="80000"/>
+              </a:lnSpc>
+              <a:spcBef>
+                <a:spcPts val="0"/>
+              </a:spcBef>
+              <a:buSzPct val="100000"/>
+              <a:buChar char="•"/>
+              <a:defRPr b="0" sz="1100">
+                <a:solidFill>
+                  <a:srgbClr val="000000"/>
+                </a:solidFill>
+              </a:defRPr>
+            </a:pPr>
+            <a:r>
+              <a:rPr b="1"/>
+              <a:t>use_condaenv</a:t>
+            </a:r>
+            <a:r>
+              <a:t>(condaenv = NULL, </a:t>
+            </a:r>
+          </a:p>
+          <a:p>
+            <a:pPr indent="254000">
+              <a:lnSpc>
+                <a:spcPct val="80000"/>
+              </a:lnSpc>
+              <a:spcBef>
+                <a:spcPts val="0"/>
+              </a:spcBef>
+              <a:defRPr b="0" sz="1100">
+                <a:solidFill>
+                  <a:srgbClr val="000000"/>
+                </a:solidFill>
+              </a:defRPr>
+            </a:pPr>
+            <a:r>
+              <a:t>conda = "auto", required = FALSE) </a:t>
+            </a:r>
+          </a:p>
+          <a:p>
+            <a:pPr indent="254000">
+              <a:lnSpc>
+                <a:spcPct val="80000"/>
+              </a:lnSpc>
+              <a:spcBef>
+                <a:spcPts val="0"/>
+              </a:spcBef>
+              <a:defRPr b="0" sz="1100">
+                <a:solidFill>
+                  <a:srgbClr val="000000"/>
+                </a:solidFill>
+              </a:defRPr>
+            </a:pPr>
+            <a:r>
+              <a:t>Suggest a Conda env to use. </a:t>
+            </a:r>
+            <a:r>
+              <a:rPr i="1"/>
+              <a:t>use_condaenv(condaenv = "r-nlp", </a:t>
+            </a:r>
+            <a:endParaRPr i="1"/>
+          </a:p>
+          <a:p>
+            <a:pPr indent="254000">
+              <a:lnSpc>
+                <a:spcPct val="80000"/>
+              </a:lnSpc>
+              <a:spcBef>
+                <a:spcPts val="1400"/>
+              </a:spcBef>
+              <a:defRPr b="0" sz="1100">
+                <a:solidFill>
+                  <a:srgbClr val="000000"/>
+                </a:solidFill>
+              </a:defRPr>
+            </a:pPr>
+            <a:r>
+              <a:rPr i="1"/>
+              <a:t>conda = "/opt/anaconda3/bin/conda")</a:t>
+            </a:r>
+          </a:p>
+          <a:p>
+            <a:pPr marL="190500" indent="-190500">
+              <a:lnSpc>
+                <a:spcPct val="80000"/>
+              </a:lnSpc>
+              <a:spcBef>
+                <a:spcPts val="0"/>
+              </a:spcBef>
+              <a:buSzPct val="100000"/>
+              <a:buAutoNum type="arabicPeriod" startAt="3"/>
+              <a:defRPr b="0" sz="1100">
+                <a:solidFill>
+                  <a:srgbClr val="7A4300"/>
+                </a:solidFill>
+              </a:defRPr>
+            </a:pPr>
+            <a:r>
+              <a:t>Within virtualenvs and conda envs that carry </a:t>
+            </a:r>
+          </a:p>
+          <a:p>
+            <a:pPr>
+              <a:lnSpc>
+                <a:spcPct val="80000"/>
+              </a:lnSpc>
+              <a:spcBef>
+                <a:spcPts val="0"/>
+              </a:spcBef>
+              <a:defRPr b="0" sz="1100">
+                <a:solidFill>
+                  <a:srgbClr val="7A4300"/>
+                </a:solidFill>
+              </a:defRPr>
+            </a:pPr>
+            <a:r>
+              <a:t>the same name as the imported module. </a:t>
+            </a:r>
+          </a:p>
+          <a:p>
+            <a:pPr>
+              <a:lnSpc>
+                <a:spcPct val="80000"/>
+              </a:lnSpc>
+              <a:spcBef>
+                <a:spcPts val="1400"/>
+              </a:spcBef>
+              <a:defRPr b="0" sz="1100">
+                <a:solidFill>
+                  <a:srgbClr val="7A4300"/>
+                </a:solidFill>
+              </a:defRPr>
+            </a:pPr>
+            <a:r>
+              <a:t>e.g. </a:t>
+            </a:r>
+            <a:r>
+              <a:rPr i="1"/>
+              <a:t>~/anaconda/envs/nltk </a:t>
+            </a:r>
+            <a:r>
+              <a:t>for </a:t>
+            </a:r>
+            <a:r>
+              <a:rPr i="1"/>
+              <a:t>import("nltk")</a:t>
+            </a:r>
+          </a:p>
+          <a:p>
+            <a:pPr marL="190500" indent="-190500">
+              <a:lnSpc>
+                <a:spcPct val="80000"/>
+              </a:lnSpc>
+              <a:spcBef>
+                <a:spcPts val="1400"/>
+              </a:spcBef>
+              <a:buSzPct val="100000"/>
+              <a:buAutoNum type="arabicPeriod" startAt="4"/>
+              <a:defRPr b="0" sz="1100">
+                <a:solidFill>
+                  <a:srgbClr val="7A4300"/>
+                </a:solidFill>
+              </a:defRPr>
+            </a:pPr>
+            <a:r>
+              <a:t>At the location of the Python binary discovered on the system PATH (i.e. </a:t>
+            </a:r>
+            <a:r>
+              <a:rPr>
+                <a:latin typeface="Source Sans Pro Semibold"/>
+                <a:ea typeface="Source Sans Pro Semibold"/>
+                <a:cs typeface="Source Sans Pro Semibold"/>
+                <a:sym typeface="Source Sans Pro Semibold"/>
+              </a:rPr>
+              <a:t>Sys.which("python")</a:t>
+            </a:r>
+            <a:r>
+              <a:t>)</a:t>
+            </a:r>
+          </a:p>
+          <a:p>
+            <a:pPr marL="177800" indent="-177800">
+              <a:lnSpc>
+                <a:spcPct val="80000"/>
+              </a:lnSpc>
+              <a:spcBef>
+                <a:spcPts val="0"/>
+              </a:spcBef>
+              <a:buSzPct val="100000"/>
+              <a:buAutoNum type="arabicPeriod" startAt="4"/>
+              <a:defRPr b="0" sz="1100">
+                <a:solidFill>
+                  <a:srgbClr val="7A4300"/>
+                </a:solidFill>
+              </a:defRPr>
+            </a:pPr>
+            <a:r>
+              <a:t>At customary locations for Python, e.g.</a:t>
+            </a:r>
+            <a:r>
+              <a:rPr>
+                <a:latin typeface="Source Sans Pro Semibold"/>
+                <a:ea typeface="Source Sans Pro Semibold"/>
+                <a:cs typeface="Source Sans Pro Semibold"/>
+                <a:sym typeface="Source Sans Pro Semibold"/>
+              </a:rPr>
+              <a:t>/usr/local/bin/python</a:t>
+            </a:r>
+            <a:r>
+              <a:t>, </a:t>
+            </a:r>
+            <a:r>
+              <a:rPr>
+                <a:latin typeface="Source Sans Pro Semibold"/>
+                <a:ea typeface="Source Sans Pro Semibold"/>
+                <a:cs typeface="Source Sans Pro Semibold"/>
+                <a:sym typeface="Source Sans Pro Semibold"/>
+              </a:rPr>
+              <a:t>/opt/local/bin/python..</a:t>
+            </a:r>
+            <a:r>
+              <a:t>.</a:t>
             </a:r>
           </a:p>
         </p:txBody>
       </p:sp>
       <p:pic>
         <p:nvPicPr>
-          <p:cNvPr id="224" name="Screen Shot 2019-04-24 at 3.35.32 PM.png" descr="Screen Shot 2019-04-24 at 3.35.32 PM.png"/>
+          <p:cNvPr id="227" name="reticulate.png" descr="reticulate.png"/>
           <p:cNvPicPr>
             <a:picLocks noChangeAspect="1"/>
           </p:cNvPicPr>
@@ -10343,81 +10963,8 @@
         </p:blipFill>
         <p:spPr>
           <a:xfrm>
-            <a:off x="3145021" y="6830041"/>
-            <a:ext cx="3669274" cy="3359658"/>
-          </a:xfrm>
-          <a:prstGeom prst="rect">
-            <a:avLst/>
-          </a:prstGeom>
-          <a:ln w="19050">
-            <a:solidFill>
-              <a:srgbClr val="000000"/>
-            </a:solidFill>
-            <a:miter lim="400000"/>
-          </a:ln>
-          <a:effectLst>
-            <a:outerShdw sx="100000" sy="100000" kx="0" ky="0" algn="b" rotWithShape="0" blurRad="76200" dist="63500" dir="5400000">
-              <a:srgbClr val="000000">
-                <a:alpha val="50000"/>
-              </a:srgbClr>
-            </a:outerShdw>
-          </a:effectLst>
-        </p:spPr>
-      </p:pic>
-      <p:sp>
-        <p:nvSpPr>
-          <p:cNvPr id="225" name="Line"/>
-          <p:cNvSpPr/>
-          <p:nvPr/>
-        </p:nvSpPr>
-        <p:spPr>
-          <a:xfrm flipV="1">
-            <a:off x="850756" y="5964965"/>
-            <a:ext cx="239669" cy="479450"/>
-          </a:xfrm>
-          <a:prstGeom prst="line">
-            <a:avLst/>
-          </a:prstGeom>
-          <a:ln>
-            <a:solidFill>
-              <a:srgbClr val="000000"/>
-            </a:solidFill>
-            <a:custDash>
-              <a:ds d="100000" sp="200000"/>
-            </a:custDash>
-          </a:ln>
-        </p:spPr>
-        <p:txBody>
-          <a:bodyPr lIns="54570" tIns="54570" rIns="54570" bIns="54570" anchor="ctr"/>
-          <a:lstStyle/>
-          <a:p>
-            <a:pPr algn="ctr">
-              <a:spcBef>
-                <a:spcPts val="0"/>
-              </a:spcBef>
-              <a:defRPr b="0" sz="2600">
-                <a:solidFill>
-                  <a:srgbClr val="000000"/>
-                </a:solidFill>
-                <a:latin typeface="Helvetica Light"/>
-                <a:ea typeface="Helvetica Light"/>
-                <a:cs typeface="Helvetica Light"/>
-                <a:sym typeface="Helvetica Light"/>
-              </a:defRPr>
-            </a:pPr>
-          </a:p>
-        </p:txBody>
-      </p:sp>
-      <p:sp>
-        <p:nvSpPr>
-          <p:cNvPr id="226" name="A Python REPL opens in the console when you run Python code with a keyboard shortcut. Type exit to close."/>
-          <p:cNvSpPr txBox="1"/>
-          <p:nvPr/>
-        </p:nvSpPr>
-        <p:spPr>
-          <a:xfrm>
-            <a:off x="473457" y="6350346"/>
-            <a:ext cx="6318017" cy="454820"/>
+            <a:off x="12287758" y="217925"/>
+            <a:ext cx="1358901" cy="1575216"/>
           </a:xfrm>
           <a:prstGeom prst="rect">
             <a:avLst/>
@@ -10425,636 +10972,8 @@
           <a:ln w="12700">
             <a:miter lim="400000"/>
           </a:ln>
-          <a:extLst>
-            <a:ext uri="{C572A759-6A51-4108-AA02-DFA0A04FC94B}">
-              <ma14:wrappingTextBoxFlag xmlns:ma14="http://schemas.microsoft.com/office/mac/drawingml/2011/main" val="1"/>
-            </a:ext>
-          </a:extLst>
-        </p:spPr>
-        <p:txBody>
-          <a:bodyPr lIns="25400" tIns="25400" rIns="25400" bIns="25400" anchor="ctr">
-            <a:normAutofit fontScale="100000" lnSpcReduction="0"/>
-          </a:bodyPr>
-          <a:lstStyle/>
-          <a:p>
-            <a:pPr>
-              <a:lnSpc>
-                <a:spcPct val="80000"/>
-              </a:lnSpc>
-              <a:spcBef>
-                <a:spcPts val="1000"/>
-              </a:spcBef>
-              <a:defRPr b="0" sz="1100">
-                <a:solidFill>
-                  <a:srgbClr val="000000"/>
-                </a:solidFill>
-              </a:defRPr>
-            </a:pPr>
-            <a:r>
-              <a:t>A Python REPL opens in the console when you run Python code with a keyboard shortcut. Type </a:t>
-            </a:r>
-            <a:r>
-              <a:rPr b="1"/>
-              <a:t>exit</a:t>
-            </a:r>
-            <a:r>
-              <a:t> to close.</a:t>
-            </a:r>
-          </a:p>
-        </p:txBody>
-      </p:sp>
-      <p:sp>
-        <p:nvSpPr>
-          <p:cNvPr id="227" name="The instance referenced by the environment…"/>
-          <p:cNvSpPr txBox="1"/>
-          <p:nvPr/>
-        </p:nvSpPr>
-        <p:spPr>
-          <a:xfrm>
-            <a:off x="10570550" y="4625783"/>
-            <a:ext cx="2840113" cy="6335495"/>
-          </a:xfrm>
-          <a:prstGeom prst="rect">
-            <a:avLst/>
-          </a:prstGeom>
-          <a:ln w="12700">
-            <a:miter lim="400000"/>
-          </a:ln>
-          <a:extLst>
-            <a:ext uri="{C572A759-6A51-4108-AA02-DFA0A04FC94B}">
-              <ma14:wrappingTextBoxFlag xmlns:ma14="http://schemas.microsoft.com/office/mac/drawingml/2011/main" val="1"/>
-            </a:ext>
-          </a:extLst>
-        </p:spPr>
-        <p:txBody>
-          <a:bodyPr lIns="0" tIns="0" rIns="0" bIns="0">
-            <a:normAutofit fontScale="100000" lnSpcReduction="0"/>
-          </a:bodyPr>
-          <a:lstStyle/>
-          <a:p>
-            <a:pPr marL="190500" indent="-190500">
-              <a:lnSpc>
-                <a:spcPct val="80000"/>
-              </a:lnSpc>
-              <a:spcBef>
-                <a:spcPts val="0"/>
-              </a:spcBef>
-              <a:buSzPct val="100000"/>
-              <a:buAutoNum type="arabicPeriod" startAt="1"/>
-              <a:defRPr b="0" sz="1100">
-                <a:solidFill>
-                  <a:srgbClr val="7A4300"/>
-                </a:solidFill>
-              </a:defRPr>
-            </a:pPr>
-            <a:r>
-              <a:t>The instance referenced by the environment </a:t>
-            </a:r>
-          </a:p>
-          <a:p>
-            <a:pPr>
-              <a:lnSpc>
-                <a:spcPct val="80000"/>
-              </a:lnSpc>
-              <a:spcBef>
-                <a:spcPts val="0"/>
-              </a:spcBef>
-              <a:defRPr b="0" sz="1100">
-                <a:solidFill>
-                  <a:srgbClr val="7A4300"/>
-                </a:solidFill>
-              </a:defRPr>
-            </a:pPr>
-            <a:r>
-              <a:t>variable </a:t>
-            </a:r>
-            <a:r>
-              <a:rPr>
-                <a:latin typeface="Source Sans Pro Semibold"/>
-                <a:ea typeface="Source Sans Pro Semibold"/>
-                <a:cs typeface="Source Sans Pro Semibold"/>
-                <a:sym typeface="Source Sans Pro Semibold"/>
-              </a:rPr>
-              <a:t>RETICULATE_PYTHON </a:t>
-            </a:r>
-            <a:r>
-              <a:t>(if specified). </a:t>
-            </a:r>
-          </a:p>
-          <a:p>
-            <a:pPr>
-              <a:lnSpc>
-                <a:spcPct val="80000"/>
-              </a:lnSpc>
-              <a:spcBef>
-                <a:spcPts val="1000"/>
-              </a:spcBef>
-              <a:defRPr b="0" sz="1100">
-                <a:solidFill>
-                  <a:srgbClr val="7A4300"/>
-                </a:solidFill>
-                <a:latin typeface="Source Sans Pro Semibold"/>
-                <a:ea typeface="Source Sans Pro Semibold"/>
-                <a:cs typeface="Source Sans Pro Semibold"/>
-                <a:sym typeface="Source Sans Pro Semibold"/>
-              </a:defRPr>
-            </a:pPr>
-            <a:r>
-              <a:t>Tip: set in .Renviron file.</a:t>
-            </a:r>
-          </a:p>
-          <a:p>
-            <a:pPr marL="381000" indent="-127000">
-              <a:lnSpc>
-                <a:spcPct val="80000"/>
-              </a:lnSpc>
-              <a:spcBef>
-                <a:spcPts val="0"/>
-              </a:spcBef>
-              <a:buSzPct val="100000"/>
-              <a:buChar char="•"/>
-              <a:defRPr b="0" sz="1100">
-                <a:solidFill>
-                  <a:srgbClr val="000000"/>
-                </a:solidFill>
-              </a:defRPr>
-            </a:pPr>
-            <a:r>
-              <a:rPr b="1"/>
-              <a:t>Sys.setenv</a:t>
-            </a:r>
-            <a:r>
-              <a:t>(RETICULATE_PYTHON = PATH) </a:t>
-            </a:r>
-          </a:p>
-          <a:p>
-            <a:pPr indent="254000">
-              <a:lnSpc>
-                <a:spcPct val="80000"/>
-              </a:lnSpc>
-              <a:spcBef>
-                <a:spcPts val="0"/>
-              </a:spcBef>
-              <a:defRPr b="0" sz="1100">
-                <a:solidFill>
-                  <a:srgbClr val="000000"/>
-                </a:solidFill>
-              </a:defRPr>
-            </a:pPr>
-            <a:r>
-              <a:t>Set default Python binary. Persists across sessions! Undo with </a:t>
-            </a:r>
-            <a:r>
-              <a:rPr b="1"/>
-              <a:t>Sys.unsetenv</a:t>
-            </a:r>
-            <a:r>
-              <a:t>.</a:t>
-            </a:r>
-            <a:r>
-              <a:rPr b="1"/>
-              <a:t> </a:t>
-            </a:r>
-            <a:r>
-              <a:rPr i="1"/>
-              <a:t>Sys.setenv(RETICULATE_PYTHON = </a:t>
-            </a:r>
-            <a:endParaRPr i="1"/>
-          </a:p>
-          <a:p>
-            <a:pPr indent="254000">
-              <a:lnSpc>
-                <a:spcPct val="80000"/>
-              </a:lnSpc>
-              <a:spcBef>
-                <a:spcPts val="1400"/>
-              </a:spcBef>
-              <a:defRPr b="0" sz="1100">
-                <a:solidFill>
-                  <a:srgbClr val="000000"/>
-                </a:solidFill>
-              </a:defRPr>
-            </a:pPr>
-            <a:r>
-              <a:rPr i="1"/>
-              <a:t>"/usr/local/bin/python")</a:t>
-            </a:r>
-          </a:p>
-          <a:p>
-            <a:pPr marL="190500" indent="-190500">
-              <a:lnSpc>
-                <a:spcPct val="80000"/>
-              </a:lnSpc>
-              <a:spcBef>
-                <a:spcPts val="0"/>
-              </a:spcBef>
-              <a:buSzPct val="100000"/>
-              <a:buAutoNum type="arabicPeriod" startAt="2"/>
-              <a:defRPr b="0" sz="1100">
-                <a:solidFill>
-                  <a:srgbClr val="7A4300"/>
-                </a:solidFill>
-              </a:defRPr>
-            </a:pPr>
-            <a:r>
-              <a:t>The instances referenced by </a:t>
-            </a:r>
-            <a:r>
-              <a:rPr>
-                <a:latin typeface="Source Sans Pro Semibold"/>
-                <a:ea typeface="Source Sans Pro Semibold"/>
-                <a:cs typeface="Source Sans Pro Semibold"/>
-                <a:sym typeface="Source Sans Pro Semibold"/>
-              </a:rPr>
-              <a:t>use_ </a:t>
-            </a:r>
-            <a:r>
-              <a:t>functions</a:t>
-            </a:r>
-            <a:r>
-              <a:rPr>
-                <a:latin typeface="Source Sans Pro Semibold"/>
-                <a:ea typeface="Source Sans Pro Semibold"/>
-                <a:cs typeface="Source Sans Pro Semibold"/>
-                <a:sym typeface="Source Sans Pro Semibold"/>
-              </a:rPr>
-              <a:t> </a:t>
-            </a:r>
-            <a:endParaRPr>
-              <a:latin typeface="Source Sans Pro Semibold"/>
-              <a:ea typeface="Source Sans Pro Semibold"/>
-              <a:cs typeface="Source Sans Pro Semibold"/>
-              <a:sym typeface="Source Sans Pro Semibold"/>
-            </a:endParaRPr>
-          </a:p>
-          <a:p>
-            <a:pPr>
-              <a:lnSpc>
-                <a:spcPct val="80000"/>
-              </a:lnSpc>
-              <a:spcBef>
-                <a:spcPts val="1400"/>
-              </a:spcBef>
-              <a:defRPr b="0" sz="1100">
-                <a:solidFill>
-                  <a:srgbClr val="7A4300"/>
-                </a:solidFill>
-              </a:defRPr>
-            </a:pPr>
-            <a:r>
-              <a:t>if called before import(). Will fail silently if called after import unless </a:t>
-            </a:r>
-            <a:r>
-              <a:rPr>
-                <a:latin typeface="Source Sans Pro Semibold"/>
-                <a:ea typeface="Source Sans Pro Semibold"/>
-                <a:cs typeface="Source Sans Pro Semibold"/>
-                <a:sym typeface="Source Sans Pro Semibold"/>
-              </a:rPr>
-              <a:t>required = TRUE</a:t>
-            </a:r>
-            <a:r>
-              <a:t>.</a:t>
-            </a:r>
-          </a:p>
-          <a:p>
-            <a:pPr marL="381000" indent="-127000">
-              <a:lnSpc>
-                <a:spcPct val="80000"/>
-              </a:lnSpc>
-              <a:spcBef>
-                <a:spcPts val="0"/>
-              </a:spcBef>
-              <a:buSzPct val="100000"/>
-              <a:buChar char="•"/>
-              <a:defRPr b="0" sz="1100">
-                <a:solidFill>
-                  <a:srgbClr val="000000"/>
-                </a:solidFill>
-              </a:defRPr>
-            </a:pPr>
-            <a:r>
-              <a:rPr b="1"/>
-              <a:t>use_python</a:t>
-            </a:r>
-            <a:r>
-              <a:t>(python, required = FALSE) </a:t>
-            </a:r>
-          </a:p>
-          <a:p>
-            <a:pPr indent="254000">
-              <a:lnSpc>
-                <a:spcPct val="80000"/>
-              </a:lnSpc>
-              <a:spcBef>
-                <a:spcPts val="0"/>
-              </a:spcBef>
-              <a:defRPr b="0" sz="1100">
-                <a:solidFill>
-                  <a:srgbClr val="000000"/>
-                </a:solidFill>
-              </a:defRPr>
-            </a:pPr>
-            <a:r>
-              <a:t>Suggest a Python binary to use by path. </a:t>
-            </a:r>
-          </a:p>
-          <a:p>
-            <a:pPr indent="254000">
-              <a:lnSpc>
-                <a:spcPct val="80000"/>
-              </a:lnSpc>
-              <a:spcBef>
-                <a:spcPts val="1000"/>
-              </a:spcBef>
-              <a:defRPr b="0" sz="1100">
-                <a:solidFill>
-                  <a:srgbClr val="000000"/>
-                </a:solidFill>
-              </a:defRPr>
-            </a:pPr>
-            <a:r>
-              <a:rPr i="1"/>
-              <a:t>use_python("/usr/local/bin/python")</a:t>
-            </a:r>
-            <a:endParaRPr i="1"/>
-          </a:p>
-          <a:p>
-            <a:pPr marL="381000" indent="-127000">
-              <a:lnSpc>
-                <a:spcPct val="80000"/>
-              </a:lnSpc>
-              <a:spcBef>
-                <a:spcPts val="0"/>
-              </a:spcBef>
-              <a:buSzPct val="100000"/>
-              <a:buChar char="•"/>
-              <a:defRPr b="0" sz="1100">
-                <a:solidFill>
-                  <a:srgbClr val="000000"/>
-                </a:solidFill>
-              </a:defRPr>
-            </a:pPr>
-            <a:r>
-              <a:rPr b="1"/>
-              <a:t>use_virtualenv</a:t>
-            </a:r>
-            <a:r>
-              <a:t>(virtualenv = NULL, required = FALSE) Suggest a Python </a:t>
-            </a:r>
-          </a:p>
-          <a:p>
-            <a:pPr indent="254000">
-              <a:lnSpc>
-                <a:spcPct val="80000"/>
-              </a:lnSpc>
-              <a:spcBef>
-                <a:spcPts val="1000"/>
-              </a:spcBef>
-              <a:defRPr b="0" sz="1100">
-                <a:solidFill>
-                  <a:srgbClr val="000000"/>
-                </a:solidFill>
-              </a:defRPr>
-            </a:pPr>
-            <a:r>
-              <a:t>virtualenv. </a:t>
-            </a:r>
-            <a:r>
-              <a:rPr i="1"/>
-              <a:t>use_virtualenv("~/myenv")</a:t>
-            </a:r>
-            <a:endParaRPr i="1"/>
-          </a:p>
-          <a:p>
-            <a:pPr marL="381000" indent="-127000">
-              <a:lnSpc>
-                <a:spcPct val="80000"/>
-              </a:lnSpc>
-              <a:spcBef>
-                <a:spcPts val="0"/>
-              </a:spcBef>
-              <a:buSzPct val="100000"/>
-              <a:buChar char="•"/>
-              <a:defRPr b="0" sz="1100">
-                <a:solidFill>
-                  <a:srgbClr val="000000"/>
-                </a:solidFill>
-              </a:defRPr>
-            </a:pPr>
-            <a:r>
-              <a:rPr b="1"/>
-              <a:t>use_condaenv</a:t>
-            </a:r>
-            <a:r>
-              <a:t>(condaenv = NULL, </a:t>
-            </a:r>
-          </a:p>
-          <a:p>
-            <a:pPr indent="254000">
-              <a:lnSpc>
-                <a:spcPct val="80000"/>
-              </a:lnSpc>
-              <a:spcBef>
-                <a:spcPts val="0"/>
-              </a:spcBef>
-              <a:defRPr b="0" sz="1100">
-                <a:solidFill>
-                  <a:srgbClr val="000000"/>
-                </a:solidFill>
-              </a:defRPr>
-            </a:pPr>
-            <a:r>
-              <a:t>conda = "auto", required = FALSE) </a:t>
-            </a:r>
-          </a:p>
-          <a:p>
-            <a:pPr indent="254000">
-              <a:lnSpc>
-                <a:spcPct val="80000"/>
-              </a:lnSpc>
-              <a:spcBef>
-                <a:spcPts val="0"/>
-              </a:spcBef>
-              <a:defRPr b="0" sz="1100">
-                <a:solidFill>
-                  <a:srgbClr val="000000"/>
-                </a:solidFill>
-              </a:defRPr>
-            </a:pPr>
-            <a:r>
-              <a:t>Suggest a Conda env to use. </a:t>
-            </a:r>
-            <a:r>
-              <a:rPr i="1"/>
-              <a:t>use_condaenv(condaenv = "r-nlp", </a:t>
-            </a:r>
-            <a:endParaRPr i="1"/>
-          </a:p>
-          <a:p>
-            <a:pPr indent="254000">
-              <a:lnSpc>
-                <a:spcPct val="80000"/>
-              </a:lnSpc>
-              <a:spcBef>
-                <a:spcPts val="1400"/>
-              </a:spcBef>
-              <a:defRPr b="0" sz="1100">
-                <a:solidFill>
-                  <a:srgbClr val="000000"/>
-                </a:solidFill>
-              </a:defRPr>
-            </a:pPr>
-            <a:r>
-              <a:rPr i="1"/>
-              <a:t>conda = "/opt/anaconda3/bin/conda")</a:t>
-            </a:r>
-          </a:p>
-          <a:p>
-            <a:pPr marL="190500" indent="-190500">
-              <a:lnSpc>
-                <a:spcPct val="80000"/>
-              </a:lnSpc>
-              <a:spcBef>
-                <a:spcPts val="0"/>
-              </a:spcBef>
-              <a:buSzPct val="100000"/>
-              <a:buAutoNum type="arabicPeriod" startAt="3"/>
-              <a:defRPr b="0" sz="1100">
-                <a:solidFill>
-                  <a:srgbClr val="7A4300"/>
-                </a:solidFill>
-              </a:defRPr>
-            </a:pPr>
-            <a:r>
-              <a:t>Within virtualenvs and conda envs that carry </a:t>
-            </a:r>
-          </a:p>
-          <a:p>
-            <a:pPr>
-              <a:lnSpc>
-                <a:spcPct val="80000"/>
-              </a:lnSpc>
-              <a:spcBef>
-                <a:spcPts val="0"/>
-              </a:spcBef>
-              <a:defRPr b="0" sz="1100">
-                <a:solidFill>
-                  <a:srgbClr val="7A4300"/>
-                </a:solidFill>
-              </a:defRPr>
-            </a:pPr>
-            <a:r>
-              <a:t>the same name as the imported module. </a:t>
-            </a:r>
-          </a:p>
-          <a:p>
-            <a:pPr>
-              <a:lnSpc>
-                <a:spcPct val="80000"/>
-              </a:lnSpc>
-              <a:spcBef>
-                <a:spcPts val="1400"/>
-              </a:spcBef>
-              <a:defRPr b="0" sz="1100">
-                <a:solidFill>
-                  <a:srgbClr val="7A4300"/>
-                </a:solidFill>
-              </a:defRPr>
-            </a:pPr>
-            <a:r>
-              <a:t>e.g. </a:t>
-            </a:r>
-            <a:r>
-              <a:rPr i="1"/>
-              <a:t>~/anaconda/envs/nltk </a:t>
-            </a:r>
-            <a:r>
-              <a:t>for </a:t>
-            </a:r>
-            <a:r>
-              <a:rPr i="1"/>
-              <a:t>import("nltk")</a:t>
-            </a:r>
-          </a:p>
-          <a:p>
-            <a:pPr marL="190500" indent="-190500">
-              <a:lnSpc>
-                <a:spcPct val="80000"/>
-              </a:lnSpc>
-              <a:spcBef>
-                <a:spcPts val="1400"/>
-              </a:spcBef>
-              <a:buSzPct val="100000"/>
-              <a:buAutoNum type="arabicPeriod" startAt="4"/>
-              <a:defRPr b="0" sz="1100">
-                <a:solidFill>
-                  <a:srgbClr val="7A4300"/>
-                </a:solidFill>
-              </a:defRPr>
-            </a:pPr>
-            <a:r>
-              <a:t>At the location of the Python binary discovered on the system PATH (i.e. </a:t>
-            </a:r>
-            <a:r>
-              <a:rPr>
-                <a:latin typeface="Source Sans Pro Semibold"/>
-                <a:ea typeface="Source Sans Pro Semibold"/>
-                <a:cs typeface="Source Sans Pro Semibold"/>
-                <a:sym typeface="Source Sans Pro Semibold"/>
-              </a:rPr>
-              <a:t>Sys.which("python")</a:t>
-            </a:r>
-            <a:r>
-              <a:t>)</a:t>
-            </a:r>
-          </a:p>
-          <a:p>
-            <a:pPr marL="177800" indent="-177800">
-              <a:lnSpc>
-                <a:spcPct val="80000"/>
-              </a:lnSpc>
-              <a:spcBef>
-                <a:spcPts val="0"/>
-              </a:spcBef>
-              <a:buSzPct val="100000"/>
-              <a:buAutoNum type="arabicPeriod" startAt="4"/>
-              <a:defRPr b="0" sz="1100">
-                <a:solidFill>
-                  <a:srgbClr val="7A4300"/>
-                </a:solidFill>
-              </a:defRPr>
-            </a:pPr>
-            <a:r>
-              <a:t>At customary locations for Python, e.g.</a:t>
-            </a:r>
-            <a:r>
-              <a:rPr>
-                <a:latin typeface="Source Sans Pro Semibold"/>
-                <a:ea typeface="Source Sans Pro Semibold"/>
-                <a:cs typeface="Source Sans Pro Semibold"/>
-                <a:sym typeface="Source Sans Pro Semibold"/>
-              </a:rPr>
-              <a:t>/usr/local/bin/python</a:t>
-            </a:r>
-            <a:r>
-              <a:t>, </a:t>
-            </a:r>
-            <a:r>
-              <a:rPr>
-                <a:latin typeface="Source Sans Pro Semibold"/>
-                <a:ea typeface="Source Sans Pro Semibold"/>
-                <a:cs typeface="Source Sans Pro Semibold"/>
-                <a:sym typeface="Source Sans Pro Semibold"/>
-              </a:rPr>
-              <a:t>/opt/local/bin/python..</a:t>
-            </a:r>
-            <a:r>
-              <a:t>.</a:t>
-            </a:r>
-          </a:p>
-        </p:txBody>
-      </p:sp>
+        </p:spPr>
+      </p:pic>
     </p:spTree>
   </p:cSld>
   <p:clrMapOvr>

--- a/powerpoints/reticulate.pptx
+++ b/powerpoints/reticulate.pptx
@@ -55,7 +55,7 @@
       <a:buFontTx/>
       <a:buNone/>
       <a:tabLst/>
-      <a:defRPr b="1" baseline="0" cap="none" i="0" spc="0" strike="noStrike" sz="1200" u="none" kumimoji="0" normalizeH="0">
+      <a:defRPr b="0" baseline="0" cap="none" i="0" spc="0" strike="noStrike" sz="1200" u="none" kumimoji="0" normalizeH="0">
         <a:ln>
           <a:noFill/>
         </a:ln>
@@ -64,10 +64,10 @@
         </a:solidFill>
         <a:effectLst/>
         <a:uFillTx/>
-        <a:latin typeface="Source Sans Pro"/>
-        <a:ea typeface="Source Sans Pro"/>
-        <a:cs typeface="Source Sans Pro"/>
-        <a:sym typeface="Source Sans Pro"/>
+        <a:latin typeface="Source Sans Pro Bold"/>
+        <a:ea typeface="Source Sans Pro Bold"/>
+        <a:cs typeface="Source Sans Pro Bold"/>
+        <a:sym typeface="Source Sans Pro Bold"/>
       </a:defRPr>
     </a:lvl1pPr>
     <a:lvl2pPr marL="0" marR="0" indent="228600" algn="l" defTabSz="584200" rtl="0" fontAlgn="auto" latinLnBrk="0" hangingPunct="0">
@@ -85,7 +85,7 @@
       <a:buFontTx/>
       <a:buNone/>
       <a:tabLst/>
-      <a:defRPr b="1" baseline="0" cap="none" i="0" spc="0" strike="noStrike" sz="1200" u="none" kumimoji="0" normalizeH="0">
+      <a:defRPr b="0" baseline="0" cap="none" i="0" spc="0" strike="noStrike" sz="1200" u="none" kumimoji="0" normalizeH="0">
         <a:ln>
           <a:noFill/>
         </a:ln>
@@ -94,10 +94,10 @@
         </a:solidFill>
         <a:effectLst/>
         <a:uFillTx/>
-        <a:latin typeface="Source Sans Pro"/>
-        <a:ea typeface="Source Sans Pro"/>
-        <a:cs typeface="Source Sans Pro"/>
-        <a:sym typeface="Source Sans Pro"/>
+        <a:latin typeface="Source Sans Pro Bold"/>
+        <a:ea typeface="Source Sans Pro Bold"/>
+        <a:cs typeface="Source Sans Pro Bold"/>
+        <a:sym typeface="Source Sans Pro Bold"/>
       </a:defRPr>
     </a:lvl2pPr>
     <a:lvl3pPr marL="0" marR="0" indent="457200" algn="l" defTabSz="584200" rtl="0" fontAlgn="auto" latinLnBrk="0" hangingPunct="0">
@@ -115,7 +115,7 @@
       <a:buFontTx/>
       <a:buNone/>
       <a:tabLst/>
-      <a:defRPr b="1" baseline="0" cap="none" i="0" spc="0" strike="noStrike" sz="1200" u="none" kumimoji="0" normalizeH="0">
+      <a:defRPr b="0" baseline="0" cap="none" i="0" spc="0" strike="noStrike" sz="1200" u="none" kumimoji="0" normalizeH="0">
         <a:ln>
           <a:noFill/>
         </a:ln>
@@ -124,10 +124,10 @@
         </a:solidFill>
         <a:effectLst/>
         <a:uFillTx/>
-        <a:latin typeface="Source Sans Pro"/>
-        <a:ea typeface="Source Sans Pro"/>
-        <a:cs typeface="Source Sans Pro"/>
-        <a:sym typeface="Source Sans Pro"/>
+        <a:latin typeface="Source Sans Pro Bold"/>
+        <a:ea typeface="Source Sans Pro Bold"/>
+        <a:cs typeface="Source Sans Pro Bold"/>
+        <a:sym typeface="Source Sans Pro Bold"/>
       </a:defRPr>
     </a:lvl3pPr>
     <a:lvl4pPr marL="0" marR="0" indent="685800" algn="l" defTabSz="584200" rtl="0" fontAlgn="auto" latinLnBrk="0" hangingPunct="0">
@@ -145,7 +145,7 @@
       <a:buFontTx/>
       <a:buNone/>
       <a:tabLst/>
-      <a:defRPr b="1" baseline="0" cap="none" i="0" spc="0" strike="noStrike" sz="1200" u="none" kumimoji="0" normalizeH="0">
+      <a:defRPr b="0" baseline="0" cap="none" i="0" spc="0" strike="noStrike" sz="1200" u="none" kumimoji="0" normalizeH="0">
         <a:ln>
           <a:noFill/>
         </a:ln>
@@ -154,10 +154,10 @@
         </a:solidFill>
         <a:effectLst/>
         <a:uFillTx/>
-        <a:latin typeface="Source Sans Pro"/>
-        <a:ea typeface="Source Sans Pro"/>
-        <a:cs typeface="Source Sans Pro"/>
-        <a:sym typeface="Source Sans Pro"/>
+        <a:latin typeface="Source Sans Pro Bold"/>
+        <a:ea typeface="Source Sans Pro Bold"/>
+        <a:cs typeface="Source Sans Pro Bold"/>
+        <a:sym typeface="Source Sans Pro Bold"/>
       </a:defRPr>
     </a:lvl4pPr>
     <a:lvl5pPr marL="0" marR="0" indent="914400" algn="l" defTabSz="584200" rtl="0" fontAlgn="auto" latinLnBrk="0" hangingPunct="0">
@@ -175,7 +175,7 @@
       <a:buFontTx/>
       <a:buNone/>
       <a:tabLst/>
-      <a:defRPr b="1" baseline="0" cap="none" i="0" spc="0" strike="noStrike" sz="1200" u="none" kumimoji="0" normalizeH="0">
+      <a:defRPr b="0" baseline="0" cap="none" i="0" spc="0" strike="noStrike" sz="1200" u="none" kumimoji="0" normalizeH="0">
         <a:ln>
           <a:noFill/>
         </a:ln>
@@ -184,10 +184,10 @@
         </a:solidFill>
         <a:effectLst/>
         <a:uFillTx/>
-        <a:latin typeface="Source Sans Pro"/>
-        <a:ea typeface="Source Sans Pro"/>
-        <a:cs typeface="Source Sans Pro"/>
-        <a:sym typeface="Source Sans Pro"/>
+        <a:latin typeface="Source Sans Pro Bold"/>
+        <a:ea typeface="Source Sans Pro Bold"/>
+        <a:cs typeface="Source Sans Pro Bold"/>
+        <a:sym typeface="Source Sans Pro Bold"/>
       </a:defRPr>
     </a:lvl5pPr>
     <a:lvl6pPr marL="0" marR="0" indent="1143000" algn="l" defTabSz="584200" rtl="0" fontAlgn="auto" latinLnBrk="0" hangingPunct="0">
@@ -205,7 +205,7 @@
       <a:buFontTx/>
       <a:buNone/>
       <a:tabLst/>
-      <a:defRPr b="1" baseline="0" cap="none" i="0" spc="0" strike="noStrike" sz="1200" u="none" kumimoji="0" normalizeH="0">
+      <a:defRPr b="0" baseline="0" cap="none" i="0" spc="0" strike="noStrike" sz="1200" u="none" kumimoji="0" normalizeH="0">
         <a:ln>
           <a:noFill/>
         </a:ln>
@@ -214,10 +214,10 @@
         </a:solidFill>
         <a:effectLst/>
         <a:uFillTx/>
-        <a:latin typeface="Source Sans Pro"/>
-        <a:ea typeface="Source Sans Pro"/>
-        <a:cs typeface="Source Sans Pro"/>
-        <a:sym typeface="Source Sans Pro"/>
+        <a:latin typeface="Source Sans Pro Bold"/>
+        <a:ea typeface="Source Sans Pro Bold"/>
+        <a:cs typeface="Source Sans Pro Bold"/>
+        <a:sym typeface="Source Sans Pro Bold"/>
       </a:defRPr>
     </a:lvl6pPr>
     <a:lvl7pPr marL="0" marR="0" indent="1371600" algn="l" defTabSz="584200" rtl="0" fontAlgn="auto" latinLnBrk="0" hangingPunct="0">
@@ -235,7 +235,7 @@
       <a:buFontTx/>
       <a:buNone/>
       <a:tabLst/>
-      <a:defRPr b="1" baseline="0" cap="none" i="0" spc="0" strike="noStrike" sz="1200" u="none" kumimoji="0" normalizeH="0">
+      <a:defRPr b="0" baseline="0" cap="none" i="0" spc="0" strike="noStrike" sz="1200" u="none" kumimoji="0" normalizeH="0">
         <a:ln>
           <a:noFill/>
         </a:ln>
@@ -244,10 +244,10 @@
         </a:solidFill>
         <a:effectLst/>
         <a:uFillTx/>
-        <a:latin typeface="Source Sans Pro"/>
-        <a:ea typeface="Source Sans Pro"/>
-        <a:cs typeface="Source Sans Pro"/>
-        <a:sym typeface="Source Sans Pro"/>
+        <a:latin typeface="Source Sans Pro Bold"/>
+        <a:ea typeface="Source Sans Pro Bold"/>
+        <a:cs typeface="Source Sans Pro Bold"/>
+        <a:sym typeface="Source Sans Pro Bold"/>
       </a:defRPr>
     </a:lvl7pPr>
     <a:lvl8pPr marL="0" marR="0" indent="1600200" algn="l" defTabSz="584200" rtl="0" fontAlgn="auto" latinLnBrk="0" hangingPunct="0">
@@ -265,7 +265,7 @@
       <a:buFontTx/>
       <a:buNone/>
       <a:tabLst/>
-      <a:defRPr b="1" baseline="0" cap="none" i="0" spc="0" strike="noStrike" sz="1200" u="none" kumimoji="0" normalizeH="0">
+      <a:defRPr b="0" baseline="0" cap="none" i="0" spc="0" strike="noStrike" sz="1200" u="none" kumimoji="0" normalizeH="0">
         <a:ln>
           <a:noFill/>
         </a:ln>
@@ -274,10 +274,10 @@
         </a:solidFill>
         <a:effectLst/>
         <a:uFillTx/>
-        <a:latin typeface="Source Sans Pro"/>
-        <a:ea typeface="Source Sans Pro"/>
-        <a:cs typeface="Source Sans Pro"/>
-        <a:sym typeface="Source Sans Pro"/>
+        <a:latin typeface="Source Sans Pro Bold"/>
+        <a:ea typeface="Source Sans Pro Bold"/>
+        <a:cs typeface="Source Sans Pro Bold"/>
+        <a:sym typeface="Source Sans Pro Bold"/>
       </a:defRPr>
     </a:lvl8pPr>
     <a:lvl9pPr marL="0" marR="0" indent="1828800" algn="l" defTabSz="584200" rtl="0" fontAlgn="auto" latinLnBrk="0" hangingPunct="0">
@@ -295,7 +295,7 @@
       <a:buFontTx/>
       <a:buNone/>
       <a:tabLst/>
-      <a:defRPr b="1" baseline="0" cap="none" i="0" spc="0" strike="noStrike" sz="1200" u="none" kumimoji="0" normalizeH="0">
+      <a:defRPr b="0" baseline="0" cap="none" i="0" spc="0" strike="noStrike" sz="1200" u="none" kumimoji="0" normalizeH="0">
         <a:ln>
           <a:noFill/>
         </a:ln>
@@ -304,10 +304,10 @@
         </a:solidFill>
         <a:effectLst/>
         <a:uFillTx/>
-        <a:latin typeface="Source Sans Pro"/>
-        <a:ea typeface="Source Sans Pro"/>
-        <a:cs typeface="Source Sans Pro"/>
-        <a:sym typeface="Source Sans Pro"/>
+        <a:latin typeface="Source Sans Pro Bold"/>
+        <a:ea typeface="Source Sans Pro Bold"/>
+        <a:cs typeface="Source Sans Pro Bold"/>
+        <a:sym typeface="Source Sans Pro Bold"/>
       </a:defRPr>
     </a:lvl9pPr>
   </p:defaultTextStyle>
@@ -688,7 +688,7 @@
           <p:cNvPr id="93" name="–Johnny Appleseed"/>
           <p:cNvSpPr/>
           <p:nvPr>
-            <p:ph type="body" sz="quarter" idx="13"/>
+            <p:ph type="body" sz="quarter" idx="21"/>
           </p:nvPr>
         </p:nvSpPr>
         <p:spPr>
@@ -727,7 +727,7 @@
           <p:cNvPr id="94" name="“Type a quote here.”"/>
           <p:cNvSpPr/>
           <p:nvPr>
-            <p:ph type="body" sz="quarter" idx="14"/>
+            <p:ph type="body" sz="quarter" idx="22"/>
           </p:nvPr>
         </p:nvSpPr>
         <p:spPr>
@@ -810,7 +810,7 @@
           <p:cNvPr id="102" name="Image"/>
           <p:cNvSpPr/>
           <p:nvPr>
-            <p:ph type="pic" idx="13"/>
+            <p:ph type="pic" idx="21"/>
           </p:nvPr>
         </p:nvSpPr>
         <p:spPr>
@@ -1069,7 +1069,7 @@
           <p:cNvPr id="20" name="Image"/>
           <p:cNvSpPr/>
           <p:nvPr>
-            <p:ph type="pic" idx="13"/>
+            <p:ph type="pic" idx="21"/>
           </p:nvPr>
         </p:nvSpPr>
         <p:spPr>
@@ -1350,7 +1350,7 @@
           <p:cNvPr id="38" name="Image"/>
           <p:cNvSpPr/>
           <p:nvPr>
-            <p:ph type="pic" idx="13"/>
+            <p:ph type="pic" idx="21"/>
           </p:nvPr>
         </p:nvSpPr>
         <p:spPr>
@@ -1393,11 +1393,11 @@
           <a:bodyPr anchor="b"/>
           <a:lstStyle>
             <a:lvl1pPr>
-              <a:defRPr sz="3300">
-                <a:latin typeface="Source Sans Pro Semibold"/>
-                <a:ea typeface="Source Sans Pro Semibold"/>
-                <a:cs typeface="Source Sans Pro Semibold"/>
-                <a:sym typeface="Source Sans Pro Semibold"/>
+              <a:defRPr b="1" sz="3300">
+                <a:latin typeface="SourceSansPro-SemiBold"/>
+                <a:ea typeface="SourceSansPro-SemiBold"/>
+                <a:cs typeface="SourceSansPro-SemiBold"/>
+                <a:sym typeface="SourceSansPro-SemiBold"/>
               </a:defRPr>
             </a:lvl1pPr>
           </a:lstStyle>
@@ -1752,7 +1752,7 @@
           <p:cNvPr id="65" name="Image"/>
           <p:cNvSpPr/>
           <p:nvPr>
-            <p:ph type="pic" idx="13"/>
+            <p:ph type="pic" idx="21"/>
           </p:nvPr>
         </p:nvSpPr>
         <p:spPr>
@@ -1819,19 +1819,44 @@
           <a:bodyPr/>
           <a:lstStyle>
             <a:lvl1pPr marL="146957" indent="-146957">
-              <a:defRPr b="1" sz="1200"/>
+              <a:defRPr sz="1200">
+                <a:latin typeface="Source Sans Pro Bold"/>
+                <a:ea typeface="Source Sans Pro Bold"/>
+                <a:cs typeface="Source Sans Pro Bold"/>
+                <a:sym typeface="Source Sans Pro Bold"/>
+              </a:defRPr>
             </a:lvl1pPr>
             <a:lvl2pPr marL="489857" indent="-146957">
-              <a:defRPr b="1" sz="1200"/>
+              <a:defRPr sz="1200">
+                <a:latin typeface="Source Sans Pro Bold"/>
+                <a:ea typeface="Source Sans Pro Bold"/>
+                <a:cs typeface="Source Sans Pro Bold"/>
+                <a:sym typeface="Source Sans Pro Bold"/>
+              </a:defRPr>
             </a:lvl2pPr>
             <a:lvl3pPr marL="832757" indent="-146957">
-              <a:defRPr b="1" sz="1200"/>
+              <a:defRPr sz="1200">
+                <a:latin typeface="Source Sans Pro Bold"/>
+                <a:ea typeface="Source Sans Pro Bold"/>
+                <a:cs typeface="Source Sans Pro Bold"/>
+                <a:sym typeface="Source Sans Pro Bold"/>
+              </a:defRPr>
             </a:lvl3pPr>
             <a:lvl4pPr marL="1175657" indent="-146957">
-              <a:defRPr b="1" sz="1200"/>
+              <a:defRPr sz="1200">
+                <a:latin typeface="Source Sans Pro Bold"/>
+                <a:ea typeface="Source Sans Pro Bold"/>
+                <a:cs typeface="Source Sans Pro Bold"/>
+                <a:sym typeface="Source Sans Pro Bold"/>
+              </a:defRPr>
             </a:lvl4pPr>
             <a:lvl5pPr marL="1518557" indent="-146957">
-              <a:defRPr b="1" sz="1200"/>
+              <a:defRPr sz="1200">
+                <a:latin typeface="Source Sans Pro Bold"/>
+                <a:ea typeface="Source Sans Pro Bold"/>
+                <a:cs typeface="Source Sans Pro Bold"/>
+                <a:sym typeface="Source Sans Pro Bold"/>
+              </a:defRPr>
             </a:lvl5pPr>
           </a:lstStyle>
           <a:p>
@@ -2019,7 +2044,7 @@
           <p:cNvPr id="83" name="Image"/>
           <p:cNvSpPr/>
           <p:nvPr>
-            <p:ph type="pic" idx="13"/>
+            <p:ph type="pic" idx="21"/>
           </p:nvPr>
         </p:nvSpPr>
         <p:spPr>
@@ -2046,7 +2071,7 @@
           <p:cNvPr id="84" name="Image"/>
           <p:cNvSpPr/>
           <p:nvPr>
-            <p:ph type="pic" sz="quarter" idx="14"/>
+            <p:ph type="pic" sz="quarter" idx="22"/>
           </p:nvPr>
         </p:nvSpPr>
         <p:spPr>
@@ -2073,7 +2098,7 @@
           <p:cNvPr id="85" name="Image"/>
           <p:cNvSpPr/>
           <p:nvPr>
-            <p:ph type="pic" sz="quarter" idx="15"/>
+            <p:ph type="pic" sz="quarter" idx="23"/>
           </p:nvPr>
         </p:nvSpPr>
         <p:spPr>
@@ -2279,7 +2304,7 @@
               <a:spcBef>
                 <a:spcPts val="0"/>
               </a:spcBef>
-              <a:defRPr b="0" sz="1800">
+              <a:defRPr sz="1800">
                 <a:solidFill>
                   <a:srgbClr val="000000"/>
                 </a:solidFill>
@@ -2573,10 +2598,10 @@
             <a:srgbClr val="000000"/>
           </a:solidFill>
           <a:uFillTx/>
-          <a:latin typeface="Source Sans Pro"/>
-          <a:ea typeface="Source Sans Pro"/>
-          <a:cs typeface="Source Sans Pro"/>
-          <a:sym typeface="Source Sans Pro"/>
+          <a:latin typeface="Source Sans Pro Regular"/>
+          <a:ea typeface="Source Sans Pro Regular"/>
+          <a:cs typeface="Source Sans Pro Regular"/>
+          <a:sym typeface="Source Sans Pro Regular"/>
         </a:defRPr>
       </a:lvl1pPr>
       <a:lvl2pPr marL="567972" marR="0" indent="-123472" algn="l" defTabSz="584200" rtl="0" latinLnBrk="0">
@@ -2599,10 +2624,10 @@
             <a:srgbClr val="000000"/>
           </a:solidFill>
           <a:uFillTx/>
-          <a:latin typeface="Source Sans Pro"/>
-          <a:ea typeface="Source Sans Pro"/>
-          <a:cs typeface="Source Sans Pro"/>
-          <a:sym typeface="Source Sans Pro"/>
+          <a:latin typeface="Source Sans Pro Regular"/>
+          <a:ea typeface="Source Sans Pro Regular"/>
+          <a:cs typeface="Source Sans Pro Regular"/>
+          <a:sym typeface="Source Sans Pro Regular"/>
         </a:defRPr>
       </a:lvl2pPr>
       <a:lvl3pPr marL="1012472" marR="0" indent="-123472" algn="l" defTabSz="584200" rtl="0" latinLnBrk="0">
@@ -2625,10 +2650,10 @@
             <a:srgbClr val="000000"/>
           </a:solidFill>
           <a:uFillTx/>
-          <a:latin typeface="Source Sans Pro"/>
-          <a:ea typeface="Source Sans Pro"/>
-          <a:cs typeface="Source Sans Pro"/>
-          <a:sym typeface="Source Sans Pro"/>
+          <a:latin typeface="Source Sans Pro Regular"/>
+          <a:ea typeface="Source Sans Pro Regular"/>
+          <a:cs typeface="Source Sans Pro Regular"/>
+          <a:sym typeface="Source Sans Pro Regular"/>
         </a:defRPr>
       </a:lvl3pPr>
       <a:lvl4pPr marL="1456972" marR="0" indent="-123472" algn="l" defTabSz="584200" rtl="0" latinLnBrk="0">
@@ -2651,10 +2676,10 @@
             <a:srgbClr val="000000"/>
           </a:solidFill>
           <a:uFillTx/>
-          <a:latin typeface="Source Sans Pro"/>
-          <a:ea typeface="Source Sans Pro"/>
-          <a:cs typeface="Source Sans Pro"/>
-          <a:sym typeface="Source Sans Pro"/>
+          <a:latin typeface="Source Sans Pro Regular"/>
+          <a:ea typeface="Source Sans Pro Regular"/>
+          <a:cs typeface="Source Sans Pro Regular"/>
+          <a:sym typeface="Source Sans Pro Regular"/>
         </a:defRPr>
       </a:lvl4pPr>
       <a:lvl5pPr marL="1901472" marR="0" indent="-123472" algn="l" defTabSz="584200" rtl="0" latinLnBrk="0">
@@ -2677,10 +2702,10 @@
             <a:srgbClr val="000000"/>
           </a:solidFill>
           <a:uFillTx/>
-          <a:latin typeface="Source Sans Pro"/>
-          <a:ea typeface="Source Sans Pro"/>
-          <a:cs typeface="Source Sans Pro"/>
-          <a:sym typeface="Source Sans Pro"/>
+          <a:latin typeface="Source Sans Pro Regular"/>
+          <a:ea typeface="Source Sans Pro Regular"/>
+          <a:cs typeface="Source Sans Pro Regular"/>
+          <a:sym typeface="Source Sans Pro Regular"/>
         </a:defRPr>
       </a:lvl5pPr>
       <a:lvl6pPr marL="2345972" marR="0" indent="-123472" algn="l" defTabSz="584200" rtl="0" latinLnBrk="0">
@@ -2703,10 +2728,10 @@
             <a:srgbClr val="000000"/>
           </a:solidFill>
           <a:uFillTx/>
-          <a:latin typeface="Source Sans Pro"/>
-          <a:ea typeface="Source Sans Pro"/>
-          <a:cs typeface="Source Sans Pro"/>
-          <a:sym typeface="Source Sans Pro"/>
+          <a:latin typeface="Source Sans Pro Regular"/>
+          <a:ea typeface="Source Sans Pro Regular"/>
+          <a:cs typeface="Source Sans Pro Regular"/>
+          <a:sym typeface="Source Sans Pro Regular"/>
         </a:defRPr>
       </a:lvl6pPr>
       <a:lvl7pPr marL="2790472" marR="0" indent="-123472" algn="l" defTabSz="584200" rtl="0" latinLnBrk="0">
@@ -2729,10 +2754,10 @@
             <a:srgbClr val="000000"/>
           </a:solidFill>
           <a:uFillTx/>
-          <a:latin typeface="Source Sans Pro"/>
-          <a:ea typeface="Source Sans Pro"/>
-          <a:cs typeface="Source Sans Pro"/>
-          <a:sym typeface="Source Sans Pro"/>
+          <a:latin typeface="Source Sans Pro Regular"/>
+          <a:ea typeface="Source Sans Pro Regular"/>
+          <a:cs typeface="Source Sans Pro Regular"/>
+          <a:sym typeface="Source Sans Pro Regular"/>
         </a:defRPr>
       </a:lvl7pPr>
       <a:lvl8pPr marL="3234972" marR="0" indent="-123472" algn="l" defTabSz="584200" rtl="0" latinLnBrk="0">
@@ -2755,10 +2780,10 @@
             <a:srgbClr val="000000"/>
           </a:solidFill>
           <a:uFillTx/>
-          <a:latin typeface="Source Sans Pro"/>
-          <a:ea typeface="Source Sans Pro"/>
-          <a:cs typeface="Source Sans Pro"/>
-          <a:sym typeface="Source Sans Pro"/>
+          <a:latin typeface="Source Sans Pro Regular"/>
+          <a:ea typeface="Source Sans Pro Regular"/>
+          <a:cs typeface="Source Sans Pro Regular"/>
+          <a:sym typeface="Source Sans Pro Regular"/>
         </a:defRPr>
       </a:lvl8pPr>
       <a:lvl9pPr marL="3679472" marR="0" indent="-123472" algn="l" defTabSz="584200" rtl="0" latinLnBrk="0">
@@ -2781,10 +2806,10 @@
             <a:srgbClr val="000000"/>
           </a:solidFill>
           <a:uFillTx/>
-          <a:latin typeface="Source Sans Pro"/>
-          <a:ea typeface="Source Sans Pro"/>
-          <a:cs typeface="Source Sans Pro"/>
-          <a:sym typeface="Source Sans Pro"/>
+          <a:latin typeface="Source Sans Pro Regular"/>
+          <a:ea typeface="Source Sans Pro Regular"/>
+          <a:cs typeface="Source Sans Pro Regular"/>
+          <a:sym typeface="Source Sans Pro Regular"/>
         </a:defRPr>
       </a:lvl9pPr>
     </p:bodyStyle>
@@ -3186,10 +3211,14 @@
               <a:spcBef>
                 <a:spcPts val="0"/>
               </a:spcBef>
-              <a:defRPr b="0">
+              <a:defRPr>
                 <a:solidFill>
                   <a:srgbClr val="000000"/>
                 </a:solidFill>
+                <a:latin typeface="Source Sans Pro Regular"/>
+                <a:ea typeface="Source Sans Pro Regular"/>
+                <a:cs typeface="Source Sans Pro Regular"/>
+                <a:sym typeface="Source Sans Pro Regular"/>
               </a:defRPr>
             </a:pPr>
           </a:p>
@@ -3204,7 +3233,7 @@
         <p:spPr>
           <a:xfrm>
             <a:off x="7069455" y="6302166"/>
-            <a:ext cx="3447759" cy="4035177"/>
+            <a:ext cx="3577108" cy="4035177"/>
           </a:xfrm>
           <a:prstGeom prst="rect">
             <a:avLst/>
@@ -3229,10 +3258,14 @@
               <a:spcBef>
                 <a:spcPts val="0"/>
               </a:spcBef>
-              <a:defRPr b="0">
+              <a:defRPr>
                 <a:solidFill>
                   <a:srgbClr val="000000"/>
                 </a:solidFill>
+                <a:latin typeface="Source Sans Pro Regular"/>
+                <a:ea typeface="Source Sans Pro Regular"/>
+                <a:cs typeface="Source Sans Pro Regular"/>
+                <a:sym typeface="Source Sans Pro Regular"/>
               </a:defRPr>
             </a:pPr>
           </a:p>
@@ -3264,11 +3297,11 @@
               <a:t>Use Python with R with reticulate : : </a:t>
             </a:r>
             <a:r>
-              <a:rPr sz="3300">
-                <a:latin typeface="Source Sans Pro Semibold"/>
-                <a:ea typeface="Source Sans Pro Semibold"/>
-                <a:cs typeface="Source Sans Pro Semibold"/>
-                <a:sym typeface="Source Sans Pro Semibold"/>
+              <a:rPr b="1" sz="3300">
+                <a:latin typeface="SourceSansPro-SemiBold"/>
+                <a:ea typeface="SourceSansPro-SemiBold"/>
+                <a:cs typeface="SourceSansPro-SemiBold"/>
+                <a:sym typeface="SourceSansPro-SemiBold"/>
               </a:rPr>
               <a:t>CHEAT SHEET</a:t>
             </a:r>
@@ -3310,10 +3343,14 @@
               <a:spcBef>
                 <a:spcPts val="600"/>
               </a:spcBef>
-              <a:defRPr b="0">
+              <a:defRPr>
                 <a:solidFill>
                   <a:srgbClr val="000000"/>
                 </a:solidFill>
+                <a:latin typeface="Source Sans Pro Regular"/>
+                <a:ea typeface="Source Sans Pro Regular"/>
+                <a:cs typeface="Source Sans Pro Regular"/>
+                <a:sym typeface="Source Sans Pro Regular"/>
               </a:defRPr>
             </a:pPr>
           </a:p>
@@ -3351,10 +3388,14 @@
               <a:spcBef>
                 <a:spcPts val="600"/>
               </a:spcBef>
-              <a:defRPr b="0">
+              <a:defRPr>
                 <a:solidFill>
                   <a:srgbClr val="000000"/>
                 </a:solidFill>
+                <a:latin typeface="Source Sans Pro Regular"/>
+                <a:ea typeface="Source Sans Pro Regular"/>
+                <a:cs typeface="Source Sans Pro Regular"/>
+                <a:sym typeface="Source Sans Pro Regular"/>
               </a:defRPr>
             </a:pPr>
           </a:p>
@@ -3425,10 +3466,14 @@
               <a:spcBef>
                 <a:spcPts val="0"/>
               </a:spcBef>
-              <a:defRPr b="0" sz="2500">
+              <a:defRPr sz="2500">
                 <a:solidFill>
                   <a:srgbClr val="654F25"/>
                 </a:solidFill>
+                <a:latin typeface="Source Sans Pro Regular"/>
+                <a:ea typeface="Source Sans Pro Regular"/>
+                <a:cs typeface="Source Sans Pro Regular"/>
+                <a:sym typeface="Source Sans Pro Regular"/>
               </a:defRPr>
             </a:pPr>
             <a:r>
@@ -3446,7 +3491,7 @@
       </p:sp>
       <p:sp>
         <p:nvSpPr>
-          <p:cNvPr id="138" name="RStudio® is a trademark of RStudio, Inc.  •  CC BY SA  RStudio •  info@rstudio.com  •  844-448-1212 • rstudio.com •  Learn more at rstudio.github.io/reticulate/ • reticulate  1.12.0 •   Updated: 2019-04"/>
+          <p:cNvPr id="138" name="RStudio® is a trademark of RStudio, PBC  •  CC BY SA  RStudio  •  info@rstudio.com  •  844-448-1212  •  rstudio.com  •  Learn more at rstudio.github.io/reticulate/  •  reticulate  1.20.0  •  Updated: 2021-08"/>
           <p:cNvSpPr txBox="1"/>
           <p:nvPr/>
         </p:nvSpPr>
@@ -3480,14 +3525,18 @@
               <a:spcBef>
                 <a:spcPts val="0"/>
               </a:spcBef>
-              <a:defRPr b="0" sz="900">
+              <a:defRPr sz="900">
                 <a:solidFill>
                   <a:srgbClr val="000000"/>
                 </a:solidFill>
+                <a:latin typeface="Source Sans Pro Regular"/>
+                <a:ea typeface="Source Sans Pro Regular"/>
+                <a:cs typeface="Source Sans Pro Regular"/>
+                <a:sym typeface="Source Sans Pro Regular"/>
               </a:defRPr>
             </a:pPr>
             <a:r>
-              <a:t>RStudio® is a trademark of RStudio, Inc.  •  </a:t>
+              <a:t>RStudio® is a trademark of RStudio, PBC  •  </a:t>
             </a:r>
             <a:r>
               <a:rPr>
@@ -3496,7 +3545,7 @@
               <a:t>CC BY SA</a:t>
             </a:r>
             <a:r>
-              <a:t>  RStudio •  </a:t>
+              <a:t>  RStudio  •  </a:t>
             </a:r>
             <a:r>
               <a:rPr>
@@ -3505,7 +3554,7 @@
               <a:t>info@rstudio.com</a:t>
             </a:r>
             <a:r>
-              <a:t>  •  844-448-1212 • </a:t>
+              <a:t>  •  844-448-1212  •  </a:t>
             </a:r>
             <a:r>
               <a:rPr>
@@ -3514,13 +3563,17 @@
               <a:t>rstudio.com</a:t>
             </a:r>
             <a:r>
-              <a:t> •  Learn more at </a:t>
-            </a:r>
-            <a:r>
-              <a:rPr b="1" u="sng">
+              <a:t>  •  Learn more at </a:t>
+            </a:r>
+            <a:r>
+              <a:rPr u="sng">
                 <a:solidFill>
                   <a:srgbClr val="7A4300"/>
                 </a:solidFill>
+                <a:latin typeface="Source Sans Pro Bold"/>
+                <a:ea typeface="Source Sans Pro Bold"/>
+                <a:cs typeface="Source Sans Pro Bold"/>
+                <a:sym typeface="Source Sans Pro Bold"/>
                 <a:hlinkClick r:id="rId9" invalidUrl="" action="" tgtFrame="" tooltip="" history="1" highlightClick="0" endSnd="0"/>
               </a:rPr>
               <a:t>rstudio.github.io/reticulate/</a:t>
@@ -3531,10 +3584,10 @@
                   <a:srgbClr val="7A4300"/>
                 </a:solidFill>
               </a:rPr>
-              <a:t> </a:t>
-            </a:r>
-            <a:r>
-              <a:t>• reticulate  1.12.0 •   Updated: 2019-04</a:t>
+              <a:t>  </a:t>
+            </a:r>
+            <a:r>
+              <a:t>•  reticulate  1.20.0  •  Updated: 2021-08</a:t>
             </a:r>
           </a:p>
         </p:txBody>
@@ -3547,7 +3600,7 @@
         </p:nvSpPr>
         <p:spPr>
           <a:xfrm>
-            <a:off x="10755174" y="1534270"/>
+            <a:off x="10869474" y="1534270"/>
             <a:ext cx="1260523" cy="1"/>
           </a:xfrm>
           <a:prstGeom prst="line">
@@ -3571,10 +3624,14 @@
               <a:spcBef>
                 <a:spcPts val="600"/>
               </a:spcBef>
-              <a:defRPr b="0">
+              <a:defRPr>
                 <a:solidFill>
                   <a:srgbClr val="000000"/>
                 </a:solidFill>
+                <a:latin typeface="Source Sans Pro Regular"/>
+                <a:ea typeface="Source Sans Pro Regular"/>
+                <a:cs typeface="Source Sans Pro Regular"/>
+                <a:sym typeface="Source Sans Pro Regular"/>
               </a:defRPr>
             </a:pPr>
           </a:p>
@@ -3588,7 +3645,7 @@
         </p:nvSpPr>
         <p:spPr>
           <a:xfrm>
-            <a:off x="10710398" y="1523999"/>
+            <a:off x="10824698" y="1523999"/>
             <a:ext cx="1551306" cy="431801"/>
           </a:xfrm>
           <a:prstGeom prst="rect">
@@ -3616,10 +3673,14 @@
               <a:spcBef>
                 <a:spcPts val="0"/>
               </a:spcBef>
-              <a:defRPr b="0" sz="2500">
+              <a:defRPr sz="2500">
                 <a:solidFill>
                   <a:srgbClr val="654F25"/>
                 </a:solidFill>
+                <a:latin typeface="Source Sans Pro Regular"/>
+                <a:ea typeface="Source Sans Pro Regular"/>
+                <a:cs typeface="Source Sans Pro Regular"/>
+                <a:sym typeface="Source Sans Pro Regular"/>
               </a:defRPr>
             </a:pPr>
             <a:r>
@@ -3636,7 +3697,7 @@
         </p:nvSpPr>
         <p:spPr>
           <a:xfrm>
-            <a:off x="10746586" y="1941095"/>
+            <a:off x="10860886" y="1941095"/>
             <a:ext cx="2526775" cy="248842"/>
           </a:xfrm>
           <a:prstGeom prst="rect">
@@ -3663,10 +3724,14 @@
               <a:spcBef>
                 <a:spcPts val="1000"/>
               </a:spcBef>
-              <a:defRPr b="0" sz="1100">
+              <a:defRPr sz="1100">
                 <a:solidFill>
                   <a:srgbClr val="7A4300"/>
                 </a:solidFill>
+                <a:latin typeface="Source Sans Pro Regular"/>
+                <a:ea typeface="Source Sans Pro Regular"/>
+                <a:cs typeface="Source Sans Pro Regular"/>
+                <a:sym typeface="Source Sans Pro Regular"/>
               </a:defRPr>
             </a:lvl1pPr>
           </a:lstStyle>
@@ -3686,7 +3751,7 @@
         </p:nvSpPr>
         <p:spPr>
           <a:xfrm>
-            <a:off x="10742927" y="2476155"/>
+            <a:off x="10857227" y="2476155"/>
             <a:ext cx="2745182" cy="3196984"/>
           </a:xfrm>
           <a:prstGeom prst="rect">
@@ -3714,24 +3779,38 @@
               <a:spcBef>
                 <a:spcPts val="1200"/>
               </a:spcBef>
-              <a:defRPr b="0" sz="1100">
+              <a:defRPr sz="1100">
                 <a:solidFill>
                   <a:srgbClr val="7A4300"/>
                 </a:solidFill>
+                <a:latin typeface="Source Sans Pro Regular"/>
+                <a:ea typeface="Source Sans Pro Regular"/>
+                <a:cs typeface="Source Sans Pro Regular"/>
+                <a:sym typeface="Source Sans Pro Regular"/>
               </a:defRPr>
             </a:pPr>
             <a:r>
               <a:t>Use </a:t>
             </a:r>
             <a:r>
-              <a:rPr b="1"/>
-              <a:t>import</a:t>
-            </a:r>
-            <a:r>
-              <a:t>() to import any Python module. Access the attributes of a module with </a:t>
-            </a:r>
-            <a:r>
-              <a:rPr b="1"/>
+              <a:rPr>
+                <a:latin typeface="Source Sans Pro Bold"/>
+                <a:ea typeface="Source Sans Pro Bold"/>
+                <a:cs typeface="Source Sans Pro Bold"/>
+                <a:sym typeface="Source Sans Pro Bold"/>
+              </a:rPr>
+              <a:t>import()</a:t>
+            </a:r>
+            <a:r>
+              <a:t> to import any Python module. Access the attributes of a module with </a:t>
+            </a:r>
+            <a:r>
+              <a:rPr>
+                <a:latin typeface="Source Sans Pro Bold"/>
+                <a:ea typeface="Source Sans Pro Bold"/>
+                <a:cs typeface="Source Sans Pro Bold"/>
+                <a:sym typeface="Source Sans Pro Bold"/>
+              </a:rPr>
               <a:t>$</a:t>
             </a:r>
             <a:r>
@@ -3748,18 +3827,39 @@
               </a:spcBef>
               <a:buSzPct val="100000"/>
               <a:buChar char="•"/>
-              <a:defRPr b="0" sz="1100">
+              <a:defRPr sz="1100">
                 <a:solidFill>
                   <a:srgbClr val="000000"/>
                 </a:solidFill>
+                <a:latin typeface="Source Sans Pro Regular"/>
+                <a:ea typeface="Source Sans Pro Regular"/>
+                <a:cs typeface="Source Sans Pro Regular"/>
+                <a:sym typeface="Source Sans Pro Regular"/>
               </a:defRPr>
             </a:pPr>
             <a:r>
-              <a:rPr b="1"/>
-              <a:t>import</a:t>
-            </a:r>
-            <a:r>
-              <a:t>(module, as = NULL, convert = TRUE, delay_load = FALSE) Import a Python module. If convert = TRUE, Python objects are converted to </a:t>
+              <a:rPr>
+                <a:latin typeface="Source Sans Pro Bold"/>
+                <a:ea typeface="Source Sans Pro Bold"/>
+                <a:cs typeface="Source Sans Pro Bold"/>
+                <a:sym typeface="Source Sans Pro Bold"/>
+              </a:rPr>
+              <a:t>import(</a:t>
+            </a:r>
+            <a:r>
+              <a:t>module, as = NULL, convert = TRUE, delay_load = FALSE</a:t>
+            </a:r>
+            <a:r>
+              <a:rPr>
+                <a:latin typeface="Source Sans Pro Bold"/>
+                <a:ea typeface="Source Sans Pro Bold"/>
+                <a:cs typeface="Source Sans Pro Bold"/>
+                <a:sym typeface="Source Sans Pro Bold"/>
+              </a:rPr>
+              <a:t>)</a:t>
+            </a:r>
+            <a:r>
+              <a:t> Import a Python module. If convert = TRUE, Python objects are converted to </a:t>
             </a:r>
           </a:p>
           <a:p>
@@ -3770,26 +3870,46 @@
               <a:spcBef>
                 <a:spcPts val="1000"/>
               </a:spcBef>
-              <a:defRPr b="0" sz="1100">
+              <a:defRPr sz="1100">
                 <a:solidFill>
                   <a:srgbClr val="000000"/>
                 </a:solidFill>
+                <a:latin typeface="Source Sans Pro Regular"/>
+                <a:ea typeface="Source Sans Pro Regular"/>
+                <a:cs typeface="Source Sans Pro Regular"/>
+                <a:sym typeface="Source Sans Pro Regular"/>
               </a:defRPr>
             </a:pPr>
             <a:r>
               <a:t>their equivalent R types. Also </a:t>
             </a:r>
             <a:r>
-              <a:rPr b="1"/>
-              <a:t>import_from_path</a:t>
+              <a:rPr>
+                <a:latin typeface="Source Sans Pro Bold"/>
+                <a:ea typeface="Source Sans Pro Bold"/>
+                <a:cs typeface="Source Sans Pro Bold"/>
+                <a:sym typeface="Source Sans Pro Bold"/>
+              </a:rPr>
+              <a:t>import_from_path()</a:t>
             </a:r>
             <a:r>
               <a:t>. </a:t>
             </a:r>
             <a:r>
-              <a:rPr i="1"/>
+              <a:rPr>
+                <a:latin typeface="Source Sans Pro ExtraLight"/>
+                <a:ea typeface="Source Sans Pro ExtraLight"/>
+                <a:cs typeface="Source Sans Pro ExtraLight"/>
+                <a:sym typeface="Source Sans Pro ExtraLight"/>
+              </a:rPr>
               <a:t>import("pandas")</a:t>
             </a:r>
+            <a:endParaRPr>
+              <a:latin typeface="Source Sans Pro ExtraLight"/>
+              <a:ea typeface="Source Sans Pro ExtraLight"/>
+              <a:cs typeface="Source Sans Pro ExtraLight"/>
+              <a:sym typeface="Source Sans Pro ExtraLight"/>
+            </a:endParaRPr>
           </a:p>
           <a:p>
             <a:pPr marL="381000" indent="-127000">
@@ -3801,18 +3921,39 @@
               </a:spcBef>
               <a:buSzPct val="100000"/>
               <a:buChar char="•"/>
-              <a:defRPr b="0" sz="1100">
+              <a:defRPr sz="1100">
                 <a:solidFill>
                   <a:srgbClr val="000000"/>
                 </a:solidFill>
+                <a:latin typeface="Source Sans Pro Regular"/>
+                <a:ea typeface="Source Sans Pro Regular"/>
+                <a:cs typeface="Source Sans Pro Regular"/>
+                <a:sym typeface="Source Sans Pro Regular"/>
               </a:defRPr>
             </a:pPr>
             <a:r>
-              <a:rPr b="1"/>
-              <a:t>import_main</a:t>
-            </a:r>
-            <a:r>
-              <a:t>(convert = TRUE) </a:t>
+              <a:rPr>
+                <a:latin typeface="Source Sans Pro Bold"/>
+                <a:ea typeface="Source Sans Pro Bold"/>
+                <a:cs typeface="Source Sans Pro Bold"/>
+                <a:sym typeface="Source Sans Pro Bold"/>
+              </a:rPr>
+              <a:t>import_main(</a:t>
+            </a:r>
+            <a:r>
+              <a:t>convert = TRUE</a:t>
+            </a:r>
+            <a:r>
+              <a:rPr>
+                <a:latin typeface="Source Sans Pro Bold"/>
+                <a:ea typeface="Source Sans Pro Bold"/>
+                <a:cs typeface="Source Sans Pro Bold"/>
+                <a:sym typeface="Source Sans Pro Bold"/>
+              </a:rPr>
+              <a:t>)</a:t>
+            </a:r>
+            <a:r>
+              <a:t> </a:t>
             </a:r>
           </a:p>
           <a:p>
@@ -3823,20 +3964,34 @@
               <a:spcBef>
                 <a:spcPts val="1000"/>
               </a:spcBef>
-              <a:defRPr b="0" sz="1100">
+              <a:defRPr sz="1100">
                 <a:solidFill>
                   <a:srgbClr val="000000"/>
                 </a:solidFill>
+                <a:latin typeface="Source Sans Pro Regular"/>
+                <a:ea typeface="Source Sans Pro Regular"/>
+                <a:cs typeface="Source Sans Pro Regular"/>
+                <a:sym typeface="Source Sans Pro Regular"/>
               </a:defRPr>
             </a:pPr>
             <a:r>
               <a:t>Import the main module, where Python executes code by default. </a:t>
             </a:r>
             <a:r>
-              <a:rPr i="1"/>
+              <a:rPr>
+                <a:latin typeface="Source Sans Pro ExtraLight"/>
+                <a:ea typeface="Source Sans Pro ExtraLight"/>
+                <a:cs typeface="Source Sans Pro ExtraLight"/>
+                <a:sym typeface="Source Sans Pro ExtraLight"/>
+              </a:rPr>
               <a:t>import_main()</a:t>
             </a:r>
-            <a:endParaRPr i="1"/>
+            <a:endParaRPr>
+              <a:latin typeface="Source Sans Pro ExtraLight"/>
+              <a:ea typeface="Source Sans Pro ExtraLight"/>
+              <a:cs typeface="Source Sans Pro ExtraLight"/>
+              <a:sym typeface="Source Sans Pro ExtraLight"/>
+            </a:endParaRPr>
           </a:p>
           <a:p>
             <a:pPr marL="381000" indent="-127000">
@@ -3848,21 +4003,47 @@
               </a:spcBef>
               <a:buSzPct val="100000"/>
               <a:buChar char="•"/>
-              <a:defRPr b="0" sz="1100">
+              <a:defRPr sz="1100">
                 <a:solidFill>
                   <a:srgbClr val="000000"/>
                 </a:solidFill>
+                <a:latin typeface="Source Sans Pro Regular"/>
+                <a:ea typeface="Source Sans Pro Regular"/>
+                <a:cs typeface="Source Sans Pro Regular"/>
+                <a:sym typeface="Source Sans Pro Regular"/>
               </a:defRPr>
             </a:pPr>
             <a:r>
-              <a:rPr b="1"/>
-              <a:t>import_builtins</a:t>
-            </a:r>
-            <a:r>
-              <a:t>(convert = TRUE) Import Python's built-in functions. </a:t>
-            </a:r>
-            <a:r>
-              <a:rPr i="1"/>
+              <a:rPr>
+                <a:latin typeface="Source Sans Pro Bold"/>
+                <a:ea typeface="Source Sans Pro Bold"/>
+                <a:cs typeface="Source Sans Pro Bold"/>
+                <a:sym typeface="Source Sans Pro Bold"/>
+              </a:rPr>
+              <a:t>import_builtins(</a:t>
+            </a:r>
+            <a:r>
+              <a:t>convert = TRUE</a:t>
+            </a:r>
+            <a:r>
+              <a:rPr>
+                <a:latin typeface="Source Sans Pro Bold"/>
+                <a:ea typeface="Source Sans Pro Bold"/>
+                <a:cs typeface="Source Sans Pro Bold"/>
+                <a:sym typeface="Source Sans Pro Bold"/>
+              </a:rPr>
+              <a:t>)</a:t>
+            </a:r>
+            <a:r>
+              <a:t> Import Python's built-in functions. </a:t>
+            </a:r>
+            <a:r>
+              <a:rPr>
+                <a:latin typeface="Source Sans Pro ExtraLight"/>
+                <a:ea typeface="Source Sans Pro ExtraLight"/>
+                <a:cs typeface="Source Sans Pro ExtraLight"/>
+                <a:sym typeface="Source Sans Pro ExtraLight"/>
+              </a:rPr>
               <a:t>import_builtins()</a:t>
             </a:r>
           </a:p>
@@ -3876,7 +4057,7 @@
         </p:nvSpPr>
         <p:spPr>
           <a:xfrm>
-            <a:off x="10722337" y="2221166"/>
+            <a:off x="10836637" y="2221166"/>
             <a:ext cx="1856843" cy="215901"/>
           </a:xfrm>
           <a:prstGeom prst="rect">
@@ -3918,7 +4099,7 @@
         </p:nvSpPr>
         <p:spPr>
           <a:xfrm>
-            <a:off x="10733886" y="5150270"/>
+            <a:off x="10848186" y="5150270"/>
             <a:ext cx="1587552" cy="215901"/>
           </a:xfrm>
           <a:prstGeom prst="rect">
@@ -3960,7 +4141,7 @@
         </p:nvSpPr>
         <p:spPr>
           <a:xfrm>
-            <a:off x="10745168" y="5402487"/>
+            <a:off x="10859468" y="5402487"/>
             <a:ext cx="2936923" cy="1495817"/>
           </a:xfrm>
           <a:prstGeom prst="rect">
@@ -3988,21 +4169,30 @@
               <a:spcBef>
                 <a:spcPts val="1200"/>
               </a:spcBef>
-              <a:defRPr b="0" sz="1100">
+              <a:defRPr sz="1100">
                 <a:solidFill>
                   <a:srgbClr val="7A4300"/>
                 </a:solidFill>
+                <a:latin typeface="Source Sans Pro Regular"/>
+                <a:ea typeface="Source Sans Pro Regular"/>
+                <a:cs typeface="Source Sans Pro Regular"/>
+                <a:sym typeface="Source Sans Pro Regular"/>
               </a:defRPr>
             </a:pPr>
             <a:r>
               <a:t>Use </a:t>
             </a:r>
             <a:r>
-              <a:rPr b="1"/>
-              <a:t>source_python</a:t>
-            </a:r>
-            <a:r>
-              <a:t>() to source a Python script and make the Python functions and objects it creates available in the calling R environment.</a:t>
+              <a:rPr>
+                <a:latin typeface="Source Sans Pro Bold"/>
+                <a:ea typeface="Source Sans Pro Bold"/>
+                <a:cs typeface="Source Sans Pro Bold"/>
+                <a:sym typeface="Source Sans Pro Bold"/>
+              </a:rPr>
+              <a:t>source_python()</a:t>
+            </a:r>
+            <a:r>
+              <a:t> to source a Python script and make the Python functions and objects it creates available in the calling R environment.</a:t>
             </a:r>
           </a:p>
           <a:p>
@@ -4015,21 +4205,47 @@
               </a:spcBef>
               <a:buSzPct val="100000"/>
               <a:buChar char="•"/>
-              <a:defRPr b="0" sz="1100">
+              <a:defRPr sz="1100">
                 <a:solidFill>
                   <a:srgbClr val="000000"/>
                 </a:solidFill>
+                <a:latin typeface="Source Sans Pro Regular"/>
+                <a:ea typeface="Source Sans Pro Regular"/>
+                <a:cs typeface="Source Sans Pro Regular"/>
+                <a:sym typeface="Source Sans Pro Regular"/>
               </a:defRPr>
             </a:pPr>
             <a:r>
-              <a:rPr b="1"/>
-              <a:t>source_python</a:t>
-            </a:r>
-            <a:r>
-              <a:t>(file, envir = parent.frame(), convert = TRUE) Run a Python script, assigning objects to a specified R environment. </a:t>
-            </a:r>
-            <a:r>
-              <a:rPr i="1"/>
+              <a:rPr>
+                <a:latin typeface="Source Sans Pro Bold"/>
+                <a:ea typeface="Source Sans Pro Bold"/>
+                <a:cs typeface="Source Sans Pro Bold"/>
+                <a:sym typeface="Source Sans Pro Bold"/>
+              </a:rPr>
+              <a:t>source_python(</a:t>
+            </a:r>
+            <a:r>
+              <a:t>file, envir = parent.frame(), convert = TRUE</a:t>
+            </a:r>
+            <a:r>
+              <a:rPr>
+                <a:latin typeface="Source Sans Pro Bold"/>
+                <a:ea typeface="Source Sans Pro Bold"/>
+                <a:cs typeface="Source Sans Pro Bold"/>
+                <a:sym typeface="Source Sans Pro Bold"/>
+              </a:rPr>
+              <a:t>)</a:t>
+            </a:r>
+            <a:r>
+              <a:t> Run a Python script, assigning objects to a specified R environment. </a:t>
+            </a:r>
+            <a:r>
+              <a:rPr>
+                <a:latin typeface="Source Sans Pro ExtraLight"/>
+                <a:ea typeface="Source Sans Pro ExtraLight"/>
+                <a:cs typeface="Source Sans Pro ExtraLight"/>
+                <a:sym typeface="Source Sans Pro ExtraLight"/>
+              </a:rPr>
               <a:t>source_python("file.py")</a:t>
             </a:r>
           </a:p>
@@ -4043,7 +4259,7 @@
         </p:nvSpPr>
         <p:spPr>
           <a:xfrm>
-            <a:off x="10743627" y="6832371"/>
+            <a:off x="10857927" y="6832371"/>
             <a:ext cx="1322375" cy="215901"/>
           </a:xfrm>
           <a:prstGeom prst="rect">
@@ -4085,7 +4301,7 @@
         </p:nvSpPr>
         <p:spPr>
           <a:xfrm>
-            <a:off x="10747039" y="7088533"/>
+            <a:off x="10861339" y="7088533"/>
             <a:ext cx="2795981" cy="3174029"/>
           </a:xfrm>
           <a:prstGeom prst="rect">
@@ -4113,35 +4329,54 @@
               <a:spcBef>
                 <a:spcPts val="1200"/>
               </a:spcBef>
-              <a:defRPr b="0" sz="1100">
+              <a:defRPr sz="1100">
                 <a:solidFill>
                   <a:srgbClr val="7A4300"/>
                 </a:solidFill>
+                <a:latin typeface="Source Sans Pro Regular"/>
+                <a:ea typeface="Source Sans Pro Regular"/>
+                <a:cs typeface="Source Sans Pro Regular"/>
+                <a:sym typeface="Source Sans Pro Regular"/>
               </a:defRPr>
             </a:pPr>
             <a:r>
               <a:t>Execute Python code into the </a:t>
             </a:r>
             <a:r>
-              <a:rPr b="1"/>
+              <a:rPr>
+                <a:latin typeface="Source Sans Pro Bold"/>
+                <a:ea typeface="Source Sans Pro Bold"/>
+                <a:cs typeface="Source Sans Pro Bold"/>
+                <a:sym typeface="Source Sans Pro Bold"/>
+              </a:rPr>
               <a:t>main</a:t>
             </a:r>
             <a:r>
               <a:t> Python module with </a:t>
             </a:r>
             <a:r>
-              <a:rPr b="1"/>
-              <a:t>py_run_file</a:t>
-            </a:r>
-            <a:r>
-              <a:t>() or </a:t>
-            </a:r>
-            <a:r>
-              <a:rPr b="1"/>
-              <a:t>py_run_string</a:t>
-            </a:r>
-            <a:r>
-              <a:t>().</a:t>
+              <a:rPr>
+                <a:latin typeface="Source Sans Pro Bold"/>
+                <a:ea typeface="Source Sans Pro Bold"/>
+                <a:cs typeface="Source Sans Pro Bold"/>
+                <a:sym typeface="Source Sans Pro Bold"/>
+              </a:rPr>
+              <a:t>py_run_file()</a:t>
+            </a:r>
+            <a:r>
+              <a:t> or </a:t>
+            </a:r>
+            <a:r>
+              <a:rPr>
+                <a:latin typeface="Source Sans Pro Bold"/>
+                <a:ea typeface="Source Sans Pro Bold"/>
+                <a:cs typeface="Source Sans Pro Bold"/>
+                <a:sym typeface="Source Sans Pro Bold"/>
+              </a:rPr>
+              <a:t>py_run_string()</a:t>
+            </a:r>
+            <a:r>
+              <a:t>.</a:t>
             </a:r>
           </a:p>
           <a:p>
@@ -4154,18 +4389,39 @@
               </a:spcBef>
               <a:buSzPct val="100000"/>
               <a:buChar char="•"/>
-              <a:defRPr b="0" sz="1100">
+              <a:defRPr sz="1100">
                 <a:solidFill>
                   <a:srgbClr val="000000"/>
                 </a:solidFill>
+                <a:latin typeface="Source Sans Pro Regular"/>
+                <a:ea typeface="Source Sans Pro Regular"/>
+                <a:cs typeface="Source Sans Pro Regular"/>
+                <a:sym typeface="Source Sans Pro Regular"/>
               </a:defRPr>
             </a:pPr>
             <a:r>
-              <a:rPr b="1"/>
-              <a:t>py_run_string</a:t>
-            </a:r>
-            <a:r>
-              <a:t>(code, local = FALSE, convert = TRUE) Run Python code (passed as a string) in the main </a:t>
+              <a:rPr>
+                <a:latin typeface="Source Sans Pro Bold"/>
+                <a:ea typeface="Source Sans Pro Bold"/>
+                <a:cs typeface="Source Sans Pro Bold"/>
+                <a:sym typeface="Source Sans Pro Bold"/>
+              </a:rPr>
+              <a:t>py_run_string(</a:t>
+            </a:r>
+            <a:r>
+              <a:t>code, local = FALSE, convert = TRUE</a:t>
+            </a:r>
+            <a:r>
+              <a:rPr>
+                <a:latin typeface="Source Sans Pro Bold"/>
+                <a:ea typeface="Source Sans Pro Bold"/>
+                <a:cs typeface="Source Sans Pro Bold"/>
+                <a:sym typeface="Source Sans Pro Bold"/>
+              </a:rPr>
+              <a:t>)</a:t>
+            </a:r>
+            <a:r>
+              <a:t> Run Python code (passed as a string) in the main </a:t>
             </a:r>
           </a:p>
           <a:p>
@@ -4176,20 +4432,34 @@
               <a:spcBef>
                 <a:spcPts val="1000"/>
               </a:spcBef>
-              <a:defRPr b="0" sz="1100">
+              <a:defRPr sz="1100">
                 <a:solidFill>
                   <a:srgbClr val="000000"/>
                 </a:solidFill>
+                <a:latin typeface="Source Sans Pro Regular"/>
+                <a:ea typeface="Source Sans Pro Regular"/>
+                <a:cs typeface="Source Sans Pro Regular"/>
+                <a:sym typeface="Source Sans Pro Regular"/>
               </a:defRPr>
             </a:pPr>
             <a:r>
               <a:t>module. </a:t>
             </a:r>
             <a:r>
-              <a:rPr i="1"/>
+              <a:rPr>
+                <a:latin typeface="Source Sans Pro ExtraLight"/>
+                <a:ea typeface="Source Sans Pro ExtraLight"/>
+                <a:cs typeface="Source Sans Pro ExtraLight"/>
+                <a:sym typeface="Source Sans Pro ExtraLight"/>
+              </a:rPr>
               <a:t>py_run_string("x = 10"); py$x</a:t>
             </a:r>
-            <a:endParaRPr i="1"/>
+            <a:endParaRPr>
+              <a:latin typeface="Source Sans Pro ExtraLight"/>
+              <a:ea typeface="Source Sans Pro ExtraLight"/>
+              <a:cs typeface="Source Sans Pro ExtraLight"/>
+              <a:sym typeface="Source Sans Pro ExtraLight"/>
+            </a:endParaRPr>
           </a:p>
           <a:p>
             <a:pPr marL="381000" indent="-127000">
@@ -4201,24 +4471,55 @@
               </a:spcBef>
               <a:buSzPct val="100000"/>
               <a:buChar char="•"/>
-              <a:defRPr b="0" sz="1100">
+              <a:defRPr sz="1100">
                 <a:solidFill>
                   <a:srgbClr val="000000"/>
                 </a:solidFill>
+                <a:latin typeface="Source Sans Pro Regular"/>
+                <a:ea typeface="Source Sans Pro Regular"/>
+                <a:cs typeface="Source Sans Pro Regular"/>
+                <a:sym typeface="Source Sans Pro Regular"/>
               </a:defRPr>
             </a:pPr>
             <a:r>
-              <a:rPr b="1"/>
-              <a:t>py_run_file</a:t>
-            </a:r>
-            <a:r>
-              <a:t>(file, local = FALSE, convert = TRUE) Run Python file in the main module. </a:t>
-            </a:r>
-            <a:r>
-              <a:rPr i="1"/>
+              <a:rPr>
+                <a:latin typeface="Source Sans Pro Bold"/>
+                <a:ea typeface="Source Sans Pro Bold"/>
+                <a:cs typeface="Source Sans Pro Bold"/>
+                <a:sym typeface="Source Sans Pro Bold"/>
+              </a:rPr>
+              <a:t>py_run_file(</a:t>
+            </a:r>
+            <a:r>
+              <a:t>file, local = FALSE, convert = TRUE</a:t>
+            </a:r>
+            <a:r>
+              <a:rPr>
+                <a:latin typeface="Source Sans Pro Bold"/>
+                <a:ea typeface="Source Sans Pro Bold"/>
+                <a:cs typeface="Source Sans Pro Bold"/>
+                <a:sym typeface="Source Sans Pro Bold"/>
+              </a:rPr>
+              <a:t>)</a:t>
+            </a:r>
+            <a:r>
+              <a:t> Run Python file in the main module. </a:t>
+            </a:r>
+            <a:r>
+              <a:rPr>
+                <a:latin typeface="Source Sans Pro ExtraLight"/>
+                <a:ea typeface="Source Sans Pro ExtraLight"/>
+                <a:cs typeface="Source Sans Pro ExtraLight"/>
+                <a:sym typeface="Source Sans Pro ExtraLight"/>
+              </a:rPr>
               <a:t>py_run_file("script.py")</a:t>
             </a:r>
-            <a:endParaRPr i="1"/>
+            <a:endParaRPr>
+              <a:latin typeface="Source Sans Pro ExtraLight"/>
+              <a:ea typeface="Source Sans Pro ExtraLight"/>
+              <a:cs typeface="Source Sans Pro ExtraLight"/>
+              <a:sym typeface="Source Sans Pro ExtraLight"/>
+            </a:endParaRPr>
           </a:p>
           <a:p>
             <a:pPr marL="381000" indent="-127000">
@@ -4230,18 +4531,39 @@
               </a:spcBef>
               <a:buSzPct val="100000"/>
               <a:buChar char="•"/>
-              <a:defRPr b="0" sz="1100">
+              <a:defRPr sz="1100">
                 <a:solidFill>
                   <a:srgbClr val="000000"/>
                 </a:solidFill>
+                <a:latin typeface="Source Sans Pro Regular"/>
+                <a:ea typeface="Source Sans Pro Regular"/>
+                <a:cs typeface="Source Sans Pro Regular"/>
+                <a:sym typeface="Source Sans Pro Regular"/>
               </a:defRPr>
             </a:pPr>
             <a:r>
-              <a:rPr b="1"/>
-              <a:t>py_eval</a:t>
-            </a:r>
-            <a:r>
-              <a:t>(code, convert = TRUE) Run </a:t>
+              <a:rPr>
+                <a:latin typeface="Source Sans Pro Bold"/>
+                <a:ea typeface="Source Sans Pro Bold"/>
+                <a:cs typeface="Source Sans Pro Bold"/>
+                <a:sym typeface="Source Sans Pro Bold"/>
+              </a:rPr>
+              <a:t>py_eval(</a:t>
+            </a:r>
+            <a:r>
+              <a:t>code, convert = TRUE</a:t>
+            </a:r>
+            <a:r>
+              <a:rPr>
+                <a:latin typeface="Source Sans Pro Bold"/>
+                <a:ea typeface="Source Sans Pro Bold"/>
+                <a:cs typeface="Source Sans Pro Bold"/>
+                <a:sym typeface="Source Sans Pro Bold"/>
+              </a:rPr>
+              <a:t>)</a:t>
+            </a:r>
+            <a:r>
+              <a:t> Run </a:t>
             </a:r>
           </a:p>
           <a:p>
@@ -4252,10 +4574,14 @@
               <a:spcBef>
                 <a:spcPts val="0"/>
               </a:spcBef>
-              <a:defRPr b="0" sz="1100">
+              <a:defRPr sz="1100">
                 <a:solidFill>
                   <a:srgbClr val="000000"/>
                 </a:solidFill>
+                <a:latin typeface="Source Sans Pro Regular"/>
+                <a:ea typeface="Source Sans Pro Regular"/>
+                <a:cs typeface="Source Sans Pro Regular"/>
+                <a:sym typeface="Source Sans Pro Regular"/>
               </a:defRPr>
             </a:pPr>
             <a:r>
@@ -4270,27 +4596,46 @@
               <a:spcBef>
                 <a:spcPts val="1200"/>
               </a:spcBef>
-              <a:defRPr b="0" sz="1100">
+              <a:defRPr sz="1100">
                 <a:solidFill>
                   <a:srgbClr val="000000"/>
                 </a:solidFill>
+                <a:latin typeface="Source Sans Pro Regular"/>
+                <a:ea typeface="Source Sans Pro Regular"/>
+                <a:cs typeface="Source Sans Pro Regular"/>
+                <a:sym typeface="Source Sans Pro Regular"/>
               </a:defRPr>
             </a:pPr>
             <a:r>
               <a:t>Also </a:t>
             </a:r>
             <a:r>
-              <a:rPr b="1"/>
-              <a:t>py_call</a:t>
+              <a:rPr>
+                <a:latin typeface="Source Sans Pro Bold"/>
+                <a:ea typeface="Source Sans Pro Bold"/>
+                <a:cs typeface="Source Sans Pro Bold"/>
+                <a:sym typeface="Source Sans Pro Bold"/>
+              </a:rPr>
+              <a:t>py_call()</a:t>
             </a:r>
             <a:r>
               <a:t>. </a:t>
             </a:r>
             <a:r>
-              <a:rPr i="1"/>
+              <a:rPr>
+                <a:latin typeface="Source Sans Pro ExtraLight"/>
+                <a:ea typeface="Source Sans Pro ExtraLight"/>
+                <a:cs typeface="Source Sans Pro ExtraLight"/>
+                <a:sym typeface="Source Sans Pro ExtraLight"/>
+              </a:rPr>
               <a:t>py_eval("1 + 1")</a:t>
             </a:r>
-            <a:endParaRPr i="1"/>
+            <a:endParaRPr>
+              <a:latin typeface="Source Sans Pro ExtraLight"/>
+              <a:ea typeface="Source Sans Pro ExtraLight"/>
+              <a:cs typeface="Source Sans Pro ExtraLight"/>
+              <a:sym typeface="Source Sans Pro ExtraLight"/>
+            </a:endParaRPr>
           </a:p>
           <a:p>
             <a:pPr>
@@ -4300,24 +4645,38 @@
               <a:spcBef>
                 <a:spcPts val="1200"/>
               </a:spcBef>
-              <a:defRPr b="0" sz="1100">
+              <a:defRPr sz="1100">
                 <a:solidFill>
                   <a:srgbClr val="7A4300"/>
                 </a:solidFill>
+                <a:latin typeface="Source Sans Pro Regular"/>
+                <a:ea typeface="Source Sans Pro Regular"/>
+                <a:cs typeface="Source Sans Pro Regular"/>
+                <a:sym typeface="Source Sans Pro Regular"/>
               </a:defRPr>
             </a:pPr>
             <a:r>
               <a:t>Access the results, and anything else in Python's </a:t>
             </a:r>
             <a:r>
-              <a:rPr b="1"/>
+              <a:rPr>
+                <a:latin typeface="Source Sans Pro Bold"/>
+                <a:ea typeface="Source Sans Pro Bold"/>
+                <a:cs typeface="Source Sans Pro Bold"/>
+                <a:sym typeface="Source Sans Pro Bold"/>
+              </a:rPr>
               <a:t>main</a:t>
             </a:r>
             <a:r>
               <a:t> module, with </a:t>
             </a:r>
             <a:r>
-              <a:rPr b="1"/>
+              <a:rPr>
+                <a:latin typeface="Source Sans Pro Bold"/>
+                <a:ea typeface="Source Sans Pro Bold"/>
+                <a:cs typeface="Source Sans Pro Bold"/>
+                <a:sym typeface="Source Sans Pro Bold"/>
+              </a:rPr>
               <a:t>py</a:t>
             </a:r>
             <a:r>
@@ -4334,14 +4693,23 @@
               </a:spcBef>
               <a:buSzPct val="100000"/>
               <a:buChar char="•"/>
-              <a:defRPr b="0" sz="1100">
+              <a:defRPr sz="1100">
                 <a:solidFill>
                   <a:srgbClr val="000000"/>
                 </a:solidFill>
+                <a:latin typeface="Source Sans Pro Regular"/>
+                <a:ea typeface="Source Sans Pro Regular"/>
+                <a:cs typeface="Source Sans Pro Regular"/>
+                <a:sym typeface="Source Sans Pro Regular"/>
               </a:defRPr>
             </a:pPr>
             <a:r>
-              <a:rPr b="1"/>
+              <a:rPr>
+                <a:latin typeface="Source Sans Pro Bold"/>
+                <a:ea typeface="Source Sans Pro Bold"/>
+                <a:cs typeface="Source Sans Pro Bold"/>
+                <a:sym typeface="Source Sans Pro Bold"/>
+              </a:rPr>
               <a:t>py </a:t>
             </a:r>
             <a:r>
@@ -4356,10 +4724,14 @@
               <a:spcBef>
                 <a:spcPts val="0"/>
               </a:spcBef>
-              <a:defRPr b="0" sz="1100">
+              <a:defRPr sz="1100">
                 <a:solidFill>
                   <a:srgbClr val="000000"/>
                 </a:solidFill>
+                <a:latin typeface="Source Sans Pro Regular"/>
+                <a:ea typeface="Source Sans Pro Regular"/>
+                <a:cs typeface="Source Sans Pro Regular"/>
+                <a:sym typeface="Source Sans Pro Regular"/>
               </a:defRPr>
             </a:pPr>
             <a:r>
@@ -4374,17 +4746,26 @@
               <a:spcBef>
                 <a:spcPts val="0"/>
               </a:spcBef>
-              <a:defRPr b="0" sz="1100">
+              <a:defRPr sz="1100">
                 <a:solidFill>
                   <a:srgbClr val="000000"/>
                 </a:solidFill>
+                <a:latin typeface="Source Sans Pro Regular"/>
+                <a:ea typeface="Source Sans Pro Regular"/>
+                <a:cs typeface="Source Sans Pro Regular"/>
+                <a:sym typeface="Source Sans Pro Regular"/>
               </a:defRPr>
             </a:pPr>
             <a:r>
               <a:t>the results stored there. </a:t>
             </a:r>
             <a:r>
-              <a:rPr i="1"/>
+              <a:rPr>
+                <a:latin typeface="Source Sans Pro ExtraLight"/>
+                <a:ea typeface="Source Sans Pro ExtraLight"/>
+                <a:cs typeface="Source Sans Pro ExtraLight"/>
+                <a:sym typeface="Source Sans Pro ExtraLight"/>
+              </a:rPr>
               <a:t>py$x</a:t>
             </a:r>
           </a:p>
@@ -4426,21 +4807,25 @@
               <a:spcBef>
                 <a:spcPts val="0"/>
               </a:spcBef>
-              <a:defRPr b="0" sz="1250">
+              <a:defRPr sz="1250">
                 <a:solidFill>
                   <a:srgbClr val="000000"/>
                 </a:solidFill>
+                <a:latin typeface="Source Sans Pro Regular"/>
+                <a:ea typeface="Source Sans Pro Regular"/>
+                <a:cs typeface="Source Sans Pro Regular"/>
+                <a:sym typeface="Source Sans Pro Regular"/>
               </a:defRPr>
             </a:pPr>
             <a:r>
               <a:t>The </a:t>
             </a:r>
             <a:r>
-              <a:rPr>
-                <a:latin typeface="Source Sans Pro Semibold"/>
-                <a:ea typeface="Source Sans Pro Semibold"/>
-                <a:cs typeface="Source Sans Pro Semibold"/>
-                <a:sym typeface="Source Sans Pro Semibold"/>
+              <a:rPr b="1">
+                <a:latin typeface="SourceSansPro-SemiBold"/>
+                <a:ea typeface="SourceSansPro-SemiBold"/>
+                <a:cs typeface="SourceSansPro-SemiBold"/>
+                <a:sym typeface="SourceSansPro-SemiBold"/>
               </a:rPr>
               <a:t>reticulate</a:t>
             </a:r>
@@ -4452,14 +4837,14 @@
       </p:sp>
       <p:sp>
         <p:nvSpPr>
-          <p:cNvPr id="149" name="py_capture_output(expr, type = c(&quot;stdout&quot;, &quot;stderr&quot;)) Capture and return Python output. Also py_suppress_warnings. py_capture_output(&quot;x&quot;)…"/>
+          <p:cNvPr id="149" name="py_capture_output(expr, type = c(&quot;stdout&quot;, &quot;stderr&quot;)) Capture and return Python output. Also py_suppress_warnings(). py_capture_output(&quot;x&quot;)…"/>
           <p:cNvSpPr txBox="1"/>
           <p:nvPr/>
         </p:nvSpPr>
         <p:spPr>
           <a:xfrm>
-            <a:off x="7225560" y="6837791"/>
-            <a:ext cx="3191504" cy="4184786"/>
+            <a:off x="7111260" y="6837791"/>
+            <a:ext cx="3314122" cy="3562486"/>
           </a:xfrm>
           <a:prstGeom prst="rect">
             <a:avLst/>
@@ -4484,33 +4869,69 @@
                 <a:spcPct val="80000"/>
               </a:lnSpc>
               <a:spcBef>
-                <a:spcPts val="1300"/>
-              </a:spcBef>
-              <a:defRPr b="0" sz="1100">
+                <a:spcPts val="1000"/>
+              </a:spcBef>
+              <a:defRPr sz="1100">
                 <a:solidFill>
                   <a:srgbClr val="000000"/>
                 </a:solidFill>
+                <a:latin typeface="Source Sans Pro Regular"/>
+                <a:ea typeface="Source Sans Pro Regular"/>
+                <a:cs typeface="Source Sans Pro Regular"/>
+                <a:sym typeface="Source Sans Pro Regular"/>
               </a:defRPr>
             </a:pPr>
             <a:r>
-              <a:rPr b="1"/>
-              <a:t>py_capture_output</a:t>
-            </a:r>
-            <a:r>
-              <a:t>(expr, type = c("stdout", "stderr")) Capture and return Python output. Also </a:t>
-            </a:r>
-            <a:r>
-              <a:rPr b="1"/>
-              <a:t>py_suppress_warnings</a:t>
+              <a:rPr>
+                <a:latin typeface="Source Sans Pro Bold"/>
+                <a:ea typeface="Source Sans Pro Bold"/>
+                <a:cs typeface="Source Sans Pro Bold"/>
+                <a:sym typeface="Source Sans Pro Bold"/>
+              </a:rPr>
+              <a:t>py_capture_output(</a:t>
+            </a:r>
+            <a:r>
+              <a:t>expr, type = c("stdout", "stderr")</a:t>
+            </a:r>
+            <a:r>
+              <a:rPr>
+                <a:latin typeface="Source Sans Pro Bold"/>
+                <a:ea typeface="Source Sans Pro Bold"/>
+                <a:cs typeface="Source Sans Pro Bold"/>
+                <a:sym typeface="Source Sans Pro Bold"/>
+              </a:rPr>
+              <a:t>)</a:t>
+            </a:r>
+            <a:r>
+              <a:t> Capture and return Python output. Also </a:t>
+            </a:r>
+            <a:r>
+              <a:rPr>
+                <a:latin typeface="Source Sans Pro Bold"/>
+                <a:ea typeface="Source Sans Pro Bold"/>
+                <a:cs typeface="Source Sans Pro Bold"/>
+                <a:sym typeface="Source Sans Pro Bold"/>
+              </a:rPr>
+              <a:t>py_suppress_warnings()</a:t>
             </a:r>
             <a:r>
               <a:t>. </a:t>
             </a:r>
             <a:r>
-              <a:rPr i="1"/>
+              <a:rPr>
+                <a:latin typeface="Source Sans Pro ExtraLight"/>
+                <a:ea typeface="Source Sans Pro ExtraLight"/>
+                <a:cs typeface="Source Sans Pro ExtraLight"/>
+                <a:sym typeface="Source Sans Pro ExtraLight"/>
+              </a:rPr>
               <a:t>py_capture_output("x")</a:t>
             </a:r>
-            <a:endParaRPr i="1"/>
+            <a:endParaRPr>
+              <a:latin typeface="Source Sans Pro ExtraLight"/>
+              <a:ea typeface="Source Sans Pro ExtraLight"/>
+              <a:cs typeface="Source Sans Pro ExtraLight"/>
+              <a:sym typeface="Source Sans Pro ExtraLight"/>
+            </a:endParaRPr>
           </a:p>
           <a:p>
             <a:pPr>
@@ -4518,44 +4939,85 @@
                 <a:spcPct val="80000"/>
               </a:lnSpc>
               <a:spcBef>
-                <a:spcPts val="1300"/>
-              </a:spcBef>
-              <a:defRPr b="0" sz="1100">
+                <a:spcPts val="1000"/>
+              </a:spcBef>
+              <a:defRPr sz="1100">
                 <a:solidFill>
                   <a:srgbClr val="000000"/>
                 </a:solidFill>
+                <a:latin typeface="Source Sans Pro Regular"/>
+                <a:ea typeface="Source Sans Pro Regular"/>
+                <a:cs typeface="Source Sans Pro Regular"/>
+                <a:sym typeface="Source Sans Pro Regular"/>
               </a:defRPr>
             </a:pPr>
             <a:r>
-              <a:rPr b="1"/>
-              <a:t>py_get_attr</a:t>
-            </a:r>
-            <a:r>
-              <a:t>(x, name, silent = FALSE) Get an attribute of a Python object. Also </a:t>
-            </a:r>
-            <a:r>
-              <a:rPr b="1"/>
-              <a:t>py_set_attr</a:t>
+              <a:rPr>
+                <a:latin typeface="Source Sans Pro Bold"/>
+                <a:ea typeface="Source Sans Pro Bold"/>
+                <a:cs typeface="Source Sans Pro Bold"/>
+                <a:sym typeface="Source Sans Pro Bold"/>
+              </a:rPr>
+              <a:t>py_get_attr(</a:t>
+            </a:r>
+            <a:r>
+              <a:t>x, name, silent = FALSE</a:t>
+            </a:r>
+            <a:r>
+              <a:rPr>
+                <a:latin typeface="Source Sans Pro Bold"/>
+                <a:ea typeface="Source Sans Pro Bold"/>
+                <a:cs typeface="Source Sans Pro Bold"/>
+                <a:sym typeface="Source Sans Pro Bold"/>
+              </a:rPr>
+              <a:t>)</a:t>
+            </a:r>
+            <a:r>
+              <a:t> Get an attribute of a Python object. Also </a:t>
+            </a:r>
+            <a:r>
+              <a:rPr>
+                <a:latin typeface="Source Sans Pro Bold"/>
+                <a:ea typeface="Source Sans Pro Bold"/>
+                <a:cs typeface="Source Sans Pro Bold"/>
+                <a:sym typeface="Source Sans Pro Bold"/>
+              </a:rPr>
+              <a:t>py_set_attr()</a:t>
             </a:r>
             <a:r>
               <a:t>, </a:t>
             </a:r>
             <a:r>
-              <a:rPr b="1"/>
-              <a:t>py_has_attr</a:t>
-            </a:r>
-            <a:r>
-              <a:t>, and  </a:t>
-            </a:r>
-            <a:r>
-              <a:rPr b="1"/>
-              <a:t>py_list_attributes</a:t>
+              <a:rPr>
+                <a:latin typeface="Source Sans Pro Bold"/>
+                <a:ea typeface="Source Sans Pro Bold"/>
+                <a:cs typeface="Source Sans Pro Bold"/>
+                <a:sym typeface="Source Sans Pro Bold"/>
+              </a:rPr>
+              <a:t>py_has_attr()</a:t>
+            </a:r>
+            <a:r>
+              <a:t>, and </a:t>
+            </a:r>
+            <a:r>
+              <a:rPr>
+                <a:latin typeface="Source Sans Pro Bold"/>
+                <a:ea typeface="Source Sans Pro Bold"/>
+                <a:cs typeface="Source Sans Pro Bold"/>
+                <a:sym typeface="Source Sans Pro Bold"/>
+              </a:rPr>
+              <a:t>py_list_attributes()</a:t>
             </a:r>
             <a:r>
               <a:t>. </a:t>
             </a:r>
             <a:r>
-              <a:rPr i="1"/>
+              <a:rPr>
+                <a:latin typeface="Source Sans Pro ExtraLight"/>
+                <a:ea typeface="Source Sans Pro ExtraLight"/>
+                <a:cs typeface="Source Sans Pro ExtraLight"/>
+                <a:sym typeface="Source Sans Pro ExtraLight"/>
+              </a:rPr>
               <a:t>py_get_attr(x)</a:t>
             </a:r>
             <a:endParaRPr i="1"/>
@@ -4566,21 +5028,61 @@
                 <a:spcPct val="80000"/>
               </a:lnSpc>
               <a:spcBef>
-                <a:spcPts val="0"/>
-              </a:spcBef>
-              <a:defRPr b="0" sz="1100">
+                <a:spcPts val="1000"/>
+              </a:spcBef>
+              <a:defRPr sz="1100">
                 <a:solidFill>
                   <a:srgbClr val="000000"/>
                 </a:solidFill>
+                <a:latin typeface="Source Sans Pro Regular"/>
+                <a:ea typeface="Source Sans Pro Regular"/>
+                <a:cs typeface="Source Sans Pro Regular"/>
+                <a:sym typeface="Source Sans Pro Regular"/>
               </a:defRPr>
             </a:pPr>
             <a:r>
-              <a:rPr b="1"/>
-              <a:t>py_help</a:t>
-            </a:r>
-            <a:r>
-              <a:t>(object) Open the documentation </a:t>
-            </a:r>
+              <a:rPr>
+                <a:latin typeface="Source Sans Pro Bold"/>
+                <a:ea typeface="Source Sans Pro Bold"/>
+                <a:cs typeface="Source Sans Pro Bold"/>
+                <a:sym typeface="Source Sans Pro Bold"/>
+              </a:rPr>
+              <a:t>py_help(</a:t>
+            </a:r>
+            <a:r>
+              <a:t>object</a:t>
+            </a:r>
+            <a:r>
+              <a:rPr>
+                <a:latin typeface="Source Sans Pro Bold"/>
+                <a:ea typeface="Source Sans Pro Bold"/>
+                <a:cs typeface="Source Sans Pro Bold"/>
+                <a:sym typeface="Source Sans Pro Bold"/>
+              </a:rPr>
+              <a:t>)</a:t>
+            </a:r>
+            <a:r>
+              <a:t> Open the documentation page for a</a:t>
+            </a:r>
+            <a:br/>
+            <a:r>
+              <a:t>Python object. </a:t>
+            </a:r>
+            <a:r>
+              <a:rPr>
+                <a:latin typeface="Source Sans Pro ExtraLight"/>
+                <a:ea typeface="Source Sans Pro ExtraLight"/>
+                <a:cs typeface="Source Sans Pro ExtraLight"/>
+                <a:sym typeface="Source Sans Pro ExtraLight"/>
+              </a:rPr>
+              <a:t>py_help(sns)</a:t>
+            </a:r>
+            <a:endParaRPr>
+              <a:latin typeface="Source Sans Pro ExtraLight"/>
+              <a:ea typeface="Source Sans Pro ExtraLight"/>
+              <a:cs typeface="Source Sans Pro ExtraLight"/>
+              <a:sym typeface="Source Sans Pro ExtraLight"/>
+            </a:endParaRPr>
           </a:p>
           <a:p>
             <a:pPr>
@@ -4588,22 +5090,57 @@
                 <a:spcPct val="80000"/>
               </a:lnSpc>
               <a:spcBef>
-                <a:spcPts val="1300"/>
-              </a:spcBef>
-              <a:defRPr b="0" sz="1100">
+                <a:spcPts val="1000"/>
+              </a:spcBef>
+              <a:defRPr sz="1100">
                 <a:solidFill>
                   <a:srgbClr val="000000"/>
                 </a:solidFill>
+                <a:latin typeface="Source Sans Pro Regular"/>
+                <a:ea typeface="Source Sans Pro Regular"/>
+                <a:cs typeface="Source Sans Pro Regular"/>
+                <a:sym typeface="Source Sans Pro Regular"/>
               </a:defRPr>
             </a:pPr>
             <a:r>
-              <a:t>page for a Python object. </a:t>
-            </a:r>
-            <a:r>
-              <a:rPr i="1"/>
-              <a:t>py_help(sns)</a:t>
-            </a:r>
-            <a:endParaRPr i="1"/>
+              <a:rPr>
+                <a:latin typeface="Source Sans Pro Bold"/>
+                <a:ea typeface="Source Sans Pro Bold"/>
+                <a:cs typeface="Source Sans Pro Bold"/>
+                <a:sym typeface="Source Sans Pro Bold"/>
+              </a:rPr>
+              <a:t>py_last_error()</a:t>
+            </a:r>
+            <a:r>
+              <a:t> Get the last Python error encountered. Also </a:t>
+            </a:r>
+            <a:r>
+              <a:rPr>
+                <a:latin typeface="Source Sans Pro Bold"/>
+                <a:ea typeface="Source Sans Pro Bold"/>
+                <a:cs typeface="Source Sans Pro Bold"/>
+                <a:sym typeface="Source Sans Pro Bold"/>
+              </a:rPr>
+              <a:t>py_clear_last_error() </a:t>
+            </a:r>
+            <a:r>
+              <a:t>to clear the last error. </a:t>
+            </a:r>
+            <a:r>
+              <a:rPr>
+                <a:latin typeface="Source Sans Pro ExtraLight"/>
+                <a:ea typeface="Source Sans Pro ExtraLight"/>
+                <a:cs typeface="Source Sans Pro ExtraLight"/>
+                <a:sym typeface="Source Sans Pro ExtraLight"/>
+              </a:rPr>
+              <a:t>py_last_error()</a:t>
+            </a:r>
+            <a:endParaRPr>
+              <a:latin typeface="Source Sans Pro ExtraLight"/>
+              <a:ea typeface="Source Sans Pro ExtraLight"/>
+              <a:cs typeface="Source Sans Pro ExtraLight"/>
+              <a:sym typeface="Source Sans Pro ExtraLight"/>
+            </a:endParaRPr>
           </a:p>
           <a:p>
             <a:pPr>
@@ -4611,21 +5148,69 @@
                 <a:spcPct val="80000"/>
               </a:lnSpc>
               <a:spcBef>
-                <a:spcPts val="0"/>
-              </a:spcBef>
-              <a:defRPr b="0" sz="1100">
+                <a:spcPts val="1000"/>
+              </a:spcBef>
+              <a:defRPr sz="1100">
                 <a:solidFill>
                   <a:srgbClr val="000000"/>
                 </a:solidFill>
+                <a:latin typeface="Source Sans Pro Regular"/>
+                <a:ea typeface="Source Sans Pro Regular"/>
+                <a:cs typeface="Source Sans Pro Regular"/>
+                <a:sym typeface="Source Sans Pro Regular"/>
               </a:defRPr>
             </a:pPr>
             <a:r>
-              <a:rPr b="1"/>
-              <a:t>py_last_error</a:t>
-            </a:r>
-            <a:r>
-              <a:t>() Get the last Python </a:t>
-            </a:r>
+              <a:rPr>
+                <a:latin typeface="Source Sans Pro Bold"/>
+                <a:ea typeface="Source Sans Pro Bold"/>
+                <a:cs typeface="Source Sans Pro Bold"/>
+                <a:sym typeface="Source Sans Pro Bold"/>
+              </a:rPr>
+              <a:t>py_save_object(</a:t>
+            </a:r>
+            <a:r>
+              <a:t>object, filename, pickle = "pickle", ...</a:t>
+            </a:r>
+            <a:r>
+              <a:rPr>
+                <a:latin typeface="Source Sans Pro Bold"/>
+                <a:ea typeface="Source Sans Pro Bold"/>
+                <a:cs typeface="Source Sans Pro Bold"/>
+                <a:sym typeface="Source Sans Pro Bold"/>
+              </a:rPr>
+              <a:t>)</a:t>
+            </a:r>
+            <a:r>
+              <a:t> Save and load Python objects with pickle. Also </a:t>
+            </a:r>
+            <a:r>
+              <a:rPr>
+                <a:latin typeface="Source Sans Pro Bold"/>
+                <a:ea typeface="Source Sans Pro Bold"/>
+                <a:cs typeface="Source Sans Pro Bold"/>
+                <a:sym typeface="Source Sans Pro Bold"/>
+              </a:rPr>
+              <a:t>py_load_object()</a:t>
+            </a:r>
+            <a:r>
+              <a:t>.</a:t>
+            </a:r>
+            <a:r>
+              <a:rPr>
+                <a:latin typeface="Source Sans Pro ExtraLight"/>
+                <a:ea typeface="Source Sans Pro ExtraLight"/>
+                <a:cs typeface="Source Sans Pro ExtraLight"/>
+                <a:sym typeface="Source Sans Pro ExtraLight"/>
+              </a:rPr>
+              <a:t> py_save_object(x, "x.pickle")</a:t>
+            </a:r>
+            <a:endParaRPr>
+              <a:latin typeface="Source Sans Pro ExtraLight"/>
+              <a:ea typeface="Source Sans Pro ExtraLight"/>
+              <a:cs typeface="Source Sans Pro ExtraLight"/>
+              <a:sym typeface="Source Sans Pro ExtraLight"/>
+            </a:endParaRPr>
           </a:p>
           <a:p>
             <a:pPr>
@@ -4633,119 +5218,85 @@
                 <a:spcPct val="80000"/>
               </a:lnSpc>
               <a:spcBef>
-                <a:spcPts val="0"/>
-              </a:spcBef>
-              <a:defRPr b="0" sz="1100">
+                <a:spcPts val="1000"/>
+              </a:spcBef>
+              <a:defRPr sz="1100">
                 <a:solidFill>
                   <a:srgbClr val="000000"/>
                 </a:solidFill>
+                <a:latin typeface="Source Sans Pro Regular"/>
+                <a:ea typeface="Source Sans Pro Regular"/>
+                <a:cs typeface="Source Sans Pro Regular"/>
+                <a:sym typeface="Source Sans Pro Regular"/>
               </a:defRPr>
             </a:pPr>
             <a:r>
-              <a:t>error encountered. Also </a:t>
-            </a:r>
-            <a:r>
-              <a:rPr b="1"/>
-              <a:t>py_clear_last_error </a:t>
-            </a:r>
-            <a:endParaRPr b="1"/>
-          </a:p>
-          <a:p>
-            <a:pPr>
-              <a:lnSpc>
-                <a:spcPct val="80000"/>
-              </a:lnSpc>
-              <a:spcBef>
-                <a:spcPts val="1300"/>
-              </a:spcBef>
-              <a:defRPr b="0" sz="1100">
-                <a:solidFill>
-                  <a:srgbClr val="000000"/>
-                </a:solidFill>
-              </a:defRPr>
-            </a:pPr>
-            <a:r>
-              <a:t>to clear the last error. </a:t>
-            </a:r>
-            <a:r>
-              <a:rPr i="1"/>
-              <a:t>py_last_error()</a:t>
-            </a:r>
-            <a:endParaRPr i="1"/>
-          </a:p>
-          <a:p>
-            <a:pPr>
-              <a:lnSpc>
-                <a:spcPct val="80000"/>
-              </a:lnSpc>
-              <a:spcBef>
-                <a:spcPts val="1300"/>
-              </a:spcBef>
-              <a:defRPr b="0" sz="1100">
-                <a:solidFill>
-                  <a:srgbClr val="000000"/>
-                </a:solidFill>
-              </a:defRPr>
-            </a:pPr>
-            <a:r>
-              <a:rPr b="1"/>
-              <a:t>py_save_object</a:t>
-            </a:r>
-            <a:r>
-              <a:t>(object, filename, pickle = "pickle") Save and load Python objects with pickle. Also </a:t>
-            </a:r>
-            <a:r>
-              <a:rPr b="1"/>
-              <a:t>py_load_object</a:t>
-            </a:r>
-            <a:r>
-              <a:t>. </a:t>
-            </a:r>
-            <a:r>
-              <a:rPr i="1"/>
-              <a:t>py_save_object(x, "x.pickle")</a:t>
-            </a:r>
-            <a:endParaRPr i="1"/>
-          </a:p>
-          <a:p>
-            <a:pPr>
-              <a:lnSpc>
-                <a:spcPct val="80000"/>
-              </a:lnSpc>
-              <a:spcBef>
-                <a:spcPts val="0"/>
-              </a:spcBef>
-              <a:defRPr b="0" sz="1100">
-                <a:solidFill>
-                  <a:srgbClr val="000000"/>
-                </a:solidFill>
-              </a:defRPr>
-            </a:pPr>
-            <a:r>
-              <a:rPr b="1"/>
-              <a:t>with</a:t>
-            </a:r>
-            <a:r>
-              <a:t>(data, expr, as = NULL, ...) Evaluate an expression within a Python context manager. </a:t>
-            </a:r>
-          </a:p>
-          <a:p>
-            <a:pPr>
-              <a:lnSpc>
-                <a:spcPct val="80000"/>
-              </a:lnSpc>
-              <a:spcBef>
-                <a:spcPts val="1000"/>
-              </a:spcBef>
-              <a:defRPr b="0" sz="1100">
-                <a:solidFill>
-                  <a:srgbClr val="000000"/>
-                </a:solidFill>
-              </a:defRPr>
-            </a:pPr>
-            <a:r>
-              <a:rPr i="1"/>
-              <a:t>py &lt;- import_builtins(); with(py$open("output.txt", "w") %as% file, { file$write("Hello, there!")})</a:t>
+              <a:rPr>
+                <a:latin typeface="Source Sans Pro Bold"/>
+                <a:ea typeface="Source Sans Pro Bold"/>
+                <a:cs typeface="Source Sans Pro Bold"/>
+                <a:sym typeface="Source Sans Pro Bold"/>
+              </a:rPr>
+              <a:t>with(</a:t>
+            </a:r>
+            <a:r>
+              <a:t>data, expr, as = NULL, ...</a:t>
+            </a:r>
+            <a:r>
+              <a:rPr>
+                <a:latin typeface="Source Sans Pro Bold"/>
+                <a:ea typeface="Source Sans Pro Bold"/>
+                <a:cs typeface="Source Sans Pro Bold"/>
+                <a:sym typeface="Source Sans Pro Bold"/>
+              </a:rPr>
+              <a:t>)</a:t>
+            </a:r>
+            <a:r>
+              <a:t> Evaluate an expression within a Python context manager. </a:t>
+            </a:r>
+            <a:br/>
+            <a:r>
+              <a:rPr>
+                <a:latin typeface="Source Sans Pro ExtraLight"/>
+                <a:ea typeface="Source Sans Pro ExtraLight"/>
+                <a:cs typeface="Source Sans Pro ExtraLight"/>
+                <a:sym typeface="Source Sans Pro ExtraLight"/>
+              </a:rPr>
+              <a:t>py &lt;- import_builtins();</a:t>
+            </a:r>
+            <a:br>
+              <a:rPr>
+                <a:latin typeface="Source Sans Pro ExtraLight"/>
+                <a:ea typeface="Source Sans Pro ExtraLight"/>
+                <a:cs typeface="Source Sans Pro ExtraLight"/>
+                <a:sym typeface="Source Sans Pro ExtraLight"/>
+              </a:rPr>
+            </a:br>
+            <a:r>
+              <a:rPr>
+                <a:latin typeface="Source Sans Pro ExtraLight"/>
+                <a:ea typeface="Source Sans Pro ExtraLight"/>
+                <a:cs typeface="Source Sans Pro ExtraLight"/>
+                <a:sym typeface="Source Sans Pro ExtraLight"/>
+              </a:rPr>
+              <a:t>with(py$open("output.txt", "w") %as% file, </a:t>
+            </a:r>
+            <a:br>
+              <a:rPr>
+                <a:latin typeface="Source Sans Pro ExtraLight"/>
+                <a:ea typeface="Source Sans Pro ExtraLight"/>
+                <a:cs typeface="Source Sans Pro ExtraLight"/>
+                <a:sym typeface="Source Sans Pro ExtraLight"/>
+              </a:rPr>
+            </a:br>
+            <a:r>
+              <a:rPr>
+                <a:latin typeface="Source Sans Pro ExtraLight"/>
+                <a:ea typeface="Source Sans Pro ExtraLight"/>
+                <a:cs typeface="Source Sans Pro ExtraLight"/>
+                <a:sym typeface="Source Sans Pro ExtraLight"/>
+              </a:rPr>
+              <a:t>    { file$write("Hello, there!")})</a:t>
             </a:r>
           </a:p>
         </p:txBody>
@@ -4757,7 +5308,7 @@
           <p:nvPr/>
         </p:nvGraphicFramePr>
         <p:xfrm>
-          <a:off x="714420" y="7262712"/>
+          <a:off x="612820" y="7262712"/>
           <a:ext cx="3117851" cy="1573298"/>
         </p:xfrm>
         <a:graphic xmlns:a="http://schemas.openxmlformats.org/drawingml/2006/main">
@@ -4784,14 +5335,14 @@
                         </a:defRPr>
                       </a:pPr>
                       <a:r>
-                        <a:rPr b="1" sz="1100">
+                        <a:rPr sz="1100">
                           <a:solidFill>
                             <a:srgbClr val="7A4300"/>
                           </a:solidFill>
-                          <a:latin typeface="Source Sans Pro"/>
-                          <a:ea typeface="Source Sans Pro"/>
-                          <a:cs typeface="Source Sans Pro"/>
-                          <a:sym typeface="Source Sans Pro"/>
+                          <a:latin typeface="Source Sans Pro Bold"/>
+                          <a:ea typeface="Source Sans Pro Bold"/>
+                          <a:cs typeface="Source Sans Pro Bold"/>
+                          <a:sym typeface="Source Sans Pro Bold"/>
                         </a:rPr>
                         <a:t>R</a:t>
                       </a:r>
@@ -4848,14 +5399,14 @@
                         </a:defRPr>
                       </a:pPr>
                       <a:r>
-                        <a:rPr b="1" sz="1100">
+                        <a:rPr sz="1100">
                           <a:solidFill>
                             <a:srgbClr val="7A4300"/>
                           </a:solidFill>
-                          <a:latin typeface="Source Sans Pro"/>
-                          <a:ea typeface="Source Sans Pro"/>
-                          <a:cs typeface="Source Sans Pro"/>
-                          <a:sym typeface="Source Sans Pro"/>
+                          <a:latin typeface="Source Sans Pro Bold"/>
+                          <a:ea typeface="Source Sans Pro Bold"/>
+                          <a:cs typeface="Source Sans Pro Bold"/>
+                          <a:sym typeface="Source Sans Pro Bold"/>
                         </a:rPr>
                         <a:t>Python</a:t>
                       </a:r>
@@ -4908,11 +5459,11 @@
                     <a:p>
                       <a:pPr indent="50800" algn="l" defTabSz="914400"/>
                       <a:r>
-                        <a:rPr sz="900">
-                          <a:latin typeface="Source Sans Pro Semibold"/>
-                          <a:ea typeface="Source Sans Pro Semibold"/>
-                          <a:cs typeface="Source Sans Pro Semibold"/>
-                          <a:sym typeface="Source Sans Pro Semibold"/>
+                        <a:rPr b="1" sz="900">
+                          <a:latin typeface="SourceSansPro-SemiBold"/>
+                          <a:ea typeface="SourceSansPro-SemiBold"/>
+                          <a:cs typeface="SourceSansPro-SemiBold"/>
+                          <a:sym typeface="SourceSansPro-SemiBold"/>
                         </a:rPr>
                         <a:t>Single-element vector</a:t>
                       </a:r>
@@ -4965,11 +5516,11 @@
                     <a:p>
                       <a:pPr indent="63500" algn="l" defTabSz="914400"/>
                       <a:r>
-                        <a:rPr sz="900">
-                          <a:latin typeface="Source Sans Pro Semibold"/>
-                          <a:ea typeface="Source Sans Pro Semibold"/>
-                          <a:cs typeface="Source Sans Pro Semibold"/>
-                          <a:sym typeface="Source Sans Pro Semibold"/>
+                        <a:rPr b="1" sz="900">
+                          <a:latin typeface="SourceSansPro-SemiBold"/>
+                          <a:ea typeface="SourceSansPro-SemiBold"/>
+                          <a:cs typeface="SourceSansPro-SemiBold"/>
+                          <a:sym typeface="SourceSansPro-SemiBold"/>
                         </a:rPr>
                         <a:t>Scalar</a:t>
                       </a:r>
@@ -5024,11 +5575,11 @@
                     <a:p>
                       <a:pPr indent="50800" algn="l" defTabSz="914400"/>
                       <a:r>
-                        <a:rPr sz="900">
-                          <a:latin typeface="Source Sans Pro Semibold"/>
-                          <a:ea typeface="Source Sans Pro Semibold"/>
-                          <a:cs typeface="Source Sans Pro Semibold"/>
-                          <a:sym typeface="Source Sans Pro Semibold"/>
+                        <a:rPr b="1" sz="900">
+                          <a:latin typeface="SourceSansPro-SemiBold"/>
+                          <a:ea typeface="SourceSansPro-SemiBold"/>
+                          <a:cs typeface="SourceSansPro-SemiBold"/>
+                          <a:sym typeface="SourceSansPro-SemiBold"/>
                         </a:rPr>
                         <a:t>Multi-element vector</a:t>
                       </a:r>
@@ -5079,11 +5630,11 @@
                     <a:p>
                       <a:pPr indent="63500" algn="l" defTabSz="914400"/>
                       <a:r>
-                        <a:rPr sz="900">
-                          <a:latin typeface="Source Sans Pro Semibold"/>
-                          <a:ea typeface="Source Sans Pro Semibold"/>
-                          <a:cs typeface="Source Sans Pro Semibold"/>
-                          <a:sym typeface="Source Sans Pro Semibold"/>
+                        <a:rPr b="1" sz="900">
+                          <a:latin typeface="SourceSansPro-SemiBold"/>
+                          <a:ea typeface="SourceSansPro-SemiBold"/>
+                          <a:cs typeface="SourceSansPro-SemiBold"/>
+                          <a:sym typeface="SourceSansPro-SemiBold"/>
                         </a:rPr>
                         <a:t>List</a:t>
                       </a:r>
@@ -5136,11 +5687,11 @@
                     <a:p>
                       <a:pPr indent="50800" algn="l" defTabSz="914400"/>
                       <a:r>
-                        <a:rPr sz="900">
-                          <a:latin typeface="Source Sans Pro Semibold"/>
-                          <a:ea typeface="Source Sans Pro Semibold"/>
-                          <a:cs typeface="Source Sans Pro Semibold"/>
-                          <a:sym typeface="Source Sans Pro Semibold"/>
+                        <a:rPr b="1" sz="900">
+                          <a:latin typeface="SourceSansPro-SemiBold"/>
+                          <a:ea typeface="SourceSansPro-SemiBold"/>
+                          <a:cs typeface="SourceSansPro-SemiBold"/>
+                          <a:sym typeface="SourceSansPro-SemiBold"/>
                         </a:rPr>
                         <a:t>List of multiple types</a:t>
                       </a:r>
@@ -5193,11 +5744,11 @@
                     <a:p>
                       <a:pPr indent="63500" algn="l" defTabSz="914400"/>
                       <a:r>
-                        <a:rPr sz="900">
-                          <a:latin typeface="Source Sans Pro Semibold"/>
-                          <a:ea typeface="Source Sans Pro Semibold"/>
-                          <a:cs typeface="Source Sans Pro Semibold"/>
-                          <a:sym typeface="Source Sans Pro Semibold"/>
+                        <a:rPr b="1" sz="900">
+                          <a:latin typeface="SourceSansPro-SemiBold"/>
+                          <a:ea typeface="SourceSansPro-SemiBold"/>
+                          <a:cs typeface="SourceSansPro-SemiBold"/>
+                          <a:sym typeface="SourceSansPro-SemiBold"/>
                         </a:rPr>
                         <a:t>Tuple</a:t>
                       </a:r>
@@ -5252,11 +5803,11 @@
                     <a:p>
                       <a:pPr indent="50800" algn="l" defTabSz="914400"/>
                       <a:r>
-                        <a:rPr sz="900">
-                          <a:latin typeface="Source Sans Pro Semibold"/>
-                          <a:ea typeface="Source Sans Pro Semibold"/>
-                          <a:cs typeface="Source Sans Pro Semibold"/>
-                          <a:sym typeface="Source Sans Pro Semibold"/>
+                        <a:rPr b="1" sz="900">
+                          <a:latin typeface="SourceSansPro-SemiBold"/>
+                          <a:ea typeface="SourceSansPro-SemiBold"/>
+                          <a:cs typeface="SourceSansPro-SemiBold"/>
+                          <a:sym typeface="SourceSansPro-SemiBold"/>
                         </a:rPr>
                         <a:t>Named list</a:t>
                       </a:r>
@@ -5307,11 +5858,11 @@
                     <a:p>
                       <a:pPr indent="63500" algn="l" defTabSz="914400"/>
                       <a:r>
-                        <a:rPr sz="900">
-                          <a:latin typeface="Source Sans Pro Semibold"/>
-                          <a:ea typeface="Source Sans Pro Semibold"/>
-                          <a:cs typeface="Source Sans Pro Semibold"/>
-                          <a:sym typeface="Source Sans Pro Semibold"/>
+                        <a:rPr b="1" sz="900">
+                          <a:latin typeface="SourceSansPro-SemiBold"/>
+                          <a:ea typeface="SourceSansPro-SemiBold"/>
+                          <a:cs typeface="SourceSansPro-SemiBold"/>
+                          <a:sym typeface="SourceSansPro-SemiBold"/>
                         </a:rPr>
                         <a:t>Dict</a:t>
                       </a:r>
@@ -5364,11 +5915,11 @@
                     <a:p>
                       <a:pPr indent="50800" algn="l" defTabSz="914400"/>
                       <a:r>
-                        <a:rPr sz="900">
-                          <a:latin typeface="Source Sans Pro Semibold"/>
-                          <a:ea typeface="Source Sans Pro Semibold"/>
-                          <a:cs typeface="Source Sans Pro Semibold"/>
-                          <a:sym typeface="Source Sans Pro Semibold"/>
+                        <a:rPr b="1" sz="900">
+                          <a:latin typeface="SourceSansPro-SemiBold"/>
+                          <a:ea typeface="SourceSansPro-SemiBold"/>
+                          <a:cs typeface="SourceSansPro-SemiBold"/>
+                          <a:sym typeface="SourceSansPro-SemiBold"/>
                         </a:rPr>
                         <a:t>Matrix/Array</a:t>
                       </a:r>
@@ -5421,11 +5972,11 @@
                     <a:p>
                       <a:pPr indent="63500" algn="l" defTabSz="914400"/>
                       <a:r>
-                        <a:rPr sz="900">
-                          <a:latin typeface="Source Sans Pro Semibold"/>
-                          <a:ea typeface="Source Sans Pro Semibold"/>
-                          <a:cs typeface="Source Sans Pro Semibold"/>
-                          <a:sym typeface="Source Sans Pro Semibold"/>
+                        <a:rPr b="1" sz="900">
+                          <a:latin typeface="SourceSansPro-SemiBold"/>
+                          <a:ea typeface="SourceSansPro-SemiBold"/>
+                          <a:cs typeface="SourceSansPro-SemiBold"/>
+                          <a:sym typeface="SourceSansPro-SemiBold"/>
                         </a:rPr>
                         <a:t>NumPy ndarray</a:t>
                       </a:r>
@@ -5480,11 +6031,11 @@
                     <a:p>
                       <a:pPr indent="50800" algn="l" defTabSz="914400"/>
                       <a:r>
-                        <a:rPr sz="900">
-                          <a:latin typeface="Source Sans Pro Semibold"/>
-                          <a:ea typeface="Source Sans Pro Semibold"/>
-                          <a:cs typeface="Source Sans Pro Semibold"/>
-                          <a:sym typeface="Source Sans Pro Semibold"/>
+                        <a:rPr b="1" sz="900">
+                          <a:latin typeface="SourceSansPro-SemiBold"/>
+                          <a:ea typeface="SourceSansPro-SemiBold"/>
+                          <a:cs typeface="SourceSansPro-SemiBold"/>
+                          <a:sym typeface="SourceSansPro-SemiBold"/>
                         </a:rPr>
                         <a:t>Data Frame</a:t>
                       </a:r>
@@ -5535,11 +6086,11 @@
                     <a:p>
                       <a:pPr indent="63500" algn="l" defTabSz="914400"/>
                       <a:r>
-                        <a:rPr sz="900">
-                          <a:latin typeface="Source Sans Pro Semibold"/>
-                          <a:ea typeface="Source Sans Pro Semibold"/>
-                          <a:cs typeface="Source Sans Pro Semibold"/>
-                          <a:sym typeface="Source Sans Pro Semibold"/>
+                        <a:rPr b="1" sz="900">
+                          <a:latin typeface="SourceSansPro-SemiBold"/>
+                          <a:ea typeface="SourceSansPro-SemiBold"/>
+                          <a:cs typeface="SourceSansPro-SemiBold"/>
+                          <a:sym typeface="SourceSansPro-SemiBold"/>
                         </a:rPr>
                         <a:t>Pandas DataFrame</a:t>
                       </a:r>
@@ -5592,11 +6143,11 @@
                     <a:p>
                       <a:pPr indent="50800" algn="l" defTabSz="914400"/>
                       <a:r>
-                        <a:rPr sz="900">
-                          <a:latin typeface="Source Sans Pro Semibold"/>
-                          <a:ea typeface="Source Sans Pro Semibold"/>
-                          <a:cs typeface="Source Sans Pro Semibold"/>
-                          <a:sym typeface="Source Sans Pro Semibold"/>
+                        <a:rPr b="1" sz="900">
+                          <a:latin typeface="SourceSansPro-SemiBold"/>
+                          <a:ea typeface="SourceSansPro-SemiBold"/>
+                          <a:cs typeface="SourceSansPro-SemiBold"/>
+                          <a:sym typeface="SourceSansPro-SemiBold"/>
                         </a:rPr>
                         <a:t>Function</a:t>
                       </a:r>
@@ -5649,11 +6200,11 @@
                     <a:p>
                       <a:pPr indent="63500" algn="l" defTabSz="914400"/>
                       <a:r>
-                        <a:rPr sz="900">
-                          <a:latin typeface="Source Sans Pro Semibold"/>
-                          <a:ea typeface="Source Sans Pro Semibold"/>
-                          <a:cs typeface="Source Sans Pro Semibold"/>
-                          <a:sym typeface="Source Sans Pro Semibold"/>
+                        <a:rPr b="1" sz="900">
+                          <a:latin typeface="SourceSansPro-SemiBold"/>
+                          <a:ea typeface="SourceSansPro-SemiBold"/>
+                          <a:cs typeface="SourceSansPro-SemiBold"/>
+                          <a:sym typeface="SourceSansPro-SemiBold"/>
                         </a:rPr>
                         <a:t>Python function</a:t>
                       </a:r>
@@ -5708,11 +6259,11 @@
                     <a:p>
                       <a:pPr indent="50800" algn="l" defTabSz="914400"/>
                       <a:r>
-                        <a:rPr spc="-18" sz="900">
-                          <a:latin typeface="Source Sans Pro Semibold"/>
-                          <a:ea typeface="Source Sans Pro Semibold"/>
-                          <a:cs typeface="Source Sans Pro Semibold"/>
-                          <a:sym typeface="Source Sans Pro Semibold"/>
+                        <a:rPr b="1" spc="-18" sz="900">
+                          <a:latin typeface="SourceSansPro-SemiBold"/>
+                          <a:ea typeface="SourceSansPro-SemiBold"/>
+                          <a:cs typeface="SourceSansPro-SemiBold"/>
+                          <a:sym typeface="SourceSansPro-SemiBold"/>
                         </a:rPr>
                         <a:t>NULL, TRUE, FALSE</a:t>
                       </a:r>
@@ -5763,11 +6314,11 @@
                     <a:p>
                       <a:pPr indent="63500" algn="l" defTabSz="914400"/>
                       <a:r>
-                        <a:rPr sz="900">
-                          <a:latin typeface="Source Sans Pro Semibold"/>
-                          <a:ea typeface="Source Sans Pro Semibold"/>
-                          <a:cs typeface="Source Sans Pro Semibold"/>
-                          <a:sym typeface="Source Sans Pro Semibold"/>
+                        <a:rPr b="1" sz="900">
+                          <a:latin typeface="SourceSansPro-SemiBold"/>
+                          <a:ea typeface="SourceSansPro-SemiBold"/>
+                          <a:cs typeface="SourceSansPro-SemiBold"/>
+                          <a:sym typeface="SourceSansPro-SemiBold"/>
                         </a:rPr>
                         <a:t>None, True, False</a:t>
                       </a:r>
@@ -5824,8 +6375,8 @@
         </p:nvSpPr>
         <p:spPr>
           <a:xfrm>
-            <a:off x="320204" y="1534708"/>
-            <a:ext cx="2898824" cy="1"/>
+            <a:off x="282565" y="1534708"/>
+            <a:ext cx="2898823" cy="1"/>
           </a:xfrm>
           <a:prstGeom prst="line">
             <a:avLst/>
@@ -5848,10 +6399,14 @@
               <a:spcBef>
                 <a:spcPts val="600"/>
               </a:spcBef>
-              <a:defRPr b="0">
+              <a:defRPr>
                 <a:solidFill>
                   <a:srgbClr val="000000"/>
                 </a:solidFill>
+                <a:latin typeface="Source Sans Pro Regular"/>
+                <a:ea typeface="Source Sans Pro Regular"/>
+                <a:cs typeface="Source Sans Pro Regular"/>
+                <a:sym typeface="Source Sans Pro Regular"/>
               </a:defRPr>
             </a:pPr>
           </a:p>
@@ -5859,13 +6414,13 @@
       </p:sp>
       <p:sp>
         <p:nvSpPr>
-          <p:cNvPr id="152" name="py_to_r(x) Convert a Python object to an R object. Also r_to_py.  py_to_r(x)…"/>
+          <p:cNvPr id="152" name="py_to_r(x) Convert a Python object to an R object. Also r_to_py().  py_to_r(x)…"/>
           <p:cNvSpPr txBox="1"/>
           <p:nvPr/>
         </p:nvSpPr>
         <p:spPr>
           <a:xfrm>
-            <a:off x="768525" y="9089127"/>
+            <a:off x="666925" y="9089127"/>
             <a:ext cx="2370482" cy="803346"/>
           </a:xfrm>
           <a:prstGeom prst="rect">
@@ -5893,30 +6448,67 @@
               <a:spcBef>
                 <a:spcPts val="1000"/>
               </a:spcBef>
-              <a:defRPr b="0" sz="1100">
+              <a:defRPr sz="1100">
                 <a:solidFill>
                   <a:srgbClr val="000000"/>
                 </a:solidFill>
+                <a:latin typeface="Source Sans Pro Regular"/>
+                <a:ea typeface="Source Sans Pro Regular"/>
+                <a:cs typeface="Source Sans Pro Regular"/>
+                <a:sym typeface="Source Sans Pro Regular"/>
               </a:defRPr>
             </a:pPr>
             <a:r>
-              <a:rPr b="1"/>
-              <a:t>py_to_r</a:t>
-            </a:r>
-            <a:r>
-              <a:t>(x) Convert a Python object to an R object. Also </a:t>
-            </a:r>
-            <a:r>
-              <a:rPr b="1"/>
-              <a:t>r_to_py</a:t>
+              <a:rPr>
+                <a:latin typeface="Source Sans Pro Bold"/>
+                <a:ea typeface="Source Sans Pro Bold"/>
+                <a:cs typeface="Source Sans Pro Bold"/>
+                <a:sym typeface="Source Sans Pro Bold"/>
+              </a:rPr>
+              <a:t>py_to_r(</a:t>
+            </a:r>
+            <a:r>
+              <a:t>x</a:t>
+            </a:r>
+            <a:r>
+              <a:rPr>
+                <a:latin typeface="Source Sans Pro Bold"/>
+                <a:ea typeface="Source Sans Pro Bold"/>
+                <a:cs typeface="Source Sans Pro Bold"/>
+                <a:sym typeface="Source Sans Pro Bold"/>
+              </a:rPr>
+              <a:t>)</a:t>
+            </a:r>
+            <a:r>
+              <a:t> Convert a Python object to an R object. Also </a:t>
+            </a:r>
+            <a:r>
+              <a:rPr>
+                <a:latin typeface="Source Sans Pro Bold"/>
+                <a:ea typeface="Source Sans Pro Bold"/>
+                <a:cs typeface="Source Sans Pro Bold"/>
+                <a:sym typeface="Source Sans Pro Bold"/>
+              </a:rPr>
+              <a:t>r_to_py()</a:t>
             </a:r>
             <a:r>
               <a:t>.  </a:t>
             </a:r>
             <a:r>
-              <a:rPr i="1"/>
+              <a:rPr>
+                <a:latin typeface="Source Sans Pro ExtraLight"/>
+                <a:ea typeface="Source Sans Pro ExtraLight"/>
+                <a:cs typeface="Source Sans Pro ExtraLight"/>
+                <a:sym typeface="Source Sans Pro ExtraLight"/>
+              </a:rPr>
               <a:t>py_to_r(x)</a:t>
             </a:r>
+            <a:endParaRPr>
+              <a:latin typeface="Source Sans Pro ExtraLight"/>
+              <a:ea typeface="Source Sans Pro ExtraLight"/>
+              <a:cs typeface="Source Sans Pro ExtraLight"/>
+              <a:sym typeface="Source Sans Pro ExtraLight"/>
+            </a:endParaRPr>
           </a:p>
           <a:p>
             <a:pPr>
@@ -5926,21 +6518,47 @@
               <a:spcBef>
                 <a:spcPts val="1000"/>
               </a:spcBef>
-              <a:defRPr b="0" sz="1100">
+              <a:defRPr sz="1100">
                 <a:solidFill>
                   <a:srgbClr val="000000"/>
                 </a:solidFill>
+                <a:latin typeface="Source Sans Pro Regular"/>
+                <a:ea typeface="Source Sans Pro Regular"/>
+                <a:cs typeface="Source Sans Pro Regular"/>
+                <a:sym typeface="Source Sans Pro Regular"/>
               </a:defRPr>
             </a:pPr>
             <a:r>
-              <a:rPr b="1"/>
-              <a:t>tuple</a:t>
-            </a:r>
-            <a:r>
-              <a:t>(..., convert = FALSE) Create a Python tuple. </a:t>
-            </a:r>
-            <a:r>
-              <a:rPr i="1"/>
+              <a:rPr>
+                <a:latin typeface="Source Sans Pro Bold"/>
+                <a:ea typeface="Source Sans Pro Bold"/>
+                <a:cs typeface="Source Sans Pro Bold"/>
+                <a:sym typeface="Source Sans Pro Bold"/>
+              </a:rPr>
+              <a:t>tuple(</a:t>
+            </a:r>
+            <a:r>
+              <a:t>..., convert = FALSE</a:t>
+            </a:r>
+            <a:r>
+              <a:rPr>
+                <a:latin typeface="Source Sans Pro Bold"/>
+                <a:ea typeface="Source Sans Pro Bold"/>
+                <a:cs typeface="Source Sans Pro Bold"/>
+                <a:sym typeface="Source Sans Pro Bold"/>
+              </a:rPr>
+              <a:t>)</a:t>
+            </a:r>
+            <a:r>
+              <a:t> Create a Python tuple. </a:t>
+            </a:r>
+            <a:r>
+              <a:rPr>
+                <a:latin typeface="Source Sans Pro ExtraLight"/>
+                <a:ea typeface="Source Sans Pro ExtraLight"/>
+                <a:cs typeface="Source Sans Pro ExtraLight"/>
+                <a:sym typeface="Source Sans Pro ExtraLight"/>
+              </a:rPr>
               <a:t>tuple("a", "b", "c")</a:t>
             </a:r>
           </a:p>
@@ -5982,10 +6600,14 @@
               <a:spcBef>
                 <a:spcPts val="0"/>
               </a:spcBef>
-              <a:defRPr b="0" sz="2500">
+              <a:defRPr sz="2500">
                 <a:solidFill>
                   <a:srgbClr val="654F25"/>
                 </a:solidFill>
+                <a:latin typeface="Source Sans Pro Regular"/>
+                <a:ea typeface="Source Sans Pro Regular"/>
+                <a:cs typeface="Source Sans Pro Regular"/>
+                <a:sym typeface="Source Sans Pro Regular"/>
               </a:defRPr>
             </a:pPr>
             <a:r>
@@ -6030,10 +6652,14 @@
               <a:spcBef>
                 <a:spcPts val="0"/>
               </a:spcBef>
-              <a:defRPr b="0" sz="2500">
+              <a:defRPr sz="2500">
                 <a:solidFill>
                   <a:srgbClr val="654F25"/>
                 </a:solidFill>
+                <a:latin typeface="Source Sans Pro Regular"/>
+                <a:ea typeface="Source Sans Pro Regular"/>
+                <a:cs typeface="Source Sans Pro Regular"/>
+                <a:sym typeface="Source Sans Pro Regular"/>
               </a:defRPr>
             </a:pPr>
             <a:r>
@@ -6044,14 +6670,14 @@
       </p:sp>
       <p:sp>
         <p:nvSpPr>
-          <p:cNvPr id="155" name="dict(..., convert = FALSE) Create a Python dictionary object. Also py_dict to make a dictionary that uses Python objects as keys. dict(foo = &quot;bar&quot;, index = 42L)…"/>
+          <p:cNvPr id="155" name="dict(..., convert = FALSE) Create a Python dictionary object. Also py_dict() to make a dictionary that uses Python objects as keys. dict(foo = &quot;bar&quot;, index = 42L)…"/>
           <p:cNvSpPr txBox="1"/>
           <p:nvPr/>
         </p:nvSpPr>
         <p:spPr>
           <a:xfrm>
-            <a:off x="3601793" y="6858988"/>
-            <a:ext cx="3037281" cy="3503032"/>
+            <a:off x="3474793" y="6858988"/>
+            <a:ext cx="3176981" cy="3556919"/>
           </a:xfrm>
           <a:prstGeom prst="rect">
             <a:avLst/>
@@ -6078,31 +6704,67 @@
               <a:spcBef>
                 <a:spcPts val="1000"/>
               </a:spcBef>
-              <a:defRPr b="0" sz="1100">
+              <a:defRPr sz="1100">
                 <a:solidFill>
                   <a:srgbClr val="000000"/>
                 </a:solidFill>
+                <a:latin typeface="Source Sans Pro Regular"/>
+                <a:ea typeface="Source Sans Pro Regular"/>
+                <a:cs typeface="Source Sans Pro Regular"/>
+                <a:sym typeface="Source Sans Pro Regular"/>
               </a:defRPr>
             </a:pPr>
             <a:r>
-              <a:rPr b="1"/>
-              <a:t>dict</a:t>
-            </a:r>
-            <a:r>
-              <a:t>(..., convert = FALSE) Create a Python dictionary object. Also </a:t>
-            </a:r>
-            <a:r>
-              <a:rPr b="1"/>
-              <a:t>py_dict </a:t>
+              <a:rPr>
+                <a:latin typeface="Source Sans Pro Bold"/>
+                <a:ea typeface="Source Sans Pro Bold"/>
+                <a:cs typeface="Source Sans Pro Bold"/>
+                <a:sym typeface="Source Sans Pro Bold"/>
+              </a:rPr>
+              <a:t>dict(</a:t>
+            </a:r>
+            <a:r>
+              <a:t>..., convert = FALSE</a:t>
+            </a:r>
+            <a:r>
+              <a:rPr>
+                <a:latin typeface="Source Sans Pro Bold"/>
+                <a:ea typeface="Source Sans Pro Bold"/>
+                <a:cs typeface="Source Sans Pro Bold"/>
+                <a:sym typeface="Source Sans Pro Bold"/>
+              </a:rPr>
+              <a:t>)</a:t>
+            </a:r>
+            <a:r>
+              <a:t> Create a Python dictionary object. Also </a:t>
+            </a:r>
+            <a:r>
+              <a:rPr>
+                <a:latin typeface="Source Sans Pro Bold"/>
+                <a:ea typeface="Source Sans Pro Bold"/>
+                <a:cs typeface="Source Sans Pro Bold"/>
+                <a:sym typeface="Source Sans Pro Bold"/>
+              </a:rPr>
+              <a:t>py_dict() </a:t>
             </a:r>
             <a:r>
               <a:t>to make a dictionary that uses Python objects as keys. </a:t>
             </a:r>
             <a:r>
-              <a:rPr i="1"/>
+              <a:rPr>
+                <a:latin typeface="Source Sans Pro ExtraLight"/>
+                <a:ea typeface="Source Sans Pro ExtraLight"/>
+                <a:cs typeface="Source Sans Pro ExtraLight"/>
+                <a:sym typeface="Source Sans Pro ExtraLight"/>
+              </a:rPr>
               <a:t>dict(foo = "bar", index = 42L)</a:t>
             </a:r>
-            <a:endParaRPr i="1"/>
+            <a:endParaRPr>
+              <a:latin typeface="Source Sans Pro ExtraLight"/>
+              <a:ea typeface="Source Sans Pro ExtraLight"/>
+              <a:cs typeface="Source Sans Pro ExtraLight"/>
+              <a:sym typeface="Source Sans Pro ExtraLight"/>
+            </a:endParaRPr>
           </a:p>
           <a:p>
             <a:pPr>
@@ -6112,24 +6774,55 @@
               <a:spcBef>
                 <a:spcPts val="1000"/>
               </a:spcBef>
-              <a:defRPr b="0" sz="1100">
+              <a:defRPr sz="1100">
                 <a:solidFill>
                   <a:srgbClr val="000000"/>
                 </a:solidFill>
+                <a:latin typeface="Source Sans Pro Regular"/>
+                <a:ea typeface="Source Sans Pro Regular"/>
+                <a:cs typeface="Source Sans Pro Regular"/>
+                <a:sym typeface="Source Sans Pro Regular"/>
               </a:defRPr>
             </a:pPr>
             <a:r>
-              <a:rPr b="1"/>
-              <a:t>np_array</a:t>
-            </a:r>
-            <a:r>
-              <a:t>(data, dtype = NULL, order = "C") Create NumPy arrays. </a:t>
-            </a:r>
-            <a:r>
-              <a:rPr i="1"/>
+              <a:rPr>
+                <a:latin typeface="Source Sans Pro Bold"/>
+                <a:ea typeface="Source Sans Pro Bold"/>
+                <a:cs typeface="Source Sans Pro Bold"/>
+                <a:sym typeface="Source Sans Pro Bold"/>
+              </a:rPr>
+              <a:t>np_array(</a:t>
+            </a:r>
+            <a:r>
+              <a:t>data, dtype = NULL, order = "C"</a:t>
+            </a:r>
+            <a:r>
+              <a:rPr>
+                <a:latin typeface="Source Sans Pro Bold"/>
+                <a:ea typeface="Source Sans Pro Bold"/>
+                <a:cs typeface="Source Sans Pro Bold"/>
+                <a:sym typeface="Source Sans Pro Bold"/>
+              </a:rPr>
+              <a:t>)</a:t>
+            </a:r>
+            <a:r>
+              <a:t> Create NumPy arrays. </a:t>
+            </a:r>
+            <a:r>
+              <a:rPr>
+                <a:latin typeface="Source Sans Pro ExtraLight"/>
+                <a:ea typeface="Source Sans Pro ExtraLight"/>
+                <a:cs typeface="Source Sans Pro ExtraLight"/>
+                <a:sym typeface="Source Sans Pro ExtraLight"/>
+              </a:rPr>
               <a:t>np_array(c(1:8), dtype = "float16")</a:t>
             </a:r>
-            <a:endParaRPr i="1"/>
+            <a:endParaRPr>
+              <a:latin typeface="Source Sans Pro ExtraLight"/>
+              <a:ea typeface="Source Sans Pro ExtraLight"/>
+              <a:cs typeface="Source Sans Pro ExtraLight"/>
+              <a:sym typeface="Source Sans Pro ExtraLight"/>
+            </a:endParaRPr>
           </a:p>
           <a:p>
             <a:pPr>
@@ -6139,21 +6832,47 @@
               <a:spcBef>
                 <a:spcPts val="1000"/>
               </a:spcBef>
-              <a:defRPr b="0" sz="1100">
+              <a:defRPr sz="1100">
                 <a:solidFill>
                   <a:srgbClr val="000000"/>
                 </a:solidFill>
+                <a:latin typeface="Source Sans Pro Regular"/>
+                <a:ea typeface="Source Sans Pro Regular"/>
+                <a:cs typeface="Source Sans Pro Regular"/>
+                <a:sym typeface="Source Sans Pro Regular"/>
               </a:defRPr>
             </a:pPr>
             <a:r>
-              <a:rPr b="1"/>
-              <a:t>array_reshape</a:t>
-            </a:r>
-            <a:r>
-              <a:t>(x, dim, order = c("C", "F")) Reshape a Python array. </a:t>
-            </a:r>
-            <a:r>
-              <a:rPr i="1"/>
+              <a:rPr>
+                <a:latin typeface="Source Sans Pro Bold"/>
+                <a:ea typeface="Source Sans Pro Bold"/>
+                <a:cs typeface="Source Sans Pro Bold"/>
+                <a:sym typeface="Source Sans Pro Bold"/>
+              </a:rPr>
+              <a:t>array_reshape(</a:t>
+            </a:r>
+            <a:r>
+              <a:t>x, dim, order = c("C", "F")</a:t>
+            </a:r>
+            <a:r>
+              <a:rPr>
+                <a:latin typeface="Source Sans Pro Bold"/>
+                <a:ea typeface="Source Sans Pro Bold"/>
+                <a:cs typeface="Source Sans Pro Bold"/>
+                <a:sym typeface="Source Sans Pro Bold"/>
+              </a:rPr>
+              <a:t>)</a:t>
+            </a:r>
+            <a:r>
+              <a:t> Reshape a Python array. </a:t>
+            </a:r>
+            <a:r>
+              <a:rPr>
+                <a:latin typeface="Source Sans Pro ExtraLight"/>
+                <a:ea typeface="Source Sans Pro ExtraLight"/>
+                <a:cs typeface="Source Sans Pro ExtraLight"/>
+                <a:sym typeface="Source Sans Pro ExtraLight"/>
+              </a:rPr>
               <a:t>x &lt;- 1:4; array_reshape(x, c(2, 2))</a:t>
             </a:r>
             <a:endParaRPr i="1"/>
@@ -6166,24 +6885,55 @@
               <a:spcBef>
                 <a:spcPts val="1000"/>
               </a:spcBef>
-              <a:defRPr b="0" sz="1100">
+              <a:defRPr sz="1100">
                 <a:solidFill>
                   <a:srgbClr val="000000"/>
                 </a:solidFill>
+                <a:latin typeface="Source Sans Pro Regular"/>
+                <a:ea typeface="Source Sans Pro Regular"/>
+                <a:cs typeface="Source Sans Pro Regular"/>
+                <a:sym typeface="Source Sans Pro Regular"/>
               </a:defRPr>
             </a:pPr>
             <a:r>
-              <a:rPr b="1"/>
-              <a:t>py_func</a:t>
-            </a:r>
-            <a:r>
-              <a:t>(object) Wrap an R function in a Python function with the same signature. </a:t>
-            </a:r>
-            <a:r>
-              <a:rPr i="1"/>
+              <a:rPr>
+                <a:latin typeface="Source Sans Pro Bold"/>
+                <a:ea typeface="Source Sans Pro Bold"/>
+                <a:cs typeface="Source Sans Pro Bold"/>
+                <a:sym typeface="Source Sans Pro Bold"/>
+              </a:rPr>
+              <a:t>py_func(</a:t>
+            </a:r>
+            <a:r>
+              <a:t>f</a:t>
+            </a:r>
+            <a:r>
+              <a:rPr>
+                <a:latin typeface="Source Sans Pro Bold"/>
+                <a:ea typeface="Source Sans Pro Bold"/>
+                <a:cs typeface="Source Sans Pro Bold"/>
+                <a:sym typeface="Source Sans Pro Bold"/>
+              </a:rPr>
+              <a:t>)</a:t>
+            </a:r>
+            <a:r>
+              <a:t> Wrap an R function in a Python function with the same signature. </a:t>
+            </a:r>
+            <a:r>
+              <a:rPr>
+                <a:latin typeface="Source Sans Pro ExtraLight"/>
+                <a:ea typeface="Source Sans Pro ExtraLight"/>
+                <a:cs typeface="Source Sans Pro ExtraLight"/>
+                <a:sym typeface="Source Sans Pro ExtraLight"/>
+              </a:rPr>
               <a:t>py_func(xor)</a:t>
             </a:r>
-            <a:endParaRPr i="1"/>
+            <a:endParaRPr>
+              <a:latin typeface="Source Sans Pro ExtraLight"/>
+              <a:ea typeface="Source Sans Pro ExtraLight"/>
+              <a:cs typeface="Source Sans Pro ExtraLight"/>
+              <a:sym typeface="Source Sans Pro ExtraLight"/>
+            </a:endParaRPr>
           </a:p>
           <a:p>
             <a:pPr>
@@ -6193,18 +6943,39 @@
               <a:spcBef>
                 <a:spcPts val="1000"/>
               </a:spcBef>
-              <a:defRPr b="0" sz="1100">
+              <a:defRPr sz="1100">
                 <a:solidFill>
                   <a:srgbClr val="000000"/>
                 </a:solidFill>
+                <a:latin typeface="Source Sans Pro Regular"/>
+                <a:ea typeface="Source Sans Pro Regular"/>
+                <a:cs typeface="Source Sans Pro Regular"/>
+                <a:sym typeface="Source Sans Pro Regular"/>
               </a:defRPr>
             </a:pPr>
             <a:r>
-              <a:rPr b="1"/>
-              <a:t>py_main_thread_func</a:t>
-            </a:r>
-            <a:r>
-              <a:t>(object) Create a function that will always be called on the main thread.</a:t>
+              <a:rPr>
+                <a:latin typeface="Source Sans Pro Bold"/>
+                <a:ea typeface="Source Sans Pro Bold"/>
+                <a:cs typeface="Source Sans Pro Bold"/>
+                <a:sym typeface="Source Sans Pro Bold"/>
+              </a:rPr>
+              <a:t>py_main_thread_func(</a:t>
+            </a:r>
+            <a:r>
+              <a:t>f</a:t>
+            </a:r>
+            <a:r>
+              <a:rPr>
+                <a:latin typeface="Source Sans Pro Bold"/>
+                <a:ea typeface="Source Sans Pro Bold"/>
+                <a:cs typeface="Source Sans Pro Bold"/>
+                <a:sym typeface="Source Sans Pro Bold"/>
+              </a:rPr>
+              <a:t>)</a:t>
+            </a:r>
+            <a:r>
+              <a:t> Create a function that will always be called on the main thread.</a:t>
             </a:r>
             <a:r>
               <a:rPr i="1"/>
@@ -6220,35 +6991,71 @@
               <a:spcBef>
                 <a:spcPts val="1000"/>
               </a:spcBef>
-              <a:defRPr b="0" sz="1100">
+              <a:defRPr sz="1100">
                 <a:solidFill>
                   <a:srgbClr val="000000"/>
                 </a:solidFill>
+                <a:latin typeface="Source Sans Pro Regular"/>
+                <a:ea typeface="Source Sans Pro Regular"/>
+                <a:cs typeface="Source Sans Pro Regular"/>
+                <a:sym typeface="Source Sans Pro Regular"/>
               </a:defRPr>
             </a:pPr>
             <a:r>
-              <a:rPr b="1"/>
-              <a:t>iterate</a:t>
-            </a:r>
-            <a:r>
-              <a:t>(..., convert = FALSE) Apply an R function to each value of a Python iterator or return the values as an R vector, draining the iterator as you go. Also </a:t>
-            </a:r>
-            <a:r>
-              <a:rPr b="1"/>
-              <a:t>iter_next </a:t>
+              <a:rPr>
+                <a:latin typeface="Source Sans Pro Bold"/>
+                <a:ea typeface="Source Sans Pro Bold"/>
+                <a:cs typeface="Source Sans Pro Bold"/>
+                <a:sym typeface="Source Sans Pro Bold"/>
+              </a:rPr>
+              <a:t>iterate(</a:t>
+            </a:r>
+            <a:r>
+              <a:t>it, f = base::identity, simplify = TRUE</a:t>
+            </a:r>
+            <a:r>
+              <a:rPr>
+                <a:latin typeface="Source Sans Pro Bold"/>
+                <a:ea typeface="Source Sans Pro Bold"/>
+                <a:cs typeface="Source Sans Pro Bold"/>
+                <a:sym typeface="Source Sans Pro Bold"/>
+              </a:rPr>
+              <a:t>)</a:t>
+            </a:r>
+            <a:r>
+              <a:t> Apply an R function to each value of a Python iterator or return the values as an R vector, draining the iterator as you go. Also </a:t>
+            </a:r>
+            <a:r>
+              <a:rPr>
+                <a:latin typeface="Source Sans Pro Bold"/>
+                <a:ea typeface="Source Sans Pro Bold"/>
+                <a:cs typeface="Source Sans Pro Bold"/>
+                <a:sym typeface="Source Sans Pro Bold"/>
+              </a:rPr>
+              <a:t>iter_next() </a:t>
             </a:r>
             <a:r>
               <a:t>and </a:t>
             </a:r>
             <a:r>
-              <a:rPr b="1"/>
-              <a:t>as_iterator</a:t>
+              <a:rPr>
+                <a:latin typeface="Source Sans Pro Bold"/>
+                <a:ea typeface="Source Sans Pro Bold"/>
+                <a:cs typeface="Source Sans Pro Bold"/>
+                <a:sym typeface="Source Sans Pro Bold"/>
+              </a:rPr>
+              <a:t>as_iterator()</a:t>
             </a:r>
             <a:r>
               <a:t>. </a:t>
             </a:r>
             <a:r>
-              <a:rPr i="1"/>
+              <a:rPr>
+                <a:latin typeface="Source Sans Pro ExtraLight"/>
+                <a:ea typeface="Source Sans Pro ExtraLight"/>
+                <a:cs typeface="Source Sans Pro ExtraLight"/>
+                <a:sym typeface="Source Sans Pro ExtraLight"/>
+              </a:rPr>
               <a:t>iterate(iter, print)</a:t>
             </a:r>
             <a:endParaRPr i="1"/>
@@ -6261,22 +7068,48 @@
               <a:spcBef>
                 <a:spcPts val="1000"/>
               </a:spcBef>
-              <a:defRPr b="0" sz="1100">
+              <a:defRPr sz="1100">
                 <a:solidFill>
                   <a:srgbClr val="000000"/>
                 </a:solidFill>
+                <a:latin typeface="Source Sans Pro Regular"/>
+                <a:ea typeface="Source Sans Pro Regular"/>
+                <a:cs typeface="Source Sans Pro Regular"/>
+                <a:sym typeface="Source Sans Pro Regular"/>
               </a:defRPr>
             </a:pPr>
             <a:r>
-              <a:rPr b="1"/>
-              <a:t>py_iterator</a:t>
-            </a:r>
-            <a:r>
-              <a:t>(fn, completed = NULL) Create a Python iterator from an R function. </a:t>
-            </a:r>
-            <a:r>
-              <a:rPr i="1"/>
-              <a:t>seq_gen &lt;- function(x){n &lt;- x; function() {n &lt;&lt;- n + 1; n}};py_iterator(seq_gen(9))</a:t>
+              <a:rPr>
+                <a:latin typeface="Source Sans Pro Bold"/>
+                <a:ea typeface="Source Sans Pro Bold"/>
+                <a:cs typeface="Source Sans Pro Bold"/>
+                <a:sym typeface="Source Sans Pro Bold"/>
+              </a:rPr>
+              <a:t>py_iterator(</a:t>
+            </a:r>
+            <a:r>
+              <a:t>fn, completed = NULL</a:t>
+            </a:r>
+            <a:r>
+              <a:rPr>
+                <a:latin typeface="Source Sans Pro Bold"/>
+                <a:ea typeface="Source Sans Pro Bold"/>
+                <a:cs typeface="Source Sans Pro Bold"/>
+                <a:sym typeface="Source Sans Pro Bold"/>
+              </a:rPr>
+              <a:t>)</a:t>
+            </a:r>
+            <a:r>
+              <a:t> Create a Python iterator from an R function. </a:t>
+            </a:r>
+            <a:r>
+              <a:rPr>
+                <a:latin typeface="Source Sans Pro ExtraLight"/>
+                <a:ea typeface="Source Sans Pro ExtraLight"/>
+                <a:cs typeface="Source Sans Pro ExtraLight"/>
+                <a:sym typeface="Source Sans Pro ExtraLight"/>
+              </a:rPr>
+              <a:t>seq_gen &lt;- function(x){n &lt;- x; function() {n &lt;&lt;- n + 1; n}}; py_iterator(seq_gen(9))</a:t>
             </a:r>
           </a:p>
         </p:txBody>
@@ -6289,7 +7122,7 @@
         </p:nvSpPr>
         <p:spPr>
           <a:xfrm>
-            <a:off x="535829" y="6858175"/>
+            <a:off x="434229" y="6858175"/>
             <a:ext cx="2936923" cy="368076"/>
           </a:xfrm>
           <a:prstGeom prst="rect">
@@ -6317,21 +7150,25 @@
               <a:spcBef>
                 <a:spcPts val="1000"/>
               </a:spcBef>
-              <a:defRPr b="0" sz="1100">
+              <a:defRPr sz="1100">
                 <a:solidFill>
                   <a:srgbClr val="7A4300"/>
                 </a:solidFill>
+                <a:latin typeface="Source Sans Pro Regular"/>
+                <a:ea typeface="Source Sans Pro Regular"/>
+                <a:cs typeface="Source Sans Pro Regular"/>
+                <a:sym typeface="Source Sans Pro Regular"/>
               </a:defRPr>
             </a:pPr>
             <a:r>
               <a:t>Reticulate provides </a:t>
             </a:r>
             <a:r>
-              <a:rPr>
-                <a:latin typeface="Source Sans Pro Semibold"/>
-                <a:ea typeface="Source Sans Pro Semibold"/>
-                <a:cs typeface="Source Sans Pro Semibold"/>
-                <a:sym typeface="Source Sans Pro Semibold"/>
+              <a:rPr b="1">
+                <a:latin typeface="SourceSansPro-SemiBold"/>
+                <a:ea typeface="SourceSansPro-SemiBold"/>
+                <a:cs typeface="SourceSansPro-SemiBold"/>
+                <a:sym typeface="SourceSansPro-SemiBold"/>
               </a:rPr>
               <a:t>automatic</a:t>
             </a:r>
@@ -6349,7 +7186,7 @@
         </p:nvSpPr>
         <p:spPr>
           <a:xfrm>
-            <a:off x="1757567" y="7270476"/>
+            <a:off x="1655967" y="7270476"/>
             <a:ext cx="392399" cy="168527"/>
           </a:xfrm>
           <a:prstGeom prst="leftRightArrow">
@@ -6376,10 +7213,14 @@
               <a:spcBef>
                 <a:spcPts val="0"/>
               </a:spcBef>
-              <a:defRPr b="0" sz="1000">
+              <a:defRPr sz="1000">
                 <a:solidFill>
                   <a:srgbClr val="000000"/>
                 </a:solidFill>
+                <a:latin typeface="Source Sans Pro Regular"/>
+                <a:ea typeface="Source Sans Pro Regular"/>
+                <a:cs typeface="Source Sans Pro Regular"/>
+                <a:sym typeface="Source Sans Pro Regular"/>
               </a:defRPr>
             </a:pPr>
           </a:p>
@@ -6420,14 +7261,14 @@
               <a:spcBef>
                 <a:spcPts val="0"/>
               </a:spcBef>
-              <a:defRPr b="0" sz="1100">
+              <a:defRPr b="1" sz="1100">
                 <a:solidFill>
                   <a:srgbClr val="7A4300"/>
                 </a:solidFill>
-                <a:latin typeface="Source Sans Pro Semibold"/>
-                <a:ea typeface="Source Sans Pro Semibold"/>
-                <a:cs typeface="Source Sans Pro Semibold"/>
-                <a:sym typeface="Source Sans Pro Semibold"/>
+                <a:latin typeface="SourceSansPro-SemiBold"/>
+                <a:ea typeface="SourceSansPro-SemiBold"/>
+                <a:cs typeface="SourceSansPro-SemiBold"/>
+                <a:sym typeface="SourceSansPro-SemiBold"/>
               </a:defRPr>
             </a:lvl1pPr>
           </a:lstStyle>
@@ -6447,7 +7288,7 @@
         </p:nvSpPr>
         <p:spPr>
           <a:xfrm>
-            <a:off x="528223" y="8886554"/>
+            <a:off x="426623" y="8886554"/>
             <a:ext cx="2745181" cy="215901"/>
           </a:xfrm>
           <a:prstGeom prst="rect">
@@ -6474,10 +7315,14 @@
               <a:spcBef>
                 <a:spcPts val="1000"/>
               </a:spcBef>
-              <a:defRPr b="0" sz="1100">
+              <a:defRPr sz="1100">
                 <a:solidFill>
                   <a:srgbClr val="7A4300"/>
                 </a:solidFill>
+                <a:latin typeface="Source Sans Pro Regular"/>
+                <a:ea typeface="Source Sans Pro Regular"/>
+                <a:cs typeface="Source Sans Pro Regular"/>
+                <a:sym typeface="Source Sans Pro Regular"/>
               </a:defRPr>
             </a:lvl1pPr>
           </a:lstStyle>
@@ -6525,10 +7370,14 @@
               <a:spcBef>
                 <a:spcPts val="1500"/>
               </a:spcBef>
-              <a:defRPr b="0" sz="1100">
+              <a:defRPr sz="1100">
                 <a:solidFill>
                   <a:srgbClr val="000000"/>
                 </a:solidFill>
+                <a:latin typeface="Source Sans Pro Regular"/>
+                <a:ea typeface="Source Sans Pro Regular"/>
+                <a:cs typeface="Source Sans Pro Regular"/>
+                <a:sym typeface="Source Sans Pro Regular"/>
               </a:defRPr>
             </a:pPr>
             <a:r>
@@ -6543,21 +7392,25 @@
               <a:spcBef>
                 <a:spcPts val="1500"/>
               </a:spcBef>
-              <a:defRPr b="0" sz="1100">
+              <a:defRPr sz="1100">
                 <a:solidFill>
                   <a:srgbClr val="000000"/>
                 </a:solidFill>
+                <a:latin typeface="Source Sans Pro Regular"/>
+                <a:ea typeface="Source Sans Pro Regular"/>
+                <a:cs typeface="Source Sans Pro Regular"/>
+                <a:sym typeface="Source Sans Pro Regular"/>
               </a:defRPr>
             </a:pPr>
             <a:r>
               <a:t>Add </a:t>
             </a:r>
             <a:r>
-              <a:rPr>
-                <a:latin typeface="Source Sans Pro Semibold"/>
-                <a:ea typeface="Source Sans Pro Semibold"/>
-                <a:cs typeface="Source Sans Pro Semibold"/>
-                <a:sym typeface="Source Sans Pro Semibold"/>
+              <a:rPr b="1">
+                <a:latin typeface="SourceSansPro-SemiBold"/>
+                <a:ea typeface="SourceSansPro-SemiBold"/>
+                <a:cs typeface="SourceSansPro-SemiBold"/>
+                <a:sym typeface="SourceSansPro-SemiBold"/>
               </a:rPr>
               <a:t>knitr::knit_engines$set(python = reticulate::eng_python) </a:t>
             </a:r>
@@ -6573,10 +7426,14 @@
               <a:spcBef>
                 <a:spcPts val="0"/>
               </a:spcBef>
-              <a:defRPr b="0" sz="1100">
+              <a:defRPr sz="1100">
                 <a:solidFill>
                   <a:srgbClr val="000000"/>
                 </a:solidFill>
+                <a:latin typeface="Source Sans Pro Regular"/>
+                <a:ea typeface="Source Sans Pro Regular"/>
+                <a:cs typeface="Source Sans Pro Regular"/>
+                <a:sym typeface="Source Sans Pro Regular"/>
               </a:defRPr>
             </a:pPr>
             <a:r>
@@ -6591,10 +7448,14 @@
               <a:spcBef>
                 <a:spcPts val="1500"/>
               </a:spcBef>
-              <a:defRPr b="0" sz="1100">
+              <a:defRPr sz="1100">
                 <a:solidFill>
                   <a:srgbClr val="000000"/>
                 </a:solidFill>
+                <a:latin typeface="Source Sans Pro Regular"/>
+                <a:ea typeface="Source Sans Pro Regular"/>
+                <a:cs typeface="Source Sans Pro Regular"/>
+                <a:sym typeface="Source Sans Pro Regular"/>
               </a:defRPr>
             </a:pPr>
             <a:r>
@@ -6609,31 +7470,50 @@
               <a:spcBef>
                 <a:spcPts val="1500"/>
               </a:spcBef>
-              <a:defRPr b="0" sz="1100">
+              <a:defRPr sz="1100">
                 <a:solidFill>
                   <a:srgbClr val="000000"/>
                 </a:solidFill>
+                <a:latin typeface="Source Sans Pro Regular"/>
+                <a:ea typeface="Source Sans Pro Regular"/>
+                <a:cs typeface="Source Sans Pro Regular"/>
+                <a:sym typeface="Source Sans Pro Regular"/>
               </a:defRPr>
             </a:pPr>
             <a:r>
               <a:t>Begin Python chunks with </a:t>
             </a:r>
             <a:r>
-              <a:rPr b="1"/>
+              <a:rPr>
+                <a:latin typeface="Source Sans Pro Bold"/>
+                <a:ea typeface="Source Sans Pro Bold"/>
+                <a:cs typeface="Source Sans Pro Bold"/>
+                <a:sym typeface="Source Sans Pro Bold"/>
+              </a:rPr>
               <a:t>```{python}</a:t>
             </a:r>
             <a:r>
               <a:t>. Chunk options like </a:t>
             </a:r>
             <a:r>
-              <a:rPr b="1"/>
+              <a:rPr>
+                <a:latin typeface="Source Sans Pro Bold"/>
+                <a:ea typeface="Source Sans Pro Bold"/>
+                <a:cs typeface="Source Sans Pro Bold"/>
+                <a:sym typeface="Source Sans Pro Bold"/>
+              </a:rPr>
               <a:t>echo</a:t>
             </a:r>
             <a:r>
               <a:t>, </a:t>
             </a:r>
             <a:r>
-              <a:rPr b="1"/>
+              <a:rPr>
+                <a:latin typeface="Source Sans Pro Bold"/>
+                <a:ea typeface="Source Sans Pro Bold"/>
+                <a:cs typeface="Source Sans Pro Bold"/>
+                <a:sym typeface="Source Sans Pro Bold"/>
+              </a:rPr>
               <a:t>include</a:t>
             </a:r>
             <a:r>
@@ -6648,17 +7528,26 @@
               <a:spcBef>
                 <a:spcPts val="1500"/>
               </a:spcBef>
-              <a:defRPr b="0" sz="1100">
+              <a:defRPr sz="1100">
                 <a:solidFill>
                   <a:srgbClr val="000000"/>
                 </a:solidFill>
+                <a:latin typeface="Source Sans Pro Regular"/>
+                <a:ea typeface="Source Sans Pro Regular"/>
+                <a:cs typeface="Source Sans Pro Regular"/>
+                <a:sym typeface="Source Sans Pro Regular"/>
               </a:defRPr>
             </a:pPr>
             <a:r>
               <a:t>Use the </a:t>
             </a:r>
             <a:r>
-              <a:rPr b="1"/>
+              <a:rPr>
+                <a:latin typeface="Source Sans Pro Bold"/>
+                <a:ea typeface="Source Sans Pro Bold"/>
+                <a:cs typeface="Source Sans Pro Bold"/>
+                <a:sym typeface="Source Sans Pro Bold"/>
+              </a:rPr>
               <a:t>py</a:t>
             </a:r>
             <a:r>
@@ -6673,10 +7562,14 @@
               <a:spcBef>
                 <a:spcPts val="0"/>
               </a:spcBef>
-              <a:defRPr b="0" sz="1100">
+              <a:defRPr sz="1100">
                 <a:solidFill>
                   <a:srgbClr val="000000"/>
                 </a:solidFill>
+                <a:latin typeface="Source Sans Pro Regular"/>
+                <a:ea typeface="Source Sans Pro Regular"/>
+                <a:cs typeface="Source Sans Pro Regular"/>
+                <a:sym typeface="Source Sans Pro Regular"/>
               </a:defRPr>
             </a:pPr>
             <a:r>
@@ -6691,14 +7584,23 @@
               <a:spcBef>
                 <a:spcPts val="0"/>
               </a:spcBef>
-              <a:defRPr b="0" sz="1100">
+              <a:defRPr sz="1100">
                 <a:solidFill>
                   <a:srgbClr val="000000"/>
                 </a:solidFill>
+                <a:latin typeface="Source Sans Pro Regular"/>
+                <a:ea typeface="Source Sans Pro Regular"/>
+                <a:cs typeface="Source Sans Pro Regular"/>
+                <a:sym typeface="Source Sans Pro Regular"/>
               </a:defRPr>
             </a:pPr>
             <a:r>
-              <a:rPr b="1"/>
+              <a:rPr>
+                <a:latin typeface="Source Sans Pro Bold"/>
+                <a:ea typeface="Source Sans Pro Bold"/>
+                <a:cs typeface="Source Sans Pro Bold"/>
+                <a:sym typeface="Source Sans Pro Bold"/>
+              </a:rPr>
               <a:t>single</a:t>
             </a:r>
             <a:r>
@@ -6713,10 +7615,14 @@
               <a:spcBef>
                 <a:spcPts val="1500"/>
               </a:spcBef>
-              <a:defRPr b="0" sz="1100">
+              <a:defRPr sz="1100">
                 <a:solidFill>
                   <a:srgbClr val="000000"/>
                 </a:solidFill>
+                <a:latin typeface="Source Sans Pro Regular"/>
+                <a:ea typeface="Source Sans Pro Regular"/>
+                <a:cs typeface="Source Sans Pro Regular"/>
+                <a:sym typeface="Source Sans Pro Regular"/>
               </a:defRPr>
             </a:pPr>
             <a:r>
@@ -6731,17 +7637,26 @@
               <a:spcBef>
                 <a:spcPts val="1000"/>
               </a:spcBef>
-              <a:defRPr b="0" sz="1100">
+              <a:defRPr sz="1100">
                 <a:solidFill>
                   <a:srgbClr val="000000"/>
                 </a:solidFill>
+                <a:latin typeface="Source Sans Pro Regular"/>
+                <a:ea typeface="Source Sans Pro Regular"/>
+                <a:cs typeface="Source Sans Pro Regular"/>
+                <a:sym typeface="Source Sans Pro Regular"/>
               </a:defRPr>
             </a:pPr>
             <a:r>
               <a:t>Use the </a:t>
             </a:r>
             <a:r>
-              <a:rPr b="1"/>
+              <a:rPr>
+                <a:latin typeface="Source Sans Pro Bold"/>
+                <a:ea typeface="Source Sans Pro Bold"/>
+                <a:cs typeface="Source Sans Pro Bold"/>
+                <a:sym typeface="Source Sans Pro Bold"/>
+              </a:rPr>
               <a:t>r</a:t>
             </a:r>
             <a:r>
@@ -6756,10 +7671,14 @@
               <a:spcBef>
                 <a:spcPts val="0"/>
               </a:spcBef>
-              <a:defRPr b="0" sz="1100">
+              <a:defRPr sz="1100">
                 <a:solidFill>
                   <a:srgbClr val="000000"/>
                 </a:solidFill>
+                <a:latin typeface="Source Sans Pro Regular"/>
+                <a:ea typeface="Source Sans Pro Regular"/>
+                <a:cs typeface="Source Sans Pro Regular"/>
+                <a:sym typeface="Source Sans Pro Regular"/>
               </a:defRPr>
             </a:pPr>
             <a:r>
@@ -6774,10 +7693,14 @@
               <a:spcBef>
                 <a:spcPts val="1500"/>
               </a:spcBef>
-              <a:defRPr b="0" sz="1100">
+              <a:defRPr sz="1100">
                 <a:solidFill>
                   <a:srgbClr val="000000"/>
                 </a:solidFill>
+                <a:latin typeface="Source Sans Pro Regular"/>
+                <a:ea typeface="Source Sans Pro Regular"/>
+                <a:cs typeface="Source Sans Pro Regular"/>
+                <a:sym typeface="Source Sans Pro Regular"/>
               </a:defRPr>
             </a:pPr>
             <a:r>
@@ -6794,8 +7717,8 @@
         </p:nvSpPr>
         <p:spPr>
           <a:xfrm flipH="1">
-            <a:off x="2342486" y="2647556"/>
-            <a:ext cx="1347006" cy="526807"/>
+            <a:off x="2278987" y="2647556"/>
+            <a:ext cx="1410505" cy="577607"/>
           </a:xfrm>
           <a:prstGeom prst="line">
             <a:avLst/>
@@ -6817,7 +7740,7 @@
               <a:spcBef>
                 <a:spcPts val="0"/>
               </a:spcBef>
-              <a:defRPr b="0" sz="2600">
+              <a:defRPr sz="2600">
                 <a:solidFill>
                   <a:srgbClr val="000000"/>
                 </a:solidFill>
@@ -6838,8 +7761,8 @@
         </p:nvSpPr>
         <p:spPr>
           <a:xfrm flipH="1" flipV="1">
-            <a:off x="2439783" y="2120808"/>
-            <a:ext cx="1279412" cy="243957"/>
+            <a:off x="2376283" y="2133508"/>
+            <a:ext cx="1342912" cy="231257"/>
           </a:xfrm>
           <a:prstGeom prst="line">
             <a:avLst/>
@@ -6861,7 +7784,7 @@
               <a:spcBef>
                 <a:spcPts val="0"/>
               </a:spcBef>
-              <a:defRPr b="0" sz="2600">
+              <a:defRPr sz="2600">
                 <a:solidFill>
                   <a:srgbClr val="000000"/>
                 </a:solidFill>
@@ -6882,8 +7805,8 @@
         </p:nvSpPr>
         <p:spPr>
           <a:xfrm flipH="1">
-            <a:off x="2782403" y="3164092"/>
-            <a:ext cx="1197745" cy="521889"/>
+            <a:off x="2693503" y="3164092"/>
+            <a:ext cx="1286645" cy="534589"/>
           </a:xfrm>
           <a:prstGeom prst="line">
             <a:avLst/>
@@ -6905,7 +7828,7 @@
               <a:spcBef>
                 <a:spcPts val="0"/>
               </a:spcBef>
-              <a:defRPr b="0" sz="2600">
+              <a:defRPr sz="2600">
                 <a:solidFill>
                   <a:srgbClr val="000000"/>
                 </a:solidFill>
@@ -6952,10 +7875,14 @@
               <a:spcBef>
                 <a:spcPts val="600"/>
               </a:spcBef>
-              <a:defRPr b="0">
+              <a:defRPr>
                 <a:solidFill>
                   <a:srgbClr val="000000"/>
                 </a:solidFill>
+                <a:latin typeface="Source Sans Pro Regular"/>
+                <a:ea typeface="Source Sans Pro Regular"/>
+                <a:cs typeface="Source Sans Pro Regular"/>
+                <a:sym typeface="Source Sans Pro Regular"/>
               </a:defRPr>
             </a:pPr>
           </a:p>
@@ -6969,8 +7896,8 @@
         </p:nvSpPr>
         <p:spPr>
           <a:xfrm flipH="1">
-            <a:off x="2892283" y="4108435"/>
-            <a:ext cx="1664852" cy="197271"/>
+            <a:off x="2854183" y="4108435"/>
+            <a:ext cx="1702952" cy="209972"/>
           </a:xfrm>
           <a:prstGeom prst="line">
             <a:avLst/>
@@ -6992,7 +7919,7 @@
               <a:spcBef>
                 <a:spcPts val="0"/>
               </a:spcBef>
-              <a:defRPr b="0" sz="2600">
+              <a:defRPr sz="2600">
                 <a:solidFill>
                   <a:srgbClr val="000000"/>
                 </a:solidFill>
@@ -7039,10 +7966,14 @@
               <a:spcBef>
                 <a:spcPts val="600"/>
               </a:spcBef>
-              <a:defRPr b="0">
+              <a:defRPr>
                 <a:solidFill>
                   <a:srgbClr val="000000"/>
                 </a:solidFill>
+                <a:latin typeface="Source Sans Pro Regular"/>
+                <a:ea typeface="Source Sans Pro Regular"/>
+                <a:cs typeface="Source Sans Pro Regular"/>
+                <a:sym typeface="Source Sans Pro Regular"/>
               </a:defRPr>
             </a:pPr>
           </a:p>
@@ -7056,8 +7987,8 @@
         </p:nvSpPr>
         <p:spPr>
           <a:xfrm flipH="1">
-            <a:off x="2802106" y="4925831"/>
-            <a:ext cx="3459688" cy="486729"/>
+            <a:off x="2738606" y="4925831"/>
+            <a:ext cx="3523188" cy="486729"/>
           </a:xfrm>
           <a:prstGeom prst="line">
             <a:avLst/>
@@ -7079,7 +8010,7 @@
               <a:spcBef>
                 <a:spcPts val="0"/>
               </a:spcBef>
-              <a:defRPr b="0" sz="2600">
+              <a:defRPr sz="2600">
                 <a:solidFill>
                   <a:srgbClr val="000000"/>
                 </a:solidFill>
@@ -7126,10 +8057,14 @@
               <a:spcBef>
                 <a:spcPts val="600"/>
               </a:spcBef>
-              <a:defRPr b="0">
+              <a:defRPr>
                 <a:solidFill>
                   <a:srgbClr val="000000"/>
                 </a:solidFill>
+                <a:latin typeface="Source Sans Pro Regular"/>
+                <a:ea typeface="Source Sans Pro Regular"/>
+                <a:cs typeface="Source Sans Pro Regular"/>
+                <a:sym typeface="Source Sans Pro Regular"/>
               </a:defRPr>
             </a:pPr>
           </a:p>
@@ -7143,8 +8078,8 @@
         </p:nvSpPr>
         <p:spPr>
           <a:xfrm flipH="1">
-            <a:off x="2167106" y="5697278"/>
-            <a:ext cx="2663513" cy="155057"/>
+            <a:off x="2090906" y="5697278"/>
+            <a:ext cx="2739713" cy="116957"/>
           </a:xfrm>
           <a:prstGeom prst="line">
             <a:avLst/>
@@ -7166,7 +8101,7 @@
               <a:spcBef>
                 <a:spcPts val="0"/>
               </a:spcBef>
-              <a:defRPr b="0" sz="2600">
+              <a:defRPr sz="2600">
                 <a:solidFill>
                   <a:srgbClr val="000000"/>
                 </a:solidFill>
@@ -7187,8 +8122,8 @@
         </p:nvSpPr>
         <p:spPr>
           <a:xfrm flipH="1">
-            <a:off x="9487505" y="2568353"/>
-            <a:ext cx="1247052" cy="155058"/>
+            <a:off x="9487505" y="2568354"/>
+            <a:ext cx="1335953" cy="155057"/>
           </a:xfrm>
           <a:prstGeom prst="line">
             <a:avLst/>
@@ -7210,7 +8145,7 @@
               <a:spcBef>
                 <a:spcPts val="0"/>
               </a:spcBef>
-              <a:defRPr b="0" sz="2600">
+              <a:defRPr sz="2600">
                 <a:solidFill>
                   <a:srgbClr val="000000"/>
                 </a:solidFill>
@@ -7257,10 +8192,14 @@
               <a:spcBef>
                 <a:spcPts val="600"/>
               </a:spcBef>
-              <a:defRPr b="0">
+              <a:defRPr>
                 <a:solidFill>
                   <a:srgbClr val="000000"/>
                 </a:solidFill>
+                <a:latin typeface="Source Sans Pro Regular"/>
+                <a:ea typeface="Source Sans Pro Regular"/>
+                <a:cs typeface="Source Sans Pro Regular"/>
+                <a:sym typeface="Source Sans Pro Regular"/>
               </a:defRPr>
             </a:pPr>
           </a:p>
@@ -7274,8 +8213,8 @@
         </p:nvSpPr>
         <p:spPr>
           <a:xfrm flipH="1">
-            <a:off x="8462592" y="2737105"/>
-            <a:ext cx="2245226" cy="282166"/>
+            <a:off x="8462592" y="2711705"/>
+            <a:ext cx="2359526" cy="307566"/>
           </a:xfrm>
           <a:prstGeom prst="line">
             <a:avLst/>
@@ -7297,7 +8236,7 @@
               <a:spcBef>
                 <a:spcPts val="0"/>
               </a:spcBef>
-              <a:defRPr b="0" sz="2600">
+              <a:defRPr sz="2600">
                 <a:solidFill>
                   <a:srgbClr val="000000"/>
                 </a:solidFill>
@@ -7318,8 +8257,8 @@
         </p:nvSpPr>
         <p:spPr>
           <a:xfrm flipH="1" flipV="1">
-            <a:off x="8860426" y="3996558"/>
-            <a:ext cx="1855177" cy="1456946"/>
+            <a:off x="8860427" y="3996558"/>
+            <a:ext cx="1969477" cy="1495046"/>
           </a:xfrm>
           <a:prstGeom prst="line">
             <a:avLst/>
@@ -7341,7 +8280,7 @@
               <a:spcBef>
                 <a:spcPts val="0"/>
               </a:spcBef>
-              <a:defRPr b="0" sz="2600">
+              <a:defRPr sz="2600">
                 <a:solidFill>
                   <a:srgbClr val="000000"/>
                 </a:solidFill>
@@ -7363,7 +8302,7 @@
         <p:spPr>
           <a:xfrm flipH="1" flipV="1">
             <a:off x="8558969" y="4742540"/>
-            <a:ext cx="2156635" cy="2393714"/>
+            <a:ext cx="2270934" cy="2431814"/>
           </a:xfrm>
           <a:prstGeom prst="line">
             <a:avLst/>
@@ -7385,7 +8324,7 @@
               <a:spcBef>
                 <a:spcPts val="0"/>
               </a:spcBef>
-              <a:defRPr b="0" sz="2600">
+              <a:defRPr sz="2600">
                 <a:solidFill>
                   <a:srgbClr val="000000"/>
                 </a:solidFill>
@@ -7432,10 +8371,14 @@
               <a:spcBef>
                 <a:spcPts val="600"/>
               </a:spcBef>
-              <a:defRPr b="0">
+              <a:defRPr>
                 <a:solidFill>
                   <a:srgbClr val="000000"/>
                 </a:solidFill>
+                <a:latin typeface="Source Sans Pro Regular"/>
+                <a:ea typeface="Source Sans Pro Regular"/>
+                <a:cs typeface="Source Sans Pro Regular"/>
+                <a:sym typeface="Source Sans Pro Regular"/>
               </a:defRPr>
             </a:pPr>
           </a:p>
@@ -7450,7 +8393,7 @@
         <p:spPr>
           <a:xfrm flipH="1" flipV="1">
             <a:off x="8095093" y="4989331"/>
-            <a:ext cx="2513304" cy="4426578"/>
+            <a:ext cx="2729204" cy="4464678"/>
           </a:xfrm>
           <a:prstGeom prst="line">
             <a:avLst/>
@@ -7472,7 +8415,7 @@
               <a:spcBef>
                 <a:spcPts val="0"/>
               </a:spcBef>
-              <a:defRPr b="0" sz="2600">
+              <a:defRPr sz="2600">
                 <a:solidFill>
                   <a:srgbClr val="000000"/>
                 </a:solidFill>
@@ -7516,7 +8459,7 @@
               <a:spcBef>
                 <a:spcPts val="0"/>
               </a:spcBef>
-              <a:defRPr b="0" sz="2600">
+              <a:defRPr sz="2600">
                 <a:solidFill>
                   <a:srgbClr val="000000"/>
                 </a:solidFill>
@@ -7563,10 +8506,14 @@
               <a:spcBef>
                 <a:spcPts val="600"/>
               </a:spcBef>
-              <a:defRPr b="0">
+              <a:defRPr>
                 <a:solidFill>
                   <a:srgbClr val="000000"/>
                 </a:solidFill>
+                <a:latin typeface="Source Sans Pro Regular"/>
+                <a:ea typeface="Source Sans Pro Regular"/>
+                <a:cs typeface="Source Sans Pro Regular"/>
+                <a:sym typeface="Source Sans Pro Regular"/>
               </a:defRPr>
             </a:pPr>
           </a:p>
@@ -7580,8 +8527,8 @@
         </p:nvSpPr>
         <p:spPr>
           <a:xfrm flipH="1">
-            <a:off x="2866883" y="4862020"/>
-            <a:ext cx="838241" cy="101601"/>
+            <a:off x="2765283" y="4862020"/>
+            <a:ext cx="939841" cy="76201"/>
           </a:xfrm>
           <a:prstGeom prst="line">
             <a:avLst/>
@@ -7603,7 +8550,7 @@
               <a:spcBef>
                 <a:spcPts val="0"/>
               </a:spcBef>
-              <a:defRPr b="0" sz="2600">
+              <a:defRPr sz="2600">
                 <a:solidFill>
                   <a:srgbClr val="000000"/>
                 </a:solidFill>
@@ -7673,7 +8620,7 @@
       </p:grpSpPr>
       <p:pic>
         <p:nvPicPr>
-          <p:cNvPr id="182" name="Screen Shot 2019-04-24 at 3.02.04 PM.png" descr="Screen Shot 2019-04-24 at 3.02.04 PM.png"/>
+          <p:cNvPr id="182" name="Image" descr="Image"/>
           <p:cNvPicPr>
             <a:picLocks noChangeAspect="1"/>
           </p:cNvPicPr>
@@ -7690,7 +8637,7 @@
         <p:spPr>
           <a:xfrm>
             <a:off x="311894" y="1950448"/>
-            <a:ext cx="6502401" cy="4330030"/>
+            <a:ext cx="6502401" cy="4369966"/>
           </a:xfrm>
           <a:prstGeom prst="rect">
             <a:avLst/>
@@ -7710,138 +8657,9 @@
           </a:effectLst>
         </p:spPr>
       </p:pic>
-      <p:sp>
-        <p:nvSpPr>
-          <p:cNvPr id="183" name="Group"/>
-          <p:cNvSpPr/>
-          <p:nvPr/>
-        </p:nvSpPr>
-        <p:spPr>
-          <a:xfrm>
-            <a:off x="7107555" y="5249719"/>
-            <a:ext cx="3206459" cy="5087624"/>
-          </a:xfrm>
-          <a:prstGeom prst="rect">
-            <a:avLst/>
-          </a:prstGeom>
-          <a:solidFill>
-            <a:srgbClr val="C1922C">
-              <a:alpha val="14629"/>
-            </a:srgbClr>
-          </a:solidFill>
-          <a:ln w="12700">
-            <a:miter lim="400000"/>
-          </a:ln>
-        </p:spPr>
-        <p:txBody>
-          <a:bodyPr lIns="54570" tIns="54570" rIns="54570" bIns="54570" anchor="ctr"/>
-          <a:lstStyle/>
-          <a:p>
-            <a:pPr>
-              <a:lnSpc>
-                <a:spcPct val="80000"/>
-              </a:lnSpc>
-              <a:spcBef>
-                <a:spcPts val="0"/>
-              </a:spcBef>
-              <a:defRPr b="0">
-                <a:solidFill>
-                  <a:srgbClr val="000000"/>
-                </a:solidFill>
-              </a:defRPr>
-            </a:pPr>
-          </a:p>
-        </p:txBody>
-      </p:sp>
-      <p:sp>
-        <p:nvSpPr>
-          <p:cNvPr id="184" name="Group"/>
-          <p:cNvSpPr/>
-          <p:nvPr/>
-        </p:nvSpPr>
-        <p:spPr>
-          <a:xfrm>
-            <a:off x="7114066" y="3515407"/>
-            <a:ext cx="3206459" cy="1603762"/>
-          </a:xfrm>
-          <a:prstGeom prst="rect">
-            <a:avLst/>
-          </a:prstGeom>
-          <a:solidFill>
-            <a:srgbClr val="C1922C">
-              <a:alpha val="14629"/>
-            </a:srgbClr>
-          </a:solidFill>
-          <a:ln w="12700">
-            <a:miter lim="400000"/>
-          </a:ln>
-        </p:spPr>
-        <p:txBody>
-          <a:bodyPr lIns="54570" tIns="54570" rIns="54570" bIns="54570" anchor="ctr"/>
-          <a:lstStyle/>
-          <a:p>
-            <a:pPr>
-              <a:lnSpc>
-                <a:spcPct val="80000"/>
-              </a:lnSpc>
-              <a:spcBef>
-                <a:spcPts val="0"/>
-              </a:spcBef>
-              <a:defRPr b="0">
-                <a:solidFill>
-                  <a:srgbClr val="000000"/>
-                </a:solidFill>
-              </a:defRPr>
-            </a:pPr>
-          </a:p>
-        </p:txBody>
-      </p:sp>
-      <p:sp>
-        <p:nvSpPr>
-          <p:cNvPr id="185" name="Group"/>
-          <p:cNvSpPr/>
-          <p:nvPr/>
-        </p:nvSpPr>
-        <p:spPr>
-          <a:xfrm>
-            <a:off x="10457573" y="3516558"/>
-            <a:ext cx="3193759" cy="6814825"/>
-          </a:xfrm>
-          <a:prstGeom prst="rect">
-            <a:avLst/>
-          </a:prstGeom>
-          <a:solidFill>
-            <a:srgbClr val="C1922C">
-              <a:alpha val="14629"/>
-            </a:srgbClr>
-          </a:solidFill>
-          <a:ln w="12700">
-            <a:miter lim="400000"/>
-          </a:ln>
-        </p:spPr>
-        <p:txBody>
-          <a:bodyPr lIns="54570" tIns="54570" rIns="54570" bIns="54570" anchor="ctr"/>
-          <a:lstStyle/>
-          <a:p>
-            <a:pPr>
-              <a:lnSpc>
-                <a:spcPct val="80000"/>
-              </a:lnSpc>
-              <a:spcBef>
-                <a:spcPts val="0"/>
-              </a:spcBef>
-              <a:defRPr b="0">
-                <a:solidFill>
-                  <a:srgbClr val="000000"/>
-                </a:solidFill>
-              </a:defRPr>
-            </a:pPr>
-          </a:p>
-        </p:txBody>
-      </p:sp>
       <p:pic>
         <p:nvPicPr>
-          <p:cNvPr id="186" name="Screen Shot 2019-04-18 at 10.00.31 AM.png" descr="Screen Shot 2019-04-18 at 10.00.31 AM.png"/>
+          <p:cNvPr id="183" name="Screen Shot 2019-04-18 at 10.00.31 AM.png" descr="Screen Shot 2019-04-18 at 10.00.31 AM.png"/>
           <p:cNvPicPr>
             <a:picLocks noChangeAspect="1"/>
           </p:cNvPicPr>
@@ -7870,14 +8688,14 @@
       </p:pic>
       <p:sp>
         <p:nvSpPr>
-          <p:cNvPr id="187" name="Rectangle"/>
+          <p:cNvPr id="184" name="Rectangle"/>
           <p:cNvSpPr/>
           <p:nvPr/>
         </p:nvSpPr>
         <p:spPr>
           <a:xfrm>
             <a:off x="7117388" y="1735287"/>
-            <a:ext cx="6533858" cy="1674971"/>
+            <a:ext cx="3198417" cy="3512824"/>
           </a:xfrm>
           <a:prstGeom prst="rect">
             <a:avLst/>
@@ -7902,10 +8720,14 @@
               <a:spcBef>
                 <a:spcPts val="0"/>
               </a:spcBef>
-              <a:defRPr b="0">
+              <a:defRPr>
                 <a:solidFill>
                   <a:srgbClr val="000000"/>
                 </a:solidFill>
+                <a:latin typeface="Source Sans Pro Regular"/>
+                <a:ea typeface="Source Sans Pro Regular"/>
+                <a:cs typeface="Source Sans Pro Regular"/>
+                <a:sym typeface="Source Sans Pro Regular"/>
               </a:defRPr>
             </a:pPr>
           </a:p>
@@ -7913,151 +8735,148 @@
       </p:sp>
       <p:sp>
         <p:nvSpPr>
-          <p:cNvPr id="188" name="virtualenv_list() List all available virtualenvs.…"/>
-          <p:cNvSpPr txBox="1"/>
+          <p:cNvPr id="185" name="Group"/>
+          <p:cNvSpPr/>
           <p:nvPr/>
         </p:nvSpPr>
         <p:spPr>
           <a:xfrm>
-            <a:off x="10458005" y="2141605"/>
-            <a:ext cx="3091295" cy="1056949"/>
+            <a:off x="10457573" y="1735287"/>
+            <a:ext cx="3193759" cy="8600871"/>
           </a:xfrm>
           <a:prstGeom prst="rect">
             <a:avLst/>
           </a:prstGeom>
+          <a:solidFill>
+            <a:srgbClr val="C1922C">
+              <a:alpha val="14629"/>
+            </a:srgbClr>
+          </a:solidFill>
           <a:ln w="12700">
             <a:miter lim="400000"/>
           </a:ln>
-          <a:extLst>
-            <a:ext uri="{C572A759-6A51-4108-AA02-DFA0A04FC94B}">
-              <ma14:wrappingTextBoxFlag xmlns:ma14="http://schemas.microsoft.com/office/mac/drawingml/2011/main" val="1"/>
-            </a:ext>
-          </a:extLst>
         </p:spPr>
         <p:txBody>
-          <a:bodyPr lIns="0" tIns="0" rIns="0" bIns="0">
-            <a:normAutofit fontScale="100000" lnSpcReduction="0"/>
-          </a:bodyPr>
+          <a:bodyPr lIns="54570" tIns="54570" rIns="54570" bIns="54570" anchor="ctr"/>
           <a:lstStyle/>
           <a:p>
-            <a:pPr marL="381000" indent="-127000">
+            <a:pPr>
               <a:lnSpc>
                 <a:spcPct val="80000"/>
               </a:lnSpc>
               <a:spcBef>
                 <a:spcPts val="0"/>
               </a:spcBef>
-              <a:buSzPct val="100000"/>
-              <a:buChar char="•"/>
-              <a:defRPr b="0" sz="1100">
+              <a:defRPr>
                 <a:solidFill>
                   <a:srgbClr val="000000"/>
                 </a:solidFill>
+                <a:latin typeface="Source Sans Pro Regular"/>
+                <a:ea typeface="Source Sans Pro Regular"/>
+                <a:cs typeface="Source Sans Pro Regular"/>
+                <a:sym typeface="Source Sans Pro Regular"/>
               </a:defRPr>
             </a:pPr>
-            <a:r>
-              <a:rPr b="1"/>
-              <a:t>virtualenv_list</a:t>
-            </a:r>
-            <a:r>
-              <a:t>() List all available virtualenvs. </a:t>
-            </a:r>
-          </a:p>
-          <a:p>
-            <a:pPr indent="254000">
-              <a:lnSpc>
-                <a:spcPct val="80000"/>
-              </a:lnSpc>
-              <a:spcBef>
-                <a:spcPts val="1000"/>
-              </a:spcBef>
-              <a:defRPr b="0" sz="1100">
-                <a:solidFill>
-                  <a:srgbClr val="000000"/>
-                </a:solidFill>
-              </a:defRPr>
-            </a:pPr>
-            <a:r>
-              <a:t>Also </a:t>
-            </a:r>
-            <a:r>
-              <a:rPr b="1"/>
-              <a:t>virtualenv_root</a:t>
-            </a:r>
-            <a:r>
-              <a:t>(). </a:t>
-            </a:r>
-            <a:r>
-              <a:rPr i="1"/>
-              <a:t>virtualenv_list()</a:t>
-            </a:r>
-            <a:endParaRPr i="1"/>
-          </a:p>
-          <a:p>
-            <a:pPr marL="381000" indent="-127000">
-              <a:lnSpc>
-                <a:spcPct val="80000"/>
-              </a:lnSpc>
-              <a:spcBef>
-                <a:spcPts val="0"/>
-              </a:spcBef>
-              <a:buSzPct val="100000"/>
-              <a:buChar char="•"/>
-              <a:defRPr b="0" sz="1100">
-                <a:solidFill>
-                  <a:srgbClr val="000000"/>
-                </a:solidFill>
-              </a:defRPr>
-            </a:pPr>
-            <a:r>
-              <a:rPr b="1"/>
-              <a:t>conda_list</a:t>
-            </a:r>
-            <a:r>
-              <a:t>(conda = "auto") List all </a:t>
-            </a:r>
-          </a:p>
-          <a:p>
-            <a:pPr indent="254000">
-              <a:lnSpc>
-                <a:spcPct val="80000"/>
-              </a:lnSpc>
-              <a:spcBef>
-                <a:spcPts val="1000"/>
-              </a:spcBef>
-              <a:defRPr b="0" sz="1100">
-                <a:solidFill>
-                  <a:srgbClr val="000000"/>
-                </a:solidFill>
-              </a:defRPr>
-            </a:pPr>
-            <a:r>
-              <a:t>available conda envs. Also </a:t>
-            </a:r>
-            <a:r>
-              <a:rPr b="1"/>
-              <a:t>conda_binary</a:t>
-            </a:r>
-            <a:r>
-              <a:t>() and </a:t>
-            </a:r>
-            <a:r>
-              <a:rPr b="1"/>
-              <a:t>conda_version</a:t>
-            </a:r>
-            <a:r>
-              <a:t>(). </a:t>
-            </a:r>
-            <a:r>
-              <a:rPr i="1"/>
-              <a:t>conda_list()</a:t>
-            </a:r>
           </a:p>
         </p:txBody>
       </p:sp>
       <p:sp>
         <p:nvSpPr>
-          <p:cNvPr id="189" name="Line"/>
+          <p:cNvPr id="186" name="Group"/>
+          <p:cNvSpPr/>
+          <p:nvPr/>
+        </p:nvSpPr>
+        <p:spPr>
+          <a:xfrm>
+            <a:off x="7107555" y="7167419"/>
+            <a:ext cx="3206459" cy="3174139"/>
+          </a:xfrm>
+          <a:prstGeom prst="rect">
+            <a:avLst/>
+          </a:prstGeom>
+          <a:solidFill>
+            <a:srgbClr val="C1922C">
+              <a:alpha val="14629"/>
+            </a:srgbClr>
+          </a:solidFill>
+          <a:ln w="12700">
+            <a:miter lim="400000"/>
+          </a:ln>
+        </p:spPr>
+        <p:txBody>
+          <a:bodyPr lIns="54570" tIns="54570" rIns="54570" bIns="54570" anchor="ctr"/>
+          <a:lstStyle/>
+          <a:p>
+            <a:pPr>
+              <a:lnSpc>
+                <a:spcPct val="80000"/>
+              </a:lnSpc>
+              <a:spcBef>
+                <a:spcPts val="0"/>
+              </a:spcBef>
+              <a:defRPr>
+                <a:solidFill>
+                  <a:srgbClr val="000000"/>
+                </a:solidFill>
+                <a:latin typeface="Source Sans Pro Regular"/>
+                <a:ea typeface="Source Sans Pro Regular"/>
+                <a:cs typeface="Source Sans Pro Regular"/>
+                <a:sym typeface="Source Sans Pro Regular"/>
+              </a:defRPr>
+            </a:pPr>
+          </a:p>
+        </p:txBody>
+      </p:sp>
+      <p:sp>
+        <p:nvSpPr>
+          <p:cNvPr id="187" name="Group"/>
+          <p:cNvSpPr/>
+          <p:nvPr/>
+        </p:nvSpPr>
+        <p:spPr>
+          <a:xfrm>
+            <a:off x="7114066" y="5381115"/>
+            <a:ext cx="3206459" cy="1655754"/>
+          </a:xfrm>
+          <a:prstGeom prst="rect">
+            <a:avLst/>
+          </a:prstGeom>
+          <a:solidFill>
+            <a:srgbClr val="C1922C">
+              <a:alpha val="14629"/>
+            </a:srgbClr>
+          </a:solidFill>
+          <a:ln w="12700">
+            <a:miter lim="400000"/>
+          </a:ln>
+        </p:spPr>
+        <p:txBody>
+          <a:bodyPr lIns="54570" tIns="54570" rIns="54570" bIns="54570" anchor="ctr"/>
+          <a:lstStyle/>
+          <a:p>
+            <a:pPr>
+              <a:lnSpc>
+                <a:spcPct val="80000"/>
+              </a:lnSpc>
+              <a:spcBef>
+                <a:spcPts val="0"/>
+              </a:spcBef>
+              <a:defRPr>
+                <a:solidFill>
+                  <a:srgbClr val="000000"/>
+                </a:solidFill>
+                <a:latin typeface="Source Sans Pro Regular"/>
+                <a:ea typeface="Source Sans Pro Regular"/>
+                <a:cs typeface="Source Sans Pro Regular"/>
+                <a:sym typeface="Source Sans Pro Regular"/>
+              </a:defRPr>
+            </a:pPr>
+          </a:p>
+        </p:txBody>
+      </p:sp>
+      <p:sp>
+        <p:nvSpPr>
+          <p:cNvPr id="188" name="Line"/>
           <p:cNvSpPr/>
           <p:nvPr/>
         </p:nvSpPr>
@@ -8087,10 +8906,14 @@
               <a:spcBef>
                 <a:spcPts val="600"/>
               </a:spcBef>
-              <a:defRPr b="0">
+              <a:defRPr>
                 <a:solidFill>
                   <a:srgbClr val="000000"/>
                 </a:solidFill>
+                <a:latin typeface="Source Sans Pro Regular"/>
+                <a:ea typeface="Source Sans Pro Regular"/>
+                <a:cs typeface="Source Sans Pro Regular"/>
+                <a:sym typeface="Source Sans Pro Regular"/>
               </a:defRPr>
             </a:pPr>
           </a:p>
@@ -8098,7 +8921,7 @@
       </p:sp>
       <p:sp>
         <p:nvSpPr>
-          <p:cNvPr id="190" name="Reticulate binds to a local instance of Python when you first call import() directly or implicitly from an R session. To control the process, find or build your desired Python instance. Then suggest your instance to reticulate. Restart R to unbind."/>
+          <p:cNvPr id="189" name="Reticulate binds to a local instance of Python when you first call import() directly or implicitly from an R session. To control the process, find or build your desired Python instance. Then suggest your instance to reticulate. Restart R to unbind."/>
           <p:cNvSpPr txBox="1"/>
           <p:nvPr/>
         </p:nvSpPr>
@@ -8132,24 +8955,47 @@
               <a:spcBef>
                 <a:spcPts val="0"/>
               </a:spcBef>
-              <a:defRPr b="0" sz="1100">
+              <a:defRPr sz="1100">
                 <a:solidFill>
                   <a:srgbClr val="B07E2C"/>
                 </a:solidFill>
+                <a:latin typeface="Source Sans Pro Regular"/>
+                <a:ea typeface="Source Sans Pro Regular"/>
+                <a:cs typeface="Source Sans Pro Regular"/>
+                <a:sym typeface="Source Sans Pro Regular"/>
               </a:defRPr>
             </a:pPr>
             <a:r>
               <a:t>Reticulate binds to a local instance of Python when you first call </a:t>
             </a:r>
             <a:r>
-              <a:rPr b="1"/>
+              <a:rPr>
+                <a:latin typeface="Source Sans Pro Bold"/>
+                <a:ea typeface="Source Sans Pro Bold"/>
+                <a:cs typeface="Source Sans Pro Bold"/>
+                <a:sym typeface="Source Sans Pro Bold"/>
+              </a:rPr>
               <a:t>import</a:t>
             </a:r>
             <a:r>
-              <a:t>() directly or implicitly from an R session. To control the process, find or build your desired Python instance. Then suggest your instance to reticulate. </a:t>
-            </a:r>
-            <a:r>
-              <a:rPr b="1"/>
+              <a:rPr>
+                <a:latin typeface="Source Sans Pro Bold"/>
+                <a:ea typeface="Source Sans Pro Bold"/>
+                <a:cs typeface="Source Sans Pro Bold"/>
+                <a:sym typeface="Source Sans Pro Bold"/>
+              </a:rPr>
+              <a:t>()</a:t>
+            </a:r>
+            <a:r>
+              <a:t> directly or implicitly from an R session. To control the process, find or build your desired Python instance. Then suggest your instance to reticulate. </a:t>
+            </a:r>
+            <a:r>
+              <a:rPr>
+                <a:latin typeface="Source Sans Pro Bold"/>
+                <a:ea typeface="Source Sans Pro Bold"/>
+                <a:cs typeface="Source Sans Pro Bold"/>
+                <a:sym typeface="Source Sans Pro Bold"/>
+              </a:rPr>
               <a:t>Restart R to unbind.</a:t>
             </a:r>
           </a:p>
@@ -8157,7 +9003,7 @@
       </p:sp>
       <p:sp>
         <p:nvSpPr>
-          <p:cNvPr id="191" name="RStudio® is a trademark of RStudio, Inc.  •  CC BY SA  RStudio •  info@rstudio.com  •  844-448-1212 • rstudio.com •  Learn more at rstudio.github.io/reticulate/ • reticulate  1.12.0 •   Updated: 2019-04"/>
+          <p:cNvPr id="190" name="RStudio® is a trademark of RStudio, PBC  •  CC BY SA  RStudio  •  info@rstudio.com  •  844-448-1212  •  rstudio.com  •  Learn more at rstudio.github.io/reticulate/  •  reticulate  1.20.0  •  Updated: 2021-08"/>
           <p:cNvSpPr txBox="1"/>
           <p:nvPr/>
         </p:nvSpPr>
@@ -8191,14 +9037,18 @@
               <a:spcBef>
                 <a:spcPts val="0"/>
               </a:spcBef>
-              <a:defRPr b="0" sz="900">
+              <a:defRPr sz="900">
                 <a:solidFill>
                   <a:srgbClr val="000000"/>
                 </a:solidFill>
+                <a:latin typeface="Source Sans Pro Regular"/>
+                <a:ea typeface="Source Sans Pro Regular"/>
+                <a:cs typeface="Source Sans Pro Regular"/>
+                <a:sym typeface="Source Sans Pro Regular"/>
               </a:defRPr>
             </a:pPr>
             <a:r>
-              <a:t>RStudio® is a trademark of RStudio, Inc.  •  </a:t>
+              <a:t>RStudio® is a trademark of RStudio, PBC  •  </a:t>
             </a:r>
             <a:r>
               <a:rPr>
@@ -8207,7 +9057,7 @@
               <a:t>CC BY SA</a:t>
             </a:r>
             <a:r>
-              <a:t>  RStudio •  </a:t>
+              <a:t>  RStudio  •  </a:t>
             </a:r>
             <a:r>
               <a:rPr>
@@ -8216,7 +9066,7 @@
               <a:t>info@rstudio.com</a:t>
             </a:r>
             <a:r>
-              <a:t>  •  844-448-1212 • </a:t>
+              <a:t>  •  844-448-1212  •  </a:t>
             </a:r>
             <a:r>
               <a:rPr>
@@ -8225,32 +9075,44 @@
               <a:t>rstudio.com</a:t>
             </a:r>
             <a:r>
-              <a:t> •  Learn more at </a:t>
-            </a:r>
-            <a:r>
-              <a:rPr b="1" u="sng">
+              <a:t>  •  Learn more at </a:t>
+            </a:r>
+            <a:r>
+              <a:rPr u="sng">
                 <a:solidFill>
                   <a:srgbClr val="7A4300"/>
                 </a:solidFill>
+                <a:latin typeface="Source Sans Pro Bold"/>
+                <a:ea typeface="Source Sans Pro Bold"/>
+                <a:cs typeface="Source Sans Pro Bold"/>
+                <a:sym typeface="Source Sans Pro Bold"/>
                 <a:hlinkClick r:id="rId7" invalidUrl="" action="" tgtFrame="" tooltip="" history="1" highlightClick="0" endSnd="0"/>
               </a:rPr>
               <a:t>rstudio.github.io/reticulate/</a:t>
             </a:r>
             <a:r>
-              <a:t> • reticulate  1.12.0 •   Updated: 2019-04</a:t>
+              <a:rPr>
+                <a:solidFill>
+                  <a:srgbClr val="7A4300"/>
+                </a:solidFill>
+              </a:rPr>
+              <a:t>  </a:t>
+            </a:r>
+            <a:r>
+              <a:t>•  reticulate  1.20.0  •  Updated: 2021-08</a:t>
             </a:r>
           </a:p>
         </p:txBody>
       </p:sp>
       <p:sp>
         <p:nvSpPr>
-          <p:cNvPr id="192" name="Suggest an env to use"/>
+          <p:cNvPr id="191" name="Suggest an env to use"/>
           <p:cNvSpPr txBox="1"/>
           <p:nvPr/>
         </p:nvSpPr>
         <p:spPr>
           <a:xfrm>
-            <a:off x="10551042" y="3524873"/>
+            <a:off x="10551042" y="1746873"/>
             <a:ext cx="2892743" cy="431801"/>
           </a:xfrm>
           <a:prstGeom prst="rect">
@@ -8278,10 +9140,14 @@
               <a:spcBef>
                 <a:spcPts val="0"/>
               </a:spcBef>
-              <a:defRPr b="0" sz="2500">
+              <a:defRPr sz="2500">
                 <a:solidFill>
                   <a:srgbClr val="654F25"/>
                 </a:solidFill>
+                <a:latin typeface="Source Sans Pro Regular"/>
+                <a:ea typeface="Source Sans Pro Regular"/>
+                <a:cs typeface="Source Sans Pro Regular"/>
+                <a:sym typeface="Source Sans Pro Regular"/>
               </a:defRPr>
             </a:pPr>
             <a:r>
@@ -8292,13 +9158,13 @@
       </p:sp>
       <p:sp>
         <p:nvSpPr>
-          <p:cNvPr id="193" name="Find Python"/>
+          <p:cNvPr id="192" name="Find Python"/>
           <p:cNvSpPr txBox="1"/>
           <p:nvPr/>
         </p:nvSpPr>
         <p:spPr>
           <a:xfrm>
-            <a:off x="7210070" y="1708773"/>
+            <a:off x="7210070" y="1746873"/>
             <a:ext cx="1640206" cy="431801"/>
           </a:xfrm>
           <a:prstGeom prst="rect">
@@ -8326,10 +9192,14 @@
               <a:spcBef>
                 <a:spcPts val="0"/>
               </a:spcBef>
-              <a:defRPr b="0" sz="2500">
+              <a:defRPr sz="2500">
                 <a:solidFill>
                   <a:srgbClr val="654F25"/>
                 </a:solidFill>
+                <a:latin typeface="Source Sans Pro Regular"/>
+                <a:ea typeface="Source Sans Pro Regular"/>
+                <a:cs typeface="Source Sans Pro Regular"/>
+                <a:sym typeface="Source Sans Pro Regular"/>
               </a:defRPr>
             </a:pPr>
             <a:r>
@@ -8340,7 +9210,7 @@
       </p:sp>
       <p:sp>
         <p:nvSpPr>
-          <p:cNvPr id="194" name="Configure Python"/>
+          <p:cNvPr id="193" name="Configure Python"/>
           <p:cNvSpPr txBox="1"/>
           <p:nvPr/>
         </p:nvSpPr>
@@ -8374,10 +9244,14 @@
               <a:spcBef>
                 <a:spcPts val="0"/>
               </a:spcBef>
-              <a:defRPr b="0" sz="2500">
+              <a:defRPr sz="2500">
                 <a:solidFill>
                   <a:srgbClr val="654F25"/>
                 </a:solidFill>
+                <a:latin typeface="Source Sans Pro Regular"/>
+                <a:ea typeface="Source Sans Pro Regular"/>
+                <a:cs typeface="Source Sans Pro Regular"/>
+                <a:sym typeface="Source Sans Pro Regular"/>
               </a:defRPr>
             </a:pPr>
             <a:r>
@@ -8388,14 +9262,14 @@
       </p:sp>
       <p:sp>
         <p:nvSpPr>
-          <p:cNvPr id="195" name="To choose an instance of Python to bind to, reticulate scans the instances on your computer in the following order, stopping at the first instance that contains the module called by import()."/>
+          <p:cNvPr id="194" name="Otherwise, to choose an instance of Python to bind to, reticulate scans the instances on your computer in the following order, stopping at the first instance that contains the module called by import()."/>
           <p:cNvSpPr txBox="1"/>
           <p:nvPr/>
         </p:nvSpPr>
         <p:spPr>
           <a:xfrm>
-            <a:off x="10568066" y="3953466"/>
-            <a:ext cx="2968669" cy="948493"/>
+            <a:off x="10568066" y="4245566"/>
+            <a:ext cx="2968669" cy="860426"/>
           </a:xfrm>
           <a:prstGeom prst="rect">
             <a:avLst/>
@@ -8422,17 +9296,26 @@
               <a:spcBef>
                 <a:spcPts val="0"/>
               </a:spcBef>
-              <a:defRPr b="0" sz="1100">
+              <a:defRPr sz="1100">
                 <a:solidFill>
                   <a:srgbClr val="000000"/>
                 </a:solidFill>
+                <a:latin typeface="Source Sans Pro Regular"/>
+                <a:ea typeface="Source Sans Pro Regular"/>
+                <a:cs typeface="Source Sans Pro Regular"/>
+                <a:sym typeface="Source Sans Pro Regular"/>
               </a:defRPr>
             </a:pPr>
             <a:r>
-              <a:t>To choose an instance of Python to bind to, reticulate scans the instances on your computer in the following order, </a:t>
-            </a:r>
-            <a:r>
-              <a:rPr b="1"/>
+              <a:t>Otherwise, to choose an instance of Python to bind to, reticulate scans the instances on your computer in the following order, </a:t>
+            </a:r>
+            <a:r>
+              <a:rPr>
+                <a:latin typeface="Source Sans Pro Bold"/>
+                <a:ea typeface="Source Sans Pro Bold"/>
+                <a:cs typeface="Source Sans Pro Bold"/>
+                <a:sym typeface="Source Sans Pro Bold"/>
+              </a:rPr>
               <a:t>stopping at the first instance that contains the module called by import()</a:t>
             </a:r>
             <a:r>
@@ -8443,14 +9326,14 @@
       </p:sp>
       <p:sp>
         <p:nvSpPr>
-          <p:cNvPr id="196" name="virtualenv_create(envname) Create a new virtualenv. virtualenv_create(&quot;r-pandas&quot;)…"/>
+          <p:cNvPr id="195" name="virtualenv_create(envname = NULL, ...) Create a new virtual environment.  virtualenv_create(&quot;r-pandas&quot;)…"/>
           <p:cNvSpPr txBox="1"/>
           <p:nvPr/>
         </p:nvSpPr>
         <p:spPr>
           <a:xfrm>
-            <a:off x="7167388" y="3953561"/>
-            <a:ext cx="3006515" cy="1056948"/>
+            <a:off x="7178505" y="5833161"/>
+            <a:ext cx="3006514" cy="1093576"/>
           </a:xfrm>
           <a:prstGeom prst="rect">
             <a:avLst/>
@@ -8479,24 +9362,56 @@
               </a:spcBef>
               <a:buSzPct val="100000"/>
               <a:buChar char="•"/>
-              <a:defRPr b="0" sz="1100">
+              <a:defRPr sz="1100">
                 <a:solidFill>
                   <a:srgbClr val="000000"/>
                 </a:solidFill>
+                <a:latin typeface="Source Sans Pro Regular"/>
+                <a:ea typeface="Source Sans Pro Regular"/>
+                <a:cs typeface="Source Sans Pro Regular"/>
+                <a:sym typeface="Source Sans Pro Regular"/>
               </a:defRPr>
             </a:pPr>
             <a:r>
-              <a:rPr b="1"/>
-              <a:t>virtualenv_create</a:t>
-            </a:r>
-            <a:r>
-              <a:t>(envname) Create a new virtualenv. </a:t>
-            </a:r>
-            <a:r>
-              <a:rPr i="1"/>
+              <a:rPr>
+                <a:latin typeface="Source Sans Pro Bold"/>
+                <a:ea typeface="Source Sans Pro Bold"/>
+                <a:cs typeface="Source Sans Pro Bold"/>
+                <a:sym typeface="Source Sans Pro Bold"/>
+              </a:rPr>
+              <a:t>virtualenv_create(</a:t>
+            </a:r>
+            <a:r>
+              <a:t>envname = NULL, ...</a:t>
+            </a:r>
+            <a:r>
+              <a:rPr>
+                <a:latin typeface="Source Sans Pro Bold"/>
+                <a:ea typeface="Source Sans Pro Bold"/>
+                <a:cs typeface="Source Sans Pro Bold"/>
+                <a:sym typeface="Source Sans Pro Bold"/>
+              </a:rPr>
+              <a:t>)</a:t>
+            </a:r>
+            <a:r>
+              <a:t> Create a new virtual environment. </a:t>
+            </a:r>
+            <a:br/>
+            <a:r>
+              <a:rPr>
+                <a:latin typeface="Source Sans Pro ExtraLight"/>
+                <a:ea typeface="Source Sans Pro ExtraLight"/>
+                <a:cs typeface="Source Sans Pro ExtraLight"/>
+                <a:sym typeface="Source Sans Pro ExtraLight"/>
+              </a:rPr>
               <a:t>virtualenv_create("r-pandas")</a:t>
             </a:r>
-            <a:endParaRPr i="1"/>
+            <a:endParaRPr>
+              <a:latin typeface="Source Sans Pro ExtraLight"/>
+              <a:ea typeface="Source Sans Pro ExtraLight"/>
+              <a:cs typeface="Source Sans Pro ExtraLight"/>
+              <a:sym typeface="Source Sans Pro ExtraLight"/>
+            </a:endParaRPr>
           </a:p>
           <a:p>
             <a:pPr marL="381000" indent="-127000">
@@ -8508,21 +9423,52 @@
               </a:spcBef>
               <a:buSzPct val="100000"/>
               <a:buChar char="•"/>
-              <a:defRPr b="0" sz="1100">
+              <a:defRPr sz="1100">
                 <a:solidFill>
                   <a:srgbClr val="000000"/>
                 </a:solidFill>
+                <a:latin typeface="Source Sans Pro Regular"/>
+                <a:ea typeface="Source Sans Pro Regular"/>
+                <a:cs typeface="Source Sans Pro Regular"/>
+                <a:sym typeface="Source Sans Pro Regular"/>
               </a:defRPr>
             </a:pPr>
             <a:r>
-              <a:rPr b="1"/>
-              <a:t>conda_create</a:t>
-            </a:r>
-            <a:r>
-              <a:t>(envname, packages = NULL, conda = "auto") Create a new Conda env. </a:t>
-            </a:r>
-            <a:r>
-              <a:rPr i="1"/>
+              <a:rPr>
+                <a:latin typeface="Source Sans Pro Bold"/>
+                <a:ea typeface="Source Sans Pro Bold"/>
+                <a:cs typeface="Source Sans Pro Bold"/>
+                <a:sym typeface="Source Sans Pro Bold"/>
+              </a:rPr>
+              <a:t>conda_create(</a:t>
+            </a:r>
+            <a:r>
+              <a:t>envname = NULL, ...</a:t>
+            </a:r>
+            <a:r>
+              <a:rPr>
+                <a:latin typeface="Source Sans Pro Bold"/>
+                <a:ea typeface="Source Sans Pro Bold"/>
+                <a:cs typeface="Source Sans Pro Bold"/>
+                <a:sym typeface="Source Sans Pro Bold"/>
+              </a:rPr>
+              <a:t>)</a:t>
+            </a:r>
+            <a:r>
+              <a:t> </a:t>
+            </a:r>
+            <a:br/>
+            <a:r>
+              <a:t>Create a new conda environment. </a:t>
+            </a:r>
+            <a:br/>
+            <a:r>
+              <a:rPr>
+                <a:latin typeface="Source Sans Pro ExtraLight"/>
+                <a:ea typeface="Source Sans Pro ExtraLight"/>
+                <a:cs typeface="Source Sans Pro ExtraLight"/>
+                <a:sym typeface="Source Sans Pro ExtraLight"/>
+              </a:rPr>
               <a:t>conda_create("r-pandas", packages = "pandas")</a:t>
             </a:r>
           </a:p>
@@ -8530,14 +9476,14 @@
       </p:sp>
       <p:sp>
         <p:nvSpPr>
-          <p:cNvPr id="197" name="py_install(packages, envname = &quot;r-reticulate&quot;, method = c(&quot;auto&quot;, &quot;virtualenv&quot;, &quot;conda&quot;), conda = &quot;auto&quot;, ...) Installs Python packages into a Python env named…"/>
+          <p:cNvPr id="196" name="py_install(packages, envname, ...) Installs Python packages into a Python env. py_install(&quot;pandas&quot;)…"/>
           <p:cNvSpPr txBox="1"/>
           <p:nvPr/>
         </p:nvSpPr>
         <p:spPr>
           <a:xfrm>
-            <a:off x="7171055" y="6385215"/>
-            <a:ext cx="2999181" cy="3955835"/>
+            <a:off x="7178505" y="8214015"/>
+            <a:ext cx="3014882" cy="1926056"/>
           </a:xfrm>
           <a:prstGeom prst="rect">
             <a:avLst/>
@@ -8562,46 +9508,59 @@
                 <a:spcPct val="80000"/>
               </a:lnSpc>
               <a:spcBef>
-                <a:spcPts val="0"/>
+                <a:spcPts val="1000"/>
               </a:spcBef>
               <a:buSzPct val="100000"/>
               <a:buChar char="•"/>
-              <a:defRPr b="0" sz="1100">
+              <a:defRPr sz="1100">
                 <a:solidFill>
                   <a:srgbClr val="000000"/>
                 </a:solidFill>
+                <a:latin typeface="Source Sans Pro Regular"/>
+                <a:ea typeface="Source Sans Pro Regular"/>
+                <a:cs typeface="Source Sans Pro Regular"/>
+                <a:sym typeface="Source Sans Pro Regular"/>
               </a:defRPr>
             </a:pPr>
             <a:r>
-              <a:rPr b="1"/>
-              <a:t>py_install</a:t>
-            </a:r>
-            <a:r>
-              <a:t>(packages, envname = "r-reticulate", method = c("auto", "virtualenv", "conda"), conda = "auto", ...) Installs Python packages into a Python env named </a:t>
-            </a:r>
-          </a:p>
-          <a:p>
-            <a:pPr indent="254000">
-              <a:lnSpc>
-                <a:spcPct val="80000"/>
-              </a:lnSpc>
-              <a:spcBef>
-                <a:spcPts val="1000"/>
-              </a:spcBef>
-              <a:defRPr b="0" sz="1100">
-                <a:solidFill>
-                  <a:srgbClr val="000000"/>
-                </a:solidFill>
-              </a:defRPr>
-            </a:pPr>
-            <a:r>
-              <a:t>"r-reticulate". </a:t>
-            </a:r>
-            <a:r>
-              <a:rPr i="1"/>
+              <a:rPr>
+                <a:latin typeface="Source Sans Pro Bold"/>
+                <a:ea typeface="Source Sans Pro Bold"/>
+                <a:cs typeface="Source Sans Pro Bold"/>
+                <a:sym typeface="Source Sans Pro Bold"/>
+              </a:rPr>
+              <a:t>py_install(</a:t>
+            </a:r>
+            <a:r>
+              <a:t>packages, envname, ...</a:t>
+            </a:r>
+            <a:r>
+              <a:rPr>
+                <a:latin typeface="Source Sans Pro Bold"/>
+                <a:ea typeface="Source Sans Pro Bold"/>
+                <a:cs typeface="Source Sans Pro Bold"/>
+                <a:sym typeface="Source Sans Pro Bold"/>
+              </a:rPr>
+              <a:t>)</a:t>
+            </a:r>
+            <a:r>
+              <a:t> Installs Python packages into a Python env. </a:t>
+            </a:r>
+            <a:r>
+              <a:rPr>
+                <a:latin typeface="Source Sans Pro ExtraLight"/>
+                <a:ea typeface="Source Sans Pro ExtraLight"/>
+                <a:cs typeface="Source Sans Pro ExtraLight"/>
+                <a:sym typeface="Source Sans Pro ExtraLight"/>
+              </a:rPr>
               <a:t>py_install("pandas")</a:t>
             </a:r>
-            <a:endParaRPr i="1"/>
+            <a:endParaRPr>
+              <a:latin typeface="Source Sans Pro ExtraLight"/>
+              <a:ea typeface="Source Sans Pro ExtraLight"/>
+              <a:cs typeface="Source Sans Pro ExtraLight"/>
+              <a:sym typeface="Source Sans Pro ExtraLight"/>
+            </a:endParaRPr>
           </a:p>
           <a:p>
             <a:pPr marL="381000" indent="-127000">
@@ -8609,48 +9568,71 @@
                 <a:spcPct val="80000"/>
               </a:lnSpc>
               <a:spcBef>
-                <a:spcPts val="0"/>
+                <a:spcPts val="1000"/>
               </a:spcBef>
               <a:buSzPct val="100000"/>
               <a:buChar char="•"/>
-              <a:defRPr b="0" sz="1100">
+              <a:defRPr sz="1100">
                 <a:solidFill>
                   <a:srgbClr val="000000"/>
                 </a:solidFill>
+                <a:latin typeface="Source Sans Pro Regular"/>
+                <a:ea typeface="Source Sans Pro Regular"/>
+                <a:cs typeface="Source Sans Pro Regular"/>
+                <a:sym typeface="Source Sans Pro Regular"/>
               </a:defRPr>
             </a:pPr>
             <a:r>
-              <a:rPr b="1"/>
-              <a:t>virtualenv_install</a:t>
-            </a:r>
-            <a:r>
-              <a:t>(envname, packages, ignore_installed = FALSE) Install a package within a virtualenv. </a:t>
-            </a:r>
-            <a:r>
-              <a:rPr i="1"/>
+              <a:rPr>
+                <a:latin typeface="Source Sans Pro Bold"/>
+                <a:ea typeface="Source Sans Pro Bold"/>
+                <a:cs typeface="Source Sans Pro Bold"/>
+                <a:sym typeface="Source Sans Pro Bold"/>
+              </a:rPr>
               <a:t>virtualenv_install(</a:t>
             </a:r>
-            <a:endParaRPr i="1"/>
-          </a:p>
-          <a:p>
-            <a:pPr indent="254000">
-              <a:lnSpc>
-                <a:spcPct val="80000"/>
-              </a:lnSpc>
-              <a:spcBef>
-                <a:spcPts val="1000"/>
-              </a:spcBef>
-              <a:defRPr b="0" sz="1100">
-                <a:solidFill>
-                  <a:srgbClr val="000000"/>
-                </a:solidFill>
-              </a:defRPr>
-            </a:pPr>
-            <a:r>
-              <a:rPr i="1"/>
-              <a:t>"r-pandas", packages = "pandas")</a:t>
-            </a:r>
-            <a:endParaRPr i="1"/>
+            <a:r>
+              <a:t>envname, packages, ...</a:t>
+            </a:r>
+            <a:r>
+              <a:rPr>
+                <a:latin typeface="Source Sans Pro Bold"/>
+                <a:ea typeface="Source Sans Pro Bold"/>
+                <a:cs typeface="Source Sans Pro Bold"/>
+                <a:sym typeface="Source Sans Pro Bold"/>
+              </a:rPr>
+              <a:t>)</a:t>
+            </a:r>
+            <a:r>
+              <a:t> Install a package within a virtualenv. Also </a:t>
+            </a:r>
+            <a:r>
+              <a:rPr>
+                <a:latin typeface="Source Sans Pro Bold"/>
+                <a:ea typeface="Source Sans Pro Bold"/>
+                <a:cs typeface="Source Sans Pro Bold"/>
+                <a:sym typeface="Source Sans Pro Bold"/>
+              </a:rPr>
+              <a:t>virtualenv_remove()</a:t>
+            </a:r>
+            <a:r>
+              <a:t>. </a:t>
+            </a:r>
+            <a:r>
+              <a:rPr>
+                <a:latin typeface="Source Sans Pro ExtraLight"/>
+                <a:ea typeface="Source Sans Pro ExtraLight"/>
+                <a:cs typeface="Source Sans Pro ExtraLight"/>
+                <a:sym typeface="Source Sans Pro ExtraLight"/>
+              </a:rPr>
+              <a:t>virtualenv_install("r-pandas", packages = "pandas")</a:t>
+            </a:r>
+            <a:endParaRPr>
+              <a:latin typeface="Source Sans Pro ExtraLight"/>
+              <a:ea typeface="Source Sans Pro ExtraLight"/>
+              <a:cs typeface="Source Sans Pro ExtraLight"/>
+              <a:sym typeface="Source Sans Pro ExtraLight"/>
+            </a:endParaRPr>
           </a:p>
           <a:p>
             <a:pPr marL="381000" indent="-127000">
@@ -8662,133 +9644,73 @@
               </a:spcBef>
               <a:buSzPct val="100000"/>
               <a:buChar char="•"/>
-              <a:defRPr b="0" sz="1100">
+              <a:defRPr sz="1100">
                 <a:solidFill>
                   <a:srgbClr val="000000"/>
                 </a:solidFill>
+                <a:latin typeface="Source Sans Pro Regular"/>
+                <a:ea typeface="Source Sans Pro Regular"/>
+                <a:cs typeface="Source Sans Pro Regular"/>
+                <a:sym typeface="Source Sans Pro Regular"/>
               </a:defRPr>
             </a:pPr>
             <a:r>
-              <a:rPr b="1"/>
-              <a:t>virtualenv_remove</a:t>
-            </a:r>
-            <a:r>
-              <a:t>(envname, packages = NULL, confirm = interactive()) Remove individual packages or an entire virtualenv. </a:t>
-            </a:r>
-            <a:r>
-              <a:rPr i="1"/>
-              <a:t>virtualenv_remove("r-pandas", packages = "pandas")</a:t>
-            </a:r>
-            <a:endParaRPr i="1"/>
-          </a:p>
-          <a:p>
-            <a:pPr marL="381000" indent="-127000">
-              <a:lnSpc>
-                <a:spcPct val="80000"/>
-              </a:lnSpc>
-              <a:spcBef>
-                <a:spcPts val="0"/>
-              </a:spcBef>
-              <a:buSzPct val="100000"/>
-              <a:buChar char="•"/>
-              <a:defRPr b="0" sz="1100">
-                <a:solidFill>
-                  <a:srgbClr val="000000"/>
-                </a:solidFill>
-              </a:defRPr>
-            </a:pPr>
-            <a:r>
-              <a:rPr b="1"/>
-              <a:t>conda_install</a:t>
-            </a:r>
-            <a:r>
-              <a:t>(envname, packages, forge = TRUE, pip = FALSE, pip_ignore_installed = TRUE, conda = "auto") Install a package within a Conda env. </a:t>
-            </a:r>
-            <a:r>
-              <a:rPr i="1"/>
+              <a:rPr>
+                <a:latin typeface="Source Sans Pro Bold"/>
+                <a:ea typeface="Source Sans Pro Bold"/>
+                <a:cs typeface="Source Sans Pro Bold"/>
+                <a:sym typeface="Source Sans Pro Bold"/>
+              </a:rPr>
               <a:t>conda_install(</a:t>
             </a:r>
-            <a:endParaRPr i="1"/>
-          </a:p>
-          <a:p>
-            <a:pPr indent="254000">
-              <a:lnSpc>
-                <a:spcPct val="80000"/>
-              </a:lnSpc>
-              <a:spcBef>
-                <a:spcPts val="1000"/>
-              </a:spcBef>
-              <a:defRPr b="0" sz="1100">
-                <a:solidFill>
-                  <a:srgbClr val="000000"/>
-                </a:solidFill>
-              </a:defRPr>
-            </a:pPr>
-            <a:r>
-              <a:rPr i="1"/>
-              <a:t>"r-pandas", packages = "plotly")</a:t>
-            </a:r>
-            <a:endParaRPr i="1"/>
-          </a:p>
-          <a:p>
-            <a:pPr marL="381000" indent="-127000">
-              <a:lnSpc>
-                <a:spcPct val="80000"/>
-              </a:lnSpc>
-              <a:spcBef>
-                <a:spcPts val="0"/>
-              </a:spcBef>
-              <a:buSzPct val="100000"/>
-              <a:buChar char="•"/>
-              <a:defRPr b="0" sz="1100">
-                <a:solidFill>
-                  <a:srgbClr val="000000"/>
-                </a:solidFill>
-              </a:defRPr>
-            </a:pPr>
-            <a:r>
-              <a:rPr b="1"/>
-              <a:t>conda_remove</a:t>
-            </a:r>
-            <a:r>
-              <a:t>(envname, packages = NULL, conda = "auto") Remove individual packages or an entire Conda env. </a:t>
-            </a:r>
-            <a:r>
-              <a:rPr i="1"/>
-              <a:t>conda_remove(</a:t>
-            </a:r>
-            <a:endParaRPr i="1"/>
-          </a:p>
-          <a:p>
-            <a:pPr indent="254000">
-              <a:lnSpc>
-                <a:spcPct val="80000"/>
-              </a:lnSpc>
-              <a:spcBef>
-                <a:spcPts val="1000"/>
-              </a:spcBef>
-              <a:defRPr b="0" sz="1100">
-                <a:solidFill>
-                  <a:srgbClr val="000000"/>
-                </a:solidFill>
-              </a:defRPr>
-            </a:pPr>
-            <a:r>
-              <a:rPr i="1"/>
-              <a:t>"r-pandas", packages = "plotly")</a:t>
+            <a:r>
+              <a:t>envname, packages, ...</a:t>
+            </a:r>
+            <a:r>
+              <a:rPr>
+                <a:latin typeface="Source Sans Pro Bold"/>
+                <a:ea typeface="Source Sans Pro Bold"/>
+                <a:cs typeface="Source Sans Pro Bold"/>
+                <a:sym typeface="Source Sans Pro Bold"/>
+              </a:rPr>
+              <a:t>)</a:t>
+            </a:r>
+            <a:r>
+              <a:t> Install a package within a conda env. Also </a:t>
+            </a:r>
+            <a:r>
+              <a:rPr>
+                <a:latin typeface="Source Sans Pro Bold"/>
+                <a:ea typeface="Source Sans Pro Bold"/>
+                <a:cs typeface="Source Sans Pro Bold"/>
+                <a:sym typeface="Source Sans Pro Bold"/>
+              </a:rPr>
+              <a:t>conda_remove()</a:t>
+            </a:r>
+            <a:r>
+              <a:t>. </a:t>
+            </a:r>
+            <a:r>
+              <a:rPr>
+                <a:latin typeface="Source Sans Pro ExtraLight"/>
+                <a:ea typeface="Source Sans Pro ExtraLight"/>
+                <a:cs typeface="Source Sans Pro ExtraLight"/>
+                <a:sym typeface="Source Sans Pro ExtraLight"/>
+              </a:rPr>
+              <a:t>conda_install("r-pandas", packages = "plotly")</a:t>
             </a:r>
           </a:p>
         </p:txBody>
       </p:sp>
       <p:sp>
         <p:nvSpPr>
-          <p:cNvPr id="198" name="Create a Python env"/>
+          <p:cNvPr id="197" name="Create a Python env"/>
           <p:cNvSpPr txBox="1"/>
           <p:nvPr/>
         </p:nvSpPr>
         <p:spPr>
           <a:xfrm>
-            <a:off x="7203881" y="3524873"/>
+            <a:off x="7203881" y="5391773"/>
             <a:ext cx="2679066" cy="431801"/>
           </a:xfrm>
           <a:prstGeom prst="rect">
@@ -8816,10 +9738,14 @@
               <a:spcBef>
                 <a:spcPts val="0"/>
               </a:spcBef>
-              <a:defRPr b="0" sz="2500">
+              <a:defRPr sz="2500">
                 <a:solidFill>
                   <a:srgbClr val="654F25"/>
                 </a:solidFill>
+                <a:latin typeface="Source Sans Pro Regular"/>
+                <a:ea typeface="Source Sans Pro Regular"/>
+                <a:cs typeface="Source Sans Pro Regular"/>
+                <a:sym typeface="Source Sans Pro Regular"/>
               </a:defRPr>
             </a:pPr>
             <a:r>
@@ -8830,14 +9756,14 @@
       </p:sp>
       <p:sp>
         <p:nvSpPr>
-          <p:cNvPr id="199" name="Install Python packages with R (below) or the shell:…"/>
+          <p:cNvPr id="198" name="Install Python packages with R (below) or the shell:…"/>
           <p:cNvSpPr txBox="1"/>
           <p:nvPr/>
         </p:nvSpPr>
         <p:spPr>
           <a:xfrm>
-            <a:off x="7235631" y="5733787"/>
-            <a:ext cx="2950306" cy="692508"/>
+            <a:off x="7235631" y="7651487"/>
+            <a:ext cx="2950306" cy="573091"/>
           </a:xfrm>
           <a:prstGeom prst="rect">
             <a:avLst/>
@@ -8864,10 +9790,14 @@
               <a:spcBef>
                 <a:spcPts val="400"/>
               </a:spcBef>
-              <a:defRPr b="0" sz="1100">
+              <a:defRPr sz="1100">
                 <a:solidFill>
                   <a:srgbClr val="7A4300"/>
                 </a:solidFill>
+                <a:latin typeface="Source Sans Pro Regular"/>
+                <a:ea typeface="Source Sans Pro Regular"/>
+                <a:cs typeface="Source Sans Pro Regular"/>
+                <a:sym typeface="Source Sans Pro Regular"/>
               </a:defRPr>
             </a:pPr>
             <a:r>
@@ -8914,7 +9844,7 @@
       </p:sp>
       <p:pic>
         <p:nvPicPr>
-          <p:cNvPr id="200" name="Image" descr="Image"/>
+          <p:cNvPr id="199" name="Image" descr="Image"/>
           <p:cNvPicPr>
             <a:picLocks noChangeAspect="1"/>
           </p:cNvPicPr>
@@ -8943,7 +9873,7 @@
       </p:pic>
       <p:sp>
         <p:nvSpPr>
-          <p:cNvPr id="201" name="Line"/>
+          <p:cNvPr id="200" name="Line"/>
           <p:cNvSpPr/>
           <p:nvPr/>
         </p:nvSpPr>
@@ -8973,10 +9903,14 @@
               <a:spcBef>
                 <a:spcPts val="600"/>
               </a:spcBef>
-              <a:defRPr b="0">
+              <a:defRPr>
                 <a:solidFill>
                   <a:srgbClr val="000000"/>
                 </a:solidFill>
+                <a:latin typeface="Source Sans Pro Regular"/>
+                <a:ea typeface="Source Sans Pro Regular"/>
+                <a:cs typeface="Source Sans Pro Regular"/>
+                <a:sym typeface="Source Sans Pro Regular"/>
               </a:defRPr>
             </a:pPr>
           </a:p>
@@ -8984,7 +9918,7 @@
       </p:sp>
       <p:sp>
         <p:nvSpPr>
-          <p:cNvPr id="202" name="Python in the IDE"/>
+          <p:cNvPr id="201" name="Python in the IDE"/>
           <p:cNvSpPr txBox="1"/>
           <p:nvPr/>
         </p:nvSpPr>
@@ -9018,10 +9952,14 @@
               <a:spcBef>
                 <a:spcPts val="0"/>
               </a:spcBef>
-              <a:defRPr b="0" sz="2500">
+              <a:defRPr sz="2500">
                 <a:solidFill>
                   <a:srgbClr val="654F25"/>
                 </a:solidFill>
+                <a:latin typeface="Source Sans Pro Regular"/>
+                <a:ea typeface="Source Sans Pro Regular"/>
+                <a:cs typeface="Source Sans Pro Regular"/>
+                <a:sym typeface="Source Sans Pro Regular"/>
               </a:defRPr>
             </a:pPr>
             <a:r>
@@ -9032,14 +9970,14 @@
       </p:sp>
       <p:sp>
         <p:nvSpPr>
-          <p:cNvPr id="203" name="Requires reticulate plus RStudio v1.2 or higher."/>
+          <p:cNvPr id="202" name="Requires reticulate plus RStudio v1.2+. Some features require v1.4+."/>
           <p:cNvSpPr txBox="1"/>
           <p:nvPr/>
         </p:nvSpPr>
         <p:spPr>
           <a:xfrm>
             <a:off x="2706170" y="927715"/>
-            <a:ext cx="3311341" cy="235572"/>
+            <a:ext cx="4066918" cy="235572"/>
           </a:xfrm>
           <a:prstGeom prst="rect">
             <a:avLst/>
@@ -9065,24 +10003,28 @@
               <a:spcBef>
                 <a:spcPts val="1000"/>
               </a:spcBef>
-              <a:defRPr b="0" sz="1100">
+              <a:defRPr sz="1100">
                 <a:solidFill>
                   <a:srgbClr val="000000"/>
                 </a:solidFill>
+                <a:latin typeface="Source Sans Pro Regular"/>
+                <a:ea typeface="Source Sans Pro Regular"/>
+                <a:cs typeface="Source Sans Pro Regular"/>
+                <a:sym typeface="Source Sans Pro Regular"/>
               </a:defRPr>
             </a:lvl1pPr>
           </a:lstStyle>
           <a:p>
             <a:pPr/>
             <a:r>
-              <a:t>Requires reticulate plus RStudio v1.2 or higher.</a:t>
+              <a:t>Requires reticulate plus RStudio v1.2+. Some features require v1.4+.</a:t>
             </a:r>
           </a:p>
         </p:txBody>
       </p:sp>
       <p:sp>
         <p:nvSpPr>
-          <p:cNvPr id="204" name="matplotlib plots display in plots pane."/>
+          <p:cNvPr id="203" name="View Python objects in the Data Viewer."/>
           <p:cNvSpPr txBox="1"/>
           <p:nvPr/>
         </p:nvSpPr>
@@ -9115,24 +10057,28 @@
               <a:spcBef>
                 <a:spcPts val="1000"/>
               </a:spcBef>
-              <a:defRPr b="0" sz="1100">
+              <a:defRPr sz="1100">
                 <a:solidFill>
                   <a:srgbClr val="000000"/>
                 </a:solidFill>
+                <a:latin typeface="Source Sans Pro Regular"/>
+                <a:ea typeface="Source Sans Pro Regular"/>
+                <a:cs typeface="Source Sans Pro Regular"/>
+                <a:sym typeface="Source Sans Pro Regular"/>
               </a:defRPr>
             </a:lvl1pPr>
           </a:lstStyle>
           <a:p>
             <a:pPr/>
             <a:r>
-              <a:t>matplotlib plots display in plots pane.</a:t>
+              <a:t>View Python objects in the Data Viewer.</a:t>
             </a:r>
           </a:p>
         </p:txBody>
       </p:sp>
       <p:sp>
         <p:nvSpPr>
-          <p:cNvPr id="205" name="Execute Python code line by line with Cmd +  Enter (Ctrl + Enter)"/>
+          <p:cNvPr id="204" name="Execute Python code line by line with Cmd +  Enter (Ctrl + Enter)."/>
           <p:cNvSpPr txBox="1"/>
           <p:nvPr/>
         </p:nvSpPr>
@@ -9166,21 +10112,25 @@
               <a:spcBef>
                 <a:spcPts val="1000"/>
               </a:spcBef>
-              <a:defRPr b="0" sz="1100">
+              <a:defRPr sz="1100">
                 <a:solidFill>
                   <a:srgbClr val="000000"/>
                 </a:solidFill>
+                <a:latin typeface="Source Sans Pro Regular"/>
+                <a:ea typeface="Source Sans Pro Regular"/>
+                <a:cs typeface="Source Sans Pro Regular"/>
+                <a:sym typeface="Source Sans Pro Regular"/>
               </a:defRPr>
             </a:pPr>
             <a:r>
               <a:t>Execute Python code line by line with </a:t>
             </a:r>
             <a:r>
-              <a:rPr>
-                <a:latin typeface="Source Sans Pro Semibold"/>
-                <a:ea typeface="Source Sans Pro Semibold"/>
-                <a:cs typeface="Source Sans Pro Semibold"/>
-                <a:sym typeface="Source Sans Pro Semibold"/>
+              <a:rPr b="1">
+                <a:latin typeface="SourceSansPro-SemiBold"/>
+                <a:ea typeface="SourceSansPro-SemiBold"/>
+                <a:cs typeface="SourceSansPro-SemiBold"/>
+                <a:sym typeface="SourceSansPro-SemiBold"/>
               </a:rPr>
               <a:t>Cmd +  Enter</a:t>
             </a:r>
@@ -9188,23 +10138,23 @@
               <a:t> (</a:t>
             </a:r>
             <a:r>
-              <a:rPr>
-                <a:latin typeface="Source Sans Pro Semibold"/>
-                <a:ea typeface="Source Sans Pro Semibold"/>
-                <a:cs typeface="Source Sans Pro Semibold"/>
-                <a:sym typeface="Source Sans Pro Semibold"/>
+              <a:rPr b="1">
+                <a:latin typeface="SourceSansPro-SemiBold"/>
+                <a:ea typeface="SourceSansPro-SemiBold"/>
+                <a:cs typeface="SourceSansPro-SemiBold"/>
+                <a:sym typeface="SourceSansPro-SemiBold"/>
               </a:rPr>
               <a:t>Ctrl + Enter</a:t>
             </a:r>
             <a:r>
-              <a:t>)</a:t>
+              <a:t>).</a:t>
             </a:r>
           </a:p>
         </p:txBody>
       </p:sp>
       <p:sp>
         <p:nvSpPr>
-          <p:cNvPr id="206" name="Source Python scripts."/>
+          <p:cNvPr id="205" name="Source Python scripts."/>
           <p:cNvSpPr txBox="1"/>
           <p:nvPr/>
         </p:nvSpPr>
@@ -9237,10 +10187,14 @@
               <a:spcBef>
                 <a:spcPts val="1000"/>
               </a:spcBef>
-              <a:defRPr b="0" sz="1100">
+              <a:defRPr sz="1100">
                 <a:solidFill>
                   <a:srgbClr val="000000"/>
                 </a:solidFill>
+                <a:latin typeface="Source Sans Pro Regular"/>
+                <a:ea typeface="Source Sans Pro Regular"/>
+                <a:cs typeface="Source Sans Pro Regular"/>
+                <a:sym typeface="Source Sans Pro Regular"/>
               </a:defRPr>
             </a:lvl1pPr>
           </a:lstStyle>
@@ -9254,7 +10208,7 @@
       </p:sp>
       <p:sp>
         <p:nvSpPr>
-          <p:cNvPr id="207" name="Syntax highlighting for Python scripts and chunks"/>
+          <p:cNvPr id="206" name="Syntax highlighting for Python scripts and chunks."/>
           <p:cNvSpPr txBox="1"/>
           <p:nvPr/>
         </p:nvSpPr>
@@ -9287,24 +10241,28 @@
               <a:spcBef>
                 <a:spcPts val="1000"/>
               </a:spcBef>
-              <a:defRPr b="0" sz="1100">
+              <a:defRPr sz="1100">
                 <a:solidFill>
                   <a:srgbClr val="000000"/>
                 </a:solidFill>
+                <a:latin typeface="Source Sans Pro Regular"/>
+                <a:ea typeface="Source Sans Pro Regular"/>
+                <a:cs typeface="Source Sans Pro Regular"/>
+                <a:sym typeface="Source Sans Pro Regular"/>
               </a:defRPr>
             </a:lvl1pPr>
           </a:lstStyle>
           <a:p>
             <a:pPr/>
             <a:r>
-              <a:t>Syntax highlighting for Python scripts and chunks</a:t>
+              <a:t>Syntax highlighting for Python scripts and chunks.</a:t>
             </a:r>
           </a:p>
         </p:txBody>
       </p:sp>
       <p:sp>
         <p:nvSpPr>
-          <p:cNvPr id="208" name="Press F1 over a Python symbol to display the help topic for that symbol."/>
+          <p:cNvPr id="207" name="View Python objects in the Environment Pane."/>
           <p:cNvSpPr txBox="1"/>
           <p:nvPr/>
         </p:nvSpPr>
@@ -9329,42 +10287,36 @@
           <a:bodyPr lIns="0" tIns="0" rIns="0" bIns="0">
             <a:normAutofit fontScale="100000" lnSpcReduction="0"/>
           </a:bodyPr>
-          <a:lstStyle/>
-          <a:p>
-            <a:pPr>
+          <a:lstStyle>
+            <a:lvl1pPr>
               <a:lnSpc>
                 <a:spcPct val="80000"/>
               </a:lnSpc>
               <a:spcBef>
                 <a:spcPts val="1000"/>
               </a:spcBef>
-              <a:defRPr b="0" sz="1100">
+              <a:defRPr sz="1100">
                 <a:solidFill>
                   <a:srgbClr val="000000"/>
                 </a:solidFill>
-              </a:defRPr>
-            </a:pPr>
-            <a:r>
-              <a:t>Press </a:t>
-            </a:r>
-            <a:r>
-              <a:rPr>
-                <a:latin typeface="Source Sans Pro Semibold"/>
-                <a:ea typeface="Source Sans Pro Semibold"/>
-                <a:cs typeface="Source Sans Pro Semibold"/>
-                <a:sym typeface="Source Sans Pro Semibold"/>
-              </a:rPr>
-              <a:t>F1</a:t>
-            </a:r>
-            <a:r>
-              <a:t> over a Python symbol to display the help topic for that symbol.</a:t>
+                <a:latin typeface="Source Sans Pro Regular"/>
+                <a:ea typeface="Source Sans Pro Regular"/>
+                <a:cs typeface="Source Sans Pro Regular"/>
+                <a:sym typeface="Source Sans Pro Regular"/>
+              </a:defRPr>
+            </a:lvl1pPr>
+          </a:lstStyle>
+          <a:p>
+            <a:pPr/>
+            <a:r>
+              <a:t>View Python objects in the Environment Pane.</a:t>
             </a:r>
           </a:p>
         </p:txBody>
       </p:sp>
       <p:sp>
         <p:nvSpPr>
-          <p:cNvPr id="209" name="Tab completion for Python functions and objects (and Python modules imported in R scripts)"/>
+          <p:cNvPr id="208" name="Tab completion for Python functions and objects (and Python modules imported in R scripts)."/>
           <p:cNvSpPr txBox="1"/>
           <p:nvPr/>
         </p:nvSpPr>
@@ -9397,24 +10349,28 @@
               <a:spcBef>
                 <a:spcPts val="1000"/>
               </a:spcBef>
-              <a:defRPr b="0" sz="1100">
+              <a:defRPr sz="1100">
                 <a:solidFill>
                   <a:srgbClr val="000000"/>
                 </a:solidFill>
+                <a:latin typeface="Source Sans Pro Regular"/>
+                <a:ea typeface="Source Sans Pro Regular"/>
+                <a:cs typeface="Source Sans Pro Regular"/>
+                <a:sym typeface="Source Sans Pro Regular"/>
               </a:defRPr>
             </a:lvl1pPr>
           </a:lstStyle>
           <a:p>
             <a:pPr/>
             <a:r>
-              <a:t>Tab completion for Python functions and objects (and Python modules imported in R scripts)</a:t>
+              <a:t>Tab completion for Python functions and objects (and Python modules imported in R scripts).</a:t>
             </a:r>
           </a:p>
         </p:txBody>
       </p:sp>
       <p:sp>
         <p:nvSpPr>
-          <p:cNvPr id="210" name="Line"/>
+          <p:cNvPr id="209" name="Line"/>
           <p:cNvSpPr/>
           <p:nvPr/>
         </p:nvSpPr>
@@ -9444,10 +10400,14 @@
               <a:spcBef>
                 <a:spcPts val="600"/>
               </a:spcBef>
-              <a:defRPr b="0">
+              <a:defRPr>
                 <a:solidFill>
                   <a:srgbClr val="000000"/>
                 </a:solidFill>
+                <a:latin typeface="Source Sans Pro Regular"/>
+                <a:ea typeface="Source Sans Pro Regular"/>
+                <a:cs typeface="Source Sans Pro Regular"/>
+                <a:sym typeface="Source Sans Pro Regular"/>
               </a:defRPr>
             </a:pPr>
           </a:p>
@@ -9455,14 +10415,14 @@
       </p:sp>
       <p:sp>
         <p:nvSpPr>
-          <p:cNvPr id="211" name="Line"/>
+          <p:cNvPr id="210" name="Line"/>
           <p:cNvSpPr/>
           <p:nvPr/>
         </p:nvSpPr>
         <p:spPr>
           <a:xfrm>
-            <a:off x="320653" y="6836788"/>
-            <a:ext cx="2670138" cy="1"/>
+            <a:off x="320653" y="7078088"/>
+            <a:ext cx="6497582" cy="1"/>
           </a:xfrm>
           <a:prstGeom prst="line">
             <a:avLst/>
@@ -9485,10 +10445,14 @@
               <a:spcBef>
                 <a:spcPts val="600"/>
               </a:spcBef>
-              <a:defRPr b="0">
+              <a:defRPr>
                 <a:solidFill>
                   <a:srgbClr val="000000"/>
                 </a:solidFill>
+                <a:latin typeface="Source Sans Pro Regular"/>
+                <a:ea typeface="Source Sans Pro Regular"/>
+                <a:cs typeface="Source Sans Pro Regular"/>
+                <a:sym typeface="Source Sans Pro Regular"/>
               </a:defRPr>
             </a:pPr>
           </a:p>
@@ -9496,13 +10460,13 @@
       </p:sp>
       <p:sp>
         <p:nvSpPr>
-          <p:cNvPr id="212" name="Python REPL"/>
+          <p:cNvPr id="211" name="Python REPL"/>
           <p:cNvSpPr txBox="1"/>
           <p:nvPr/>
         </p:nvSpPr>
         <p:spPr>
           <a:xfrm>
-            <a:off x="317810" y="6824088"/>
+            <a:off x="317810" y="7065388"/>
             <a:ext cx="1737361" cy="431801"/>
           </a:xfrm>
           <a:prstGeom prst="rect">
@@ -9530,10 +10494,14 @@
               <a:spcBef>
                 <a:spcPts val="0"/>
               </a:spcBef>
-              <a:defRPr b="0" sz="2500">
+              <a:defRPr sz="2500">
                 <a:solidFill>
                   <a:srgbClr val="654F25"/>
                 </a:solidFill>
+                <a:latin typeface="Source Sans Pro Regular"/>
+                <a:ea typeface="Source Sans Pro Regular"/>
+                <a:cs typeface="Source Sans Pro Regular"/>
+                <a:sym typeface="Source Sans Pro Regular"/>
               </a:defRPr>
             </a:pPr>
             <a:r>
@@ -9544,13 +10512,13 @@
       </p:sp>
       <p:sp>
         <p:nvSpPr>
-          <p:cNvPr id="213" name="Install Packages"/>
+          <p:cNvPr id="212" name="Install Packages"/>
           <p:cNvSpPr txBox="1"/>
           <p:nvPr/>
         </p:nvSpPr>
         <p:spPr>
           <a:xfrm>
-            <a:off x="7207322" y="5256577"/>
+            <a:off x="7207322" y="7174278"/>
             <a:ext cx="2138999" cy="431801"/>
           </a:xfrm>
           <a:prstGeom prst="rect">
@@ -9578,10 +10546,14 @@
               <a:spcBef>
                 <a:spcPts val="0"/>
               </a:spcBef>
-              <a:defRPr b="0" sz="2500">
+              <a:defRPr sz="2500">
                 <a:solidFill>
                   <a:srgbClr val="654F25"/>
                 </a:solidFill>
+                <a:latin typeface="Source Sans Pro Regular"/>
+                <a:ea typeface="Source Sans Pro Regular"/>
+                <a:cs typeface="Source Sans Pro Regular"/>
+                <a:sym typeface="Source Sans Pro Regular"/>
               </a:defRPr>
             </a:pPr>
             <a:r>
@@ -9592,14 +10564,14 @@
       </p:sp>
       <p:sp>
         <p:nvSpPr>
-          <p:cNvPr id="214" name="py_discover_config() Return all detected versions of Python. Use py_config to check which version has been loaded. py_config()…"/>
+          <p:cNvPr id="213" name="install_python(version, list = FALSE, force = FALSE) Download and install Python. install_python(&quot;3.6.13&quot;)…"/>
           <p:cNvSpPr txBox="1"/>
           <p:nvPr/>
         </p:nvSpPr>
         <p:spPr>
           <a:xfrm>
-            <a:off x="7178505" y="2140720"/>
-            <a:ext cx="3247891" cy="1271794"/>
+            <a:off x="7178505" y="2191520"/>
+            <a:ext cx="3009901" cy="3053979"/>
           </a:xfrm>
           <a:prstGeom prst="rect">
             <a:avLst/>
@@ -9628,31 +10600,45 @@
               </a:spcBef>
               <a:buSzPct val="100000"/>
               <a:buChar char="•"/>
-              <a:defRPr b="0" sz="1100">
+              <a:defRPr sz="1100">
                 <a:solidFill>
                   <a:srgbClr val="000000"/>
                 </a:solidFill>
               </a:defRPr>
             </a:pPr>
             <a:r>
-              <a:rPr b="1"/>
-              <a:t>py_discover_config</a:t>
-            </a:r>
-            <a:r>
-              <a:t>() Return all detected versions of Python. Use </a:t>
-            </a:r>
-            <a:r>
-              <a:rPr b="1"/>
-              <a:t>py_config</a:t>
-            </a:r>
-            <a:r>
-              <a:t> to check which version has been loaded. </a:t>
-            </a:r>
-            <a:r>
-              <a:rPr i="1"/>
-              <a:t>py_config()</a:t>
-            </a:r>
-            <a:endParaRPr i="1"/>
+              <a:t>install_python(</a:t>
+            </a:r>
+            <a:r>
+              <a:rPr>
+                <a:latin typeface="Source Sans Pro Regular"/>
+                <a:ea typeface="Source Sans Pro Regular"/>
+                <a:cs typeface="Source Sans Pro Regular"/>
+                <a:sym typeface="Source Sans Pro Regular"/>
+              </a:rPr>
+              <a:t>version, list = FALSE, force = FALSE</a:t>
+            </a:r>
+            <a:r>
+              <a:t>) </a:t>
+            </a:r>
+            <a:r>
+              <a:rPr>
+                <a:latin typeface="Source Sans Pro Regular"/>
+                <a:ea typeface="Source Sans Pro Regular"/>
+                <a:cs typeface="Source Sans Pro Regular"/>
+                <a:sym typeface="Source Sans Pro Regular"/>
+              </a:rPr>
+              <a:t>Download and install Python. </a:t>
+            </a:r>
+            <a:r>
+              <a:rPr>
+                <a:latin typeface="Source Sans Pro ExtraLight"/>
+                <a:ea typeface="Source Sans Pro ExtraLight"/>
+                <a:cs typeface="Source Sans Pro ExtraLight"/>
+                <a:sym typeface="Source Sans Pro ExtraLight"/>
+              </a:rPr>
+              <a:t>install_python("3.6.13")</a:t>
+            </a:r>
           </a:p>
           <a:p>
             <a:pPr marL="381000" indent="-127000">
@@ -9660,72 +10646,347 @@
                 <a:spcPct val="80000"/>
               </a:lnSpc>
               <a:spcBef>
-                <a:spcPts val="0"/>
+                <a:spcPts val="1000"/>
               </a:spcBef>
               <a:buSzPct val="100000"/>
               <a:buChar char="•"/>
-              <a:defRPr b="0" sz="1100">
+              <a:defRPr sz="1100">
                 <a:solidFill>
                   <a:srgbClr val="000000"/>
                 </a:solidFill>
+                <a:latin typeface="Source Sans Pro Regular"/>
+                <a:ea typeface="Source Sans Pro Regular"/>
+                <a:cs typeface="Source Sans Pro Regular"/>
+                <a:sym typeface="Source Sans Pro Regular"/>
               </a:defRPr>
             </a:pPr>
             <a:r>
-              <a:rPr b="1"/>
-              <a:t>py_available</a:t>
-            </a:r>
-            <a:r>
-              <a:t>(initialize = FALSE) Check if </a:t>
-            </a:r>
-          </a:p>
-          <a:p>
-            <a:pPr indent="254000">
+              <a:rPr>
+                <a:latin typeface="Source Sans Pro Bold"/>
+                <a:ea typeface="Source Sans Pro Bold"/>
+                <a:cs typeface="Source Sans Pro Bold"/>
+                <a:sym typeface="Source Sans Pro Bold"/>
+              </a:rPr>
+              <a:t>py_available(</a:t>
+            </a:r>
+            <a:r>
+              <a:t>initialize = FALSE</a:t>
+            </a:r>
+            <a:r>
+              <a:rPr>
+                <a:latin typeface="Source Sans Pro Bold"/>
+                <a:ea typeface="Source Sans Pro Bold"/>
+                <a:cs typeface="Source Sans Pro Bold"/>
+                <a:sym typeface="Source Sans Pro Bold"/>
+              </a:rPr>
+              <a:t>)</a:t>
+            </a:r>
+            <a:r>
+              <a:t> Check if Python is available on your system. Also </a:t>
+            </a:r>
+            <a:r>
+              <a:rPr>
+                <a:latin typeface="Source Sans Pro Bold"/>
+                <a:ea typeface="Source Sans Pro Bold"/>
+                <a:cs typeface="Source Sans Pro Bold"/>
+                <a:sym typeface="Source Sans Pro Bold"/>
+              </a:rPr>
+              <a:t>py_module_available() </a:t>
+            </a:r>
+            <a:r>
+              <a:t>and </a:t>
+            </a:r>
+            <a:r>
+              <a:rPr>
+                <a:latin typeface="Source Sans Pro Bold"/>
+                <a:ea typeface="Source Sans Pro Bold"/>
+                <a:cs typeface="Source Sans Pro Bold"/>
+                <a:sym typeface="Source Sans Pro Bold"/>
+              </a:rPr>
+              <a:t>py_numpy_module().</a:t>
+            </a:r>
+            <a:r>
+              <a:t> </a:t>
+            </a:r>
+            <a:r>
+              <a:rPr>
+                <a:latin typeface="Source Sans Pro ExtraLight"/>
+                <a:ea typeface="Source Sans Pro ExtraLight"/>
+                <a:cs typeface="Source Sans Pro ExtraLight"/>
+                <a:sym typeface="Source Sans Pro ExtraLight"/>
+              </a:rPr>
+              <a:t>py_available()</a:t>
+            </a:r>
+            <a:endParaRPr>
+              <a:latin typeface="Source Sans Pro ExtraLight"/>
+              <a:ea typeface="Source Sans Pro ExtraLight"/>
+              <a:cs typeface="Source Sans Pro ExtraLight"/>
+              <a:sym typeface="Source Sans Pro ExtraLight"/>
+            </a:endParaRPr>
+          </a:p>
+          <a:p>
+            <a:pPr marL="381000" indent="-127000">
               <a:lnSpc>
                 <a:spcPct val="80000"/>
               </a:lnSpc>
               <a:spcBef>
                 <a:spcPts val="1000"/>
               </a:spcBef>
-              <a:defRPr b="0" sz="1100">
+              <a:buSzPct val="100000"/>
+              <a:buChar char="•"/>
+              <a:defRPr sz="1100">
                 <a:solidFill>
                   <a:srgbClr val="000000"/>
                 </a:solidFill>
+                <a:latin typeface="Source Sans Pro Regular"/>
+                <a:ea typeface="Source Sans Pro Regular"/>
+                <a:cs typeface="Source Sans Pro Regular"/>
+                <a:sym typeface="Source Sans Pro Regular"/>
               </a:defRPr>
             </a:pPr>
             <a:r>
-              <a:t>Python is available on your system. Also </a:t>
-            </a:r>
-            <a:r>
-              <a:rPr b="1"/>
-              <a:t>py_module_available</a:t>
-            </a:r>
-            <a:r>
-              <a:t>, </a:t>
-            </a:r>
-            <a:r>
-              <a:rPr b="1"/>
-              <a:t>py_numpy_module.</a:t>
-            </a:r>
-            <a:r>
-              <a:t> </a:t>
-            </a:r>
-            <a:r>
-              <a:rPr i="1"/>
-              <a:t>py_available()</a:t>
+              <a:rPr>
+                <a:latin typeface="Source Sans Pro Bold"/>
+                <a:ea typeface="Source Sans Pro Bold"/>
+                <a:cs typeface="Source Sans Pro Bold"/>
+                <a:sym typeface="Source Sans Pro Bold"/>
+              </a:rPr>
+              <a:t>py_discover_config()</a:t>
+            </a:r>
+            <a:r>
+              <a:t> Return all detected versions of Python. Use </a:t>
+            </a:r>
+            <a:r>
+              <a:rPr>
+                <a:latin typeface="Source Sans Pro Bold"/>
+                <a:ea typeface="Source Sans Pro Bold"/>
+                <a:cs typeface="Source Sans Pro Bold"/>
+                <a:sym typeface="Source Sans Pro Bold"/>
+              </a:rPr>
+              <a:t>py_config()</a:t>
+            </a:r>
+            <a:r>
+              <a:t> to check which version has been loaded. </a:t>
+            </a:r>
+            <a:r>
+              <a:rPr>
+                <a:latin typeface="Source Sans Pro ExtraLight"/>
+                <a:ea typeface="Source Sans Pro ExtraLight"/>
+                <a:cs typeface="Source Sans Pro ExtraLight"/>
+                <a:sym typeface="Source Sans Pro ExtraLight"/>
+              </a:rPr>
+              <a:t>py_config()</a:t>
+            </a:r>
+          </a:p>
+          <a:p>
+            <a:pPr marL="381000" indent="-127000">
+              <a:lnSpc>
+                <a:spcPct val="80000"/>
+              </a:lnSpc>
+              <a:spcBef>
+                <a:spcPts val="1000"/>
+              </a:spcBef>
+              <a:buSzPct val="100000"/>
+              <a:buChar char="•"/>
+              <a:defRPr sz="1100">
+                <a:solidFill>
+                  <a:srgbClr val="000000"/>
+                </a:solidFill>
+                <a:latin typeface="Source Sans Pro Regular"/>
+                <a:ea typeface="Source Sans Pro Regular"/>
+                <a:cs typeface="Source Sans Pro Regular"/>
+                <a:sym typeface="Source Sans Pro Regular"/>
+              </a:defRPr>
+            </a:pPr>
+            <a:r>
+              <a:rPr>
+                <a:latin typeface="Source Sans Pro Bold"/>
+                <a:ea typeface="Source Sans Pro Bold"/>
+                <a:cs typeface="Source Sans Pro Bold"/>
+                <a:sym typeface="Source Sans Pro Bold"/>
+              </a:rPr>
+              <a:t>virtualenv_list()</a:t>
+            </a:r>
+            <a:r>
+              <a:t> List all available virtualenvs. Also </a:t>
+            </a:r>
+            <a:r>
+              <a:rPr>
+                <a:latin typeface="Source Sans Pro Bold"/>
+                <a:ea typeface="Source Sans Pro Bold"/>
+                <a:cs typeface="Source Sans Pro Bold"/>
+                <a:sym typeface="Source Sans Pro Bold"/>
+              </a:rPr>
+              <a:t>virtualenv_root()</a:t>
+            </a:r>
+            <a:r>
+              <a:t>. </a:t>
+            </a:r>
+            <a:r>
+              <a:rPr>
+                <a:latin typeface="Source Sans Pro ExtraLight"/>
+                <a:ea typeface="Source Sans Pro ExtraLight"/>
+                <a:cs typeface="Source Sans Pro ExtraLight"/>
+                <a:sym typeface="Source Sans Pro ExtraLight"/>
+              </a:rPr>
+              <a:t>virtualenv_list()</a:t>
+            </a:r>
+            <a:endParaRPr>
+              <a:latin typeface="Source Sans Pro ExtraLight"/>
+              <a:ea typeface="Source Sans Pro ExtraLight"/>
+              <a:cs typeface="Source Sans Pro ExtraLight"/>
+              <a:sym typeface="Source Sans Pro ExtraLight"/>
+            </a:endParaRPr>
+          </a:p>
+          <a:p>
+            <a:pPr marL="381000" indent="-127000">
+              <a:lnSpc>
+                <a:spcPct val="80000"/>
+              </a:lnSpc>
+              <a:spcBef>
+                <a:spcPts val="1000"/>
+              </a:spcBef>
+              <a:buSzPct val="100000"/>
+              <a:buChar char="•"/>
+              <a:defRPr sz="1100">
+                <a:solidFill>
+                  <a:srgbClr val="000000"/>
+                </a:solidFill>
+                <a:latin typeface="Source Sans Pro Regular"/>
+                <a:ea typeface="Source Sans Pro Regular"/>
+                <a:cs typeface="Source Sans Pro Regular"/>
+                <a:sym typeface="Source Sans Pro Regular"/>
+              </a:defRPr>
+            </a:pPr>
+            <a:r>
+              <a:rPr>
+                <a:latin typeface="Source Sans Pro Bold"/>
+                <a:ea typeface="Source Sans Pro Bold"/>
+                <a:cs typeface="Source Sans Pro Bold"/>
+                <a:sym typeface="Source Sans Pro Bold"/>
+              </a:rPr>
+              <a:t>conda_list(</a:t>
+            </a:r>
+            <a:r>
+              <a:t>conda = "auto"</a:t>
+            </a:r>
+            <a:r>
+              <a:rPr>
+                <a:latin typeface="Source Sans Pro Bold"/>
+                <a:ea typeface="Source Sans Pro Bold"/>
+                <a:cs typeface="Source Sans Pro Bold"/>
+                <a:sym typeface="Source Sans Pro Bold"/>
+              </a:rPr>
+              <a:t>)</a:t>
+            </a:r>
+            <a:r>
+              <a:t> List all available conda envs. Also </a:t>
+            </a:r>
+            <a:r>
+              <a:rPr>
+                <a:latin typeface="Source Sans Pro Bold"/>
+                <a:ea typeface="Source Sans Pro Bold"/>
+                <a:cs typeface="Source Sans Pro Bold"/>
+                <a:sym typeface="Source Sans Pro Bold"/>
+              </a:rPr>
+              <a:t>conda_binary()</a:t>
+            </a:r>
+            <a:r>
+              <a:t> and </a:t>
+            </a:r>
+            <a:r>
+              <a:rPr>
+                <a:latin typeface="Source Sans Pro Bold"/>
+                <a:ea typeface="Source Sans Pro Bold"/>
+                <a:cs typeface="Source Sans Pro Bold"/>
+                <a:sym typeface="Source Sans Pro Bold"/>
+              </a:rPr>
+              <a:t>conda_version()</a:t>
+            </a:r>
+            <a:r>
+              <a:t>. </a:t>
+            </a:r>
+            <a:r>
+              <a:rPr>
+                <a:latin typeface="Source Sans Pro ExtraLight"/>
+                <a:ea typeface="Source Sans Pro ExtraLight"/>
+                <a:cs typeface="Source Sans Pro ExtraLight"/>
+                <a:sym typeface="Source Sans Pro ExtraLight"/>
+              </a:rPr>
+              <a:t>conda_list()</a:t>
             </a:r>
           </a:p>
         </p:txBody>
       </p:sp>
+      <p:pic>
+        <p:nvPicPr>
+          <p:cNvPr id="214" name="Screen Shot 2019-04-24 at 3.07.57 PM.png" descr="Screen Shot 2019-04-24 at 3.07.57 PM.png"/>
+          <p:cNvPicPr>
+            <a:picLocks noChangeAspect="1"/>
+          </p:cNvPicPr>
+          <p:nvPr/>
+        </p:nvPicPr>
+        <p:blipFill>
+          <a:blip r:embed="rId9">
+            <a:extLst/>
+          </a:blip>
+          <a:stretch>
+            <a:fillRect/>
+          </a:stretch>
+        </p:blipFill>
+        <p:spPr>
+          <a:xfrm>
+            <a:off x="2721593" y="3174981"/>
+            <a:ext cx="129671" cy="160971"/>
+          </a:xfrm>
+          <a:prstGeom prst="rect">
+            <a:avLst/>
+          </a:prstGeom>
+          <a:ln w="12700">
+            <a:miter lim="400000"/>
+          </a:ln>
+        </p:spPr>
+      </p:pic>
+      <p:pic>
+        <p:nvPicPr>
+          <p:cNvPr id="215" name="Screen Shot 2019-04-24 at 3.06.42 PM.png" descr="Screen Shot 2019-04-24 at 3.06.42 PM.png"/>
+          <p:cNvPicPr>
+            <a:picLocks noChangeAspect="1"/>
+          </p:cNvPicPr>
+          <p:nvPr/>
+        </p:nvPicPr>
+        <p:blipFill>
+          <a:blip r:embed="rId10">
+            <a:extLst/>
+          </a:blip>
+          <a:srcRect l="473" t="1694" r="473" b="1694"/>
+          <a:stretch>
+            <a:fillRect/>
+          </a:stretch>
+        </p:blipFill>
+        <p:spPr>
+          <a:xfrm>
+            <a:off x="2784441" y="3317651"/>
+            <a:ext cx="833557" cy="454668"/>
+          </a:xfrm>
+          <a:prstGeom prst="rect">
+            <a:avLst/>
+          </a:prstGeom>
+          <a:ln w="12700">
+            <a:miter lim="400000"/>
+          </a:ln>
+        </p:spPr>
+      </p:pic>
       <p:sp>
         <p:nvSpPr>
-          <p:cNvPr id="215" name="Line"/>
+          <p:cNvPr id="216" name="Line"/>
           <p:cNvSpPr/>
           <p:nvPr/>
         </p:nvSpPr>
         <p:spPr>
-          <a:xfrm flipV="1">
-            <a:off x="5540380" y="1688817"/>
-            <a:ext cx="977308" cy="3193698"/>
+          <a:xfrm flipH="1" flipV="1">
+            <a:off x="752719" y="1815817"/>
+            <a:ext cx="287358" cy="820367"/>
           </a:xfrm>
           <a:prstGeom prst="line">
             <a:avLst/>
@@ -9747,7 +11008,7 @@
               <a:spcBef>
                 <a:spcPts val="0"/>
               </a:spcBef>
-              <a:defRPr b="0" sz="2600">
+              <a:defRPr sz="2600">
                 <a:solidFill>
                   <a:srgbClr val="000000"/>
                 </a:solidFill>
@@ -9760,75 +11021,16 @@
           </a:p>
         </p:txBody>
       </p:sp>
-      <p:pic>
-        <p:nvPicPr>
-          <p:cNvPr id="216" name="Screen Shot 2019-04-24 at 3.07.57 PM.png" descr="Screen Shot 2019-04-24 at 3.07.57 PM.png"/>
-          <p:cNvPicPr>
-            <a:picLocks noChangeAspect="1"/>
-          </p:cNvPicPr>
-          <p:nvPr/>
-        </p:nvPicPr>
-        <p:blipFill>
-          <a:blip r:embed="rId9">
-            <a:extLst/>
-          </a:blip>
-          <a:stretch>
-            <a:fillRect/>
-          </a:stretch>
-        </p:blipFill>
-        <p:spPr>
-          <a:xfrm>
-            <a:off x="2721593" y="3149581"/>
-            <a:ext cx="129671" cy="160971"/>
-          </a:xfrm>
-          <a:prstGeom prst="rect">
-            <a:avLst/>
-          </a:prstGeom>
-          <a:ln w="12700">
-            <a:miter lim="400000"/>
-          </a:ln>
-        </p:spPr>
-      </p:pic>
-      <p:pic>
-        <p:nvPicPr>
-          <p:cNvPr id="217" name="Screen Shot 2019-04-24 at 3.06.42 PM.png" descr="Screen Shot 2019-04-24 at 3.06.42 PM.png"/>
-          <p:cNvPicPr>
-            <a:picLocks noChangeAspect="1"/>
-          </p:cNvPicPr>
-          <p:nvPr/>
-        </p:nvPicPr>
-        <p:blipFill>
-          <a:blip r:embed="rId10">
-            <a:extLst/>
-          </a:blip>
-          <a:srcRect l="473" t="1694" r="473" b="1694"/>
-          <a:stretch>
-            <a:fillRect/>
-          </a:stretch>
-        </p:blipFill>
-        <p:spPr>
-          <a:xfrm>
-            <a:off x="2784441" y="3304951"/>
-            <a:ext cx="833557" cy="454668"/>
-          </a:xfrm>
-          <a:prstGeom prst="rect">
-            <a:avLst/>
-          </a:prstGeom>
-          <a:ln w="12700">
-            <a:miter lim="400000"/>
-          </a:ln>
-        </p:spPr>
-      </p:pic>
       <p:sp>
         <p:nvSpPr>
-          <p:cNvPr id="218" name="Line"/>
+          <p:cNvPr id="217" name="Line"/>
           <p:cNvSpPr/>
           <p:nvPr/>
         </p:nvSpPr>
         <p:spPr>
           <a:xfrm flipH="1" flipV="1">
-            <a:off x="752719" y="1815817"/>
-            <a:ext cx="556540" cy="719955"/>
+            <a:off x="2269104" y="1834556"/>
+            <a:ext cx="698492" cy="1486003"/>
           </a:xfrm>
           <a:prstGeom prst="line">
             <a:avLst/>
@@ -9850,7 +11052,7 @@
               <a:spcBef>
                 <a:spcPts val="0"/>
               </a:spcBef>
-              <a:defRPr b="0" sz="2600">
+              <a:defRPr sz="2600">
                 <a:solidFill>
                   <a:srgbClr val="000000"/>
                 </a:solidFill>
@@ -9865,14 +11067,14 @@
       </p:sp>
       <p:sp>
         <p:nvSpPr>
-          <p:cNvPr id="219" name="Line"/>
+          <p:cNvPr id="218" name="Line"/>
           <p:cNvSpPr/>
           <p:nvPr/>
         </p:nvSpPr>
         <p:spPr>
           <a:xfrm flipH="1" flipV="1">
-            <a:off x="2269104" y="1834556"/>
-            <a:ext cx="685209" cy="1467847"/>
+            <a:off x="3261817" y="1688817"/>
+            <a:ext cx="190162" cy="808389"/>
           </a:xfrm>
           <a:prstGeom prst="line">
             <a:avLst/>
@@ -9894,7 +11096,7 @@
               <a:spcBef>
                 <a:spcPts val="0"/>
               </a:spcBef>
-              <a:defRPr b="0" sz="2600">
+              <a:defRPr sz="2600">
                 <a:solidFill>
                   <a:srgbClr val="000000"/>
                 </a:solidFill>
@@ -9909,14 +11111,14 @@
       </p:sp>
       <p:sp>
         <p:nvSpPr>
-          <p:cNvPr id="220" name="Line"/>
+          <p:cNvPr id="219" name="Line"/>
           <p:cNvSpPr/>
           <p:nvPr/>
         </p:nvSpPr>
         <p:spPr>
-          <a:xfrm flipH="1" flipV="1">
-            <a:off x="3261817" y="1688817"/>
-            <a:ext cx="107287" cy="679037"/>
+          <a:xfrm flipV="1">
+            <a:off x="4158336" y="1764861"/>
+            <a:ext cx="983942" cy="895476"/>
           </a:xfrm>
           <a:prstGeom prst="line">
             <a:avLst/>
@@ -9938,7 +11140,7 @@
               <a:spcBef>
                 <a:spcPts val="0"/>
               </a:spcBef>
-              <a:defRPr b="0" sz="2600">
+              <a:defRPr sz="2600">
                 <a:solidFill>
                   <a:srgbClr val="000000"/>
                 </a:solidFill>
@@ -9953,58 +11155,14 @@
       </p:sp>
       <p:sp>
         <p:nvSpPr>
-          <p:cNvPr id="221" name="Line"/>
-          <p:cNvSpPr/>
-          <p:nvPr/>
-        </p:nvSpPr>
-        <p:spPr>
-          <a:xfrm flipV="1">
-            <a:off x="5144595" y="1909512"/>
-            <a:ext cx="118919" cy="846956"/>
-          </a:xfrm>
-          <a:prstGeom prst="line">
-            <a:avLst/>
-          </a:prstGeom>
-          <a:ln>
-            <a:solidFill>
-              <a:srgbClr val="000000"/>
-            </a:solidFill>
-            <a:custDash>
-              <a:ds d="100000" sp="200000"/>
-            </a:custDash>
-          </a:ln>
-        </p:spPr>
-        <p:txBody>
-          <a:bodyPr lIns="54570" tIns="54570" rIns="54570" bIns="54570" anchor="ctr"/>
-          <a:lstStyle/>
-          <a:p>
-            <a:pPr algn="ctr">
-              <a:spcBef>
-                <a:spcPts val="0"/>
-              </a:spcBef>
-              <a:defRPr b="0" sz="2600">
-                <a:solidFill>
-                  <a:srgbClr val="000000"/>
-                </a:solidFill>
-                <a:latin typeface="Helvetica Light"/>
-                <a:ea typeface="Helvetica Light"/>
-                <a:cs typeface="Helvetica Light"/>
-                <a:sym typeface="Helvetica Light"/>
-              </a:defRPr>
-            </a:pPr>
-          </a:p>
-        </p:txBody>
-      </p:sp>
-      <p:sp>
-        <p:nvSpPr>
-          <p:cNvPr id="222" name="A REPL (Read, Eval, Print Loop) is a command line where you can run Python code and view the results.…"/>
+          <p:cNvPr id="220" name="A REPL (Read, Eval, Print Loop) is a command line where you can run Python code and view the results.…"/>
           <p:cNvSpPr txBox="1"/>
           <p:nvPr/>
         </p:nvSpPr>
         <p:spPr>
           <a:xfrm>
-            <a:off x="316189" y="7262130"/>
-            <a:ext cx="2679066" cy="3286432"/>
+            <a:off x="316189" y="7516130"/>
+            <a:ext cx="2679066" cy="2438930"/>
           </a:xfrm>
           <a:prstGeom prst="rect">
             <a:avLst/>
@@ -10029,12 +11187,16 @@
                 <a:spcPct val="80000"/>
               </a:lnSpc>
               <a:spcBef>
-                <a:spcPts val="1000"/>
-              </a:spcBef>
-              <a:defRPr b="0" sz="1100">
+                <a:spcPts val="500"/>
+              </a:spcBef>
+              <a:defRPr sz="1100">
                 <a:solidFill>
                   <a:srgbClr val="7A4300"/>
                 </a:solidFill>
+                <a:latin typeface="Source Sans Pro Regular"/>
+                <a:ea typeface="Source Sans Pro Regular"/>
+                <a:cs typeface="Source Sans Pro Regular"/>
+                <a:sym typeface="Source Sans Pro Regular"/>
               </a:defRPr>
             </a:pPr>
             <a:r>
@@ -10047,39 +11209,58 @@
                 <a:spcPct val="80000"/>
               </a:lnSpc>
               <a:spcBef>
-                <a:spcPts val="1000"/>
+                <a:spcPts val="500"/>
               </a:spcBef>
               <a:buSzPct val="100000"/>
               <a:buAutoNum type="arabicPeriod" startAt="1"/>
-              <a:defRPr b="0" sz="1100">
+              <a:defRPr sz="1100">
                 <a:solidFill>
                   <a:srgbClr val="7A4300"/>
                 </a:solidFill>
+                <a:latin typeface="Source Sans Pro Regular"/>
+                <a:ea typeface="Source Sans Pro Regular"/>
+                <a:cs typeface="Source Sans Pro Regular"/>
+                <a:sym typeface="Source Sans Pro Regular"/>
               </a:defRPr>
             </a:pPr>
             <a:r>
               <a:t>Open in the console with </a:t>
             </a:r>
             <a:r>
-              <a:rPr b="1"/>
-              <a:t>repl_python</a:t>
-            </a:r>
-            <a:r>
-              <a:t>(), or by running code in a Python script with </a:t>
-            </a:r>
-            <a:r>
-              <a:rPr b="1"/>
+              <a:rPr>
+                <a:latin typeface="Source Sans Pro Bold"/>
+                <a:ea typeface="Source Sans Pro Bold"/>
+                <a:cs typeface="Source Sans Pro Bold"/>
+                <a:sym typeface="Source Sans Pro Bold"/>
+              </a:rPr>
+              <a:t>repl_python()</a:t>
+            </a:r>
+            <a:r>
+              <a:t>, or by running code in a Python script with </a:t>
+            </a:r>
+            <a:r>
+              <a:rPr>
+                <a:latin typeface="Source Sans Pro Bold"/>
+                <a:ea typeface="Source Sans Pro Bold"/>
+                <a:cs typeface="Source Sans Pro Bold"/>
+                <a:sym typeface="Source Sans Pro Bold"/>
+              </a:rPr>
               <a:t>Cmd + Enter</a:t>
             </a:r>
             <a:r>
               <a:t> (</a:t>
             </a:r>
             <a:r>
-              <a:rPr b="1"/>
+              <a:rPr>
+                <a:latin typeface="Source Sans Pro Bold"/>
+                <a:ea typeface="Source Sans Pro Bold"/>
+                <a:cs typeface="Source Sans Pro Bold"/>
+                <a:sym typeface="Source Sans Pro Bold"/>
+              </a:rPr>
               <a:t>Ctrl + Enter</a:t>
             </a:r>
             <a:r>
-              <a:t>) .</a:t>
+              <a:t>).</a:t>
             </a:r>
           </a:p>
           <a:p>
@@ -10088,32 +11269,63 @@
                 <a:spcPct val="80000"/>
               </a:lnSpc>
               <a:spcBef>
-                <a:spcPts val="1000"/>
+                <a:spcPts val="500"/>
               </a:spcBef>
               <a:buSzPct val="100000"/>
               <a:buChar char="•"/>
-              <a:defRPr b="0" sz="1100">
+              <a:defRPr sz="1100">
                 <a:solidFill>
                   <a:srgbClr val="000000"/>
                 </a:solidFill>
+                <a:latin typeface="Source Sans Pro Regular"/>
+                <a:ea typeface="Source Sans Pro Regular"/>
+                <a:cs typeface="Source Sans Pro Regular"/>
+                <a:sym typeface="Source Sans Pro Regular"/>
               </a:defRPr>
             </a:pPr>
             <a:r>
-              <a:rPr b="1"/>
-              <a:t>repl_python</a:t>
-            </a:r>
-            <a:r>
-              <a:t>(module = NULL, quiet = getOption("reticulate.repl.quiet", default = FALSE)) Launch a Python REPL. Run </a:t>
-            </a:r>
-            <a:r>
-              <a:rPr b="1"/>
+              <a:rPr>
+                <a:latin typeface="Source Sans Pro Bold"/>
+                <a:ea typeface="Source Sans Pro Bold"/>
+                <a:cs typeface="Source Sans Pro Bold"/>
+                <a:sym typeface="Source Sans Pro Bold"/>
+              </a:rPr>
+              <a:t>repl_python(</a:t>
+            </a:r>
+            <a:r>
+              <a:t>module = NULL, quiet = getOption("reticulate.repl.quiet", default = FALSE), input = NULL</a:t>
+            </a:r>
+            <a:r>
+              <a:rPr>
+                <a:latin typeface="Source Sans Pro Bold"/>
+                <a:ea typeface="Source Sans Pro Bold"/>
+                <a:cs typeface="Source Sans Pro Bold"/>
+                <a:sym typeface="Source Sans Pro Bold"/>
+              </a:rPr>
+              <a:t>)</a:t>
+            </a:r>
+            <a:r>
+              <a:t> Launch a Python REPL. Run </a:t>
+            </a:r>
+            <a:r>
+              <a:rPr>
+                <a:latin typeface="Source Sans Pro Bold"/>
+                <a:ea typeface="Source Sans Pro Bold"/>
+                <a:cs typeface="Source Sans Pro Bold"/>
+                <a:sym typeface="Source Sans Pro Bold"/>
+              </a:rPr>
               <a:t>exit</a:t>
             </a:r>
             <a:r>
               <a:t> to close. </a:t>
             </a:r>
             <a:r>
-              <a:rPr i="1"/>
+              <a:rPr>
+                <a:latin typeface="Source Sans Pro ExtraLight"/>
+                <a:ea typeface="Source Sans Pro ExtraLight"/>
+                <a:cs typeface="Source Sans Pro ExtraLight"/>
+                <a:sym typeface="Source Sans Pro ExtraLight"/>
+              </a:rPr>
               <a:t>repl_python() </a:t>
             </a:r>
           </a:p>
@@ -10123,30 +11335,34 @@
                 <a:spcPct val="80000"/>
               </a:lnSpc>
               <a:spcBef>
-                <a:spcPts val="1000"/>
+                <a:spcPts val="500"/>
               </a:spcBef>
               <a:buSzPct val="100000"/>
               <a:buAutoNum type="arabicPeriod" startAt="2"/>
-              <a:defRPr b="0" sz="1100">
+              <a:defRPr sz="1100">
                 <a:solidFill>
                   <a:srgbClr val="7A4300"/>
                 </a:solidFill>
+                <a:latin typeface="Source Sans Pro Regular"/>
+                <a:ea typeface="Source Sans Pro Regular"/>
+                <a:cs typeface="Source Sans Pro Regular"/>
+                <a:sym typeface="Source Sans Pro Regular"/>
               </a:defRPr>
             </a:pPr>
             <a:r>
               <a:t>Type commands at </a:t>
             </a:r>
             <a:r>
-              <a:rPr>
-                <a:latin typeface="Source Sans Pro Semibold"/>
-                <a:ea typeface="Source Sans Pro Semibold"/>
-                <a:cs typeface="Source Sans Pro Semibold"/>
-                <a:sym typeface="Source Sans Pro Semibold"/>
+              <a:rPr b="1">
+                <a:latin typeface="SourceSansPro-SemiBold"/>
+                <a:ea typeface="SourceSansPro-SemiBold"/>
+                <a:cs typeface="SourceSansPro-SemiBold"/>
+                <a:sym typeface="SourceSansPro-SemiBold"/>
               </a:rPr>
               <a:t>&gt;&gt;&gt;</a:t>
             </a:r>
             <a:r>
-              <a:t> prompt</a:t>
+              <a:t> prompt.</a:t>
             </a:r>
           </a:p>
           <a:p>
@@ -10155,30 +11371,34 @@
                 <a:spcPct val="80000"/>
               </a:lnSpc>
               <a:spcBef>
-                <a:spcPts val="1000"/>
+                <a:spcPts val="500"/>
               </a:spcBef>
               <a:buSzPct val="100000"/>
               <a:buAutoNum type="arabicPeriod" startAt="2"/>
-              <a:defRPr b="0" sz="1100">
+              <a:defRPr sz="1100">
                 <a:solidFill>
                   <a:srgbClr val="7A4300"/>
                 </a:solidFill>
+                <a:latin typeface="Source Sans Pro Regular"/>
+                <a:ea typeface="Source Sans Pro Regular"/>
+                <a:cs typeface="Source Sans Pro Regular"/>
+                <a:sym typeface="Source Sans Pro Regular"/>
               </a:defRPr>
             </a:pPr>
             <a:r>
               <a:t>Press </a:t>
             </a:r>
             <a:r>
-              <a:rPr>
-                <a:latin typeface="Source Sans Pro Semibold"/>
-                <a:ea typeface="Source Sans Pro Semibold"/>
-                <a:cs typeface="Source Sans Pro Semibold"/>
-                <a:sym typeface="Source Sans Pro Semibold"/>
+              <a:rPr b="1">
+                <a:latin typeface="SourceSansPro-SemiBold"/>
+                <a:ea typeface="SourceSansPro-SemiBold"/>
+                <a:cs typeface="SourceSansPro-SemiBold"/>
+                <a:sym typeface="SourceSansPro-SemiBold"/>
               </a:rPr>
               <a:t>Enter</a:t>
             </a:r>
             <a:r>
-              <a:t> to run code</a:t>
+              <a:t> to run code.</a:t>
             </a:r>
           </a:p>
           <a:p>
@@ -10187,76 +11407,41 @@
                 <a:spcPct val="80000"/>
               </a:lnSpc>
               <a:spcBef>
-                <a:spcPts val="1000"/>
+                <a:spcPts val="500"/>
               </a:spcBef>
               <a:buSzPct val="100000"/>
               <a:buAutoNum type="arabicPeriod" startAt="2"/>
-              <a:defRPr b="0" sz="1100">
+              <a:defRPr sz="1100">
                 <a:solidFill>
                   <a:srgbClr val="7A4300"/>
                 </a:solidFill>
+                <a:latin typeface="Source Sans Pro Regular"/>
+                <a:ea typeface="Source Sans Pro Regular"/>
+                <a:cs typeface="Source Sans Pro Regular"/>
+                <a:sym typeface="Source Sans Pro Regular"/>
               </a:defRPr>
             </a:pPr>
             <a:r>
               <a:t>Type </a:t>
             </a:r>
             <a:r>
-              <a:rPr>
-                <a:latin typeface="Source Sans Pro Semibold"/>
-                <a:ea typeface="Source Sans Pro Semibold"/>
-                <a:cs typeface="Source Sans Pro Semibold"/>
-                <a:sym typeface="Source Sans Pro Semibold"/>
+              <a:rPr b="1">
+                <a:latin typeface="SourceSansPro-SemiBold"/>
+                <a:ea typeface="SourceSansPro-SemiBold"/>
+                <a:cs typeface="SourceSansPro-SemiBold"/>
+                <a:sym typeface="SourceSansPro-SemiBold"/>
               </a:rPr>
               <a:t>exit </a:t>
             </a:r>
             <a:r>
-              <a:t>to close and return to R console</a:t>
+              <a:t>to close and return to R console.</a:t>
             </a:r>
           </a:p>
         </p:txBody>
       </p:sp>
-      <p:pic>
-        <p:nvPicPr>
-          <p:cNvPr id="223" name="Screen Shot 2019-04-24 at 3.35.32 PM.png" descr="Screen Shot 2019-04-24 at 3.35.32 PM.png"/>
-          <p:cNvPicPr>
-            <a:picLocks noChangeAspect="1"/>
-          </p:cNvPicPr>
-          <p:nvPr/>
-        </p:nvPicPr>
-        <p:blipFill>
-          <a:blip r:embed="rId11">
-            <a:extLst/>
-          </a:blip>
-          <a:stretch>
-            <a:fillRect/>
-          </a:stretch>
-        </p:blipFill>
-        <p:spPr>
-          <a:xfrm>
-            <a:off x="3145021" y="6830041"/>
-            <a:ext cx="3669274" cy="3359657"/>
-          </a:xfrm>
-          <a:prstGeom prst="rect">
-            <a:avLst/>
-          </a:prstGeom>
-          <a:ln w="19050">
-            <a:solidFill>
-              <a:srgbClr val="000000"/>
-            </a:solidFill>
-            <a:miter lim="400000"/>
-          </a:ln>
-          <a:effectLst>
-            <a:outerShdw sx="100000" sy="100000" kx="0" ky="0" algn="b" rotWithShape="0" blurRad="76200" dist="63500" dir="5400000">
-              <a:srgbClr val="000000">
-                <a:alpha val="50000"/>
-              </a:srgbClr>
-            </a:outerShdw>
-          </a:effectLst>
-        </p:spPr>
-      </p:pic>
       <p:sp>
         <p:nvSpPr>
-          <p:cNvPr id="224" name="Line"/>
+          <p:cNvPr id="221" name="Line"/>
           <p:cNvSpPr/>
           <p:nvPr/>
         </p:nvSpPr>
@@ -10285,7 +11470,7 @@
               <a:spcBef>
                 <a:spcPts val="0"/>
               </a:spcBef>
-              <a:defRPr b="0" sz="2600">
+              <a:defRPr sz="2600">
                 <a:solidFill>
                   <a:srgbClr val="000000"/>
                 </a:solidFill>
@@ -10300,14 +11485,14 @@
       </p:sp>
       <p:sp>
         <p:nvSpPr>
-          <p:cNvPr id="225" name="A Python REPL opens in the console when you run Python code with a keyboard shortcut. Type exit to close."/>
+          <p:cNvPr id="222" name="A Python REPL opens in the console when you run Python code with a keyboard shortcut. Type exit to close."/>
           <p:cNvSpPr txBox="1"/>
           <p:nvPr/>
         </p:nvSpPr>
         <p:spPr>
           <a:xfrm>
-            <a:off x="473457" y="6350346"/>
-            <a:ext cx="6318017" cy="454820"/>
+            <a:off x="473457" y="6355622"/>
+            <a:ext cx="2809670" cy="616477"/>
           </a:xfrm>
           <a:prstGeom prst="rect">
             <a:avLst/>
@@ -10334,17 +11519,26 @@
               <a:spcBef>
                 <a:spcPts val="1000"/>
               </a:spcBef>
-              <a:defRPr b="0" sz="1100">
+              <a:defRPr sz="1100">
                 <a:solidFill>
                   <a:srgbClr val="000000"/>
                 </a:solidFill>
+                <a:latin typeface="Source Sans Pro Regular"/>
+                <a:ea typeface="Source Sans Pro Regular"/>
+                <a:cs typeface="Source Sans Pro Regular"/>
+                <a:sym typeface="Source Sans Pro Regular"/>
               </a:defRPr>
             </a:pPr>
             <a:r>
               <a:t>A Python REPL opens in the console when you run Python code with a keyboard shortcut. Type </a:t>
             </a:r>
             <a:r>
-              <a:rPr b="1"/>
+              <a:rPr>
+                <a:latin typeface="Source Sans Pro Bold"/>
+                <a:ea typeface="Source Sans Pro Bold"/>
+                <a:cs typeface="Source Sans Pro Bold"/>
+                <a:sym typeface="Source Sans Pro Bold"/>
+              </a:rPr>
               <a:t>exit</a:t>
             </a:r>
             <a:r>
@@ -10355,14 +11549,14 @@
       </p:sp>
       <p:sp>
         <p:nvSpPr>
-          <p:cNvPr id="226" name="The instance referenced by the environment…"/>
+          <p:cNvPr id="223" name="The instance referenced by the environment variable RETICULATE_PYTHON (if specified). Tip: set in .Renviron file.…"/>
           <p:cNvSpPr txBox="1"/>
           <p:nvPr/>
         </p:nvSpPr>
         <p:spPr>
           <a:xfrm>
-            <a:off x="10570550" y="4625783"/>
-            <a:ext cx="2840113" cy="6335495"/>
+            <a:off x="10570550" y="5032183"/>
+            <a:ext cx="2916313" cy="5099434"/>
           </a:xfrm>
           <a:prstGeom prst="rect">
             <a:avLst/>
@@ -10387,69 +11581,42 @@
                 <a:spcPct val="80000"/>
               </a:lnSpc>
               <a:spcBef>
-                <a:spcPts val="0"/>
+                <a:spcPts val="1000"/>
               </a:spcBef>
               <a:buSzPct val="100000"/>
               <a:buAutoNum type="arabicPeriod" startAt="1"/>
-              <a:defRPr b="0" sz="1100">
+              <a:defRPr sz="1100">
                 <a:solidFill>
                   <a:srgbClr val="7A4300"/>
                 </a:solidFill>
+                <a:latin typeface="Source Sans Pro Regular"/>
+                <a:ea typeface="Source Sans Pro Regular"/>
+                <a:cs typeface="Source Sans Pro Regular"/>
+                <a:sym typeface="Source Sans Pro Regular"/>
               </a:defRPr>
             </a:pPr>
             <a:r>
-              <a:t>The instance referenced by the environment </a:t>
-            </a:r>
-          </a:p>
-          <a:p>
-            <a:pPr>
-              <a:lnSpc>
-                <a:spcPct val="80000"/>
-              </a:lnSpc>
-              <a:spcBef>
-                <a:spcPts val="0"/>
-              </a:spcBef>
-              <a:defRPr b="0" sz="1100">
-                <a:solidFill>
-                  <a:srgbClr val="7A4300"/>
-                </a:solidFill>
-              </a:defRPr>
-            </a:pPr>
-            <a:r>
-              <a:t>variable </a:t>
-            </a:r>
-            <a:r>
-              <a:rPr>
-                <a:latin typeface="Source Sans Pro Semibold"/>
-                <a:ea typeface="Source Sans Pro Semibold"/>
-                <a:cs typeface="Source Sans Pro Semibold"/>
-                <a:sym typeface="Source Sans Pro Semibold"/>
+              <a:t>The instance referenced by the environment variable </a:t>
+            </a:r>
+            <a:r>
+              <a:rPr b="1">
+                <a:latin typeface="SourceSansPro-SemiBold"/>
+                <a:ea typeface="SourceSansPro-SemiBold"/>
+                <a:cs typeface="SourceSansPro-SemiBold"/>
+                <a:sym typeface="SourceSansPro-SemiBold"/>
               </a:rPr>
               <a:t>RETICULATE_PYTHON </a:t>
             </a:r>
             <a:r>
               <a:t>(if specified). </a:t>
             </a:r>
-          </a:p>
-          <a:p>
-            <a:pPr>
-              <a:lnSpc>
-                <a:spcPct val="80000"/>
-              </a:lnSpc>
-              <a:spcBef>
-                <a:spcPts val="1000"/>
-              </a:spcBef>
-              <a:defRPr b="0" sz="1100">
-                <a:solidFill>
-                  <a:srgbClr val="7A4300"/>
-                </a:solidFill>
-                <a:latin typeface="Source Sans Pro Semibold"/>
-                <a:ea typeface="Source Sans Pro Semibold"/>
-                <a:cs typeface="Source Sans Pro Semibold"/>
-                <a:sym typeface="Source Sans Pro Semibold"/>
-              </a:defRPr>
-            </a:pPr>
-            <a:r>
+            <a:r>
+              <a:rPr>
+                <a:latin typeface="Source Sans Pro Bold"/>
+                <a:ea typeface="Source Sans Pro Bold"/>
+                <a:cs typeface="Source Sans Pro Bold"/>
+                <a:sym typeface="Source Sans Pro Bold"/>
+              </a:rPr>
               <a:t>Tip: set in .Renviron file.</a:t>
             </a:r>
           </a:p>
@@ -10459,76 +11626,80 @@
                 <a:spcPct val="80000"/>
               </a:lnSpc>
               <a:spcBef>
-                <a:spcPts val="0"/>
+                <a:spcPts val="1000"/>
               </a:spcBef>
               <a:buSzPct val="100000"/>
               <a:buChar char="•"/>
-              <a:defRPr b="0" sz="1100">
+              <a:defRPr sz="1100">
                 <a:solidFill>
                   <a:srgbClr val="000000"/>
                 </a:solidFill>
+                <a:latin typeface="Source Sans Pro Regular"/>
+                <a:ea typeface="Source Sans Pro Regular"/>
+                <a:cs typeface="Source Sans Pro Regular"/>
+                <a:sym typeface="Source Sans Pro Regular"/>
               </a:defRPr>
             </a:pPr>
             <a:r>
-              <a:rPr b="1"/>
-              <a:t>Sys.setenv</a:t>
-            </a:r>
-            <a:r>
-              <a:t>(RETICULATE_PYTHON = PATH) </a:t>
-            </a:r>
-          </a:p>
-          <a:p>
-            <a:pPr indent="254000">
-              <a:lnSpc>
-                <a:spcPct val="80000"/>
-              </a:lnSpc>
-              <a:spcBef>
-                <a:spcPts val="0"/>
-              </a:spcBef>
-              <a:defRPr b="0" sz="1100">
-                <a:solidFill>
-                  <a:srgbClr val="000000"/>
-                </a:solidFill>
-              </a:defRPr>
-            </a:pPr>
-            <a:r>
-              <a:t>Set default Python binary. Persists across sessions! Undo with </a:t>
-            </a:r>
-            <a:r>
-              <a:rPr b="1"/>
-              <a:t>Sys.unsetenv</a:t>
+              <a:rPr>
+                <a:latin typeface="Source Sans Pro Bold"/>
+                <a:ea typeface="Source Sans Pro Bold"/>
+                <a:cs typeface="Source Sans Pro Bold"/>
+                <a:sym typeface="Source Sans Pro Bold"/>
+              </a:rPr>
+              <a:t>Sys.setenv(</a:t>
+            </a:r>
+            <a:r>
+              <a:t>RETICULATE_PYTHON = PATH</a:t>
+            </a:r>
+            <a:r>
+              <a:rPr>
+                <a:latin typeface="Source Sans Pro Bold"/>
+                <a:ea typeface="Source Sans Pro Bold"/>
+                <a:cs typeface="Source Sans Pro Bold"/>
+                <a:sym typeface="Source Sans Pro Bold"/>
+              </a:rPr>
+              <a:t>)</a:t>
+            </a:r>
+            <a:r>
+              <a:t> Set default Python binary. Persists across sessions! Undo with </a:t>
+            </a:r>
+            <a:r>
+              <a:rPr>
+                <a:latin typeface="Source Sans Pro Bold"/>
+                <a:ea typeface="Source Sans Pro Bold"/>
+                <a:cs typeface="Source Sans Pro Bold"/>
+                <a:sym typeface="Source Sans Pro Bold"/>
+              </a:rPr>
+              <a:t>Sys.unsetenv()</a:t>
             </a:r>
             <a:r>
               <a:t>.</a:t>
             </a:r>
             <a:r>
-              <a:rPr b="1"/>
+              <a:rPr>
+                <a:latin typeface="Source Sans Pro Bold"/>
+                <a:ea typeface="Source Sans Pro Bold"/>
+                <a:cs typeface="Source Sans Pro Bold"/>
+                <a:sym typeface="Source Sans Pro Bold"/>
+              </a:rPr>
               <a:t> </a:t>
             </a:r>
             <a:r>
-              <a:rPr i="1"/>
-              <a:t>Sys.setenv(RETICULATE_PYTHON = </a:t>
-            </a:r>
-            <a:endParaRPr i="1"/>
-          </a:p>
-          <a:p>
-            <a:pPr indent="254000">
-              <a:lnSpc>
-                <a:spcPct val="80000"/>
-              </a:lnSpc>
-              <a:spcBef>
-                <a:spcPts val="1400"/>
-              </a:spcBef>
-              <a:defRPr b="0" sz="1100">
-                <a:solidFill>
-                  <a:srgbClr val="000000"/>
-                </a:solidFill>
-              </a:defRPr>
-            </a:pPr>
-            <a:r>
-              <a:rPr i="1"/>
-              <a:t>"/usr/local/bin/python")</a:t>
-            </a:r>
+              <a:rPr>
+                <a:latin typeface="Source Sans Pro ExtraLight"/>
+                <a:ea typeface="Source Sans Pro ExtraLight"/>
+                <a:cs typeface="Source Sans Pro ExtraLight"/>
+                <a:sym typeface="Source Sans Pro ExtraLight"/>
+              </a:rPr>
+              <a:t>Sys.setenv(RETICULATE_PYTHON = "/usr/local/bin/python")</a:t>
+            </a:r>
+            <a:endParaRPr>
+              <a:latin typeface="Source Sans Pro ExtraLight"/>
+              <a:ea typeface="Source Sans Pro ExtraLight"/>
+              <a:cs typeface="Source Sans Pro ExtraLight"/>
+              <a:sym typeface="Source Sans Pro ExtraLight"/>
+            </a:endParaRPr>
           </a:p>
           <a:p>
             <a:pPr marL="190500" indent="-190500">
@@ -10536,25 +11707,29 @@
                 <a:spcPct val="80000"/>
               </a:lnSpc>
               <a:spcBef>
-                <a:spcPts val="0"/>
+                <a:spcPts val="1000"/>
               </a:spcBef>
               <a:buSzPct val="100000"/>
               <a:buAutoNum type="arabicPeriod" startAt="2"/>
-              <a:defRPr b="0" sz="1100">
+              <a:defRPr sz="1100">
                 <a:solidFill>
                   <a:srgbClr val="7A4300"/>
                 </a:solidFill>
+                <a:latin typeface="Source Sans Pro Regular"/>
+                <a:ea typeface="Source Sans Pro Regular"/>
+                <a:cs typeface="Source Sans Pro Regular"/>
+                <a:sym typeface="Source Sans Pro Regular"/>
               </a:defRPr>
             </a:pPr>
             <a:r>
               <a:t>The instances referenced by </a:t>
             </a:r>
             <a:r>
-              <a:rPr>
-                <a:latin typeface="Source Sans Pro Semibold"/>
-                <a:ea typeface="Source Sans Pro Semibold"/>
-                <a:cs typeface="Source Sans Pro Semibold"/>
-                <a:sym typeface="Source Sans Pro Semibold"/>
+              <a:rPr b="1">
+                <a:latin typeface="SourceSansPro-SemiBold"/>
+                <a:ea typeface="SourceSansPro-SemiBold"/>
+                <a:cs typeface="SourceSansPro-SemiBold"/>
+                <a:sym typeface="SourceSansPro-SemiBold"/>
               </a:rPr>
               <a:t>use_ </a:t>
             </a:r>
@@ -10562,44 +11737,23 @@
               <a:t>functions</a:t>
             </a:r>
             <a:r>
-              <a:rPr>
-                <a:latin typeface="Source Sans Pro Semibold"/>
-                <a:ea typeface="Source Sans Pro Semibold"/>
-                <a:cs typeface="Source Sans Pro Semibold"/>
-                <a:sym typeface="Source Sans Pro Semibold"/>
+              <a:rPr b="1">
+                <a:latin typeface="SourceSansPro-SemiBold"/>
+                <a:ea typeface="SourceSansPro-SemiBold"/>
+                <a:cs typeface="SourceSansPro-SemiBold"/>
+                <a:sym typeface="SourceSansPro-SemiBold"/>
               </a:rPr>
               <a:t> </a:t>
             </a:r>
-            <a:endParaRPr>
-              <a:latin typeface="Source Sans Pro Semibold"/>
-              <a:ea typeface="Source Sans Pro Semibold"/>
-              <a:cs typeface="Source Sans Pro Semibold"/>
-              <a:sym typeface="Source Sans Pro Semibold"/>
-            </a:endParaRPr>
-          </a:p>
-          <a:p>
-            <a:pPr>
-              <a:lnSpc>
-                <a:spcPct val="80000"/>
-              </a:lnSpc>
-              <a:spcBef>
-                <a:spcPts val="1400"/>
-              </a:spcBef>
-              <a:defRPr b="0" sz="1100">
-                <a:solidFill>
-                  <a:srgbClr val="7A4300"/>
-                </a:solidFill>
-              </a:defRPr>
-            </a:pPr>
             <a:r>
               <a:t>if called before import(). Will fail silently if called after import unless </a:t>
             </a:r>
             <a:r>
-              <a:rPr>
-                <a:latin typeface="Source Sans Pro Semibold"/>
-                <a:ea typeface="Source Sans Pro Semibold"/>
-                <a:cs typeface="Source Sans Pro Semibold"/>
-                <a:sym typeface="Source Sans Pro Semibold"/>
+              <a:rPr b="1">
+                <a:latin typeface="SourceSansPro-SemiBold"/>
+                <a:ea typeface="SourceSansPro-SemiBold"/>
+                <a:cs typeface="SourceSansPro-SemiBold"/>
+                <a:sym typeface="SourceSansPro-SemiBold"/>
               </a:rPr>
               <a:t>required = TRUE</a:t>
             </a:r>
@@ -10613,61 +11767,47 @@
                 <a:spcPct val="80000"/>
               </a:lnSpc>
               <a:spcBef>
-                <a:spcPts val="0"/>
+                <a:spcPts val="1000"/>
               </a:spcBef>
               <a:buSzPct val="100000"/>
               <a:buChar char="•"/>
-              <a:defRPr b="0" sz="1100">
+              <a:defRPr sz="1100">
                 <a:solidFill>
                   <a:srgbClr val="000000"/>
                 </a:solidFill>
+                <a:latin typeface="Source Sans Pro Regular"/>
+                <a:ea typeface="Source Sans Pro Regular"/>
+                <a:cs typeface="Source Sans Pro Regular"/>
+                <a:sym typeface="Source Sans Pro Regular"/>
               </a:defRPr>
             </a:pPr>
             <a:r>
-              <a:rPr b="1"/>
+              <a:rPr>
+                <a:latin typeface="Source Sans Pro Bold"/>
+                <a:ea typeface="Source Sans Pro Bold"/>
+                <a:cs typeface="Source Sans Pro Bold"/>
+                <a:sym typeface="Source Sans Pro Bold"/>
+              </a:rPr>
               <a:t>use_python</a:t>
             </a:r>
             <a:r>
-              <a:t>(python, required = FALSE) </a:t>
-            </a:r>
-          </a:p>
-          <a:p>
-            <a:pPr indent="254000">
-              <a:lnSpc>
-                <a:spcPct val="80000"/>
-              </a:lnSpc>
-              <a:spcBef>
-                <a:spcPts val="0"/>
-              </a:spcBef>
-              <a:defRPr b="0" sz="1100">
-                <a:solidFill>
-                  <a:srgbClr val="000000"/>
-                </a:solidFill>
-              </a:defRPr>
-            </a:pPr>
-            <a:r>
-              <a:t>Suggest a Python binary to use by path. </a:t>
-            </a:r>
-          </a:p>
-          <a:p>
-            <a:pPr indent="254000">
-              <a:lnSpc>
-                <a:spcPct val="80000"/>
-              </a:lnSpc>
-              <a:spcBef>
-                <a:spcPts val="1000"/>
-              </a:spcBef>
-              <a:defRPr b="0" sz="1100">
-                <a:solidFill>
-                  <a:srgbClr val="000000"/>
-                </a:solidFill>
-              </a:defRPr>
-            </a:pPr>
-            <a:r>
-              <a:rPr i="1"/>
+              <a:t>(python, required = FALSE) Suggest a Python binary to use by path. </a:t>
+            </a:r>
+            <a:r>
+              <a:rPr>
+                <a:latin typeface="Source Sans Pro ExtraLight"/>
+                <a:ea typeface="Source Sans Pro ExtraLight"/>
+                <a:cs typeface="Source Sans Pro ExtraLight"/>
+                <a:sym typeface="Source Sans Pro ExtraLight"/>
+              </a:rPr>
               <a:t>use_python("/usr/local/bin/python")</a:t>
             </a:r>
-            <a:endParaRPr i="1"/>
+            <a:endParaRPr>
+              <a:latin typeface="Source Sans Pro ExtraLight"/>
+              <a:ea typeface="Source Sans Pro ExtraLight"/>
+              <a:cs typeface="Source Sans Pro ExtraLight"/>
+              <a:sym typeface="Source Sans Pro ExtraLight"/>
+            </a:endParaRPr>
           </a:p>
           <a:p>
             <a:pPr marL="381000" indent="-127000">
@@ -10675,46 +11815,47 @@
                 <a:spcPct val="80000"/>
               </a:lnSpc>
               <a:spcBef>
-                <a:spcPts val="0"/>
+                <a:spcPts val="1000"/>
               </a:spcBef>
               <a:buSzPct val="100000"/>
               <a:buChar char="•"/>
-              <a:defRPr b="0" sz="1100">
+              <a:defRPr sz="1100">
                 <a:solidFill>
                   <a:srgbClr val="000000"/>
                 </a:solidFill>
+                <a:latin typeface="Source Sans Pro Regular"/>
+                <a:ea typeface="Source Sans Pro Regular"/>
+                <a:cs typeface="Source Sans Pro Regular"/>
+                <a:sym typeface="Source Sans Pro Regular"/>
               </a:defRPr>
             </a:pPr>
             <a:r>
-              <a:rPr b="1"/>
+              <a:rPr>
+                <a:latin typeface="Source Sans Pro Bold"/>
+                <a:ea typeface="Source Sans Pro Bold"/>
+                <a:cs typeface="Source Sans Pro Bold"/>
+                <a:sym typeface="Source Sans Pro Bold"/>
+              </a:rPr>
               <a:t>use_virtualenv</a:t>
             </a:r>
             <a:r>
-              <a:t>(virtualenv = NULL, required = FALSE) Suggest a Python </a:t>
-            </a:r>
-          </a:p>
-          <a:p>
-            <a:pPr indent="254000">
-              <a:lnSpc>
-                <a:spcPct val="80000"/>
-              </a:lnSpc>
-              <a:spcBef>
-                <a:spcPts val="1000"/>
-              </a:spcBef>
-              <a:defRPr b="0" sz="1100">
-                <a:solidFill>
-                  <a:srgbClr val="000000"/>
-                </a:solidFill>
-              </a:defRPr>
-            </a:pPr>
-            <a:r>
-              <a:t>virtualenv. </a:t>
-            </a:r>
-            <a:r>
-              <a:rPr i="1"/>
+              <a:t>(virtualenv = NULL, required = FALSE) Suggest a Python virtualenv. </a:t>
+            </a:r>
+            <a:r>
+              <a:rPr>
+                <a:latin typeface="Source Sans Pro ExtraLight"/>
+                <a:ea typeface="Source Sans Pro ExtraLight"/>
+                <a:cs typeface="Source Sans Pro ExtraLight"/>
+                <a:sym typeface="Source Sans Pro ExtraLight"/>
+              </a:rPr>
               <a:t>use_virtualenv("~/myenv")</a:t>
             </a:r>
-            <a:endParaRPr i="1"/>
+            <a:endParaRPr>
+              <a:latin typeface="Source Sans Pro ExtraLight"/>
+              <a:ea typeface="Source Sans Pro ExtraLight"/>
+              <a:cs typeface="Source Sans Pro ExtraLight"/>
+              <a:sym typeface="Source Sans Pro ExtraLight"/>
+            </a:endParaRPr>
           </a:p>
           <a:p>
             <a:pPr marL="381000" indent="-127000">
@@ -10722,82 +11863,40 @@
                 <a:spcPct val="80000"/>
               </a:lnSpc>
               <a:spcBef>
-                <a:spcPts val="0"/>
+                <a:spcPts val="1000"/>
               </a:spcBef>
               <a:buSzPct val="100000"/>
               <a:buChar char="•"/>
-              <a:defRPr b="0" sz="1100">
+              <a:defRPr sz="1100">
                 <a:solidFill>
                   <a:srgbClr val="000000"/>
                 </a:solidFill>
+                <a:latin typeface="Source Sans Pro Regular"/>
+                <a:ea typeface="Source Sans Pro Regular"/>
+                <a:cs typeface="Source Sans Pro Regular"/>
+                <a:sym typeface="Source Sans Pro Regular"/>
               </a:defRPr>
             </a:pPr>
             <a:r>
-              <a:rPr b="1"/>
+              <a:rPr>
+                <a:latin typeface="Source Sans Pro Bold"/>
+                <a:ea typeface="Source Sans Pro Bold"/>
+                <a:cs typeface="Source Sans Pro Bold"/>
+                <a:sym typeface="Source Sans Pro Bold"/>
+              </a:rPr>
               <a:t>use_condaenv</a:t>
             </a:r>
             <a:r>
-              <a:t>(condaenv = NULL, </a:t>
-            </a:r>
-          </a:p>
-          <a:p>
-            <a:pPr indent="254000">
-              <a:lnSpc>
-                <a:spcPct val="80000"/>
-              </a:lnSpc>
-              <a:spcBef>
-                <a:spcPts val="0"/>
-              </a:spcBef>
-              <a:defRPr b="0" sz="1100">
-                <a:solidFill>
-                  <a:srgbClr val="000000"/>
-                </a:solidFill>
-              </a:defRPr>
-            </a:pPr>
-            <a:r>
-              <a:t>conda = "auto", required = FALSE) </a:t>
-            </a:r>
-          </a:p>
-          <a:p>
-            <a:pPr indent="254000">
-              <a:lnSpc>
-                <a:spcPct val="80000"/>
-              </a:lnSpc>
-              <a:spcBef>
-                <a:spcPts val="0"/>
-              </a:spcBef>
-              <a:defRPr b="0" sz="1100">
-                <a:solidFill>
-                  <a:srgbClr val="000000"/>
-                </a:solidFill>
-              </a:defRPr>
-            </a:pPr>
-            <a:r>
-              <a:t>Suggest a Conda env to use. </a:t>
-            </a:r>
-            <a:r>
-              <a:rPr i="1"/>
-              <a:t>use_condaenv(condaenv = "r-nlp", </a:t>
-            </a:r>
-            <a:endParaRPr i="1"/>
-          </a:p>
-          <a:p>
-            <a:pPr indent="254000">
-              <a:lnSpc>
-                <a:spcPct val="80000"/>
-              </a:lnSpc>
-              <a:spcBef>
-                <a:spcPts val="1400"/>
-              </a:spcBef>
-              <a:defRPr b="0" sz="1100">
-                <a:solidFill>
-                  <a:srgbClr val="000000"/>
-                </a:solidFill>
-              </a:defRPr>
-            </a:pPr>
-            <a:r>
-              <a:rPr i="1"/>
-              <a:t>conda = "/opt/anaconda3/bin/conda")</a:t>
+              <a:t>(condaenv = NULL, conda = "auto", required = FALSE) Suggest a conda env to use. </a:t>
+            </a:r>
+            <a:r>
+              <a:rPr>
+                <a:latin typeface="Source Sans Pro ExtraLight"/>
+                <a:ea typeface="Source Sans Pro ExtraLight"/>
+                <a:cs typeface="Source Sans Pro ExtraLight"/>
+                <a:sym typeface="Source Sans Pro ExtraLight"/>
+              </a:rPr>
+              <a:t>use_condaenv(condaenv = "r-nlp", conda = "/opt/anaconda3/bin/conda")</a:t>
             </a:r>
           </a:p>
           <a:p>
@@ -10806,64 +11905,46 @@
                 <a:spcPct val="80000"/>
               </a:lnSpc>
               <a:spcBef>
-                <a:spcPts val="0"/>
+                <a:spcPts val="1000"/>
               </a:spcBef>
               <a:buSzPct val="100000"/>
               <a:buAutoNum type="arabicPeriod" startAt="3"/>
-              <a:defRPr b="0" sz="1100">
+              <a:defRPr sz="1100">
                 <a:solidFill>
                   <a:srgbClr val="7A4300"/>
                 </a:solidFill>
+                <a:latin typeface="Source Sans Pro Regular"/>
+                <a:ea typeface="Source Sans Pro Regular"/>
+                <a:cs typeface="Source Sans Pro Regular"/>
+                <a:sym typeface="Source Sans Pro Regular"/>
               </a:defRPr>
             </a:pPr>
             <a:r>
-              <a:t>Within virtualenvs and conda envs that carry </a:t>
-            </a:r>
-          </a:p>
-          <a:p>
-            <a:pPr>
-              <a:lnSpc>
-                <a:spcPct val="80000"/>
-              </a:lnSpc>
-              <a:spcBef>
-                <a:spcPts val="0"/>
-              </a:spcBef>
-              <a:defRPr b="0" sz="1100">
-                <a:solidFill>
-                  <a:srgbClr val="7A4300"/>
-                </a:solidFill>
-              </a:defRPr>
-            </a:pPr>
-            <a:r>
-              <a:t>the same name as the imported module. </a:t>
-            </a:r>
-          </a:p>
-          <a:p>
-            <a:pPr>
-              <a:lnSpc>
-                <a:spcPct val="80000"/>
-              </a:lnSpc>
-              <a:spcBef>
-                <a:spcPts val="1400"/>
-              </a:spcBef>
-              <a:defRPr b="0" sz="1100">
-                <a:solidFill>
-                  <a:srgbClr val="7A4300"/>
-                </a:solidFill>
-              </a:defRPr>
-            </a:pPr>
-            <a:r>
-              <a:t>e.g. </a:t>
+              <a:t>Within virtualenvs and conda envs that carry the same name as the imported module. e.g. </a:t>
+            </a:r>
+            <a:r>
+              <a:rPr>
+                <a:latin typeface="Source Sans Pro ExtraLight"/>
+                <a:ea typeface="Source Sans Pro ExtraLight"/>
+                <a:cs typeface="Source Sans Pro ExtraLight"/>
+                <a:sym typeface="Source Sans Pro ExtraLight"/>
+              </a:rPr>
+              <a:t>~/anaconda/envs/nltk</a:t>
             </a:r>
             <a:r>
               <a:rPr i="1"/>
-              <a:t>~/anaconda/envs/nltk </a:t>
+              <a:t> </a:t>
             </a:r>
             <a:r>
               <a:t>for </a:t>
             </a:r>
             <a:r>
-              <a:rPr i="1"/>
+              <a:rPr>
+                <a:latin typeface="Source Sans Pro ExtraLight"/>
+                <a:ea typeface="Source Sans Pro ExtraLight"/>
+                <a:cs typeface="Source Sans Pro ExtraLight"/>
+                <a:sym typeface="Source Sans Pro ExtraLight"/>
+              </a:rPr>
               <a:t>import("nltk")</a:t>
             </a:r>
           </a:p>
@@ -10873,14 +11954,18 @@
                 <a:spcPct val="80000"/>
               </a:lnSpc>
               <a:spcBef>
-                <a:spcPts val="1400"/>
+                <a:spcPts val="1000"/>
               </a:spcBef>
               <a:buSzPct val="100000"/>
-              <a:buAutoNum type="arabicPeriod" startAt="4"/>
-              <a:defRPr b="0" sz="1100">
+              <a:buAutoNum type="arabicPeriod" startAt="3"/>
+              <a:defRPr sz="1100">
                 <a:solidFill>
                   <a:srgbClr val="7A4300"/>
                 </a:solidFill>
+                <a:latin typeface="Source Sans Pro Regular"/>
+                <a:ea typeface="Source Sans Pro Regular"/>
+                <a:cs typeface="Source Sans Pro Regular"/>
+                <a:sym typeface="Source Sans Pro Regular"/>
               </a:defRPr>
             </a:pPr>
             <a:r>
@@ -10888,10 +11973,10 @@
             </a:r>
             <a:r>
               <a:rPr>
-                <a:latin typeface="Source Sans Pro Semibold"/>
-                <a:ea typeface="Source Sans Pro Semibold"/>
-                <a:cs typeface="Source Sans Pro Semibold"/>
-                <a:sym typeface="Source Sans Pro Semibold"/>
+                <a:latin typeface="Source Sans Pro ExtraLight"/>
+                <a:ea typeface="Source Sans Pro ExtraLight"/>
+                <a:cs typeface="Source Sans Pro ExtraLight"/>
+                <a:sym typeface="Source Sans Pro ExtraLight"/>
               </a:rPr>
               <a:t>Sys.which("python")</a:t>
             </a:r>
@@ -10905,56 +11990,46 @@
                 <a:spcPct val="80000"/>
               </a:lnSpc>
               <a:spcBef>
-                <a:spcPts val="0"/>
+                <a:spcPts val="1000"/>
               </a:spcBef>
               <a:buSzPct val="100000"/>
-              <a:buAutoNum type="arabicPeriod" startAt="4"/>
-              <a:defRPr b="0" sz="1100">
+              <a:buAutoNum type="arabicPeriod" startAt="3"/>
+              <a:defRPr sz="1100">
                 <a:solidFill>
                   <a:srgbClr val="7A4300"/>
                 </a:solidFill>
+                <a:latin typeface="Source Sans Pro Regular"/>
+                <a:ea typeface="Source Sans Pro Regular"/>
+                <a:cs typeface="Source Sans Pro Regular"/>
+                <a:sym typeface="Source Sans Pro Regular"/>
               </a:defRPr>
             </a:pPr>
             <a:r>
               <a:t>At customary locations for Python, e.g.</a:t>
             </a:r>
-            <a:r>
-              <a:rPr>
-                <a:latin typeface="Source Sans Pro Semibold"/>
-                <a:ea typeface="Source Sans Pro Semibold"/>
-                <a:cs typeface="Source Sans Pro Semibold"/>
-                <a:sym typeface="Source Sans Pro Semibold"/>
-              </a:rPr>
-              <a:t>/usr/local/bin/python</a:t>
-            </a:r>
-            <a:r>
-              <a:t>, </a:t>
-            </a:r>
-            <a:r>
-              <a:rPr>
-                <a:latin typeface="Source Sans Pro Semibold"/>
-                <a:ea typeface="Source Sans Pro Semibold"/>
-                <a:cs typeface="Source Sans Pro Semibold"/>
-                <a:sym typeface="Source Sans Pro Semibold"/>
-              </a:rPr>
-              <a:t>/opt/local/bin/python..</a:t>
-            </a:r>
-            <a:r>
-              <a:t>.</a:t>
+            <a:br/>
+            <a:r>
+              <a:rPr>
+                <a:latin typeface="Source Sans Pro ExtraLight"/>
+                <a:ea typeface="Source Sans Pro ExtraLight"/>
+                <a:cs typeface="Source Sans Pro ExtraLight"/>
+                <a:sym typeface="Source Sans Pro ExtraLight"/>
+              </a:rPr>
+              <a:t>/usr/local/bin/python, /opt/local/bin/python...</a:t>
             </a:r>
           </a:p>
         </p:txBody>
       </p:sp>
       <p:pic>
         <p:nvPicPr>
-          <p:cNvPr id="227" name="reticulate.png" descr="reticulate.png"/>
+          <p:cNvPr id="224" name="reticulate.png" descr="reticulate.png"/>
           <p:cNvPicPr>
             <a:picLocks noChangeAspect="1"/>
           </p:cNvPicPr>
           <p:nvPr/>
         </p:nvPicPr>
         <p:blipFill>
-          <a:blip r:embed="rId12">
+          <a:blip r:embed="rId11">
             <a:extLst/>
           </a:blip>
           <a:stretch>
@@ -10974,6 +12049,622 @@
           </a:ln>
         </p:spPr>
       </p:pic>
+      <p:pic>
+        <p:nvPicPr>
+          <p:cNvPr id="225" name="Image" descr="Image"/>
+          <p:cNvPicPr>
+            <a:picLocks noChangeAspect="1"/>
+          </p:cNvPicPr>
+          <p:nvPr/>
+        </p:nvPicPr>
+        <p:blipFill>
+          <a:blip r:embed="rId12">
+            <a:extLst/>
+          </a:blip>
+          <a:stretch>
+            <a:fillRect/>
+          </a:stretch>
+        </p:blipFill>
+        <p:spPr>
+          <a:xfrm>
+            <a:off x="11981008" y="2232954"/>
+            <a:ext cx="1564021" cy="1638625"/>
+          </a:xfrm>
+          <a:prstGeom prst="rect">
+            <a:avLst/>
+          </a:prstGeom>
+          <a:ln w="19050">
+            <a:solidFill>
+              <a:srgbClr val="000000"/>
+            </a:solidFill>
+            <a:miter lim="400000"/>
+          </a:ln>
+          <a:effectLst>
+            <a:outerShdw sx="100000" sy="100000" kx="0" ky="0" algn="b" rotWithShape="0" blurRad="76200" dist="63500" dir="5400000">
+              <a:srgbClr val="000000">
+                <a:alpha val="50000"/>
+              </a:srgbClr>
+            </a:outerShdw>
+          </a:effectLst>
+        </p:spPr>
+      </p:pic>
+      <p:sp>
+        <p:nvSpPr>
+          <p:cNvPr id="226" name="Set a default Python interpreter in the RStudio IDE Global or Project Options.…"/>
+          <p:cNvSpPr txBox="1"/>
+          <p:nvPr/>
+        </p:nvSpPr>
+        <p:spPr>
+          <a:xfrm>
+            <a:off x="10568066" y="2191520"/>
+            <a:ext cx="1271019" cy="1996757"/>
+          </a:xfrm>
+          <a:prstGeom prst="rect">
+            <a:avLst/>
+          </a:prstGeom>
+          <a:ln w="12700">
+            <a:miter lim="400000"/>
+          </a:ln>
+          <a:extLst>
+            <a:ext uri="{C572A759-6A51-4108-AA02-DFA0A04FC94B}">
+              <ma14:wrappingTextBoxFlag xmlns:ma14="http://schemas.microsoft.com/office/mac/drawingml/2011/main" val="1"/>
+            </a:ext>
+          </a:extLst>
+        </p:spPr>
+        <p:txBody>
+          <a:bodyPr lIns="0" tIns="0" rIns="0" bIns="0">
+            <a:normAutofit fontScale="100000" lnSpcReduction="0"/>
+          </a:bodyPr>
+          <a:lstStyle/>
+          <a:p>
+            <a:pPr>
+              <a:lnSpc>
+                <a:spcPct val="80000"/>
+              </a:lnSpc>
+              <a:spcBef>
+                <a:spcPts val="0"/>
+              </a:spcBef>
+              <a:defRPr sz="1100">
+                <a:solidFill>
+                  <a:srgbClr val="000000"/>
+                </a:solidFill>
+                <a:latin typeface="Source Sans Pro Regular"/>
+                <a:ea typeface="Source Sans Pro Regular"/>
+                <a:cs typeface="Source Sans Pro Regular"/>
+                <a:sym typeface="Source Sans Pro Regular"/>
+              </a:defRPr>
+            </a:pPr>
+            <a:r>
+              <a:t>Set a default Python interpreter in the RStudio IDE Global or Project Options.</a:t>
+            </a:r>
+          </a:p>
+          <a:p>
+            <a:pPr>
+              <a:lnSpc>
+                <a:spcPct val="80000"/>
+              </a:lnSpc>
+              <a:spcBef>
+                <a:spcPts val="0"/>
+              </a:spcBef>
+              <a:defRPr sz="1100">
+                <a:solidFill>
+                  <a:srgbClr val="000000"/>
+                </a:solidFill>
+                <a:latin typeface="Source Sans Pro Regular"/>
+                <a:ea typeface="Source Sans Pro Regular"/>
+                <a:cs typeface="Source Sans Pro Regular"/>
+                <a:sym typeface="Source Sans Pro Regular"/>
+              </a:defRPr>
+            </a:pPr>
+          </a:p>
+          <a:p>
+            <a:pPr>
+              <a:lnSpc>
+                <a:spcPct val="80000"/>
+              </a:lnSpc>
+              <a:spcBef>
+                <a:spcPts val="0"/>
+              </a:spcBef>
+              <a:defRPr sz="1100">
+                <a:solidFill>
+                  <a:srgbClr val="000000"/>
+                </a:solidFill>
+                <a:latin typeface="Source Sans Pro Regular"/>
+                <a:ea typeface="Source Sans Pro Regular"/>
+                <a:cs typeface="Source Sans Pro Regular"/>
+                <a:sym typeface="Source Sans Pro Regular"/>
+              </a:defRPr>
+            </a:pPr>
+            <a:r>
+              <a:t>Go to </a:t>
+            </a:r>
+            <a:r>
+              <a:rPr>
+                <a:latin typeface="Source Sans Pro Bold"/>
+                <a:ea typeface="Source Sans Pro Bold"/>
+                <a:cs typeface="Source Sans Pro Bold"/>
+                <a:sym typeface="Source Sans Pro Bold"/>
+              </a:rPr>
+              <a:t>Tools &gt; Global Options... &gt; Python </a:t>
+            </a:r>
+            <a:r>
+              <a:t>for Global Options.</a:t>
+            </a:r>
+          </a:p>
+          <a:p>
+            <a:pPr>
+              <a:lnSpc>
+                <a:spcPct val="80000"/>
+              </a:lnSpc>
+              <a:spcBef>
+                <a:spcPts val="0"/>
+              </a:spcBef>
+              <a:defRPr sz="1100">
+                <a:solidFill>
+                  <a:srgbClr val="000000"/>
+                </a:solidFill>
+                <a:latin typeface="Source Sans Pro Regular"/>
+                <a:ea typeface="Source Sans Pro Regular"/>
+                <a:cs typeface="Source Sans Pro Regular"/>
+                <a:sym typeface="Source Sans Pro Regular"/>
+              </a:defRPr>
+            </a:pPr>
+          </a:p>
+          <a:p>
+            <a:pPr>
+              <a:lnSpc>
+                <a:spcPct val="80000"/>
+              </a:lnSpc>
+              <a:spcBef>
+                <a:spcPts val="0"/>
+              </a:spcBef>
+              <a:defRPr sz="1100">
+                <a:solidFill>
+                  <a:srgbClr val="000000"/>
+                </a:solidFill>
+                <a:latin typeface="Source Sans Pro Regular"/>
+                <a:ea typeface="Source Sans Pro Regular"/>
+                <a:cs typeface="Source Sans Pro Regular"/>
+                <a:sym typeface="Source Sans Pro Regular"/>
+              </a:defRPr>
+            </a:pPr>
+            <a:r>
+              <a:t>Within a project, go to </a:t>
+            </a:r>
+            <a:r>
+              <a:rPr>
+                <a:latin typeface="Source Sans Pro Bold"/>
+                <a:ea typeface="Source Sans Pro Bold"/>
+                <a:cs typeface="Source Sans Pro Bold"/>
+                <a:sym typeface="Source Sans Pro Bold"/>
+              </a:rPr>
+              <a:t>Tools &gt; Project Options... &gt;Python</a:t>
+            </a:r>
+            <a:r>
+              <a:t>.</a:t>
+            </a:r>
+          </a:p>
+        </p:txBody>
+      </p:sp>
+      <p:sp>
+        <p:nvSpPr>
+          <p:cNvPr id="227" name="Line"/>
+          <p:cNvSpPr/>
+          <p:nvPr/>
+        </p:nvSpPr>
+        <p:spPr>
+          <a:xfrm>
+            <a:off x="10568066" y="4115463"/>
+            <a:ext cx="2921280" cy="1"/>
+          </a:xfrm>
+          <a:prstGeom prst="line">
+            <a:avLst/>
+          </a:prstGeom>
+          <a:ln w="12700">
+            <a:solidFill>
+              <a:srgbClr val="654F25"/>
+            </a:solidFill>
+            <a:custDash>
+              <a:ds d="100000" sp="200000"/>
+            </a:custDash>
+          </a:ln>
+        </p:spPr>
+        <p:txBody>
+          <a:bodyPr lIns="54570" tIns="54570" rIns="54570" bIns="54570" anchor="ctr"/>
+          <a:lstStyle/>
+          <a:p>
+            <a:pPr>
+              <a:lnSpc>
+                <a:spcPct val="80000"/>
+              </a:lnSpc>
+              <a:spcBef>
+                <a:spcPts val="600"/>
+              </a:spcBef>
+              <a:defRPr>
+                <a:solidFill>
+                  <a:srgbClr val="000000"/>
+                </a:solidFill>
+                <a:latin typeface="Source Sans Pro Regular"/>
+                <a:ea typeface="Source Sans Pro Regular"/>
+                <a:cs typeface="Source Sans Pro Regular"/>
+                <a:sym typeface="Source Sans Pro Regular"/>
+              </a:defRPr>
+            </a:pPr>
+          </a:p>
+        </p:txBody>
+      </p:sp>
+      <p:pic>
+        <p:nvPicPr>
+          <p:cNvPr id="228" name="Image" descr="Image"/>
+          <p:cNvPicPr>
+            <a:picLocks noChangeAspect="1"/>
+          </p:cNvPicPr>
+          <p:nvPr/>
+        </p:nvPicPr>
+        <p:blipFill>
+          <a:blip r:embed="rId13">
+            <a:extLst/>
+          </a:blip>
+          <a:stretch>
+            <a:fillRect/>
+          </a:stretch>
+        </p:blipFill>
+        <p:spPr>
+          <a:xfrm>
+            <a:off x="4300208" y="3378498"/>
+            <a:ext cx="2605743" cy="946567"/>
+          </a:xfrm>
+          <a:prstGeom prst="rect">
+            <a:avLst/>
+          </a:prstGeom>
+          <a:ln w="19050">
+            <a:solidFill>
+              <a:srgbClr val="000000"/>
+            </a:solidFill>
+            <a:miter lim="400000"/>
+          </a:ln>
+          <a:effectLst>
+            <a:outerShdw sx="100000" sy="100000" kx="0" ky="0" algn="b" rotWithShape="0" blurRad="76200" dist="63500" dir="5400000">
+              <a:srgbClr val="000000">
+                <a:alpha val="50000"/>
+              </a:srgbClr>
+            </a:outerShdw>
+          </a:effectLst>
+        </p:spPr>
+      </p:pic>
+      <p:sp>
+        <p:nvSpPr>
+          <p:cNvPr id="229" name="matplotlib plots display in plots pane."/>
+          <p:cNvSpPr txBox="1"/>
+          <p:nvPr/>
+        </p:nvSpPr>
+        <p:spPr>
+          <a:xfrm>
+            <a:off x="3725559" y="6433092"/>
+            <a:ext cx="1271019" cy="394521"/>
+          </a:xfrm>
+          <a:prstGeom prst="rect">
+            <a:avLst/>
+          </a:prstGeom>
+          <a:ln w="12700">
+            <a:miter lim="400000"/>
+          </a:ln>
+          <a:extLst>
+            <a:ext uri="{C572A759-6A51-4108-AA02-DFA0A04FC94B}">
+              <ma14:wrappingTextBoxFlag xmlns:ma14="http://schemas.microsoft.com/office/mac/drawingml/2011/main" val="1"/>
+            </a:ext>
+          </a:extLst>
+        </p:spPr>
+        <p:txBody>
+          <a:bodyPr lIns="0" tIns="0" rIns="0" bIns="0">
+            <a:normAutofit fontScale="100000" lnSpcReduction="0"/>
+          </a:bodyPr>
+          <a:lstStyle>
+            <a:lvl1pPr>
+              <a:lnSpc>
+                <a:spcPct val="80000"/>
+              </a:lnSpc>
+              <a:spcBef>
+                <a:spcPts val="1000"/>
+              </a:spcBef>
+              <a:defRPr sz="1100">
+                <a:solidFill>
+                  <a:srgbClr val="000000"/>
+                </a:solidFill>
+                <a:latin typeface="Source Sans Pro Regular"/>
+                <a:ea typeface="Source Sans Pro Regular"/>
+                <a:cs typeface="Source Sans Pro Regular"/>
+                <a:sym typeface="Source Sans Pro Regular"/>
+              </a:defRPr>
+            </a:lvl1pPr>
+          </a:lstStyle>
+          <a:p>
+            <a:pPr/>
+            <a:r>
+              <a:t>matplotlib plots display in plots pane.</a:t>
+            </a:r>
+          </a:p>
+        </p:txBody>
+      </p:sp>
+      <p:sp>
+        <p:nvSpPr>
+          <p:cNvPr id="230" name="Press F1 over a Python symbol to display the help topic for that symbol."/>
+          <p:cNvSpPr txBox="1"/>
+          <p:nvPr/>
+        </p:nvSpPr>
+        <p:spPr>
+          <a:xfrm>
+            <a:off x="5192896" y="6428342"/>
+            <a:ext cx="1583072" cy="573091"/>
+          </a:xfrm>
+          <a:prstGeom prst="rect">
+            <a:avLst/>
+          </a:prstGeom>
+          <a:ln w="12700">
+            <a:miter lim="400000"/>
+          </a:ln>
+          <a:extLst>
+            <a:ext uri="{C572A759-6A51-4108-AA02-DFA0A04FC94B}">
+              <ma14:wrappingTextBoxFlag xmlns:ma14="http://schemas.microsoft.com/office/mac/drawingml/2011/main" val="1"/>
+            </a:ext>
+          </a:extLst>
+        </p:spPr>
+        <p:txBody>
+          <a:bodyPr lIns="0" tIns="0" rIns="0" bIns="0">
+            <a:normAutofit fontScale="100000" lnSpcReduction="0"/>
+          </a:bodyPr>
+          <a:lstStyle/>
+          <a:p>
+            <a:pPr>
+              <a:lnSpc>
+                <a:spcPct val="80000"/>
+              </a:lnSpc>
+              <a:spcBef>
+                <a:spcPts val="1000"/>
+              </a:spcBef>
+              <a:defRPr sz="1100">
+                <a:solidFill>
+                  <a:srgbClr val="000000"/>
+                </a:solidFill>
+                <a:latin typeface="Source Sans Pro Regular"/>
+                <a:ea typeface="Source Sans Pro Regular"/>
+                <a:cs typeface="Source Sans Pro Regular"/>
+                <a:sym typeface="Source Sans Pro Regular"/>
+              </a:defRPr>
+            </a:pPr>
+            <a:r>
+              <a:t>Press </a:t>
+            </a:r>
+            <a:r>
+              <a:rPr b="1">
+                <a:latin typeface="SourceSansPro-SemiBold"/>
+                <a:ea typeface="SourceSansPro-SemiBold"/>
+                <a:cs typeface="SourceSansPro-SemiBold"/>
+                <a:sym typeface="SourceSansPro-SemiBold"/>
+              </a:rPr>
+              <a:t>F1</a:t>
+            </a:r>
+            <a:r>
+              <a:t> over a Python symbol to display the help topic for that symbol.</a:t>
+            </a:r>
+          </a:p>
+        </p:txBody>
+      </p:sp>
+      <p:sp>
+        <p:nvSpPr>
+          <p:cNvPr id="231" name="Line"/>
+          <p:cNvSpPr/>
+          <p:nvPr/>
+        </p:nvSpPr>
+        <p:spPr>
+          <a:xfrm flipV="1">
+            <a:off x="4695692" y="1654962"/>
+            <a:ext cx="1640752" cy="1891515"/>
+          </a:xfrm>
+          <a:prstGeom prst="line">
+            <a:avLst/>
+          </a:prstGeom>
+          <a:ln>
+            <a:solidFill>
+              <a:srgbClr val="000000"/>
+            </a:solidFill>
+            <a:custDash>
+              <a:ds d="100000" sp="200000"/>
+            </a:custDash>
+          </a:ln>
+        </p:spPr>
+        <p:txBody>
+          <a:bodyPr lIns="54570" tIns="54570" rIns="54570" bIns="54570" anchor="ctr"/>
+          <a:lstStyle/>
+          <a:p>
+            <a:pPr algn="ctr">
+              <a:spcBef>
+                <a:spcPts val="0"/>
+              </a:spcBef>
+              <a:defRPr sz="2600">
+                <a:solidFill>
+                  <a:srgbClr val="000000"/>
+                </a:solidFill>
+                <a:latin typeface="Helvetica Light"/>
+                <a:ea typeface="Helvetica Light"/>
+                <a:cs typeface="Helvetica Light"/>
+                <a:sym typeface="Helvetica Light"/>
+              </a:defRPr>
+            </a:pPr>
+          </a:p>
+        </p:txBody>
+      </p:sp>
+      <p:sp>
+        <p:nvSpPr>
+          <p:cNvPr id="232" name="Line"/>
+          <p:cNvSpPr/>
+          <p:nvPr/>
+        </p:nvSpPr>
+        <p:spPr>
+          <a:xfrm flipV="1">
+            <a:off x="4061410" y="1650522"/>
+            <a:ext cx="2286626" cy="1513059"/>
+          </a:xfrm>
+          <a:prstGeom prst="line">
+            <a:avLst/>
+          </a:prstGeom>
+          <a:ln>
+            <a:solidFill>
+              <a:srgbClr val="000000"/>
+            </a:solidFill>
+            <a:custDash>
+              <a:ds d="100000" sp="200000"/>
+            </a:custDash>
+          </a:ln>
+        </p:spPr>
+        <p:txBody>
+          <a:bodyPr lIns="54570" tIns="54570" rIns="54570" bIns="54570" anchor="ctr"/>
+          <a:lstStyle/>
+          <a:p>
+            <a:pPr algn="ctr">
+              <a:spcBef>
+                <a:spcPts val="0"/>
+              </a:spcBef>
+              <a:defRPr sz="2600">
+                <a:solidFill>
+                  <a:srgbClr val="000000"/>
+                </a:solidFill>
+                <a:latin typeface="Helvetica Light"/>
+                <a:ea typeface="Helvetica Light"/>
+                <a:cs typeface="Helvetica Light"/>
+                <a:sym typeface="Helvetica Light"/>
+              </a:defRPr>
+            </a:pPr>
+          </a:p>
+        </p:txBody>
+      </p:sp>
+      <p:pic>
+        <p:nvPicPr>
+          <p:cNvPr id="233" name="Image" descr="Image"/>
+          <p:cNvPicPr>
+            <a:picLocks noChangeAspect="1"/>
+          </p:cNvPicPr>
+          <p:nvPr/>
+        </p:nvPicPr>
+        <p:blipFill>
+          <a:blip r:embed="rId14">
+            <a:extLst/>
+          </a:blip>
+          <a:stretch>
+            <a:fillRect/>
+          </a:stretch>
+        </p:blipFill>
+        <p:spPr>
+          <a:xfrm>
+            <a:off x="3145021" y="7214153"/>
+            <a:ext cx="3670301" cy="2717771"/>
+          </a:xfrm>
+          <a:prstGeom prst="rect">
+            <a:avLst/>
+          </a:prstGeom>
+          <a:ln w="19050">
+            <a:solidFill>
+              <a:srgbClr val="000000"/>
+            </a:solidFill>
+            <a:miter lim="400000"/>
+          </a:ln>
+          <a:effectLst>
+            <a:outerShdw sx="100000" sy="100000" kx="0" ky="0" algn="b" rotWithShape="0" blurRad="76200" dist="63500" dir="5400000">
+              <a:srgbClr val="000000">
+                <a:alpha val="50000"/>
+              </a:srgbClr>
+            </a:outerShdw>
+          </a:effectLst>
+        </p:spPr>
+      </p:pic>
+      <p:sp>
+        <p:nvSpPr>
+          <p:cNvPr id="234" name="Line"/>
+          <p:cNvSpPr/>
+          <p:nvPr/>
+        </p:nvSpPr>
+        <p:spPr>
+          <a:xfrm flipV="1">
+            <a:off x="3816768" y="5742792"/>
+            <a:ext cx="107099" cy="693224"/>
+          </a:xfrm>
+          <a:prstGeom prst="line">
+            <a:avLst/>
+          </a:prstGeom>
+          <a:ln>
+            <a:solidFill>
+              <a:srgbClr val="000000"/>
+            </a:solidFill>
+            <a:custDash>
+              <a:ds d="100000" sp="200000"/>
+            </a:custDash>
+          </a:ln>
+        </p:spPr>
+        <p:txBody>
+          <a:bodyPr lIns="54570" tIns="54570" rIns="54570" bIns="54570" anchor="ctr"/>
+          <a:lstStyle/>
+          <a:p>
+            <a:pPr algn="ctr">
+              <a:spcBef>
+                <a:spcPts val="0"/>
+              </a:spcBef>
+              <a:defRPr sz="2600">
+                <a:solidFill>
+                  <a:srgbClr val="000000"/>
+                </a:solidFill>
+                <a:latin typeface="Helvetica Light"/>
+                <a:ea typeface="Helvetica Light"/>
+                <a:cs typeface="Helvetica Light"/>
+                <a:sym typeface="Helvetica Light"/>
+              </a:defRPr>
+            </a:pPr>
+          </a:p>
+        </p:txBody>
+      </p:sp>
+      <p:sp>
+        <p:nvSpPr>
+          <p:cNvPr id="235" name="Line"/>
+          <p:cNvSpPr/>
+          <p:nvPr/>
+        </p:nvSpPr>
+        <p:spPr>
+          <a:xfrm flipH="1" flipV="1">
+            <a:off x="5415665" y="4556534"/>
+            <a:ext cx="433104" cy="1879482"/>
+          </a:xfrm>
+          <a:prstGeom prst="line">
+            <a:avLst/>
+          </a:prstGeom>
+          <a:ln>
+            <a:solidFill>
+              <a:srgbClr val="000000"/>
+            </a:solidFill>
+            <a:custDash>
+              <a:ds d="100000" sp="200000"/>
+            </a:custDash>
+          </a:ln>
+        </p:spPr>
+        <p:txBody>
+          <a:bodyPr lIns="54570" tIns="54570" rIns="54570" bIns="54570" anchor="ctr"/>
+          <a:lstStyle/>
+          <a:p>
+            <a:pPr algn="ctr">
+              <a:spcBef>
+                <a:spcPts val="0"/>
+              </a:spcBef>
+              <a:defRPr sz="2600">
+                <a:solidFill>
+                  <a:srgbClr val="000000"/>
+                </a:solidFill>
+                <a:latin typeface="Helvetica Light"/>
+                <a:ea typeface="Helvetica Light"/>
+                <a:cs typeface="Helvetica Light"/>
+                <a:sym typeface="Helvetica Light"/>
+              </a:defRPr>
+            </a:pPr>
+          </a:p>
+        </p:txBody>
+      </p:sp>
     </p:spTree>
   </p:cSld>
   <p:clrMapOvr>
@@ -11237,10 +12928,10 @@
             </a:solidFill>
             <a:effectLst/>
             <a:uFillTx/>
-            <a:latin typeface="Source Sans Pro"/>
-            <a:ea typeface="Source Sans Pro"/>
-            <a:cs typeface="Source Sans Pro"/>
-            <a:sym typeface="Source Sans Pro"/>
+            <a:latin typeface="Source Sans Pro Regular"/>
+            <a:ea typeface="Source Sans Pro Regular"/>
+            <a:cs typeface="Source Sans Pro Regular"/>
+            <a:sym typeface="Source Sans Pro Regular"/>
           </a:defRPr>
         </a:defPPr>
         <a:lvl1pPr marL="0" marR="0" indent="0" algn="l" defTabSz="914400" rtl="0" fontAlgn="auto" latinLnBrk="1" hangingPunct="0">
@@ -11799,7 +13490,7 @@
           <a:buFontTx/>
           <a:buNone/>
           <a:tabLst/>
-          <a:defRPr b="1" baseline="0" cap="none" i="0" spc="0" strike="noStrike" sz="1200" u="none" kumimoji="0" normalizeH="0">
+          <a:defRPr b="0" baseline="0" cap="none" i="0" spc="0" strike="noStrike" sz="1200" u="none" kumimoji="0" normalizeH="0">
             <a:ln>
               <a:noFill/>
             </a:ln>
@@ -11808,10 +13499,10 @@
             </a:solidFill>
             <a:effectLst/>
             <a:uFillTx/>
-            <a:latin typeface="Source Sans Pro"/>
-            <a:ea typeface="Source Sans Pro"/>
-            <a:cs typeface="Source Sans Pro"/>
-            <a:sym typeface="Source Sans Pro"/>
+            <a:latin typeface="Source Sans Pro Bold"/>
+            <a:ea typeface="Source Sans Pro Bold"/>
+            <a:cs typeface="Source Sans Pro Bold"/>
+            <a:sym typeface="Source Sans Pro Bold"/>
           </a:defRPr>
         </a:defPPr>
         <a:lvl1pPr marL="0" marR="0" indent="0" algn="l" defTabSz="914400" rtl="0" fontAlgn="auto" latinLnBrk="1" hangingPunct="0">
@@ -12314,10 +14005,10 @@
             </a:solidFill>
             <a:effectLst/>
             <a:uFillTx/>
-            <a:latin typeface="Source Sans Pro"/>
-            <a:ea typeface="Source Sans Pro"/>
-            <a:cs typeface="Source Sans Pro"/>
-            <a:sym typeface="Source Sans Pro"/>
+            <a:latin typeface="Source Sans Pro Regular"/>
+            <a:ea typeface="Source Sans Pro Regular"/>
+            <a:cs typeface="Source Sans Pro Regular"/>
+            <a:sym typeface="Source Sans Pro Regular"/>
           </a:defRPr>
         </a:defPPr>
         <a:lvl1pPr marL="0" marR="0" indent="0" algn="l" defTabSz="914400" rtl="0" fontAlgn="auto" latinLnBrk="1" hangingPunct="0">
@@ -12876,7 +14567,7 @@
           <a:buFontTx/>
           <a:buNone/>
           <a:tabLst/>
-          <a:defRPr b="1" baseline="0" cap="none" i="0" spc="0" strike="noStrike" sz="1200" u="none" kumimoji="0" normalizeH="0">
+          <a:defRPr b="0" baseline="0" cap="none" i="0" spc="0" strike="noStrike" sz="1200" u="none" kumimoji="0" normalizeH="0">
             <a:ln>
               <a:noFill/>
             </a:ln>
@@ -12885,10 +14576,10 @@
             </a:solidFill>
             <a:effectLst/>
             <a:uFillTx/>
-            <a:latin typeface="Source Sans Pro"/>
-            <a:ea typeface="Source Sans Pro"/>
-            <a:cs typeface="Source Sans Pro"/>
-            <a:sym typeface="Source Sans Pro"/>
+            <a:latin typeface="Source Sans Pro Bold"/>
+            <a:ea typeface="Source Sans Pro Bold"/>
+            <a:cs typeface="Source Sans Pro Bold"/>
+            <a:sym typeface="Source Sans Pro Bold"/>
           </a:defRPr>
         </a:defPPr>
         <a:lvl1pPr marL="0" marR="0" indent="0" algn="l" defTabSz="914400" rtl="0" fontAlgn="auto" latinLnBrk="1" hangingPunct="0">

--- a/powerpoints/reticulate.pptx
+++ b/powerpoints/reticulate.pptx
@@ -5262,7 +5262,25 @@
                 <a:cs typeface="Source Sans Pro ExtraLight"/>
                 <a:sym typeface="Source Sans Pro ExtraLight"/>
               </a:rPr>
-              <a:t>py &lt;- import_builtins();</a:t>
+              <a:t>py </a:t>
+            </a:r>
+            <a:r>
+              <a:rPr sz="1000">
+                <a:latin typeface="Source Code Pro ExtraLight"/>
+                <a:ea typeface="Source Code Pro ExtraLight"/>
+                <a:cs typeface="Source Code Pro ExtraLight"/>
+                <a:sym typeface="Source Code Pro ExtraLight"/>
+              </a:rPr>
+              <a:t>&lt;-</a:t>
+            </a:r>
+            <a:r>
+              <a:rPr>
+                <a:latin typeface="Source Sans Pro ExtraLight"/>
+                <a:ea typeface="Source Sans Pro ExtraLight"/>
+                <a:cs typeface="Source Sans Pro ExtraLight"/>
+                <a:sym typeface="Source Sans Pro ExtraLight"/>
+              </a:rPr>
+              <a:t> import_builtins();</a:t>
             </a:r>
             <a:br>
               <a:rPr>
@@ -6677,7 +6695,7 @@
         <p:spPr>
           <a:xfrm>
             <a:off x="3474793" y="6858988"/>
-            <a:ext cx="3176981" cy="3556919"/>
+            <a:ext cx="3214556" cy="3556919"/>
           </a:xfrm>
           <a:prstGeom prst="rect">
             <a:avLst/>
@@ -6873,7 +6891,25 @@
                 <a:cs typeface="Source Sans Pro ExtraLight"/>
                 <a:sym typeface="Source Sans Pro ExtraLight"/>
               </a:rPr>
-              <a:t>x &lt;- 1:4; array_reshape(x, c(2, 2))</a:t>
+              <a:t>x </a:t>
+            </a:r>
+            <a:r>
+              <a:rPr sz="1000">
+                <a:latin typeface="Source Code Pro ExtraLight"/>
+                <a:ea typeface="Source Code Pro ExtraLight"/>
+                <a:cs typeface="Source Code Pro ExtraLight"/>
+                <a:sym typeface="Source Code Pro ExtraLight"/>
+              </a:rPr>
+              <a:t>&lt;-</a:t>
+            </a:r>
+            <a:r>
+              <a:rPr>
+                <a:latin typeface="Source Sans Pro ExtraLight"/>
+                <a:ea typeface="Source Sans Pro ExtraLight"/>
+                <a:cs typeface="Source Sans Pro ExtraLight"/>
+                <a:sym typeface="Source Sans Pro ExtraLight"/>
+              </a:rPr>
+              <a:t> 1:4; array_reshape(x, c(2, 2))</a:t>
             </a:r>
             <a:endParaRPr i="1"/>
           </a:p>
@@ -6917,7 +6953,11 @@
               <a:t>)</a:t>
             </a:r>
             <a:r>
-              <a:t> Wrap an R function in a Python function with the same signature. </a:t>
+              <a:t> Wrap an R function in a Python function </a:t>
+            </a:r>
+            <a:br/>
+            <a:r>
+              <a:t>with the same signature. </a:t>
             </a:r>
             <a:r>
               <a:rPr>
@@ -7023,7 +7063,15 @@
               <a:t>)</a:t>
             </a:r>
             <a:r>
-              <a:t> Apply an R function to each value of a Python iterator or return the values as an R vector, draining the iterator as you go. Also </a:t>
+              <a:t> Apply an </a:t>
+            </a:r>
+            <a:br/>
+            <a:r>
+              <a:t>R function to each value of a Python iterator or return the values as an R vector, draining the iterator as you </a:t>
+            </a:r>
+            <a:br/>
+            <a:r>
+              <a:t>go. Also </a:t>
             </a:r>
             <a:r>
               <a:rPr>
@@ -7109,7 +7157,78 @@
                 <a:cs typeface="Source Sans Pro ExtraLight"/>
                 <a:sym typeface="Source Sans Pro ExtraLight"/>
               </a:rPr>
-              <a:t>seq_gen &lt;- function(x){n &lt;- x; function() {n &lt;&lt;- n + 1; n}}; py_iterator(seq_gen(9))</a:t>
+              <a:t>seq_gen </a:t>
+            </a:r>
+            <a:r>
+              <a:rPr sz="1000">
+                <a:latin typeface="Source Code Pro ExtraLight"/>
+                <a:ea typeface="Source Code Pro ExtraLight"/>
+                <a:cs typeface="Source Code Pro ExtraLight"/>
+                <a:sym typeface="Source Code Pro ExtraLight"/>
+              </a:rPr>
+              <a:t>&lt;-</a:t>
+            </a:r>
+            <a:r>
+              <a:rPr>
+                <a:latin typeface="Source Sans Pro ExtraLight"/>
+                <a:ea typeface="Source Sans Pro ExtraLight"/>
+                <a:cs typeface="Source Sans Pro ExtraLight"/>
+                <a:sym typeface="Source Sans Pro ExtraLight"/>
+              </a:rPr>
+              <a:t> function(x){</a:t>
+            </a:r>
+            <a:br>
+              <a:rPr>
+                <a:latin typeface="Source Sans Pro ExtraLight"/>
+                <a:ea typeface="Source Sans Pro ExtraLight"/>
+                <a:cs typeface="Source Sans Pro ExtraLight"/>
+                <a:sym typeface="Source Sans Pro ExtraLight"/>
+              </a:rPr>
+            </a:br>
+            <a:r>
+              <a:rPr>
+                <a:latin typeface="Source Sans Pro ExtraLight"/>
+                <a:ea typeface="Source Sans Pro ExtraLight"/>
+                <a:cs typeface="Source Sans Pro ExtraLight"/>
+                <a:sym typeface="Source Sans Pro ExtraLight"/>
+              </a:rPr>
+              <a:t>n </a:t>
+            </a:r>
+            <a:r>
+              <a:rPr sz="1000">
+                <a:latin typeface="Source Code Pro ExtraLight"/>
+                <a:ea typeface="Source Code Pro ExtraLight"/>
+                <a:cs typeface="Source Code Pro ExtraLight"/>
+                <a:sym typeface="Source Code Pro ExtraLight"/>
+              </a:rPr>
+              <a:t>&lt;-</a:t>
+            </a:r>
+            <a:r>
+              <a:rPr>
+                <a:latin typeface="Source Sans Pro ExtraLight"/>
+                <a:ea typeface="Source Sans Pro ExtraLight"/>
+                <a:cs typeface="Source Sans Pro ExtraLight"/>
+                <a:sym typeface="Source Sans Pro ExtraLight"/>
+              </a:rPr>
+              <a:t> x; function() {n </a:t>
+            </a:r>
+            <a:r>
+              <a:rPr sz="1000">
+                <a:latin typeface="Source Code Pro ExtraLight"/>
+                <a:ea typeface="Source Code Pro ExtraLight"/>
+                <a:cs typeface="Source Code Pro ExtraLight"/>
+                <a:sym typeface="Source Code Pro ExtraLight"/>
+              </a:rPr>
+              <a:t>&lt;&lt;-</a:t>
+            </a:r>
+            <a:r>
+              <a:rPr>
+                <a:latin typeface="Source Sans Pro ExtraLight"/>
+                <a:ea typeface="Source Sans Pro ExtraLight"/>
+                <a:cs typeface="Source Sans Pro ExtraLight"/>
+                <a:sym typeface="Source Sans Pro ExtraLight"/>
+              </a:rPr>
+              <a:t> n + 1; n}}; py_iterator(seq_gen(9))</a:t>
             </a:r>
           </a:p>
         </p:txBody>
